--- a/AdvancedBdd.pptx
+++ b/AdvancedBdd.pptx
@@ -5,13 +5,26 @@
     <p:sldMasterId id="2147483901" r:id="rId1"/>
   </p:sldMasterIdLst>
   <p:notesMasterIdLst>
-    <p:notesMasterId r:id="rId3"/>
+    <p:notesMasterId r:id="rId16"/>
   </p:notesMasterIdLst>
   <p:handoutMasterIdLst>
-    <p:handoutMasterId r:id="rId4"/>
+    <p:handoutMasterId r:id="rId17"/>
   </p:handoutMasterIdLst>
   <p:sldIdLst>
     <p:sldId id="256" r:id="rId2"/>
+    <p:sldId id="257" r:id="rId3"/>
+    <p:sldId id="262" r:id="rId4"/>
+    <p:sldId id="258" r:id="rId5"/>
+    <p:sldId id="267" r:id="rId6"/>
+    <p:sldId id="261" r:id="rId7"/>
+    <p:sldId id="259" r:id="rId8"/>
+    <p:sldId id="270" r:id="rId9"/>
+    <p:sldId id="263" r:id="rId10"/>
+    <p:sldId id="260" r:id="rId11"/>
+    <p:sldId id="265" r:id="rId12"/>
+    <p:sldId id="271" r:id="rId13"/>
+    <p:sldId id="268" r:id="rId14"/>
+    <p:sldId id="269" r:id="rId15"/>
   </p:sldIdLst>
   <p:sldSz cx="12190413" cy="6858000"/>
   <p:notesSz cx="6858000" cy="9144000"/>
@@ -2540,7 +2553,7 @@
             <a:fld id="{7FC88BA9-6F9E-4215-AE89-45AC6BCA1B0E}" type="datetime1">
               <a:rPr lang="de-DE" smtClean="0"/>
               <a:pPr/>
-              <a:t>22.10.19</a:t>
+              <a:t>28.10.19</a:t>
             </a:fld>
             <a:endParaRPr lang="de-DE" dirty="0"/>
           </a:p>
@@ -3827,7 +3840,7 @@
           <a:p>
             <a:fld id="{6FEC6909-2C01-40CF-9626-2CD40C8FE822}" type="datetime1">
               <a:rPr lang="de-DE" noProof="0" smtClean="0"/>
-              <a:t>22.10.19</a:t>
+              <a:t>28.10.19</a:t>
             </a:fld>
             <a:endParaRPr lang="de-DE" noProof="0" dirty="0"/>
           </a:p>
@@ -4899,7 +4912,7 @@
           <a:p>
             <a:fld id="{6FEC6909-2C01-40CF-9626-2CD40C8FE822}" type="datetime1">
               <a:rPr lang="de-DE" noProof="0" smtClean="0"/>
-              <a:t>22.10.19</a:t>
+              <a:t>28.10.19</a:t>
             </a:fld>
             <a:endParaRPr lang="de-DE" noProof="0" dirty="0"/>
           </a:p>
@@ -5815,7 +5828,7 @@
           <a:p>
             <a:fld id="{6FEC6909-2C01-40CF-9626-2CD40C8FE822}" type="datetime1">
               <a:rPr lang="de-DE" noProof="0" smtClean="0"/>
-              <a:t>22.10.19</a:t>
+              <a:t>28.10.19</a:t>
             </a:fld>
             <a:endParaRPr lang="de-DE" noProof="0" dirty="0"/>
           </a:p>
@@ -7026,7 +7039,7 @@
           <a:p>
             <a:fld id="{6FEC6909-2C01-40CF-9626-2CD40C8FE822}" type="datetime1">
               <a:rPr lang="de-DE" noProof="0" smtClean="0"/>
-              <a:t>22.10.19</a:t>
+              <a:t>28.10.19</a:t>
             </a:fld>
             <a:endParaRPr lang="de-DE" noProof="0" dirty="0"/>
           </a:p>
@@ -8480,7 +8493,7 @@
           <a:p>
             <a:fld id="{9AFA0DE8-8033-462D-BDBF-CD1E1FDE3CA3}" type="datetime1">
               <a:rPr lang="de-DE" noProof="0" smtClean="0"/>
-              <a:t>22.10.19</a:t>
+              <a:t>28.10.19</a:t>
             </a:fld>
             <a:endParaRPr lang="de-DE" noProof="0" dirty="0"/>
           </a:p>
@@ -9130,7 +9143,7 @@
           <a:p>
             <a:fld id="{0F71BE61-C023-4ED4-BECD-45A03B55F882}" type="datetime1">
               <a:rPr lang="de-DE" noProof="0" smtClean="0"/>
-              <a:t>22.10.19</a:t>
+              <a:t>28.10.19</a:t>
             </a:fld>
             <a:endParaRPr lang="de-DE" noProof="0" dirty="0"/>
           </a:p>
@@ -9441,7 +9454,7 @@
           <a:p>
             <a:fld id="{154C7814-F218-4D9E-8E58-25588F0986B1}" type="datetime1">
               <a:rPr lang="de-DE" noProof="0" smtClean="0"/>
-              <a:t>22.10.19</a:t>
+              <a:t>28.10.19</a:t>
             </a:fld>
             <a:endParaRPr lang="de-DE" noProof="0" dirty="0"/>
           </a:p>
@@ -10187,7 +10200,7 @@
           <a:p>
             <a:fld id="{1DA5372B-8290-4F29-B014-C1FC8CBE3BE6}" type="datetime1">
               <a:rPr lang="de-DE" noProof="0" smtClean="0"/>
-              <a:t>22.10.19</a:t>
+              <a:t>28.10.19</a:t>
             </a:fld>
             <a:endParaRPr lang="de-DE" noProof="0" dirty="0"/>
           </a:p>
@@ -10574,7 +10587,7 @@
           <a:p>
             <a:fld id="{70EF8492-ADB9-4EBE-9A60-E55C77C98726}" type="datetime1">
               <a:rPr lang="de-DE" noProof="0" smtClean="0"/>
-              <a:t>22.10.19</a:t>
+              <a:t>28.10.19</a:t>
             </a:fld>
             <a:endParaRPr lang="de-DE" noProof="0" dirty="0"/>
           </a:p>
@@ -11035,7 +11048,7 @@
           <a:p>
             <a:fld id="{70EF8492-ADB9-4EBE-9A60-E55C77C98726}" type="datetime1">
               <a:rPr lang="de-DE" noProof="0" smtClean="0"/>
-              <a:t>22.10.19</a:t>
+              <a:t>28.10.19</a:t>
             </a:fld>
             <a:endParaRPr lang="de-DE" noProof="0" dirty="0"/>
           </a:p>
@@ -11496,7 +11509,7 @@
           <a:p>
             <a:fld id="{70EF8492-ADB9-4EBE-9A60-E55C77C98726}" type="datetime1">
               <a:rPr lang="de-DE" noProof="0" smtClean="0"/>
-              <a:t>22.10.19</a:t>
+              <a:t>28.10.19</a:t>
             </a:fld>
             <a:endParaRPr lang="de-DE" noProof="0" dirty="0"/>
           </a:p>
@@ -11957,7 +11970,7 @@
           <a:p>
             <a:fld id="{70EF8492-ADB9-4EBE-9A60-E55C77C98726}" type="datetime1">
               <a:rPr lang="de-DE" noProof="0" smtClean="0"/>
-              <a:t>22.10.19</a:t>
+              <a:t>28.10.19</a:t>
             </a:fld>
             <a:endParaRPr lang="de-DE" noProof="0" dirty="0"/>
           </a:p>
@@ -12344,7 +12357,7 @@
           <a:p>
             <a:fld id="{70EF8492-ADB9-4EBE-9A60-E55C77C98726}" type="datetime1">
               <a:rPr lang="de-DE" noProof="0" smtClean="0"/>
-              <a:t>22.10.19</a:t>
+              <a:t>28.10.19</a:t>
             </a:fld>
             <a:endParaRPr lang="de-DE" noProof="0" dirty="0"/>
           </a:p>
@@ -12750,7 +12763,7 @@
           <a:p>
             <a:fld id="{70EF8492-ADB9-4EBE-9A60-E55C77C98726}" type="datetime1">
               <a:rPr lang="de-DE" noProof="0" smtClean="0"/>
-              <a:t>22.10.19</a:t>
+              <a:t>28.10.19</a:t>
             </a:fld>
             <a:endParaRPr lang="de-DE" noProof="0" dirty="0"/>
           </a:p>
@@ -13192,7 +13205,7 @@
           <a:p>
             <a:fld id="{05B3DBBF-4A8C-46E8-A0AB-E0735B148AED}" type="datetime1">
               <a:rPr lang="de-DE" noProof="0" smtClean="0"/>
-              <a:t>22.10.19</a:t>
+              <a:t>28.10.19</a:t>
             </a:fld>
             <a:endParaRPr lang="de-DE" noProof="0" dirty="0"/>
           </a:p>
@@ -13619,7 +13632,7 @@
           <a:p>
             <a:fld id="{52FAB3FD-4E6C-46E0-B1BD-C93EFC10EB33}" type="datetime1">
               <a:rPr lang="de-DE" noProof="0" smtClean="0"/>
-              <a:t>22.10.19</a:t>
+              <a:t>28.10.19</a:t>
             </a:fld>
             <a:endParaRPr lang="de-DE" noProof="0" dirty="0"/>
           </a:p>
@@ -14047,7 +14060,7 @@
           <a:p>
             <a:fld id="{BA4831C8-84E6-4639-B768-66D96F272C03}" type="datetime1">
               <a:rPr lang="de-DE" noProof="0" smtClean="0"/>
-              <a:t>22.10.19</a:t>
+              <a:t>28.10.19</a:t>
             </a:fld>
             <a:endParaRPr lang="de-DE" noProof="0" dirty="0"/>
           </a:p>
@@ -14787,7 +14800,7 @@
           <a:p>
             <a:fld id="{9D85A577-AB73-44DD-ABC0-BFB8B3497DED}" type="datetime1">
               <a:rPr lang="de-DE" noProof="0" smtClean="0"/>
-              <a:t>22.10.19</a:t>
+              <a:t>28.10.19</a:t>
             </a:fld>
             <a:endParaRPr lang="de-DE" noProof="0" dirty="0"/>
           </a:p>
@@ -15270,7 +15283,7 @@
           <a:p>
             <a:fld id="{BA4831C8-84E6-4639-B768-66D96F272C03}" type="datetime1">
               <a:rPr lang="de-DE" noProof="0" smtClean="0"/>
-              <a:t>22.10.19</a:t>
+              <a:t>28.10.19</a:t>
             </a:fld>
             <a:endParaRPr lang="de-DE" noProof="0" dirty="0"/>
           </a:p>
@@ -15717,7 +15730,7 @@
           <a:p>
             <a:fld id="{70EF8492-ADB9-4EBE-9A60-E55C77C98726}" type="datetime1">
               <a:rPr lang="de-DE" noProof="0" smtClean="0"/>
-              <a:t>22.10.19</a:t>
+              <a:t>28.10.19</a:t>
             </a:fld>
             <a:endParaRPr lang="de-DE" noProof="0" dirty="0"/>
           </a:p>
@@ -16144,7 +16157,7 @@
           <a:p>
             <a:fld id="{1DA5372B-8290-4F29-B014-C1FC8CBE3BE6}" type="datetime1">
               <a:rPr lang="de-DE" noProof="0" smtClean="0"/>
-              <a:t>22.10.19</a:t>
+              <a:t>28.10.19</a:t>
             </a:fld>
             <a:endParaRPr lang="de-DE" noProof="0" dirty="0"/>
           </a:p>
@@ -16612,7 +16625,7 @@
           <a:p>
             <a:fld id="{1DA5372B-8290-4F29-B014-C1FC8CBE3BE6}" type="datetime1">
               <a:rPr lang="de-DE" noProof="0" smtClean="0"/>
-              <a:t>22.10.19</a:t>
+              <a:t>28.10.19</a:t>
             </a:fld>
             <a:endParaRPr lang="de-DE" noProof="0" dirty="0"/>
           </a:p>
@@ -17116,7 +17129,7 @@
           <a:p>
             <a:fld id="{3621CD1E-4595-42C3-BFF0-83D0896B7E8A}" type="datetime1">
               <a:rPr lang="de-DE" noProof="0" smtClean="0"/>
-              <a:t>22.10.19</a:t>
+              <a:t>28.10.19</a:t>
             </a:fld>
             <a:endParaRPr lang="de-DE" noProof="0" dirty="0"/>
           </a:p>
@@ -17585,7 +17598,7 @@
           <a:p>
             <a:fld id="{1DA5372B-8290-4F29-B014-C1FC8CBE3BE6}" type="datetime1">
               <a:rPr lang="de-DE" noProof="0" smtClean="0"/>
-              <a:t>22.10.19</a:t>
+              <a:t>28.10.19</a:t>
             </a:fld>
             <a:endParaRPr lang="de-DE" noProof="0" dirty="0"/>
           </a:p>
@@ -18094,7 +18107,7 @@
           <a:p>
             <a:fld id="{70EF8492-ADB9-4EBE-9A60-E55C77C98726}" type="datetime1">
               <a:rPr lang="de-DE" noProof="0" smtClean="0"/>
-              <a:t>22.10.19</a:t>
+              <a:t>28.10.19</a:t>
             </a:fld>
             <a:endParaRPr lang="de-DE" noProof="0" dirty="0"/>
           </a:p>
@@ -18574,7 +18587,7 @@
           <a:p>
             <a:fld id="{8F698533-FC6E-4163-A8E0-9190274D324A}" type="datetime1">
               <a:rPr lang="de-DE" noProof="0" smtClean="0"/>
-              <a:t>22.10.19</a:t>
+              <a:t>28.10.19</a:t>
             </a:fld>
             <a:endParaRPr lang="de-DE" noProof="0" dirty="0"/>
           </a:p>
@@ -19065,7 +19078,7 @@
           <a:p>
             <a:fld id="{8F698533-FC6E-4163-A8E0-9190274D324A}" type="datetime1">
               <a:rPr lang="de-DE" noProof="0" smtClean="0"/>
-              <a:t>22.10.19</a:t>
+              <a:t>28.10.19</a:t>
             </a:fld>
             <a:endParaRPr lang="de-DE" noProof="0" dirty="0"/>
           </a:p>
@@ -19850,7 +19863,7 @@
           <a:p>
             <a:fld id="{50A86C45-CD1A-44AA-99BA-C8001C00C2F1}" type="datetime1">
               <a:rPr lang="de-DE" noProof="0" smtClean="0"/>
-              <a:t>22.10.19</a:t>
+              <a:t>28.10.19</a:t>
             </a:fld>
             <a:endParaRPr lang="de-DE" noProof="0" dirty="0"/>
           </a:p>
@@ -20485,7 +20498,7 @@
           <a:p>
             <a:fld id="{F807D330-5B89-43D0-9D03-357C4C787AFF}" type="datetime1">
               <a:rPr lang="de-DE" noProof="0" smtClean="0"/>
-              <a:t>22.10.19</a:t>
+              <a:t>28.10.19</a:t>
             </a:fld>
             <a:endParaRPr lang="de-DE" noProof="0" dirty="0"/>
           </a:p>
@@ -21056,7 +21069,7 @@
           <a:p>
             <a:fld id="{DDA146EC-6F84-4175-AEE8-BACFBC2394F6}" type="datetime1">
               <a:rPr lang="de-DE" noProof="0" smtClean="0"/>
-              <a:t>22.10.19</a:t>
+              <a:t>28.10.19</a:t>
             </a:fld>
             <a:endParaRPr lang="de-DE" noProof="0" dirty="0"/>
           </a:p>
@@ -21744,7 +21757,7 @@
           <a:p>
             <a:fld id="{F807D330-5B89-43D0-9D03-357C4C787AFF}" type="datetime1">
               <a:rPr lang="de-DE" noProof="0" smtClean="0"/>
-              <a:t>22.10.19</a:t>
+              <a:t>28.10.19</a:t>
             </a:fld>
             <a:endParaRPr lang="de-DE" noProof="0" dirty="0"/>
           </a:p>
@@ -22315,7 +22328,7 @@
           <a:p>
             <a:fld id="{DDA146EC-6F84-4175-AEE8-BACFBC2394F6}" type="datetime1">
               <a:rPr lang="de-DE" noProof="0" smtClean="0"/>
-              <a:t>22.10.19</a:t>
+              <a:t>28.10.19</a:t>
             </a:fld>
             <a:endParaRPr lang="de-DE" noProof="0" dirty="0"/>
           </a:p>
@@ -22836,7 +22849,7 @@
           <a:p>
             <a:fld id="{8F698533-FC6E-4163-A8E0-9190274D324A}" type="datetime1">
               <a:rPr lang="de-DE" noProof="0" smtClean="0"/>
-              <a:t>22.10.19</a:t>
+              <a:t>28.10.19</a:t>
             </a:fld>
             <a:endParaRPr lang="de-DE" noProof="0" dirty="0"/>
           </a:p>
@@ -23401,7 +23414,7 @@
           <a:p>
             <a:fld id="{70EF8492-ADB9-4EBE-9A60-E55C77C98726}" type="datetime1">
               <a:rPr lang="de-DE" noProof="0" smtClean="0"/>
-              <a:t>22.10.19</a:t>
+              <a:t>28.10.19</a:t>
             </a:fld>
             <a:endParaRPr lang="de-DE" noProof="0" dirty="0"/>
           </a:p>
@@ -24002,7 +24015,7 @@
           <a:p>
             <a:fld id="{70EF8492-ADB9-4EBE-9A60-E55C77C98726}" type="datetime1">
               <a:rPr lang="de-DE" noProof="0" smtClean="0"/>
-              <a:t>22.10.19</a:t>
+              <a:t>28.10.19</a:t>
             </a:fld>
             <a:endParaRPr lang="de-DE" noProof="0" dirty="0"/>
           </a:p>
@@ -24696,7 +24709,7 @@
           <a:p>
             <a:fld id="{70EF8492-ADB9-4EBE-9A60-E55C77C98726}" type="datetime1">
               <a:rPr lang="de-DE" noProof="0" smtClean="0"/>
-              <a:t>22.10.19</a:t>
+              <a:t>28.10.19</a:t>
             </a:fld>
             <a:endParaRPr lang="de-DE" noProof="0" dirty="0"/>
           </a:p>
@@ -25208,7 +25221,7 @@
           <a:p>
             <a:fld id="{BAD07360-8F9C-4FF8-B753-12BB54489DC8}" type="datetime1">
               <a:rPr lang="de-DE" noProof="0" smtClean="0"/>
-              <a:t>22.10.19</a:t>
+              <a:t>28.10.19</a:t>
             </a:fld>
             <a:endParaRPr lang="de-DE" noProof="0" dirty="0"/>
           </a:p>
@@ -26019,7 +26032,7 @@
           <a:p>
             <a:fld id="{BAD07360-8F9C-4FF8-B753-12BB54489DC8}" type="datetime1">
               <a:rPr lang="de-DE" noProof="0" smtClean="0"/>
-              <a:t>22.10.19</a:t>
+              <a:t>28.10.19</a:t>
             </a:fld>
             <a:endParaRPr lang="de-DE" noProof="0" dirty="0"/>
           </a:p>
@@ -26608,7 +26621,7 @@
           <a:p>
             <a:fld id="{F84828BB-7B4A-43F5-823E-CE2F139C8F04}" type="datetime1">
               <a:rPr lang="de-DE" noProof="0" smtClean="0"/>
-              <a:t>22.10.19</a:t>
+              <a:t>28.10.19</a:t>
             </a:fld>
             <a:endParaRPr lang="de-DE" noProof="0" dirty="0"/>
           </a:p>
@@ -27320,7 +27333,7 @@
           <a:p>
             <a:fld id="{BAD07360-8F9C-4FF8-B753-12BB54489DC8}" type="datetime1">
               <a:rPr lang="de-DE" noProof="0" smtClean="0"/>
-              <a:t>22.10.19</a:t>
+              <a:t>28.10.19</a:t>
             </a:fld>
             <a:endParaRPr lang="de-DE" noProof="0" dirty="0"/>
           </a:p>
@@ -28029,7 +28042,7 @@
           <a:p>
             <a:fld id="{DDA146EC-6F84-4175-AEE8-BACFBC2394F6}" type="datetime1">
               <a:rPr lang="de-DE" noProof="0" smtClean="0"/>
-              <a:t>22.10.19</a:t>
+              <a:t>28.10.19</a:t>
             </a:fld>
             <a:endParaRPr lang="de-DE" noProof="0" dirty="0"/>
           </a:p>
@@ -28831,7 +28844,7 @@
           <a:p>
             <a:fld id="{DDA146EC-6F84-4175-AEE8-BACFBC2394F6}" type="datetime1">
               <a:rPr lang="de-DE" noProof="0" smtClean="0"/>
-              <a:t>22.10.19</a:t>
+              <a:t>28.10.19</a:t>
             </a:fld>
             <a:endParaRPr lang="de-DE" noProof="0" dirty="0"/>
           </a:p>
@@ -29377,7 +29390,7 @@
           <a:p>
             <a:fld id="{DDA146EC-6F84-4175-AEE8-BACFBC2394F6}" type="datetime1">
               <a:rPr lang="de-DE" noProof="0" smtClean="0"/>
-              <a:t>22.10.19</a:t>
+              <a:t>28.10.19</a:t>
             </a:fld>
             <a:endParaRPr lang="de-DE" noProof="0" dirty="0"/>
           </a:p>
@@ -29882,7 +29895,7 @@
           <a:p>
             <a:fld id="{BAD07360-8F9C-4FF8-B753-12BB54489DC8}" type="datetime1">
               <a:rPr lang="de-DE" noProof="0" smtClean="0"/>
-              <a:t>22.10.19</a:t>
+              <a:t>28.10.19</a:t>
             </a:fld>
             <a:endParaRPr lang="de-DE" noProof="0" dirty="0"/>
           </a:p>
@@ -31495,7 +31508,7 @@
             <a:fld id="{BFDAD13F-B150-48FA-9084-D9E756CCCB07}" type="datetime1">
               <a:rPr lang="de-DE" smtClean="0"/>
               <a:pPr/>
-              <a:t>22.10.19</a:t>
+              <a:t>28.10.19</a:t>
             </a:fld>
             <a:endParaRPr lang="de-DE" dirty="0"/>
           </a:p>
@@ -34122,7 +34135,7 @@
             <a:fld id="{7FC88BA9-6F9E-4215-AE89-45AC6BCA1B0E}" type="datetime1">
               <a:rPr lang="de-DE" smtClean="0"/>
               <a:pPr/>
-              <a:t>22.10.19</a:t>
+              <a:t>28.10.19</a:t>
             </a:fld>
             <a:endParaRPr lang="de-DE" dirty="0"/>
           </a:p>
@@ -34475,7 +34488,7 @@
           <a:p>
             <a:fld id="{BFDAD13F-B150-48FA-9084-D9E756CCCB07}" type="datetime1">
               <a:rPr lang="de-DE" noProof="0" smtClean="0"/>
-              <a:t>22.10.19</a:t>
+              <a:t>28.10.19</a:t>
             </a:fld>
             <a:endParaRPr lang="de-DE" noProof="0" dirty="0"/>
           </a:p>
@@ -35537,7 +35550,10 @@
           <a:bodyPr/>
           <a:lstStyle/>
           <a:p>
-            <a:endParaRPr lang="de-DE" dirty="0"/>
+            <a:r>
+              <a:rPr lang="de-DE" dirty="0"/>
+              <a:t>Unkomplizierte und leserliche Tests</a:t>
+            </a:r>
           </a:p>
         </p:txBody>
       </p:sp>
@@ -35605,7 +35621,10 @@
           <a:bodyPr/>
           <a:lstStyle/>
           <a:p>
-            <a:endParaRPr lang="de-DE" dirty="0"/>
+            <a:r>
+              <a:rPr lang="de-DE" dirty="0"/>
+              <a:t>28. November 2019	 Maik Wagner</a:t>
+            </a:r>
           </a:p>
         </p:txBody>
       </p:sp>
@@ -35613,6 +35632,3910 @@
     <p:extLst>
       <p:ext uri="{BB962C8B-B14F-4D97-AF65-F5344CB8AC3E}">
         <p14:creationId xmlns:p14="http://schemas.microsoft.com/office/powerpoint/2010/main" val="987185894"/>
+      </p:ext>
+    </p:extLst>
+  </p:cSld>
+  <p:clrMapOvr>
+    <a:masterClrMapping/>
+  </p:clrMapOvr>
+  <mc:AlternateContent xmlns:mc="http://schemas.openxmlformats.org/markup-compatibility/2006" xmlns:p14="http://schemas.microsoft.com/office/powerpoint/2010/main">
+    <mc:Choice Requires="p14">
+      <p:transition spd="med" p14:dur="700">
+        <p:fade/>
+      </p:transition>
+    </mc:Choice>
+    <mc:Fallback xmlns="">
+      <p:transition spd="med">
+        <p:fade/>
+      </p:transition>
+    </mc:Fallback>
+  </mc:AlternateContent>
+</p:sld>
+</file>
+
+<file path=ppt/slides/slide10.xml><?xml version="1.0" encoding="utf-8"?>
+<p:sld xmlns:a="http://schemas.openxmlformats.org/drawingml/2006/main" xmlns:r="http://schemas.openxmlformats.org/officeDocument/2006/relationships" xmlns:p="http://schemas.openxmlformats.org/presentationml/2006/main">
+  <p:cSld>
+    <p:spTree>
+      <p:nvGrpSpPr>
+        <p:cNvPr id="1" name=""/>
+        <p:cNvGrpSpPr/>
+        <p:nvPr/>
+      </p:nvGrpSpPr>
+      <p:grpSpPr>
+        <a:xfrm>
+          <a:off x="0" y="0"/>
+          <a:ext cx="0" cy="0"/>
+          <a:chOff x="0" y="0"/>
+          <a:chExt cx="0" cy="0"/>
+        </a:xfrm>
+      </p:grpSpPr>
+      <p:sp>
+        <p:nvSpPr>
+          <p:cNvPr id="2" name="Titel 1">
+            <a:extLst>
+              <a:ext uri="{FF2B5EF4-FFF2-40B4-BE49-F238E27FC236}">
+                <a16:creationId xmlns:a16="http://schemas.microsoft.com/office/drawing/2014/main" id="{9ABFDAD6-C0E1-8141-B758-0212F3A14EF0}"/>
+              </a:ext>
+            </a:extLst>
+          </p:cNvPr>
+          <p:cNvSpPr>
+            <a:spLocks noGrp="1"/>
+          </p:cNvSpPr>
+          <p:nvPr>
+            <p:ph type="title"/>
+          </p:nvPr>
+        </p:nvSpPr>
+        <p:spPr/>
+        <p:txBody>
+          <a:bodyPr/>
+          <a:lstStyle/>
+          <a:p>
+            <a:r>
+              <a:rPr lang="de-DE" dirty="0"/>
+              <a:t>Beispielanwendung</a:t>
+            </a:r>
+          </a:p>
+        </p:txBody>
+      </p:sp>
+      <p:sp>
+        <p:nvSpPr>
+          <p:cNvPr id="3" name="Textplatzhalter 2">
+            <a:extLst>
+              <a:ext uri="{FF2B5EF4-FFF2-40B4-BE49-F238E27FC236}">
+                <a16:creationId xmlns:a16="http://schemas.microsoft.com/office/drawing/2014/main" id="{7B72EB04-8F2B-9649-8BCA-10A8855FA9DF}"/>
+              </a:ext>
+            </a:extLst>
+          </p:cNvPr>
+          <p:cNvSpPr>
+            <a:spLocks noGrp="1"/>
+          </p:cNvSpPr>
+          <p:nvPr>
+            <p:ph type="body" sz="quarter" idx="13"/>
+          </p:nvPr>
+        </p:nvSpPr>
+        <p:spPr/>
+        <p:txBody>
+          <a:bodyPr/>
+          <a:lstStyle/>
+          <a:p>
+            <a:endParaRPr lang="de-DE" dirty="0"/>
+          </a:p>
+        </p:txBody>
+      </p:sp>
+      <p:sp>
+        <p:nvSpPr>
+          <p:cNvPr id="4" name="Textplatzhalter 3">
+            <a:extLst>
+              <a:ext uri="{FF2B5EF4-FFF2-40B4-BE49-F238E27FC236}">
+                <a16:creationId xmlns:a16="http://schemas.microsoft.com/office/drawing/2014/main" id="{6AF86A2C-1A98-B740-A6C7-96733375689D}"/>
+              </a:ext>
+            </a:extLst>
+          </p:cNvPr>
+          <p:cNvSpPr>
+            <a:spLocks noGrp="1"/>
+          </p:cNvSpPr>
+          <p:nvPr>
+            <p:ph type="body" sz="quarter" idx="22"/>
+          </p:nvPr>
+        </p:nvSpPr>
+        <p:spPr/>
+        <p:txBody>
+          <a:bodyPr/>
+          <a:lstStyle/>
+          <a:p>
+            <a:endParaRPr lang="de-DE"/>
+          </a:p>
+        </p:txBody>
+      </p:sp>
+      <p:sp>
+        <p:nvSpPr>
+          <p:cNvPr id="5" name="Inhaltsplatzhalter 4">
+            <a:extLst>
+              <a:ext uri="{FF2B5EF4-FFF2-40B4-BE49-F238E27FC236}">
+                <a16:creationId xmlns:a16="http://schemas.microsoft.com/office/drawing/2014/main" id="{AEA18834-89EA-704B-A9D5-6D5196539E75}"/>
+              </a:ext>
+            </a:extLst>
+          </p:cNvPr>
+          <p:cNvSpPr>
+            <a:spLocks noGrp="1"/>
+          </p:cNvSpPr>
+          <p:nvPr>
+            <p:ph sz="half" idx="14"/>
+          </p:nvPr>
+        </p:nvSpPr>
+        <p:spPr/>
+        <p:txBody>
+          <a:bodyPr/>
+          <a:lstStyle/>
+          <a:p>
+            <a:r>
+              <a:rPr lang="de-DE" dirty="0"/>
+              <a:t>Was kann sie?</a:t>
+            </a:r>
+          </a:p>
+          <a:p>
+            <a:r>
+              <a:rPr lang="de-DE" dirty="0"/>
+              <a:t>Wie funktioniert sie?</a:t>
+            </a:r>
+          </a:p>
+          <a:p>
+            <a:r>
+              <a:rPr lang="de-DE" dirty="0"/>
+              <a:t>Live Demo</a:t>
+            </a:r>
+          </a:p>
+        </p:txBody>
+      </p:sp>
+      <p:sp>
+        <p:nvSpPr>
+          <p:cNvPr id="6" name="Fußzeilenplatzhalter 5">
+            <a:extLst>
+              <a:ext uri="{FF2B5EF4-FFF2-40B4-BE49-F238E27FC236}">
+                <a16:creationId xmlns:a16="http://schemas.microsoft.com/office/drawing/2014/main" id="{41C46F3B-E446-4544-8A96-29A3DE017D2F}"/>
+              </a:ext>
+            </a:extLst>
+          </p:cNvPr>
+          <p:cNvSpPr>
+            <a:spLocks noGrp="1"/>
+          </p:cNvSpPr>
+          <p:nvPr>
+            <p:ph type="ftr" sz="quarter" idx="11"/>
+          </p:nvPr>
+        </p:nvSpPr>
+        <p:spPr/>
+        <p:txBody>
+          <a:bodyPr/>
+          <a:lstStyle/>
+          <a:p>
+            <a:r>
+              <a:rPr lang="de-DE" dirty="0" err="1"/>
+              <a:t>Advanced</a:t>
+            </a:r>
+            <a:r>
+              <a:rPr lang="de-DE" dirty="0"/>
+              <a:t> BDD / Maik Wagner / © </a:t>
+            </a:r>
+            <a:r>
+              <a:rPr lang="de-DE" dirty="0" err="1"/>
+              <a:t>Tallence</a:t>
+            </a:r>
+            <a:r>
+              <a:rPr lang="de-DE" dirty="0"/>
+              <a:t> AG</a:t>
+            </a:r>
+          </a:p>
+        </p:txBody>
+      </p:sp>
+      <p:sp>
+        <p:nvSpPr>
+          <p:cNvPr id="7" name="Datumsplatzhalter 6">
+            <a:extLst>
+              <a:ext uri="{FF2B5EF4-FFF2-40B4-BE49-F238E27FC236}">
+                <a16:creationId xmlns:a16="http://schemas.microsoft.com/office/drawing/2014/main" id="{9B585C95-7521-D34A-8571-90376AC48DA7}"/>
+              </a:ext>
+            </a:extLst>
+          </p:cNvPr>
+          <p:cNvSpPr>
+            <a:spLocks noGrp="1"/>
+          </p:cNvSpPr>
+          <p:nvPr>
+            <p:ph type="dt" sz="half" idx="10"/>
+          </p:nvPr>
+        </p:nvSpPr>
+        <p:spPr/>
+        <p:txBody>
+          <a:bodyPr/>
+          <a:lstStyle/>
+          <a:p>
+            <a:fld id="{154C7814-F218-4D9E-8E58-25588F0986B1}" type="datetime1">
+              <a:rPr lang="de-DE" noProof="0" smtClean="0"/>
+              <a:t>28.10.19</a:t>
+            </a:fld>
+            <a:endParaRPr lang="de-DE" noProof="0" dirty="0"/>
+          </a:p>
+        </p:txBody>
+      </p:sp>
+      <p:sp>
+        <p:nvSpPr>
+          <p:cNvPr id="8" name="Foliennummernplatzhalter 7">
+            <a:extLst>
+              <a:ext uri="{FF2B5EF4-FFF2-40B4-BE49-F238E27FC236}">
+                <a16:creationId xmlns:a16="http://schemas.microsoft.com/office/drawing/2014/main" id="{6C9469C1-DF6E-E543-BE43-B68C9496F691}"/>
+              </a:ext>
+            </a:extLst>
+          </p:cNvPr>
+          <p:cNvSpPr>
+            <a:spLocks noGrp="1"/>
+          </p:cNvSpPr>
+          <p:nvPr>
+            <p:ph type="sldNum" sz="quarter" idx="12"/>
+          </p:nvPr>
+        </p:nvSpPr>
+        <p:spPr/>
+        <p:txBody>
+          <a:bodyPr/>
+          <a:lstStyle/>
+          <a:p>
+            <a:fld id="{02CEFE82-39F2-4F47-8A0C-D5AB3496FA5C}" type="slidenum">
+              <a:rPr lang="de-DE" noProof="0" smtClean="0"/>
+              <a:pPr/>
+              <a:t>10</a:t>
+            </a:fld>
+            <a:endParaRPr lang="de-DE" noProof="0" dirty="0"/>
+          </a:p>
+        </p:txBody>
+      </p:sp>
+    </p:spTree>
+    <p:extLst>
+      <p:ext uri="{BB962C8B-B14F-4D97-AF65-F5344CB8AC3E}">
+        <p14:creationId xmlns:p14="http://schemas.microsoft.com/office/powerpoint/2010/main" val="2322926629"/>
+      </p:ext>
+    </p:extLst>
+  </p:cSld>
+  <p:clrMapOvr>
+    <a:masterClrMapping/>
+  </p:clrMapOvr>
+  <mc:AlternateContent xmlns:mc="http://schemas.openxmlformats.org/markup-compatibility/2006" xmlns:p14="http://schemas.microsoft.com/office/powerpoint/2010/main">
+    <mc:Choice Requires="p14">
+      <p:transition spd="med" p14:dur="700">
+        <p:fade/>
+      </p:transition>
+    </mc:Choice>
+    <mc:Fallback xmlns="">
+      <p:transition spd="med">
+        <p:fade/>
+      </p:transition>
+    </mc:Fallback>
+  </mc:AlternateContent>
+</p:sld>
+</file>
+
+<file path=ppt/slides/slide11.xml><?xml version="1.0" encoding="utf-8"?>
+<p:sld xmlns:a="http://schemas.openxmlformats.org/drawingml/2006/main" xmlns:r="http://schemas.openxmlformats.org/officeDocument/2006/relationships" xmlns:p="http://schemas.openxmlformats.org/presentationml/2006/main">
+  <p:cSld>
+    <p:spTree>
+      <p:nvGrpSpPr>
+        <p:cNvPr id="1" name=""/>
+        <p:cNvGrpSpPr/>
+        <p:nvPr/>
+      </p:nvGrpSpPr>
+      <p:grpSpPr>
+        <a:xfrm>
+          <a:off x="0" y="0"/>
+          <a:ext cx="0" cy="0"/>
+          <a:chOff x="0" y="0"/>
+          <a:chExt cx="0" cy="0"/>
+        </a:xfrm>
+      </p:grpSpPr>
+      <p:sp>
+        <p:nvSpPr>
+          <p:cNvPr id="9" name="Titel 8">
+            <a:extLst>
+              <a:ext uri="{FF2B5EF4-FFF2-40B4-BE49-F238E27FC236}">
+                <a16:creationId xmlns:a16="http://schemas.microsoft.com/office/drawing/2014/main" id="{1F6BE20F-A64A-F140-A8CA-A23DF3164E9E}"/>
+              </a:ext>
+            </a:extLst>
+          </p:cNvPr>
+          <p:cNvSpPr>
+            <a:spLocks noGrp="1"/>
+          </p:cNvSpPr>
+          <p:nvPr>
+            <p:ph type="ctrTitle"/>
+          </p:nvPr>
+        </p:nvSpPr>
+        <p:spPr/>
+        <p:txBody>
+          <a:bodyPr/>
+          <a:lstStyle/>
+          <a:p>
+            <a:r>
+              <a:rPr lang="de-DE" dirty="0" err="1"/>
+              <a:t>Advanced</a:t>
+            </a:r>
+            <a:r>
+              <a:rPr lang="de-DE" dirty="0"/>
+              <a:t> BDD</a:t>
+            </a:r>
+          </a:p>
+        </p:txBody>
+      </p:sp>
+      <p:sp>
+        <p:nvSpPr>
+          <p:cNvPr id="11" name="Textplatzhalter 10">
+            <a:extLst>
+              <a:ext uri="{FF2B5EF4-FFF2-40B4-BE49-F238E27FC236}">
+                <a16:creationId xmlns:a16="http://schemas.microsoft.com/office/drawing/2014/main" id="{1A040727-61CB-4B4D-9D15-2AE8DA9624C9}"/>
+              </a:ext>
+            </a:extLst>
+          </p:cNvPr>
+          <p:cNvSpPr>
+            <a:spLocks noGrp="1"/>
+          </p:cNvSpPr>
+          <p:nvPr>
+            <p:ph type="body" sz="quarter" idx="14"/>
+          </p:nvPr>
+        </p:nvSpPr>
+        <p:spPr/>
+        <p:txBody>
+          <a:bodyPr/>
+          <a:lstStyle/>
+          <a:p>
+            <a:endParaRPr lang="de-DE"/>
+          </a:p>
+        </p:txBody>
+      </p:sp>
+      <p:sp>
+        <p:nvSpPr>
+          <p:cNvPr id="10" name="Textplatzhalter 9">
+            <a:extLst>
+              <a:ext uri="{FF2B5EF4-FFF2-40B4-BE49-F238E27FC236}">
+                <a16:creationId xmlns:a16="http://schemas.microsoft.com/office/drawing/2014/main" id="{BD7FB345-8BDE-854E-9C69-804A13212A9B}"/>
+              </a:ext>
+            </a:extLst>
+          </p:cNvPr>
+          <p:cNvSpPr>
+            <a:spLocks noGrp="1"/>
+          </p:cNvSpPr>
+          <p:nvPr>
+            <p:ph type="body" sz="quarter" idx="11"/>
+          </p:nvPr>
+        </p:nvSpPr>
+        <p:spPr/>
+        <p:txBody>
+          <a:bodyPr/>
+          <a:lstStyle/>
+          <a:p>
+            <a:r>
+              <a:rPr lang="de-DE" dirty="0"/>
+              <a:t>4.</a:t>
+            </a:r>
+          </a:p>
+        </p:txBody>
+      </p:sp>
+      <p:sp>
+        <p:nvSpPr>
+          <p:cNvPr id="12" name="Textplatzhalter 11">
+            <a:extLst>
+              <a:ext uri="{FF2B5EF4-FFF2-40B4-BE49-F238E27FC236}">
+                <a16:creationId xmlns:a16="http://schemas.microsoft.com/office/drawing/2014/main" id="{3F7886E6-BE3D-9B44-8220-FE114EB40693}"/>
+              </a:ext>
+            </a:extLst>
+          </p:cNvPr>
+          <p:cNvSpPr>
+            <a:spLocks noGrp="1"/>
+          </p:cNvSpPr>
+          <p:nvPr>
+            <p:ph type="body" sz="quarter" idx="87"/>
+          </p:nvPr>
+        </p:nvSpPr>
+        <p:spPr/>
+        <p:txBody>
+          <a:bodyPr/>
+          <a:lstStyle/>
+          <a:p>
+            <a:endParaRPr lang="de-DE"/>
+          </a:p>
+        </p:txBody>
+      </p:sp>
+      <p:sp>
+        <p:nvSpPr>
+          <p:cNvPr id="6" name="Fußzeilenplatzhalter 5">
+            <a:extLst>
+              <a:ext uri="{FF2B5EF4-FFF2-40B4-BE49-F238E27FC236}">
+                <a16:creationId xmlns:a16="http://schemas.microsoft.com/office/drawing/2014/main" id="{414F27E5-0176-7344-B2EC-BCF406769CDF}"/>
+              </a:ext>
+            </a:extLst>
+          </p:cNvPr>
+          <p:cNvSpPr>
+            <a:spLocks noGrp="1"/>
+          </p:cNvSpPr>
+          <p:nvPr>
+            <p:ph type="ftr" sz="quarter" idx="4294967295"/>
+          </p:nvPr>
+        </p:nvSpPr>
+        <p:spPr>
+          <a:xfrm>
+            <a:off x="0" y="6291263"/>
+            <a:ext cx="5556250" cy="360362"/>
+          </a:xfrm>
+        </p:spPr>
+        <p:txBody>
+          <a:bodyPr/>
+          <a:lstStyle/>
+          <a:p>
+            <a:r>
+              <a:rPr lang="de-DE" dirty="0" err="1"/>
+              <a:t>Advanced</a:t>
+            </a:r>
+            <a:r>
+              <a:rPr lang="de-DE" dirty="0"/>
+              <a:t> BDD / Maik Wagner / © </a:t>
+            </a:r>
+            <a:r>
+              <a:rPr lang="de-DE" dirty="0" err="1"/>
+              <a:t>Tallence</a:t>
+            </a:r>
+            <a:r>
+              <a:rPr lang="de-DE" dirty="0"/>
+              <a:t> AG</a:t>
+            </a:r>
+          </a:p>
+        </p:txBody>
+      </p:sp>
+      <p:sp>
+        <p:nvSpPr>
+          <p:cNvPr id="7" name="Datumsplatzhalter 6">
+            <a:extLst>
+              <a:ext uri="{FF2B5EF4-FFF2-40B4-BE49-F238E27FC236}">
+                <a16:creationId xmlns:a16="http://schemas.microsoft.com/office/drawing/2014/main" id="{957F495B-25E3-9A43-9496-1F7F486001DB}"/>
+              </a:ext>
+            </a:extLst>
+          </p:cNvPr>
+          <p:cNvSpPr>
+            <a:spLocks noGrp="1"/>
+          </p:cNvSpPr>
+          <p:nvPr>
+            <p:ph type="dt" sz="half" idx="4294967295"/>
+          </p:nvPr>
+        </p:nvSpPr>
+        <p:spPr>
+          <a:xfrm>
+            <a:off x="11501438" y="6291263"/>
+            <a:ext cx="688975" cy="360362"/>
+          </a:xfrm>
+        </p:spPr>
+        <p:txBody>
+          <a:bodyPr/>
+          <a:lstStyle/>
+          <a:p>
+            <a:fld id="{154C7814-F218-4D9E-8E58-25588F0986B1}" type="datetime1">
+              <a:rPr lang="de-DE" noProof="0" smtClean="0"/>
+              <a:t>28.10.19</a:t>
+            </a:fld>
+            <a:endParaRPr lang="de-DE" noProof="0" dirty="0"/>
+          </a:p>
+        </p:txBody>
+      </p:sp>
+      <p:sp>
+        <p:nvSpPr>
+          <p:cNvPr id="8" name="Foliennummernplatzhalter 7">
+            <a:extLst>
+              <a:ext uri="{FF2B5EF4-FFF2-40B4-BE49-F238E27FC236}">
+                <a16:creationId xmlns:a16="http://schemas.microsoft.com/office/drawing/2014/main" id="{AE8B5784-6656-BE41-A9AD-318FC83BB4C4}"/>
+              </a:ext>
+            </a:extLst>
+          </p:cNvPr>
+          <p:cNvSpPr>
+            <a:spLocks noGrp="1"/>
+          </p:cNvSpPr>
+          <p:nvPr>
+            <p:ph type="sldNum" sz="quarter" idx="4294967295"/>
+          </p:nvPr>
+        </p:nvSpPr>
+        <p:spPr>
+          <a:xfrm>
+            <a:off x="11909425" y="6291263"/>
+            <a:ext cx="280988" cy="360362"/>
+          </a:xfrm>
+        </p:spPr>
+        <p:txBody>
+          <a:bodyPr/>
+          <a:lstStyle/>
+          <a:p>
+            <a:fld id="{02CEFE82-39F2-4F47-8A0C-D5AB3496FA5C}" type="slidenum">
+              <a:rPr lang="de-DE" noProof="0" smtClean="0"/>
+              <a:pPr/>
+              <a:t>11</a:t>
+            </a:fld>
+            <a:endParaRPr lang="de-DE" noProof="0" dirty="0"/>
+          </a:p>
+        </p:txBody>
+      </p:sp>
+    </p:spTree>
+    <p:extLst>
+      <p:ext uri="{BB962C8B-B14F-4D97-AF65-F5344CB8AC3E}">
+        <p14:creationId xmlns:p14="http://schemas.microsoft.com/office/powerpoint/2010/main" val="1593519667"/>
+      </p:ext>
+    </p:extLst>
+  </p:cSld>
+  <p:clrMapOvr>
+    <a:masterClrMapping/>
+  </p:clrMapOvr>
+  <mc:AlternateContent xmlns:mc="http://schemas.openxmlformats.org/markup-compatibility/2006" xmlns:p14="http://schemas.microsoft.com/office/powerpoint/2010/main">
+    <mc:Choice Requires="p14">
+      <p:transition spd="med" p14:dur="700">
+        <p:fade/>
+      </p:transition>
+    </mc:Choice>
+    <mc:Fallback xmlns="">
+      <p:transition spd="med">
+        <p:fade/>
+      </p:transition>
+    </mc:Fallback>
+  </mc:AlternateContent>
+</p:sld>
+</file>
+
+<file path=ppt/slides/slide12.xml><?xml version="1.0" encoding="utf-8"?>
+<p:sld xmlns:a="http://schemas.openxmlformats.org/drawingml/2006/main" xmlns:r="http://schemas.openxmlformats.org/officeDocument/2006/relationships" xmlns:p="http://schemas.openxmlformats.org/presentationml/2006/main">
+  <p:cSld>
+    <p:spTree>
+      <p:nvGrpSpPr>
+        <p:cNvPr id="1" name=""/>
+        <p:cNvGrpSpPr/>
+        <p:nvPr/>
+      </p:nvGrpSpPr>
+      <p:grpSpPr>
+        <a:xfrm>
+          <a:off x="0" y="0"/>
+          <a:ext cx="0" cy="0"/>
+          <a:chOff x="0" y="0"/>
+          <a:chExt cx="0" cy="0"/>
+        </a:xfrm>
+      </p:grpSpPr>
+      <p:sp>
+        <p:nvSpPr>
+          <p:cNvPr id="2" name="Titel 1">
+            <a:extLst>
+              <a:ext uri="{FF2B5EF4-FFF2-40B4-BE49-F238E27FC236}">
+                <a16:creationId xmlns:a16="http://schemas.microsoft.com/office/drawing/2014/main" id="{9ABFDAD6-C0E1-8141-B758-0212F3A14EF0}"/>
+              </a:ext>
+            </a:extLst>
+          </p:cNvPr>
+          <p:cNvSpPr>
+            <a:spLocks noGrp="1"/>
+          </p:cNvSpPr>
+          <p:nvPr>
+            <p:ph type="title"/>
+          </p:nvPr>
+        </p:nvSpPr>
+        <p:spPr/>
+        <p:txBody>
+          <a:bodyPr/>
+          <a:lstStyle/>
+          <a:p>
+            <a:r>
+              <a:rPr lang="de-DE" dirty="0" err="1"/>
+              <a:t>Advanced</a:t>
+            </a:r>
+            <a:r>
+              <a:rPr lang="de-DE" dirty="0"/>
+              <a:t> BDD</a:t>
+            </a:r>
+          </a:p>
+        </p:txBody>
+      </p:sp>
+      <p:sp>
+        <p:nvSpPr>
+          <p:cNvPr id="3" name="Textplatzhalter 2">
+            <a:extLst>
+              <a:ext uri="{FF2B5EF4-FFF2-40B4-BE49-F238E27FC236}">
+                <a16:creationId xmlns:a16="http://schemas.microsoft.com/office/drawing/2014/main" id="{7B72EB04-8F2B-9649-8BCA-10A8855FA9DF}"/>
+              </a:ext>
+            </a:extLst>
+          </p:cNvPr>
+          <p:cNvSpPr>
+            <a:spLocks noGrp="1"/>
+          </p:cNvSpPr>
+          <p:nvPr>
+            <p:ph type="body" sz="quarter" idx="13"/>
+          </p:nvPr>
+        </p:nvSpPr>
+        <p:spPr/>
+        <p:txBody>
+          <a:bodyPr/>
+          <a:lstStyle/>
+          <a:p>
+            <a:r>
+              <a:rPr lang="de-DE" dirty="0"/>
+              <a:t>Vom Dummy zum Profi</a:t>
+            </a:r>
+          </a:p>
+        </p:txBody>
+      </p:sp>
+      <p:sp>
+        <p:nvSpPr>
+          <p:cNvPr id="4" name="Textplatzhalter 3">
+            <a:extLst>
+              <a:ext uri="{FF2B5EF4-FFF2-40B4-BE49-F238E27FC236}">
+                <a16:creationId xmlns:a16="http://schemas.microsoft.com/office/drawing/2014/main" id="{6AF86A2C-1A98-B740-A6C7-96733375689D}"/>
+              </a:ext>
+            </a:extLst>
+          </p:cNvPr>
+          <p:cNvSpPr>
+            <a:spLocks noGrp="1"/>
+          </p:cNvSpPr>
+          <p:nvPr>
+            <p:ph type="body" sz="quarter" idx="22"/>
+          </p:nvPr>
+        </p:nvSpPr>
+        <p:spPr/>
+        <p:txBody>
+          <a:bodyPr/>
+          <a:lstStyle/>
+          <a:p>
+            <a:endParaRPr lang="de-DE"/>
+          </a:p>
+        </p:txBody>
+      </p:sp>
+      <p:sp>
+        <p:nvSpPr>
+          <p:cNvPr id="5" name="Inhaltsplatzhalter 4">
+            <a:extLst>
+              <a:ext uri="{FF2B5EF4-FFF2-40B4-BE49-F238E27FC236}">
+                <a16:creationId xmlns:a16="http://schemas.microsoft.com/office/drawing/2014/main" id="{AEA18834-89EA-704B-A9D5-6D5196539E75}"/>
+              </a:ext>
+            </a:extLst>
+          </p:cNvPr>
+          <p:cNvSpPr>
+            <a:spLocks noGrp="1"/>
+          </p:cNvSpPr>
+          <p:nvPr>
+            <p:ph sz="half" idx="14"/>
+          </p:nvPr>
+        </p:nvSpPr>
+        <p:spPr/>
+        <p:txBody>
+          <a:bodyPr/>
+          <a:lstStyle/>
+          <a:p>
+            <a:endParaRPr lang="de-DE" dirty="0"/>
+          </a:p>
+        </p:txBody>
+      </p:sp>
+      <p:sp>
+        <p:nvSpPr>
+          <p:cNvPr id="6" name="Fußzeilenplatzhalter 5">
+            <a:extLst>
+              <a:ext uri="{FF2B5EF4-FFF2-40B4-BE49-F238E27FC236}">
+                <a16:creationId xmlns:a16="http://schemas.microsoft.com/office/drawing/2014/main" id="{41C46F3B-E446-4544-8A96-29A3DE017D2F}"/>
+              </a:ext>
+            </a:extLst>
+          </p:cNvPr>
+          <p:cNvSpPr>
+            <a:spLocks noGrp="1"/>
+          </p:cNvSpPr>
+          <p:nvPr>
+            <p:ph type="ftr" sz="quarter" idx="11"/>
+          </p:nvPr>
+        </p:nvSpPr>
+        <p:spPr/>
+        <p:txBody>
+          <a:bodyPr/>
+          <a:lstStyle/>
+          <a:p>
+            <a:r>
+              <a:rPr lang="de-DE" dirty="0" err="1"/>
+              <a:t>Advanced</a:t>
+            </a:r>
+            <a:r>
+              <a:rPr lang="de-DE" dirty="0"/>
+              <a:t> BDD / Maik Wagner / © </a:t>
+            </a:r>
+            <a:r>
+              <a:rPr lang="de-DE" dirty="0" err="1"/>
+              <a:t>Tallence</a:t>
+            </a:r>
+            <a:r>
+              <a:rPr lang="de-DE" dirty="0"/>
+              <a:t> AG</a:t>
+            </a:r>
+          </a:p>
+        </p:txBody>
+      </p:sp>
+      <p:sp>
+        <p:nvSpPr>
+          <p:cNvPr id="7" name="Datumsplatzhalter 6">
+            <a:extLst>
+              <a:ext uri="{FF2B5EF4-FFF2-40B4-BE49-F238E27FC236}">
+                <a16:creationId xmlns:a16="http://schemas.microsoft.com/office/drawing/2014/main" id="{9B585C95-7521-D34A-8571-90376AC48DA7}"/>
+              </a:ext>
+            </a:extLst>
+          </p:cNvPr>
+          <p:cNvSpPr>
+            <a:spLocks noGrp="1"/>
+          </p:cNvSpPr>
+          <p:nvPr>
+            <p:ph type="dt" sz="half" idx="10"/>
+          </p:nvPr>
+        </p:nvSpPr>
+        <p:spPr/>
+        <p:txBody>
+          <a:bodyPr/>
+          <a:lstStyle/>
+          <a:p>
+            <a:fld id="{154C7814-F218-4D9E-8E58-25588F0986B1}" type="datetime1">
+              <a:rPr lang="de-DE" noProof="0" smtClean="0"/>
+              <a:t>28.10.19</a:t>
+            </a:fld>
+            <a:endParaRPr lang="de-DE" noProof="0" dirty="0"/>
+          </a:p>
+        </p:txBody>
+      </p:sp>
+      <p:sp>
+        <p:nvSpPr>
+          <p:cNvPr id="8" name="Foliennummernplatzhalter 7">
+            <a:extLst>
+              <a:ext uri="{FF2B5EF4-FFF2-40B4-BE49-F238E27FC236}">
+                <a16:creationId xmlns:a16="http://schemas.microsoft.com/office/drawing/2014/main" id="{6C9469C1-DF6E-E543-BE43-B68C9496F691}"/>
+              </a:ext>
+            </a:extLst>
+          </p:cNvPr>
+          <p:cNvSpPr>
+            <a:spLocks noGrp="1"/>
+          </p:cNvSpPr>
+          <p:nvPr>
+            <p:ph type="sldNum" sz="quarter" idx="12"/>
+          </p:nvPr>
+        </p:nvSpPr>
+        <p:spPr/>
+        <p:txBody>
+          <a:bodyPr/>
+          <a:lstStyle/>
+          <a:p>
+            <a:fld id="{02CEFE82-39F2-4F47-8A0C-D5AB3496FA5C}" type="slidenum">
+              <a:rPr lang="de-DE" noProof="0" smtClean="0"/>
+              <a:pPr/>
+              <a:t>12</a:t>
+            </a:fld>
+            <a:endParaRPr lang="de-DE" noProof="0" dirty="0"/>
+          </a:p>
+        </p:txBody>
+      </p:sp>
+    </p:spTree>
+    <p:extLst>
+      <p:ext uri="{BB962C8B-B14F-4D97-AF65-F5344CB8AC3E}">
+        <p14:creationId xmlns:p14="http://schemas.microsoft.com/office/powerpoint/2010/main" val="2934876240"/>
+      </p:ext>
+    </p:extLst>
+  </p:cSld>
+  <p:clrMapOvr>
+    <a:masterClrMapping/>
+  </p:clrMapOvr>
+  <mc:AlternateContent xmlns:mc="http://schemas.openxmlformats.org/markup-compatibility/2006" xmlns:p14="http://schemas.microsoft.com/office/powerpoint/2010/main">
+    <mc:Choice Requires="p14">
+      <p:transition spd="med" p14:dur="700">
+        <p:fade/>
+      </p:transition>
+    </mc:Choice>
+    <mc:Fallback xmlns="">
+      <p:transition spd="med">
+        <p:fade/>
+      </p:transition>
+    </mc:Fallback>
+  </mc:AlternateContent>
+</p:sld>
+</file>
+
+<file path=ppt/slides/slide13.xml><?xml version="1.0" encoding="utf-8"?>
+<p:sld xmlns:a="http://schemas.openxmlformats.org/drawingml/2006/main" xmlns:r="http://schemas.openxmlformats.org/officeDocument/2006/relationships" xmlns:p="http://schemas.openxmlformats.org/presentationml/2006/main">
+  <p:cSld>
+    <p:spTree>
+      <p:nvGrpSpPr>
+        <p:cNvPr id="1" name=""/>
+        <p:cNvGrpSpPr/>
+        <p:nvPr/>
+      </p:nvGrpSpPr>
+      <p:grpSpPr>
+        <a:xfrm>
+          <a:off x="0" y="0"/>
+          <a:ext cx="0" cy="0"/>
+          <a:chOff x="0" y="0"/>
+          <a:chExt cx="0" cy="0"/>
+        </a:xfrm>
+      </p:grpSpPr>
+      <p:sp>
+        <p:nvSpPr>
+          <p:cNvPr id="10" name="Textplatzhalter 9">
+            <a:extLst>
+              <a:ext uri="{FF2B5EF4-FFF2-40B4-BE49-F238E27FC236}">
+                <a16:creationId xmlns:a16="http://schemas.microsoft.com/office/drawing/2014/main" id="{E033D578-58B6-6947-9C3B-CF2E4EC815FB}"/>
+              </a:ext>
+            </a:extLst>
+          </p:cNvPr>
+          <p:cNvSpPr>
+            <a:spLocks noGrp="1"/>
+          </p:cNvSpPr>
+          <p:nvPr>
+            <p:ph type="body" sz="quarter" idx="18"/>
+          </p:nvPr>
+        </p:nvSpPr>
+        <p:spPr/>
+        <p:txBody>
+          <a:bodyPr/>
+          <a:lstStyle/>
+          <a:p>
+            <a:r>
+              <a:rPr lang="de-DE" dirty="0"/>
+              <a:t>Hamburg</a:t>
+            </a:r>
+          </a:p>
+        </p:txBody>
+      </p:sp>
+      <p:sp>
+        <p:nvSpPr>
+          <p:cNvPr id="11" name="Inhaltsplatzhalter 10">
+            <a:extLst>
+              <a:ext uri="{FF2B5EF4-FFF2-40B4-BE49-F238E27FC236}">
+                <a16:creationId xmlns:a16="http://schemas.microsoft.com/office/drawing/2014/main" id="{0E156B4E-F63C-8846-8916-490604106335}"/>
+              </a:ext>
+            </a:extLst>
+          </p:cNvPr>
+          <p:cNvSpPr>
+            <a:spLocks noGrp="1"/>
+          </p:cNvSpPr>
+          <p:nvPr>
+            <p:ph sz="half" idx="19"/>
+          </p:nvPr>
+        </p:nvSpPr>
+        <p:spPr/>
+        <p:txBody>
+          <a:bodyPr/>
+          <a:lstStyle/>
+          <a:p>
+            <a:r>
+              <a:rPr lang="de-DE" dirty="0"/>
+              <a:t>Neue </a:t>
+            </a:r>
+            <a:r>
+              <a:rPr lang="de-DE" dirty="0" err="1"/>
+              <a:t>Gröningerstraße</a:t>
+            </a:r>
+            <a:r>
+              <a:rPr lang="de-DE" dirty="0"/>
+              <a:t> 13</a:t>
+            </a:r>
+            <a:br>
+              <a:rPr lang="de-DE" dirty="0"/>
+            </a:br>
+            <a:r>
+              <a:rPr lang="de-DE" dirty="0"/>
+              <a:t>20457 Hamburg</a:t>
+            </a:r>
+          </a:p>
+          <a:p>
+            <a:r>
+              <a:rPr lang="de-DE" dirty="0"/>
+              <a:t>T +49 40 36 09 35 100</a:t>
+            </a:r>
+            <a:br>
+              <a:rPr lang="de-DE" dirty="0"/>
+            </a:br>
+            <a:r>
+              <a:rPr lang="de-DE" dirty="0"/>
+              <a:t>F +49 40 36 09 35 200</a:t>
+            </a:r>
+            <a:br>
+              <a:rPr lang="de-DE" dirty="0"/>
+            </a:br>
+            <a:r>
+              <a:rPr lang="de-DE" dirty="0" err="1"/>
+              <a:t>info@tallence.com</a:t>
+            </a:r>
+            <a:endParaRPr lang="de-DE" dirty="0"/>
+          </a:p>
+          <a:p>
+            <a:endParaRPr lang="de-DE" dirty="0"/>
+          </a:p>
+        </p:txBody>
+      </p:sp>
+      <p:sp>
+        <p:nvSpPr>
+          <p:cNvPr id="12" name="Textplatzhalter 11">
+            <a:extLst>
+              <a:ext uri="{FF2B5EF4-FFF2-40B4-BE49-F238E27FC236}">
+                <a16:creationId xmlns:a16="http://schemas.microsoft.com/office/drawing/2014/main" id="{ADE62C97-D57D-1A48-9135-E1B55E554433}"/>
+              </a:ext>
+            </a:extLst>
+          </p:cNvPr>
+          <p:cNvSpPr>
+            <a:spLocks noGrp="1"/>
+          </p:cNvSpPr>
+          <p:nvPr>
+            <p:ph type="body" sz="quarter" idx="20"/>
+          </p:nvPr>
+        </p:nvSpPr>
+        <p:spPr/>
+        <p:txBody>
+          <a:bodyPr/>
+          <a:lstStyle/>
+          <a:p>
+            <a:r>
+              <a:rPr lang="de-DE" dirty="0"/>
+              <a:t>Karlsruhe</a:t>
+            </a:r>
+          </a:p>
+        </p:txBody>
+      </p:sp>
+      <p:sp>
+        <p:nvSpPr>
+          <p:cNvPr id="13" name="Inhaltsplatzhalter 12">
+            <a:extLst>
+              <a:ext uri="{FF2B5EF4-FFF2-40B4-BE49-F238E27FC236}">
+                <a16:creationId xmlns:a16="http://schemas.microsoft.com/office/drawing/2014/main" id="{288374BB-823E-9240-9983-9B428DCB78E8}"/>
+              </a:ext>
+            </a:extLst>
+          </p:cNvPr>
+          <p:cNvSpPr>
+            <a:spLocks noGrp="1"/>
+          </p:cNvSpPr>
+          <p:nvPr>
+            <p:ph sz="half" idx="21"/>
+          </p:nvPr>
+        </p:nvSpPr>
+        <p:spPr/>
+        <p:txBody>
+          <a:bodyPr/>
+          <a:lstStyle/>
+          <a:p>
+            <a:r>
+              <a:rPr lang="de-DE" dirty="0"/>
+              <a:t>Erbprinzenstraße 23</a:t>
+            </a:r>
+            <a:br>
+              <a:rPr lang="de-DE" dirty="0"/>
+            </a:br>
+            <a:r>
+              <a:rPr lang="de-DE" dirty="0"/>
+              <a:t>76133 Karlsruhe</a:t>
+            </a:r>
+          </a:p>
+          <a:p>
+            <a:r>
+              <a:rPr lang="de-DE" dirty="0"/>
+              <a:t>T +49 721 38 13 49 10</a:t>
+            </a:r>
+            <a:br>
+              <a:rPr lang="de-DE" dirty="0"/>
+            </a:br>
+            <a:r>
+              <a:rPr lang="de-DE" dirty="0"/>
+              <a:t>F +49 40 36 09 35 200</a:t>
+            </a:r>
+            <a:br>
+              <a:rPr lang="de-DE" dirty="0"/>
+            </a:br>
+            <a:r>
+              <a:rPr lang="de-DE" dirty="0" err="1"/>
+              <a:t>info@tallence.com</a:t>
+            </a:r>
+            <a:endParaRPr lang="de-DE" dirty="0"/>
+          </a:p>
+          <a:p>
+            <a:endParaRPr lang="de-DE" dirty="0"/>
+          </a:p>
+        </p:txBody>
+      </p:sp>
+      <p:sp>
+        <p:nvSpPr>
+          <p:cNvPr id="14" name="Textplatzhalter 13">
+            <a:extLst>
+              <a:ext uri="{FF2B5EF4-FFF2-40B4-BE49-F238E27FC236}">
+                <a16:creationId xmlns:a16="http://schemas.microsoft.com/office/drawing/2014/main" id="{56542014-F347-5A46-9557-2078FF439E11}"/>
+              </a:ext>
+            </a:extLst>
+          </p:cNvPr>
+          <p:cNvSpPr>
+            <a:spLocks noGrp="1"/>
+          </p:cNvSpPr>
+          <p:nvPr>
+            <p:ph type="body" sz="quarter" idx="22"/>
+          </p:nvPr>
+        </p:nvSpPr>
+        <p:spPr/>
+        <p:txBody>
+          <a:bodyPr/>
+          <a:lstStyle/>
+          <a:p>
+            <a:r>
+              <a:rPr lang="de-DE" dirty="0"/>
+              <a:t>Görlitz</a:t>
+            </a:r>
+          </a:p>
+        </p:txBody>
+      </p:sp>
+      <p:sp>
+        <p:nvSpPr>
+          <p:cNvPr id="15" name="Inhaltsplatzhalter 14">
+            <a:extLst>
+              <a:ext uri="{FF2B5EF4-FFF2-40B4-BE49-F238E27FC236}">
+                <a16:creationId xmlns:a16="http://schemas.microsoft.com/office/drawing/2014/main" id="{F9029417-C6AE-7F44-97F9-5205E4ABF3DB}"/>
+              </a:ext>
+            </a:extLst>
+          </p:cNvPr>
+          <p:cNvSpPr>
+            <a:spLocks noGrp="1"/>
+          </p:cNvSpPr>
+          <p:nvPr>
+            <p:ph sz="half" idx="23"/>
+          </p:nvPr>
+        </p:nvSpPr>
+        <p:spPr/>
+        <p:txBody>
+          <a:bodyPr/>
+          <a:lstStyle/>
+          <a:p>
+            <a:r>
+              <a:rPr lang="de-DE" dirty="0" err="1"/>
+              <a:t>Neißstraße</a:t>
+            </a:r>
+            <a:r>
+              <a:rPr lang="de-DE" dirty="0"/>
+              <a:t> 27</a:t>
+            </a:r>
+            <a:br>
+              <a:rPr lang="de-DE" dirty="0"/>
+            </a:br>
+            <a:r>
+              <a:rPr lang="de-DE" dirty="0"/>
+              <a:t>02826 Görlitz</a:t>
+            </a:r>
+          </a:p>
+          <a:p>
+            <a:r>
+              <a:rPr lang="de-DE" dirty="0"/>
+              <a:t>T +49 40 36 09 35 100</a:t>
+            </a:r>
+            <a:br>
+              <a:rPr lang="de-DE" dirty="0"/>
+            </a:br>
+            <a:r>
+              <a:rPr lang="de-DE" dirty="0"/>
+              <a:t>F +49 40 36 09 35 200</a:t>
+            </a:r>
+            <a:br>
+              <a:rPr lang="de-DE" dirty="0"/>
+            </a:br>
+            <a:r>
+              <a:rPr lang="de-DE" dirty="0" err="1"/>
+              <a:t>info@tallence.com</a:t>
+            </a:r>
+            <a:endParaRPr lang="de-DE" dirty="0"/>
+          </a:p>
+        </p:txBody>
+      </p:sp>
+      <p:sp>
+        <p:nvSpPr>
+          <p:cNvPr id="16" name="Textplatzhalter 15">
+            <a:extLst>
+              <a:ext uri="{FF2B5EF4-FFF2-40B4-BE49-F238E27FC236}">
+                <a16:creationId xmlns:a16="http://schemas.microsoft.com/office/drawing/2014/main" id="{40F5A6D7-8002-9642-9AC4-C980A2458791}"/>
+              </a:ext>
+            </a:extLst>
+          </p:cNvPr>
+          <p:cNvSpPr>
+            <a:spLocks noGrp="1"/>
+          </p:cNvSpPr>
+          <p:nvPr>
+            <p:ph type="body" sz="quarter" idx="24"/>
+          </p:nvPr>
+        </p:nvSpPr>
+        <p:spPr/>
+        <p:txBody>
+          <a:bodyPr/>
+          <a:lstStyle/>
+          <a:p>
+            <a:r>
+              <a:rPr lang="de-DE" dirty="0"/>
+              <a:t>Frankfurt</a:t>
+            </a:r>
+          </a:p>
+        </p:txBody>
+      </p:sp>
+      <p:sp>
+        <p:nvSpPr>
+          <p:cNvPr id="17" name="Inhaltsplatzhalter 16">
+            <a:extLst>
+              <a:ext uri="{FF2B5EF4-FFF2-40B4-BE49-F238E27FC236}">
+                <a16:creationId xmlns:a16="http://schemas.microsoft.com/office/drawing/2014/main" id="{F6C06306-6D07-4C47-8291-353C10F67C29}"/>
+              </a:ext>
+            </a:extLst>
+          </p:cNvPr>
+          <p:cNvSpPr>
+            <a:spLocks noGrp="1"/>
+          </p:cNvSpPr>
+          <p:nvPr>
+            <p:ph sz="half" idx="25"/>
+          </p:nvPr>
+        </p:nvSpPr>
+        <p:spPr/>
+        <p:txBody>
+          <a:bodyPr/>
+          <a:lstStyle/>
+          <a:p>
+            <a:r>
+              <a:rPr lang="de-DE" dirty="0"/>
+              <a:t>Walther-von-</a:t>
+            </a:r>
+            <a:r>
+              <a:rPr lang="de-DE" dirty="0" err="1"/>
+              <a:t>Cronberg</a:t>
+            </a:r>
+            <a:r>
+              <a:rPr lang="de-DE" dirty="0"/>
+              <a:t>-Platz 1</a:t>
+            </a:r>
+            <a:br>
+              <a:rPr lang="de-DE" dirty="0"/>
+            </a:br>
+            <a:r>
+              <a:rPr lang="de-DE" dirty="0"/>
+              <a:t>60594 Frankfurt/Main</a:t>
+            </a:r>
+          </a:p>
+          <a:p>
+            <a:r>
+              <a:rPr lang="de-DE" dirty="0"/>
+              <a:t>T +49 69 401 50 76 60</a:t>
+            </a:r>
+            <a:br>
+              <a:rPr lang="de-DE" dirty="0"/>
+            </a:br>
+            <a:r>
+              <a:rPr lang="de-DE" dirty="0"/>
+              <a:t>F +49 40 36 09 35 200</a:t>
+            </a:r>
+            <a:br>
+              <a:rPr lang="de-DE" dirty="0"/>
+            </a:br>
+            <a:r>
+              <a:rPr lang="de-DE" dirty="0" err="1"/>
+              <a:t>info@tallence.com</a:t>
+            </a:r>
+            <a:endParaRPr lang="de-DE" dirty="0"/>
+          </a:p>
+        </p:txBody>
+      </p:sp>
+      <p:sp>
+        <p:nvSpPr>
+          <p:cNvPr id="9" name="Textplatzhalter 8">
+            <a:extLst>
+              <a:ext uri="{FF2B5EF4-FFF2-40B4-BE49-F238E27FC236}">
+                <a16:creationId xmlns:a16="http://schemas.microsoft.com/office/drawing/2014/main" id="{92594FC8-DCB1-694D-8895-FB63BDCF6ACC}"/>
+              </a:ext>
+            </a:extLst>
+          </p:cNvPr>
+          <p:cNvSpPr>
+            <a:spLocks noGrp="1"/>
+          </p:cNvSpPr>
+          <p:nvPr>
+            <p:ph type="body" sz="quarter" idx="14"/>
+          </p:nvPr>
+        </p:nvSpPr>
+        <p:spPr/>
+        <p:txBody>
+          <a:bodyPr/>
+          <a:lstStyle/>
+          <a:p>
+            <a:endParaRPr lang="de-DE"/>
+          </a:p>
+        </p:txBody>
+      </p:sp>
+      <p:sp>
+        <p:nvSpPr>
+          <p:cNvPr id="6" name="Fußzeilenplatzhalter 5">
+            <a:extLst>
+              <a:ext uri="{FF2B5EF4-FFF2-40B4-BE49-F238E27FC236}">
+                <a16:creationId xmlns:a16="http://schemas.microsoft.com/office/drawing/2014/main" id="{36DCB444-0FF9-AE46-9D8B-584540767000}"/>
+              </a:ext>
+            </a:extLst>
+          </p:cNvPr>
+          <p:cNvSpPr>
+            <a:spLocks noGrp="1"/>
+          </p:cNvSpPr>
+          <p:nvPr>
+            <p:ph type="ftr" sz="quarter" idx="4294967295"/>
+          </p:nvPr>
+        </p:nvSpPr>
+        <p:spPr>
+          <a:xfrm>
+            <a:off x="0" y="6291263"/>
+            <a:ext cx="5556250" cy="360362"/>
+          </a:xfrm>
+        </p:spPr>
+        <p:txBody>
+          <a:bodyPr/>
+          <a:lstStyle/>
+          <a:p>
+            <a:r>
+              <a:rPr lang="de-DE" noProof="0" dirty="0" err="1"/>
+              <a:t>Advanced</a:t>
+            </a:r>
+            <a:r>
+              <a:rPr lang="de-DE" noProof="0" dirty="0"/>
+              <a:t> BDD / Maik Wagner / </a:t>
+            </a:r>
+            <a:r>
+              <a:rPr lang="de-DE" dirty="0"/>
+              <a:t>© </a:t>
+            </a:r>
+            <a:r>
+              <a:rPr lang="de-DE" dirty="0" err="1"/>
+              <a:t>Tallence</a:t>
+            </a:r>
+            <a:r>
+              <a:rPr lang="de-DE" dirty="0"/>
+              <a:t> AG</a:t>
+            </a:r>
+            <a:endParaRPr lang="de-DE" noProof="0" dirty="0"/>
+          </a:p>
+        </p:txBody>
+      </p:sp>
+      <p:sp>
+        <p:nvSpPr>
+          <p:cNvPr id="7" name="Datumsplatzhalter 6">
+            <a:extLst>
+              <a:ext uri="{FF2B5EF4-FFF2-40B4-BE49-F238E27FC236}">
+                <a16:creationId xmlns:a16="http://schemas.microsoft.com/office/drawing/2014/main" id="{2B78F0C3-12EC-5C43-8CB7-A2912A954C5F}"/>
+              </a:ext>
+            </a:extLst>
+          </p:cNvPr>
+          <p:cNvSpPr>
+            <a:spLocks noGrp="1"/>
+          </p:cNvSpPr>
+          <p:nvPr>
+            <p:ph type="dt" sz="half" idx="4294967295"/>
+          </p:nvPr>
+        </p:nvSpPr>
+        <p:spPr>
+          <a:xfrm>
+            <a:off x="11501438" y="6291263"/>
+            <a:ext cx="688975" cy="360362"/>
+          </a:xfrm>
+        </p:spPr>
+        <p:txBody>
+          <a:bodyPr/>
+          <a:lstStyle/>
+          <a:p>
+            <a:fld id="{154C7814-F218-4D9E-8E58-25588F0986B1}" type="datetime1">
+              <a:rPr lang="de-DE" noProof="0" smtClean="0"/>
+              <a:t>28.10.19</a:t>
+            </a:fld>
+            <a:endParaRPr lang="de-DE" noProof="0" dirty="0"/>
+          </a:p>
+        </p:txBody>
+      </p:sp>
+      <p:sp>
+        <p:nvSpPr>
+          <p:cNvPr id="8" name="Foliennummernplatzhalter 7">
+            <a:extLst>
+              <a:ext uri="{FF2B5EF4-FFF2-40B4-BE49-F238E27FC236}">
+                <a16:creationId xmlns:a16="http://schemas.microsoft.com/office/drawing/2014/main" id="{D764EB36-2ACA-8745-A3DB-B0AA61A2B48B}"/>
+              </a:ext>
+            </a:extLst>
+          </p:cNvPr>
+          <p:cNvSpPr>
+            <a:spLocks noGrp="1"/>
+          </p:cNvSpPr>
+          <p:nvPr>
+            <p:ph type="sldNum" sz="quarter" idx="4294967295"/>
+          </p:nvPr>
+        </p:nvSpPr>
+        <p:spPr>
+          <a:xfrm>
+            <a:off x="11909425" y="6291263"/>
+            <a:ext cx="280988" cy="360362"/>
+          </a:xfrm>
+        </p:spPr>
+        <p:txBody>
+          <a:bodyPr/>
+          <a:lstStyle/>
+          <a:p>
+            <a:fld id="{02CEFE82-39F2-4F47-8A0C-D5AB3496FA5C}" type="slidenum">
+              <a:rPr lang="de-DE" noProof="0" smtClean="0"/>
+              <a:pPr/>
+              <a:t>13</a:t>
+            </a:fld>
+            <a:endParaRPr lang="de-DE" noProof="0" dirty="0"/>
+          </a:p>
+        </p:txBody>
+      </p:sp>
+    </p:spTree>
+    <p:extLst>
+      <p:ext uri="{BB962C8B-B14F-4D97-AF65-F5344CB8AC3E}">
+        <p14:creationId xmlns:p14="http://schemas.microsoft.com/office/powerpoint/2010/main" val="3305303644"/>
+      </p:ext>
+    </p:extLst>
+  </p:cSld>
+  <p:clrMapOvr>
+    <a:masterClrMapping/>
+  </p:clrMapOvr>
+  <mc:AlternateContent xmlns:mc="http://schemas.openxmlformats.org/markup-compatibility/2006" xmlns:p14="http://schemas.microsoft.com/office/powerpoint/2010/main">
+    <mc:Choice Requires="p14">
+      <p:transition spd="med" p14:dur="700">
+        <p:fade/>
+      </p:transition>
+    </mc:Choice>
+    <mc:Fallback xmlns="">
+      <p:transition spd="med">
+        <p:fade/>
+      </p:transition>
+    </mc:Fallback>
+  </mc:AlternateContent>
+</p:sld>
+</file>
+
+<file path=ppt/slides/slide14.xml><?xml version="1.0" encoding="utf-8"?>
+<p:sld xmlns:a="http://schemas.openxmlformats.org/drawingml/2006/main" xmlns:r="http://schemas.openxmlformats.org/officeDocument/2006/relationships" xmlns:p="http://schemas.openxmlformats.org/presentationml/2006/main">
+  <p:cSld>
+    <p:spTree>
+      <p:nvGrpSpPr>
+        <p:cNvPr id="1" name=""/>
+        <p:cNvGrpSpPr/>
+        <p:nvPr/>
+      </p:nvGrpSpPr>
+      <p:grpSpPr>
+        <a:xfrm>
+          <a:off x="0" y="0"/>
+          <a:ext cx="0" cy="0"/>
+          <a:chOff x="0" y="0"/>
+          <a:chExt cx="0" cy="0"/>
+        </a:xfrm>
+      </p:grpSpPr>
+      <p:sp>
+        <p:nvSpPr>
+          <p:cNvPr id="13" name="Textplatzhalter 12">
+            <a:extLst>
+              <a:ext uri="{FF2B5EF4-FFF2-40B4-BE49-F238E27FC236}">
+                <a16:creationId xmlns:a16="http://schemas.microsoft.com/office/drawing/2014/main" id="{B22B68AC-DDAC-CB4E-92F9-52BE491755C3}"/>
+              </a:ext>
+            </a:extLst>
+          </p:cNvPr>
+          <p:cNvSpPr>
+            <a:spLocks noGrp="1"/>
+          </p:cNvSpPr>
+          <p:nvPr>
+            <p:ph type="body" sz="quarter" idx="10"/>
+          </p:nvPr>
+        </p:nvSpPr>
+        <p:spPr/>
+        <p:txBody>
+          <a:bodyPr/>
+          <a:lstStyle/>
+          <a:p>
+            <a:endParaRPr lang="de-DE"/>
+          </a:p>
+        </p:txBody>
+      </p:sp>
+      <p:sp>
+        <p:nvSpPr>
+          <p:cNvPr id="11" name="Titel 10">
+            <a:extLst>
+              <a:ext uri="{FF2B5EF4-FFF2-40B4-BE49-F238E27FC236}">
+                <a16:creationId xmlns:a16="http://schemas.microsoft.com/office/drawing/2014/main" id="{CC8AE83C-8880-C842-9DE8-8D11CE82A1C1}"/>
+              </a:ext>
+            </a:extLst>
+          </p:cNvPr>
+          <p:cNvSpPr>
+            <a:spLocks noGrp="1"/>
+          </p:cNvSpPr>
+          <p:nvPr>
+            <p:ph type="ctrTitle"/>
+          </p:nvPr>
+        </p:nvSpPr>
+        <p:spPr/>
+        <p:txBody>
+          <a:bodyPr/>
+          <a:lstStyle/>
+          <a:p>
+            <a:r>
+              <a:rPr lang="de-DE" dirty="0"/>
+              <a:t>Wir suchen Entwickler, ...</a:t>
+            </a:r>
+          </a:p>
+        </p:txBody>
+      </p:sp>
+      <p:sp>
+        <p:nvSpPr>
+          <p:cNvPr id="12" name="Untertitel 11">
+            <a:extLst>
+              <a:ext uri="{FF2B5EF4-FFF2-40B4-BE49-F238E27FC236}">
+                <a16:creationId xmlns:a16="http://schemas.microsoft.com/office/drawing/2014/main" id="{EA4EE1A0-DB7F-E54D-9CA5-C66C63F6EBEA}"/>
+              </a:ext>
+            </a:extLst>
+          </p:cNvPr>
+          <p:cNvSpPr>
+            <a:spLocks noGrp="1"/>
+          </p:cNvSpPr>
+          <p:nvPr>
+            <p:ph type="subTitle" idx="1"/>
+          </p:nvPr>
+        </p:nvSpPr>
+        <p:spPr/>
+        <p:txBody>
+          <a:bodyPr/>
+          <a:lstStyle/>
+          <a:p>
+            <a:endParaRPr lang="de-DE"/>
+          </a:p>
+        </p:txBody>
+      </p:sp>
+    </p:spTree>
+    <p:extLst>
+      <p:ext uri="{BB962C8B-B14F-4D97-AF65-F5344CB8AC3E}">
+        <p14:creationId xmlns:p14="http://schemas.microsoft.com/office/powerpoint/2010/main" val="3203108736"/>
+      </p:ext>
+    </p:extLst>
+  </p:cSld>
+  <p:clrMapOvr>
+    <a:masterClrMapping/>
+  </p:clrMapOvr>
+  <mc:AlternateContent xmlns:mc="http://schemas.openxmlformats.org/markup-compatibility/2006" xmlns:p14="http://schemas.microsoft.com/office/powerpoint/2010/main">
+    <mc:Choice Requires="p14">
+      <p:transition spd="med" p14:dur="700">
+        <p:fade/>
+      </p:transition>
+    </mc:Choice>
+    <mc:Fallback xmlns="">
+      <p:transition spd="med">
+        <p:fade/>
+      </p:transition>
+    </mc:Fallback>
+  </mc:AlternateContent>
+</p:sld>
+</file>
+
+<file path=ppt/slides/slide2.xml><?xml version="1.0" encoding="utf-8"?>
+<p:sld xmlns:a="http://schemas.openxmlformats.org/drawingml/2006/main" xmlns:r="http://schemas.openxmlformats.org/officeDocument/2006/relationships" xmlns:p="http://schemas.openxmlformats.org/presentationml/2006/main">
+  <p:cSld>
+    <p:spTree>
+      <p:nvGrpSpPr>
+        <p:cNvPr id="1" name=""/>
+        <p:cNvGrpSpPr/>
+        <p:nvPr/>
+      </p:nvGrpSpPr>
+      <p:grpSpPr>
+        <a:xfrm>
+          <a:off x="0" y="0"/>
+          <a:ext cx="0" cy="0"/>
+          <a:chOff x="0" y="0"/>
+          <a:chExt cx="0" cy="0"/>
+        </a:xfrm>
+      </p:grpSpPr>
+      <p:sp>
+        <p:nvSpPr>
+          <p:cNvPr id="7" name="Titel 6">
+            <a:extLst>
+              <a:ext uri="{FF2B5EF4-FFF2-40B4-BE49-F238E27FC236}">
+                <a16:creationId xmlns:a16="http://schemas.microsoft.com/office/drawing/2014/main" id="{A03C47FB-423A-FC48-952F-4278938FFC76}"/>
+              </a:ext>
+            </a:extLst>
+          </p:cNvPr>
+          <p:cNvSpPr>
+            <a:spLocks noGrp="1"/>
+          </p:cNvSpPr>
+          <p:nvPr>
+            <p:ph type="title"/>
+          </p:nvPr>
+        </p:nvSpPr>
+        <p:spPr/>
+        <p:txBody>
+          <a:bodyPr/>
+          <a:lstStyle/>
+          <a:p>
+            <a:r>
+              <a:rPr lang="de-DE" dirty="0"/>
+              <a:t>Agenda</a:t>
+            </a:r>
+          </a:p>
+        </p:txBody>
+      </p:sp>
+      <p:sp>
+        <p:nvSpPr>
+          <p:cNvPr id="8" name="Textplatzhalter 7">
+            <a:extLst>
+              <a:ext uri="{FF2B5EF4-FFF2-40B4-BE49-F238E27FC236}">
+                <a16:creationId xmlns:a16="http://schemas.microsoft.com/office/drawing/2014/main" id="{ED571CA9-3BFD-5341-9A20-4F58FF56B37D}"/>
+              </a:ext>
+            </a:extLst>
+          </p:cNvPr>
+          <p:cNvSpPr>
+            <a:spLocks noGrp="1"/>
+          </p:cNvSpPr>
+          <p:nvPr>
+            <p:ph type="body" sz="quarter" idx="13"/>
+          </p:nvPr>
+        </p:nvSpPr>
+        <p:spPr/>
+        <p:txBody>
+          <a:bodyPr/>
+          <a:lstStyle/>
+          <a:p>
+            <a:r>
+              <a:rPr lang="de-DE" dirty="0"/>
+              <a:t>Was haben wir heute vor?</a:t>
+            </a:r>
+          </a:p>
+        </p:txBody>
+      </p:sp>
+      <p:sp>
+        <p:nvSpPr>
+          <p:cNvPr id="10" name="Textplatzhalter 9">
+            <a:extLst>
+              <a:ext uri="{FF2B5EF4-FFF2-40B4-BE49-F238E27FC236}">
+                <a16:creationId xmlns:a16="http://schemas.microsoft.com/office/drawing/2014/main" id="{33C2A4BF-10A9-7B4F-BE66-429FF423FFDC}"/>
+              </a:ext>
+            </a:extLst>
+          </p:cNvPr>
+          <p:cNvSpPr>
+            <a:spLocks noGrp="1"/>
+          </p:cNvSpPr>
+          <p:nvPr>
+            <p:ph type="body" sz="quarter" idx="36"/>
+          </p:nvPr>
+        </p:nvSpPr>
+        <p:spPr/>
+        <p:txBody>
+          <a:bodyPr/>
+          <a:lstStyle/>
+          <a:p>
+            <a:endParaRPr lang="de-DE"/>
+          </a:p>
+        </p:txBody>
+      </p:sp>
+      <p:sp>
+        <p:nvSpPr>
+          <p:cNvPr id="12" name="Textplatzhalter 11">
+            <a:extLst>
+              <a:ext uri="{FF2B5EF4-FFF2-40B4-BE49-F238E27FC236}">
+                <a16:creationId xmlns:a16="http://schemas.microsoft.com/office/drawing/2014/main" id="{7A814DEB-A9FD-304A-9FC5-0D5AF4C6381F}"/>
+              </a:ext>
+            </a:extLst>
+          </p:cNvPr>
+          <p:cNvSpPr>
+            <a:spLocks noGrp="1"/>
+          </p:cNvSpPr>
+          <p:nvPr>
+            <p:ph type="body" sz="quarter" idx="59"/>
+          </p:nvPr>
+        </p:nvSpPr>
+        <p:spPr/>
+        <p:txBody>
+          <a:bodyPr/>
+          <a:lstStyle/>
+          <a:p>
+            <a:r>
+              <a:rPr lang="de-DE" dirty="0"/>
+              <a:t>1.</a:t>
+            </a:r>
+          </a:p>
+        </p:txBody>
+      </p:sp>
+      <p:sp>
+        <p:nvSpPr>
+          <p:cNvPr id="13" name="Textplatzhalter 12">
+            <a:extLst>
+              <a:ext uri="{FF2B5EF4-FFF2-40B4-BE49-F238E27FC236}">
+                <a16:creationId xmlns:a16="http://schemas.microsoft.com/office/drawing/2014/main" id="{08EDDD41-14AC-1246-A7F9-9BD0F633FEC7}"/>
+              </a:ext>
+            </a:extLst>
+          </p:cNvPr>
+          <p:cNvSpPr>
+            <a:spLocks noGrp="1"/>
+          </p:cNvSpPr>
+          <p:nvPr>
+            <p:ph type="body" sz="quarter" idx="61"/>
+          </p:nvPr>
+        </p:nvSpPr>
+        <p:spPr/>
+        <p:txBody>
+          <a:bodyPr/>
+          <a:lstStyle/>
+          <a:p>
+            <a:r>
+              <a:rPr lang="de-DE" dirty="0"/>
+              <a:t>2.</a:t>
+            </a:r>
+          </a:p>
+        </p:txBody>
+      </p:sp>
+      <p:sp>
+        <p:nvSpPr>
+          <p:cNvPr id="15" name="Textplatzhalter 14">
+            <a:extLst>
+              <a:ext uri="{FF2B5EF4-FFF2-40B4-BE49-F238E27FC236}">
+                <a16:creationId xmlns:a16="http://schemas.microsoft.com/office/drawing/2014/main" id="{C713048D-DA96-EB47-BB9F-F51FBFC5F378}"/>
+              </a:ext>
+            </a:extLst>
+          </p:cNvPr>
+          <p:cNvSpPr>
+            <a:spLocks noGrp="1"/>
+          </p:cNvSpPr>
+          <p:nvPr>
+            <p:ph type="body" sz="quarter" idx="64"/>
+          </p:nvPr>
+        </p:nvSpPr>
+        <p:spPr/>
+        <p:txBody>
+          <a:bodyPr/>
+          <a:lstStyle/>
+          <a:p>
+            <a:r>
+              <a:rPr lang="de-DE" dirty="0"/>
+              <a:t>3.</a:t>
+            </a:r>
+          </a:p>
+        </p:txBody>
+      </p:sp>
+      <p:sp>
+        <p:nvSpPr>
+          <p:cNvPr id="17" name="Textplatzhalter 16">
+            <a:extLst>
+              <a:ext uri="{FF2B5EF4-FFF2-40B4-BE49-F238E27FC236}">
+                <a16:creationId xmlns:a16="http://schemas.microsoft.com/office/drawing/2014/main" id="{1A3B3ABD-58BF-9A4F-A7A0-1FAC5F210FC1}"/>
+              </a:ext>
+            </a:extLst>
+          </p:cNvPr>
+          <p:cNvSpPr>
+            <a:spLocks noGrp="1"/>
+          </p:cNvSpPr>
+          <p:nvPr>
+            <p:ph type="body" sz="quarter" idx="67"/>
+          </p:nvPr>
+        </p:nvSpPr>
+        <p:spPr/>
+        <p:txBody>
+          <a:bodyPr/>
+          <a:lstStyle/>
+          <a:p>
+            <a:r>
+              <a:rPr lang="de-DE" dirty="0"/>
+              <a:t>4.</a:t>
+            </a:r>
+          </a:p>
+        </p:txBody>
+      </p:sp>
+      <p:sp>
+        <p:nvSpPr>
+          <p:cNvPr id="19" name="Textplatzhalter 18">
+            <a:extLst>
+              <a:ext uri="{FF2B5EF4-FFF2-40B4-BE49-F238E27FC236}">
+                <a16:creationId xmlns:a16="http://schemas.microsoft.com/office/drawing/2014/main" id="{5BFC7E6F-4F3F-E043-87C3-8DAF5BAADDAD}"/>
+              </a:ext>
+            </a:extLst>
+          </p:cNvPr>
+          <p:cNvSpPr>
+            <a:spLocks noGrp="1"/>
+          </p:cNvSpPr>
+          <p:nvPr>
+            <p:ph type="body" sz="quarter" idx="70"/>
+          </p:nvPr>
+        </p:nvSpPr>
+        <p:spPr/>
+        <p:txBody>
+          <a:bodyPr/>
+          <a:lstStyle/>
+          <a:p>
+            <a:endParaRPr lang="de-DE"/>
+          </a:p>
+        </p:txBody>
+      </p:sp>
+      <p:sp>
+        <p:nvSpPr>
+          <p:cNvPr id="21" name="Textplatzhalter 20">
+            <a:extLst>
+              <a:ext uri="{FF2B5EF4-FFF2-40B4-BE49-F238E27FC236}">
+                <a16:creationId xmlns:a16="http://schemas.microsoft.com/office/drawing/2014/main" id="{E6EDE44B-8969-E748-9410-4804DC18E11A}"/>
+              </a:ext>
+            </a:extLst>
+          </p:cNvPr>
+          <p:cNvSpPr>
+            <a:spLocks noGrp="1"/>
+          </p:cNvSpPr>
+          <p:nvPr>
+            <p:ph type="body" sz="quarter" idx="73"/>
+          </p:nvPr>
+        </p:nvSpPr>
+        <p:spPr/>
+        <p:txBody>
+          <a:bodyPr/>
+          <a:lstStyle/>
+          <a:p>
+            <a:endParaRPr lang="de-DE"/>
+          </a:p>
+        </p:txBody>
+      </p:sp>
+      <p:sp>
+        <p:nvSpPr>
+          <p:cNvPr id="23" name="Textplatzhalter 22">
+            <a:extLst>
+              <a:ext uri="{FF2B5EF4-FFF2-40B4-BE49-F238E27FC236}">
+                <a16:creationId xmlns:a16="http://schemas.microsoft.com/office/drawing/2014/main" id="{5E166621-ECB5-454E-981E-80F8BA5EFB4F}"/>
+              </a:ext>
+            </a:extLst>
+          </p:cNvPr>
+          <p:cNvSpPr>
+            <a:spLocks noGrp="1"/>
+          </p:cNvSpPr>
+          <p:nvPr>
+            <p:ph type="body" sz="quarter" idx="76"/>
+          </p:nvPr>
+        </p:nvSpPr>
+        <p:spPr/>
+        <p:txBody>
+          <a:bodyPr/>
+          <a:lstStyle/>
+          <a:p>
+            <a:endParaRPr lang="de-DE"/>
+          </a:p>
+        </p:txBody>
+      </p:sp>
+      <p:sp>
+        <p:nvSpPr>
+          <p:cNvPr id="25" name="Textplatzhalter 24">
+            <a:extLst>
+              <a:ext uri="{FF2B5EF4-FFF2-40B4-BE49-F238E27FC236}">
+                <a16:creationId xmlns:a16="http://schemas.microsoft.com/office/drawing/2014/main" id="{6D87E638-2485-4B4E-88C7-4F6BF14BA152}"/>
+              </a:ext>
+            </a:extLst>
+          </p:cNvPr>
+          <p:cNvSpPr>
+            <a:spLocks noGrp="1"/>
+          </p:cNvSpPr>
+          <p:nvPr>
+            <p:ph type="body" sz="quarter" idx="79"/>
+          </p:nvPr>
+        </p:nvSpPr>
+        <p:spPr/>
+        <p:txBody>
+          <a:bodyPr/>
+          <a:lstStyle/>
+          <a:p>
+            <a:endParaRPr lang="de-DE"/>
+          </a:p>
+        </p:txBody>
+      </p:sp>
+      <p:sp>
+        <p:nvSpPr>
+          <p:cNvPr id="27" name="Textplatzhalter 26">
+            <a:extLst>
+              <a:ext uri="{FF2B5EF4-FFF2-40B4-BE49-F238E27FC236}">
+                <a16:creationId xmlns:a16="http://schemas.microsoft.com/office/drawing/2014/main" id="{203B9C24-89A7-FF4A-AC68-1A1AE70502B8}"/>
+              </a:ext>
+            </a:extLst>
+          </p:cNvPr>
+          <p:cNvSpPr>
+            <a:spLocks noGrp="1"/>
+          </p:cNvSpPr>
+          <p:nvPr>
+            <p:ph type="body" sz="quarter" idx="82"/>
+          </p:nvPr>
+        </p:nvSpPr>
+        <p:spPr/>
+        <p:txBody>
+          <a:bodyPr/>
+          <a:lstStyle/>
+          <a:p>
+            <a:endParaRPr lang="de-DE"/>
+          </a:p>
+        </p:txBody>
+      </p:sp>
+      <p:sp>
+        <p:nvSpPr>
+          <p:cNvPr id="29" name="Textplatzhalter 28">
+            <a:extLst>
+              <a:ext uri="{FF2B5EF4-FFF2-40B4-BE49-F238E27FC236}">
+                <a16:creationId xmlns:a16="http://schemas.microsoft.com/office/drawing/2014/main" id="{EF194BF3-F02F-3F46-A976-C62925645961}"/>
+              </a:ext>
+            </a:extLst>
+          </p:cNvPr>
+          <p:cNvSpPr>
+            <a:spLocks noGrp="1"/>
+          </p:cNvSpPr>
+          <p:nvPr>
+            <p:ph type="body" sz="quarter" idx="85"/>
+          </p:nvPr>
+        </p:nvSpPr>
+        <p:spPr/>
+        <p:txBody>
+          <a:bodyPr/>
+          <a:lstStyle/>
+          <a:p>
+            <a:endParaRPr lang="de-DE"/>
+          </a:p>
+        </p:txBody>
+      </p:sp>
+      <p:sp>
+        <p:nvSpPr>
+          <p:cNvPr id="11" name="Textplatzhalter 10">
+            <a:extLst>
+              <a:ext uri="{FF2B5EF4-FFF2-40B4-BE49-F238E27FC236}">
+                <a16:creationId xmlns:a16="http://schemas.microsoft.com/office/drawing/2014/main" id="{4D9AD9F9-C521-2642-ABB3-D09AE1C7EF49}"/>
+              </a:ext>
+            </a:extLst>
+          </p:cNvPr>
+          <p:cNvSpPr>
+            <a:spLocks noGrp="1"/>
+          </p:cNvSpPr>
+          <p:nvPr>
+            <p:ph type="body" sz="quarter" idx="39"/>
+          </p:nvPr>
+        </p:nvSpPr>
+        <p:spPr/>
+        <p:txBody>
+          <a:bodyPr/>
+          <a:lstStyle/>
+          <a:p>
+            <a:r>
+              <a:rPr lang="de-DE" dirty="0"/>
+              <a:t>Einleitung</a:t>
+            </a:r>
+          </a:p>
+        </p:txBody>
+      </p:sp>
+      <p:sp>
+        <p:nvSpPr>
+          <p:cNvPr id="14" name="Textplatzhalter 13">
+            <a:extLst>
+              <a:ext uri="{FF2B5EF4-FFF2-40B4-BE49-F238E27FC236}">
+                <a16:creationId xmlns:a16="http://schemas.microsoft.com/office/drawing/2014/main" id="{8CE42B6D-AE7B-3D43-8B2B-9A7ED052AA11}"/>
+              </a:ext>
+            </a:extLst>
+          </p:cNvPr>
+          <p:cNvSpPr>
+            <a:spLocks noGrp="1"/>
+          </p:cNvSpPr>
+          <p:nvPr>
+            <p:ph type="body" sz="quarter" idx="62"/>
+          </p:nvPr>
+        </p:nvSpPr>
+        <p:spPr/>
+        <p:txBody>
+          <a:bodyPr/>
+          <a:lstStyle/>
+          <a:p>
+            <a:r>
+              <a:rPr lang="de-DE" dirty="0"/>
+              <a:t>Frameworks</a:t>
+            </a:r>
+          </a:p>
+        </p:txBody>
+      </p:sp>
+      <p:sp>
+        <p:nvSpPr>
+          <p:cNvPr id="16" name="Textplatzhalter 15">
+            <a:extLst>
+              <a:ext uri="{FF2B5EF4-FFF2-40B4-BE49-F238E27FC236}">
+                <a16:creationId xmlns:a16="http://schemas.microsoft.com/office/drawing/2014/main" id="{217510FF-8231-2648-B9A2-E27BA0E75CB1}"/>
+              </a:ext>
+            </a:extLst>
+          </p:cNvPr>
+          <p:cNvSpPr>
+            <a:spLocks noGrp="1"/>
+          </p:cNvSpPr>
+          <p:nvPr>
+            <p:ph type="body" sz="quarter" idx="65"/>
+          </p:nvPr>
+        </p:nvSpPr>
+        <p:spPr/>
+        <p:txBody>
+          <a:bodyPr/>
+          <a:lstStyle/>
+          <a:p>
+            <a:r>
+              <a:rPr lang="de-DE" dirty="0"/>
+              <a:t>Erklärung Beispielanwendung</a:t>
+            </a:r>
+          </a:p>
+        </p:txBody>
+      </p:sp>
+      <p:sp>
+        <p:nvSpPr>
+          <p:cNvPr id="18" name="Textplatzhalter 17">
+            <a:extLst>
+              <a:ext uri="{FF2B5EF4-FFF2-40B4-BE49-F238E27FC236}">
+                <a16:creationId xmlns:a16="http://schemas.microsoft.com/office/drawing/2014/main" id="{CF94D38B-0332-9A4C-9E47-1B2F0E25CA51}"/>
+              </a:ext>
+            </a:extLst>
+          </p:cNvPr>
+          <p:cNvSpPr>
+            <a:spLocks noGrp="1"/>
+          </p:cNvSpPr>
+          <p:nvPr>
+            <p:ph type="body" sz="quarter" idx="68"/>
+          </p:nvPr>
+        </p:nvSpPr>
+        <p:spPr/>
+        <p:txBody>
+          <a:bodyPr/>
+          <a:lstStyle/>
+          <a:p>
+            <a:r>
+              <a:rPr lang="de-DE" dirty="0" err="1"/>
+              <a:t>Advanced</a:t>
+            </a:r>
+            <a:r>
+              <a:rPr lang="de-DE" dirty="0"/>
+              <a:t> </a:t>
+            </a:r>
+            <a:r>
+              <a:rPr lang="de-DE" dirty="0" err="1"/>
+              <a:t>JBehave</a:t>
+            </a:r>
+            <a:endParaRPr lang="de-DE" dirty="0"/>
+          </a:p>
+        </p:txBody>
+      </p:sp>
+      <p:sp>
+        <p:nvSpPr>
+          <p:cNvPr id="20" name="Textplatzhalter 19">
+            <a:extLst>
+              <a:ext uri="{FF2B5EF4-FFF2-40B4-BE49-F238E27FC236}">
+                <a16:creationId xmlns:a16="http://schemas.microsoft.com/office/drawing/2014/main" id="{7F08426F-7339-F84A-9050-68A21A1B8CD9}"/>
+              </a:ext>
+            </a:extLst>
+          </p:cNvPr>
+          <p:cNvSpPr>
+            <a:spLocks noGrp="1"/>
+          </p:cNvSpPr>
+          <p:nvPr>
+            <p:ph type="body" sz="quarter" idx="71"/>
+          </p:nvPr>
+        </p:nvSpPr>
+        <p:spPr/>
+        <p:txBody>
+          <a:bodyPr/>
+          <a:lstStyle/>
+          <a:p>
+            <a:endParaRPr lang="de-DE"/>
+          </a:p>
+        </p:txBody>
+      </p:sp>
+      <p:sp>
+        <p:nvSpPr>
+          <p:cNvPr id="22" name="Textplatzhalter 21">
+            <a:extLst>
+              <a:ext uri="{FF2B5EF4-FFF2-40B4-BE49-F238E27FC236}">
+                <a16:creationId xmlns:a16="http://schemas.microsoft.com/office/drawing/2014/main" id="{C035469F-226C-184F-B4D4-6E9093C7133A}"/>
+              </a:ext>
+            </a:extLst>
+          </p:cNvPr>
+          <p:cNvSpPr>
+            <a:spLocks noGrp="1"/>
+          </p:cNvSpPr>
+          <p:nvPr>
+            <p:ph type="body" sz="quarter" idx="74"/>
+          </p:nvPr>
+        </p:nvSpPr>
+        <p:spPr/>
+        <p:txBody>
+          <a:bodyPr/>
+          <a:lstStyle/>
+          <a:p>
+            <a:endParaRPr lang="de-DE"/>
+          </a:p>
+        </p:txBody>
+      </p:sp>
+      <p:sp>
+        <p:nvSpPr>
+          <p:cNvPr id="24" name="Textplatzhalter 23">
+            <a:extLst>
+              <a:ext uri="{FF2B5EF4-FFF2-40B4-BE49-F238E27FC236}">
+                <a16:creationId xmlns:a16="http://schemas.microsoft.com/office/drawing/2014/main" id="{A6960B18-F96D-BF42-A029-DE86E1E1F550}"/>
+              </a:ext>
+            </a:extLst>
+          </p:cNvPr>
+          <p:cNvSpPr>
+            <a:spLocks noGrp="1"/>
+          </p:cNvSpPr>
+          <p:nvPr>
+            <p:ph type="body" sz="quarter" idx="77"/>
+          </p:nvPr>
+        </p:nvSpPr>
+        <p:spPr/>
+        <p:txBody>
+          <a:bodyPr/>
+          <a:lstStyle/>
+          <a:p>
+            <a:endParaRPr lang="de-DE"/>
+          </a:p>
+        </p:txBody>
+      </p:sp>
+      <p:sp>
+        <p:nvSpPr>
+          <p:cNvPr id="26" name="Textplatzhalter 25">
+            <a:extLst>
+              <a:ext uri="{FF2B5EF4-FFF2-40B4-BE49-F238E27FC236}">
+                <a16:creationId xmlns:a16="http://schemas.microsoft.com/office/drawing/2014/main" id="{130EB349-BFB2-874E-A610-8960830531D2}"/>
+              </a:ext>
+            </a:extLst>
+          </p:cNvPr>
+          <p:cNvSpPr>
+            <a:spLocks noGrp="1"/>
+          </p:cNvSpPr>
+          <p:nvPr>
+            <p:ph type="body" sz="quarter" idx="80"/>
+          </p:nvPr>
+        </p:nvSpPr>
+        <p:spPr/>
+        <p:txBody>
+          <a:bodyPr/>
+          <a:lstStyle/>
+          <a:p>
+            <a:endParaRPr lang="de-DE"/>
+          </a:p>
+        </p:txBody>
+      </p:sp>
+      <p:sp>
+        <p:nvSpPr>
+          <p:cNvPr id="28" name="Textplatzhalter 27">
+            <a:extLst>
+              <a:ext uri="{FF2B5EF4-FFF2-40B4-BE49-F238E27FC236}">
+                <a16:creationId xmlns:a16="http://schemas.microsoft.com/office/drawing/2014/main" id="{A1B74992-2E7E-B848-BB6A-CC3953A7594B}"/>
+              </a:ext>
+            </a:extLst>
+          </p:cNvPr>
+          <p:cNvSpPr>
+            <a:spLocks noGrp="1"/>
+          </p:cNvSpPr>
+          <p:nvPr>
+            <p:ph type="body" sz="quarter" idx="83"/>
+          </p:nvPr>
+        </p:nvSpPr>
+        <p:spPr/>
+        <p:txBody>
+          <a:bodyPr/>
+          <a:lstStyle/>
+          <a:p>
+            <a:endParaRPr lang="de-DE"/>
+          </a:p>
+        </p:txBody>
+      </p:sp>
+      <p:sp>
+        <p:nvSpPr>
+          <p:cNvPr id="30" name="Textplatzhalter 29">
+            <a:extLst>
+              <a:ext uri="{FF2B5EF4-FFF2-40B4-BE49-F238E27FC236}">
+                <a16:creationId xmlns:a16="http://schemas.microsoft.com/office/drawing/2014/main" id="{982E35CC-8867-394C-A40C-81BECF1DEC64}"/>
+              </a:ext>
+            </a:extLst>
+          </p:cNvPr>
+          <p:cNvSpPr>
+            <a:spLocks noGrp="1"/>
+          </p:cNvSpPr>
+          <p:nvPr>
+            <p:ph type="body" sz="quarter" idx="86"/>
+          </p:nvPr>
+        </p:nvSpPr>
+        <p:spPr/>
+        <p:txBody>
+          <a:bodyPr/>
+          <a:lstStyle/>
+          <a:p>
+            <a:endParaRPr lang="de-DE"/>
+          </a:p>
+        </p:txBody>
+      </p:sp>
+      <p:sp>
+        <p:nvSpPr>
+          <p:cNvPr id="9" name="Bildplatzhalter 8">
+            <a:extLst>
+              <a:ext uri="{FF2B5EF4-FFF2-40B4-BE49-F238E27FC236}">
+                <a16:creationId xmlns:a16="http://schemas.microsoft.com/office/drawing/2014/main" id="{E629A535-5BB3-DD4E-9859-0FB72D697702}"/>
+              </a:ext>
+            </a:extLst>
+          </p:cNvPr>
+          <p:cNvSpPr>
+            <a:spLocks noGrp="1"/>
+          </p:cNvSpPr>
+          <p:nvPr>
+            <p:ph type="pic" sz="quarter" idx="15"/>
+          </p:nvPr>
+        </p:nvSpPr>
+        <p:spPr/>
+      </p:sp>
+    </p:spTree>
+    <p:extLst>
+      <p:ext uri="{BB962C8B-B14F-4D97-AF65-F5344CB8AC3E}">
+        <p14:creationId xmlns:p14="http://schemas.microsoft.com/office/powerpoint/2010/main" val="4154011712"/>
+      </p:ext>
+    </p:extLst>
+  </p:cSld>
+  <p:clrMapOvr>
+    <a:masterClrMapping/>
+  </p:clrMapOvr>
+  <mc:AlternateContent xmlns:mc="http://schemas.openxmlformats.org/markup-compatibility/2006" xmlns:p14="http://schemas.microsoft.com/office/powerpoint/2010/main">
+    <mc:Choice Requires="p14">
+      <p:transition spd="med" p14:dur="700">
+        <p:fade/>
+      </p:transition>
+    </mc:Choice>
+    <mc:Fallback xmlns="">
+      <p:transition spd="med">
+        <p:fade/>
+      </p:transition>
+    </mc:Fallback>
+  </mc:AlternateContent>
+</p:sld>
+</file>
+
+<file path=ppt/slides/slide3.xml><?xml version="1.0" encoding="utf-8"?>
+<p:sld xmlns:a="http://schemas.openxmlformats.org/drawingml/2006/main" xmlns:r="http://schemas.openxmlformats.org/officeDocument/2006/relationships" xmlns:p="http://schemas.openxmlformats.org/presentationml/2006/main">
+  <p:cSld>
+    <p:spTree>
+      <p:nvGrpSpPr>
+        <p:cNvPr id="1" name=""/>
+        <p:cNvGrpSpPr/>
+        <p:nvPr/>
+      </p:nvGrpSpPr>
+      <p:grpSpPr>
+        <a:xfrm>
+          <a:off x="0" y="0"/>
+          <a:ext cx="0" cy="0"/>
+          <a:chOff x="0" y="0"/>
+          <a:chExt cx="0" cy="0"/>
+        </a:xfrm>
+      </p:grpSpPr>
+      <p:sp>
+        <p:nvSpPr>
+          <p:cNvPr id="29" name="Titel 28">
+            <a:extLst>
+              <a:ext uri="{FF2B5EF4-FFF2-40B4-BE49-F238E27FC236}">
+                <a16:creationId xmlns:a16="http://schemas.microsoft.com/office/drawing/2014/main" id="{615CBD0F-78A7-2547-9BB1-DE27675797BA}"/>
+              </a:ext>
+            </a:extLst>
+          </p:cNvPr>
+          <p:cNvSpPr>
+            <a:spLocks noGrp="1"/>
+          </p:cNvSpPr>
+          <p:nvPr>
+            <p:ph type="ctrTitle"/>
+          </p:nvPr>
+        </p:nvSpPr>
+        <p:spPr/>
+        <p:txBody>
+          <a:bodyPr/>
+          <a:lstStyle/>
+          <a:p>
+            <a:r>
+              <a:rPr lang="de-DE" dirty="0"/>
+              <a:t>Einleitung</a:t>
+            </a:r>
+          </a:p>
+        </p:txBody>
+      </p:sp>
+      <p:sp>
+        <p:nvSpPr>
+          <p:cNvPr id="31" name="Textplatzhalter 30">
+            <a:extLst>
+              <a:ext uri="{FF2B5EF4-FFF2-40B4-BE49-F238E27FC236}">
+                <a16:creationId xmlns:a16="http://schemas.microsoft.com/office/drawing/2014/main" id="{09BE5D67-22C8-E34C-8865-A436F7DC5867}"/>
+              </a:ext>
+            </a:extLst>
+          </p:cNvPr>
+          <p:cNvSpPr>
+            <a:spLocks noGrp="1"/>
+          </p:cNvSpPr>
+          <p:nvPr>
+            <p:ph type="body" sz="quarter" idx="14"/>
+          </p:nvPr>
+        </p:nvSpPr>
+        <p:spPr/>
+        <p:txBody>
+          <a:bodyPr/>
+          <a:lstStyle/>
+          <a:p>
+            <a:endParaRPr lang="de-DE"/>
+          </a:p>
+        </p:txBody>
+      </p:sp>
+      <p:sp>
+        <p:nvSpPr>
+          <p:cNvPr id="30" name="Textplatzhalter 29">
+            <a:extLst>
+              <a:ext uri="{FF2B5EF4-FFF2-40B4-BE49-F238E27FC236}">
+                <a16:creationId xmlns:a16="http://schemas.microsoft.com/office/drawing/2014/main" id="{77BF6BB8-4441-354B-9AAF-53196E13F98B}"/>
+              </a:ext>
+            </a:extLst>
+          </p:cNvPr>
+          <p:cNvSpPr>
+            <a:spLocks noGrp="1"/>
+          </p:cNvSpPr>
+          <p:nvPr>
+            <p:ph type="body" sz="quarter" idx="11"/>
+          </p:nvPr>
+        </p:nvSpPr>
+        <p:spPr/>
+        <p:txBody>
+          <a:bodyPr/>
+          <a:lstStyle/>
+          <a:p>
+            <a:r>
+              <a:rPr lang="de-DE" dirty="0"/>
+              <a:t>1.</a:t>
+            </a:r>
+          </a:p>
+        </p:txBody>
+      </p:sp>
+      <p:sp>
+        <p:nvSpPr>
+          <p:cNvPr id="32" name="Textplatzhalter 31">
+            <a:extLst>
+              <a:ext uri="{FF2B5EF4-FFF2-40B4-BE49-F238E27FC236}">
+                <a16:creationId xmlns:a16="http://schemas.microsoft.com/office/drawing/2014/main" id="{0547EA9F-4166-874D-9374-7360B5BC36EF}"/>
+              </a:ext>
+            </a:extLst>
+          </p:cNvPr>
+          <p:cNvSpPr>
+            <a:spLocks noGrp="1"/>
+          </p:cNvSpPr>
+          <p:nvPr>
+            <p:ph type="body" sz="quarter" idx="87"/>
+          </p:nvPr>
+        </p:nvSpPr>
+        <p:spPr/>
+        <p:txBody>
+          <a:bodyPr/>
+          <a:lstStyle/>
+          <a:p>
+            <a:endParaRPr lang="de-DE"/>
+          </a:p>
+        </p:txBody>
+      </p:sp>
+      <p:sp>
+        <p:nvSpPr>
+          <p:cNvPr id="26" name="Fußzeilenplatzhalter 25">
+            <a:extLst>
+              <a:ext uri="{FF2B5EF4-FFF2-40B4-BE49-F238E27FC236}">
+                <a16:creationId xmlns:a16="http://schemas.microsoft.com/office/drawing/2014/main" id="{C3BCF548-9415-6041-BF03-BED0744B7BA4}"/>
+              </a:ext>
+            </a:extLst>
+          </p:cNvPr>
+          <p:cNvSpPr>
+            <a:spLocks noGrp="1"/>
+          </p:cNvSpPr>
+          <p:nvPr>
+            <p:ph type="ftr" sz="quarter" idx="4294967295"/>
+          </p:nvPr>
+        </p:nvSpPr>
+        <p:spPr>
+          <a:xfrm>
+            <a:off x="0" y="6291263"/>
+            <a:ext cx="5556250" cy="360362"/>
+          </a:xfrm>
+        </p:spPr>
+        <p:txBody>
+          <a:bodyPr/>
+          <a:lstStyle/>
+          <a:p>
+            <a:r>
+              <a:rPr lang="de-DE" dirty="0" err="1"/>
+              <a:t>Advanced</a:t>
+            </a:r>
+            <a:r>
+              <a:rPr lang="de-DE" dirty="0"/>
+              <a:t> BDD / Maik Wagner / © </a:t>
+            </a:r>
+            <a:r>
+              <a:rPr lang="de-DE" dirty="0" err="1"/>
+              <a:t>Tallence</a:t>
+            </a:r>
+            <a:r>
+              <a:rPr lang="de-DE" dirty="0"/>
+              <a:t> AG</a:t>
+            </a:r>
+          </a:p>
+        </p:txBody>
+      </p:sp>
+      <p:sp>
+        <p:nvSpPr>
+          <p:cNvPr id="27" name="Datumsplatzhalter 26">
+            <a:extLst>
+              <a:ext uri="{FF2B5EF4-FFF2-40B4-BE49-F238E27FC236}">
+                <a16:creationId xmlns:a16="http://schemas.microsoft.com/office/drawing/2014/main" id="{3B5C5CC1-014D-7949-9BB7-5D0603AB17A2}"/>
+              </a:ext>
+            </a:extLst>
+          </p:cNvPr>
+          <p:cNvSpPr>
+            <a:spLocks noGrp="1"/>
+          </p:cNvSpPr>
+          <p:nvPr>
+            <p:ph type="dt" sz="half" idx="4294967295"/>
+          </p:nvPr>
+        </p:nvSpPr>
+        <p:spPr>
+          <a:xfrm>
+            <a:off x="11501438" y="6291263"/>
+            <a:ext cx="688975" cy="360362"/>
+          </a:xfrm>
+        </p:spPr>
+        <p:txBody>
+          <a:bodyPr/>
+          <a:lstStyle/>
+          <a:p>
+            <a:fld id="{6FEC6909-2C01-40CF-9626-2CD40C8FE822}" type="datetime1">
+              <a:rPr lang="de-DE" noProof="0" smtClean="0"/>
+              <a:t>28.10.19</a:t>
+            </a:fld>
+            <a:endParaRPr lang="de-DE" noProof="0" dirty="0"/>
+          </a:p>
+        </p:txBody>
+      </p:sp>
+      <p:sp>
+        <p:nvSpPr>
+          <p:cNvPr id="28" name="Foliennummernplatzhalter 27">
+            <a:extLst>
+              <a:ext uri="{FF2B5EF4-FFF2-40B4-BE49-F238E27FC236}">
+                <a16:creationId xmlns:a16="http://schemas.microsoft.com/office/drawing/2014/main" id="{69B66FA4-2793-3C44-9797-54A190E4C9A5}"/>
+              </a:ext>
+            </a:extLst>
+          </p:cNvPr>
+          <p:cNvSpPr>
+            <a:spLocks noGrp="1"/>
+          </p:cNvSpPr>
+          <p:nvPr>
+            <p:ph type="sldNum" sz="quarter" idx="4294967295"/>
+          </p:nvPr>
+        </p:nvSpPr>
+        <p:spPr>
+          <a:xfrm>
+            <a:off x="11909425" y="6291263"/>
+            <a:ext cx="280988" cy="360362"/>
+          </a:xfrm>
+        </p:spPr>
+        <p:txBody>
+          <a:bodyPr/>
+          <a:lstStyle/>
+          <a:p>
+            <a:fld id="{02CEFE82-39F2-4F47-8A0C-D5AB3496FA5C}" type="slidenum">
+              <a:rPr lang="de-DE" noProof="0" smtClean="0"/>
+              <a:t>3</a:t>
+            </a:fld>
+            <a:endParaRPr lang="de-DE" noProof="0" dirty="0"/>
+          </a:p>
+        </p:txBody>
+      </p:sp>
+    </p:spTree>
+    <p:extLst>
+      <p:ext uri="{BB962C8B-B14F-4D97-AF65-F5344CB8AC3E}">
+        <p14:creationId xmlns:p14="http://schemas.microsoft.com/office/powerpoint/2010/main" val="89455421"/>
+      </p:ext>
+    </p:extLst>
+  </p:cSld>
+  <p:clrMapOvr>
+    <a:masterClrMapping/>
+  </p:clrMapOvr>
+  <mc:AlternateContent xmlns:mc="http://schemas.openxmlformats.org/markup-compatibility/2006" xmlns:p14="http://schemas.microsoft.com/office/powerpoint/2010/main">
+    <mc:Choice Requires="p14">
+      <p:transition spd="med" p14:dur="700">
+        <p:fade/>
+      </p:transition>
+    </mc:Choice>
+    <mc:Fallback xmlns="">
+      <p:transition spd="med">
+        <p:fade/>
+      </p:transition>
+    </mc:Fallback>
+  </mc:AlternateContent>
+</p:sld>
+</file>
+
+<file path=ppt/slides/slide4.xml><?xml version="1.0" encoding="utf-8"?>
+<p:sld xmlns:a="http://schemas.openxmlformats.org/drawingml/2006/main" xmlns:r="http://schemas.openxmlformats.org/officeDocument/2006/relationships" xmlns:p="http://schemas.openxmlformats.org/presentationml/2006/main">
+  <p:cSld>
+    <p:spTree>
+      <p:nvGrpSpPr>
+        <p:cNvPr id="1" name=""/>
+        <p:cNvGrpSpPr/>
+        <p:nvPr/>
+      </p:nvGrpSpPr>
+      <p:grpSpPr>
+        <a:xfrm>
+          <a:off x="0" y="0"/>
+          <a:ext cx="0" cy="0"/>
+          <a:chOff x="0" y="0"/>
+          <a:chExt cx="0" cy="0"/>
+        </a:xfrm>
+      </p:grpSpPr>
+      <p:sp>
+        <p:nvSpPr>
+          <p:cNvPr id="29" name="Titel 28">
+            <a:extLst>
+              <a:ext uri="{FF2B5EF4-FFF2-40B4-BE49-F238E27FC236}">
+                <a16:creationId xmlns:a16="http://schemas.microsoft.com/office/drawing/2014/main" id="{44AD224C-8762-9146-98F4-C90BF407FEC9}"/>
+              </a:ext>
+            </a:extLst>
+          </p:cNvPr>
+          <p:cNvSpPr>
+            <a:spLocks noGrp="1"/>
+          </p:cNvSpPr>
+          <p:nvPr>
+            <p:ph type="title"/>
+          </p:nvPr>
+        </p:nvSpPr>
+        <p:spPr/>
+        <p:txBody>
+          <a:bodyPr/>
+          <a:lstStyle/>
+          <a:p>
+            <a:r>
+              <a:rPr lang="de-DE" dirty="0"/>
+              <a:t>Einleitung</a:t>
+            </a:r>
+          </a:p>
+        </p:txBody>
+      </p:sp>
+      <p:sp>
+        <p:nvSpPr>
+          <p:cNvPr id="30" name="Textplatzhalter 29">
+            <a:extLst>
+              <a:ext uri="{FF2B5EF4-FFF2-40B4-BE49-F238E27FC236}">
+                <a16:creationId xmlns:a16="http://schemas.microsoft.com/office/drawing/2014/main" id="{FE4C5003-4ABD-D849-B9CA-E3F4B9104C0C}"/>
+              </a:ext>
+            </a:extLst>
+          </p:cNvPr>
+          <p:cNvSpPr>
+            <a:spLocks noGrp="1"/>
+          </p:cNvSpPr>
+          <p:nvPr>
+            <p:ph type="body" sz="quarter" idx="13"/>
+          </p:nvPr>
+        </p:nvSpPr>
+        <p:spPr/>
+        <p:txBody>
+          <a:bodyPr/>
+          <a:lstStyle/>
+          <a:p>
+            <a:r>
+              <a:rPr lang="de-DE" dirty="0"/>
+              <a:t>Maik Wagner</a:t>
+            </a:r>
+          </a:p>
+        </p:txBody>
+      </p:sp>
+      <p:sp>
+        <p:nvSpPr>
+          <p:cNvPr id="32" name="Textplatzhalter 31">
+            <a:extLst>
+              <a:ext uri="{FF2B5EF4-FFF2-40B4-BE49-F238E27FC236}">
+                <a16:creationId xmlns:a16="http://schemas.microsoft.com/office/drawing/2014/main" id="{C29EEA09-74A9-BD47-BDBF-EA97A7250599}"/>
+              </a:ext>
+            </a:extLst>
+          </p:cNvPr>
+          <p:cNvSpPr>
+            <a:spLocks noGrp="1"/>
+          </p:cNvSpPr>
+          <p:nvPr>
+            <p:ph type="body" sz="quarter" idx="22"/>
+          </p:nvPr>
+        </p:nvSpPr>
+        <p:spPr/>
+        <p:txBody>
+          <a:bodyPr/>
+          <a:lstStyle/>
+          <a:p>
+            <a:endParaRPr lang="de-DE"/>
+          </a:p>
+        </p:txBody>
+      </p:sp>
+      <p:sp>
+        <p:nvSpPr>
+          <p:cNvPr id="31" name="Inhaltsplatzhalter 30">
+            <a:extLst>
+              <a:ext uri="{FF2B5EF4-FFF2-40B4-BE49-F238E27FC236}">
+                <a16:creationId xmlns:a16="http://schemas.microsoft.com/office/drawing/2014/main" id="{995AF0FB-A0AB-354C-A4F6-8A6CE2C8BB97}"/>
+              </a:ext>
+            </a:extLst>
+          </p:cNvPr>
+          <p:cNvSpPr>
+            <a:spLocks noGrp="1"/>
+          </p:cNvSpPr>
+          <p:nvPr>
+            <p:ph sz="half" idx="14"/>
+          </p:nvPr>
+        </p:nvSpPr>
+        <p:spPr/>
+        <p:txBody>
+          <a:bodyPr/>
+          <a:lstStyle/>
+          <a:p>
+            <a:endParaRPr lang="de-DE" dirty="0"/>
+          </a:p>
+        </p:txBody>
+      </p:sp>
+      <p:sp>
+        <p:nvSpPr>
+          <p:cNvPr id="26" name="Fußzeilenplatzhalter 25">
+            <a:extLst>
+              <a:ext uri="{FF2B5EF4-FFF2-40B4-BE49-F238E27FC236}">
+                <a16:creationId xmlns:a16="http://schemas.microsoft.com/office/drawing/2014/main" id="{02469255-6F68-264D-9020-EB39F2A42D30}"/>
+              </a:ext>
+            </a:extLst>
+          </p:cNvPr>
+          <p:cNvSpPr>
+            <a:spLocks noGrp="1"/>
+          </p:cNvSpPr>
+          <p:nvPr>
+            <p:ph type="ftr" sz="quarter" idx="11"/>
+          </p:nvPr>
+        </p:nvSpPr>
+        <p:spPr/>
+        <p:txBody>
+          <a:bodyPr/>
+          <a:lstStyle/>
+          <a:p>
+            <a:r>
+              <a:rPr lang="de-DE" dirty="0" err="1"/>
+              <a:t>Advanced</a:t>
+            </a:r>
+            <a:r>
+              <a:rPr lang="de-DE" dirty="0"/>
+              <a:t> BDD / Maik Wagner / © </a:t>
+            </a:r>
+            <a:r>
+              <a:rPr lang="de-DE" dirty="0" err="1"/>
+              <a:t>Tallence</a:t>
+            </a:r>
+            <a:r>
+              <a:rPr lang="de-DE" dirty="0"/>
+              <a:t> AG</a:t>
+            </a:r>
+          </a:p>
+        </p:txBody>
+      </p:sp>
+      <p:sp>
+        <p:nvSpPr>
+          <p:cNvPr id="27" name="Datumsplatzhalter 26">
+            <a:extLst>
+              <a:ext uri="{FF2B5EF4-FFF2-40B4-BE49-F238E27FC236}">
+                <a16:creationId xmlns:a16="http://schemas.microsoft.com/office/drawing/2014/main" id="{9828D409-715F-1245-A7C1-E0E8D35B89B4}"/>
+              </a:ext>
+            </a:extLst>
+          </p:cNvPr>
+          <p:cNvSpPr>
+            <a:spLocks noGrp="1"/>
+          </p:cNvSpPr>
+          <p:nvPr>
+            <p:ph type="dt" sz="half" idx="10"/>
+          </p:nvPr>
+        </p:nvSpPr>
+        <p:spPr/>
+        <p:txBody>
+          <a:bodyPr/>
+          <a:lstStyle/>
+          <a:p>
+            <a:fld id="{6FEC6909-2C01-40CF-9626-2CD40C8FE822}" type="datetime1">
+              <a:rPr lang="de-DE" noProof="0" smtClean="0"/>
+              <a:t>28.10.19</a:t>
+            </a:fld>
+            <a:endParaRPr lang="de-DE" noProof="0" dirty="0"/>
+          </a:p>
+        </p:txBody>
+      </p:sp>
+      <p:sp>
+        <p:nvSpPr>
+          <p:cNvPr id="28" name="Foliennummernplatzhalter 27">
+            <a:extLst>
+              <a:ext uri="{FF2B5EF4-FFF2-40B4-BE49-F238E27FC236}">
+                <a16:creationId xmlns:a16="http://schemas.microsoft.com/office/drawing/2014/main" id="{7F4AA4DB-4330-094C-B76B-BCB63919C845}"/>
+              </a:ext>
+            </a:extLst>
+          </p:cNvPr>
+          <p:cNvSpPr>
+            <a:spLocks noGrp="1"/>
+          </p:cNvSpPr>
+          <p:nvPr>
+            <p:ph type="sldNum" sz="quarter" idx="12"/>
+          </p:nvPr>
+        </p:nvSpPr>
+        <p:spPr/>
+        <p:txBody>
+          <a:bodyPr/>
+          <a:lstStyle/>
+          <a:p>
+            <a:fld id="{02CEFE82-39F2-4F47-8A0C-D5AB3496FA5C}" type="slidenum">
+              <a:rPr lang="de-DE" noProof="0" smtClean="0"/>
+              <a:t>4</a:t>
+            </a:fld>
+            <a:endParaRPr lang="de-DE" noProof="0" dirty="0"/>
+          </a:p>
+        </p:txBody>
+      </p:sp>
+    </p:spTree>
+    <p:extLst>
+      <p:ext uri="{BB962C8B-B14F-4D97-AF65-F5344CB8AC3E}">
+        <p14:creationId xmlns:p14="http://schemas.microsoft.com/office/powerpoint/2010/main" val="4273286052"/>
+      </p:ext>
+    </p:extLst>
+  </p:cSld>
+  <p:clrMapOvr>
+    <a:masterClrMapping/>
+  </p:clrMapOvr>
+  <mc:AlternateContent xmlns:mc="http://schemas.openxmlformats.org/markup-compatibility/2006" xmlns:p14="http://schemas.microsoft.com/office/powerpoint/2010/main">
+    <mc:Choice Requires="p14">
+      <p:transition spd="med" p14:dur="700">
+        <p:fade/>
+      </p:transition>
+    </mc:Choice>
+    <mc:Fallback xmlns="">
+      <p:transition spd="med">
+        <p:fade/>
+      </p:transition>
+    </mc:Fallback>
+  </mc:AlternateContent>
+</p:sld>
+</file>
+
+<file path=ppt/slides/slide5.xml><?xml version="1.0" encoding="utf-8"?>
+<p:sld xmlns:a="http://schemas.openxmlformats.org/drawingml/2006/main" xmlns:r="http://schemas.openxmlformats.org/officeDocument/2006/relationships" xmlns:p="http://schemas.openxmlformats.org/presentationml/2006/main">
+  <p:cSld>
+    <p:spTree>
+      <p:nvGrpSpPr>
+        <p:cNvPr id="1" name=""/>
+        <p:cNvGrpSpPr/>
+        <p:nvPr/>
+      </p:nvGrpSpPr>
+      <p:grpSpPr>
+        <a:xfrm>
+          <a:off x="0" y="0"/>
+          <a:ext cx="0" cy="0"/>
+          <a:chOff x="0" y="0"/>
+          <a:chExt cx="0" cy="0"/>
+        </a:xfrm>
+      </p:grpSpPr>
+      <p:sp>
+        <p:nvSpPr>
+          <p:cNvPr id="2" name="Titel 1">
+            <a:extLst>
+              <a:ext uri="{FF2B5EF4-FFF2-40B4-BE49-F238E27FC236}">
+                <a16:creationId xmlns:a16="http://schemas.microsoft.com/office/drawing/2014/main" id="{896A6613-F3F0-5945-9BFC-BB4411304B7F}"/>
+              </a:ext>
+            </a:extLst>
+          </p:cNvPr>
+          <p:cNvSpPr>
+            <a:spLocks noGrp="1"/>
+          </p:cNvSpPr>
+          <p:nvPr>
+            <p:ph type="title"/>
+          </p:nvPr>
+        </p:nvSpPr>
+        <p:spPr/>
+        <p:txBody>
+          <a:bodyPr/>
+          <a:lstStyle/>
+          <a:p>
+            <a:r>
+              <a:rPr lang="de-DE" dirty="0"/>
+              <a:t>Einleitung</a:t>
+            </a:r>
+          </a:p>
+        </p:txBody>
+      </p:sp>
+      <p:sp>
+        <p:nvSpPr>
+          <p:cNvPr id="3" name="Textplatzhalter 2">
+            <a:extLst>
+              <a:ext uri="{FF2B5EF4-FFF2-40B4-BE49-F238E27FC236}">
+                <a16:creationId xmlns:a16="http://schemas.microsoft.com/office/drawing/2014/main" id="{C2783B6D-2F09-8B41-94FE-416F35F0FEFD}"/>
+              </a:ext>
+            </a:extLst>
+          </p:cNvPr>
+          <p:cNvSpPr>
+            <a:spLocks noGrp="1"/>
+          </p:cNvSpPr>
+          <p:nvPr>
+            <p:ph type="body" sz="quarter" idx="13"/>
+          </p:nvPr>
+        </p:nvSpPr>
+        <p:spPr/>
+        <p:txBody>
+          <a:bodyPr/>
+          <a:lstStyle/>
+          <a:p>
+            <a:r>
+              <a:rPr lang="de-DE" dirty="0"/>
+              <a:t>Themenüberblick</a:t>
+            </a:r>
+          </a:p>
+        </p:txBody>
+      </p:sp>
+      <p:sp>
+        <p:nvSpPr>
+          <p:cNvPr id="4" name="Textplatzhalter 3">
+            <a:extLst>
+              <a:ext uri="{FF2B5EF4-FFF2-40B4-BE49-F238E27FC236}">
+                <a16:creationId xmlns:a16="http://schemas.microsoft.com/office/drawing/2014/main" id="{5DECD20D-115D-9347-AA3F-FF8E5B0AF70E}"/>
+              </a:ext>
+            </a:extLst>
+          </p:cNvPr>
+          <p:cNvSpPr>
+            <a:spLocks noGrp="1"/>
+          </p:cNvSpPr>
+          <p:nvPr>
+            <p:ph type="body" sz="quarter" idx="22"/>
+          </p:nvPr>
+        </p:nvSpPr>
+        <p:spPr/>
+        <p:txBody>
+          <a:bodyPr/>
+          <a:lstStyle/>
+          <a:p>
+            <a:endParaRPr lang="de-DE"/>
+          </a:p>
+        </p:txBody>
+      </p:sp>
+      <p:sp>
+        <p:nvSpPr>
+          <p:cNvPr id="5" name="Inhaltsplatzhalter 4">
+            <a:extLst>
+              <a:ext uri="{FF2B5EF4-FFF2-40B4-BE49-F238E27FC236}">
+                <a16:creationId xmlns:a16="http://schemas.microsoft.com/office/drawing/2014/main" id="{D295D297-BE66-D74A-8741-3B72EE2A0CD0}"/>
+              </a:ext>
+            </a:extLst>
+          </p:cNvPr>
+          <p:cNvSpPr>
+            <a:spLocks noGrp="1"/>
+          </p:cNvSpPr>
+          <p:nvPr>
+            <p:ph sz="half" idx="14"/>
+          </p:nvPr>
+        </p:nvSpPr>
+        <p:spPr/>
+        <p:txBody>
+          <a:bodyPr/>
+          <a:lstStyle/>
+          <a:p>
+            <a:r>
+              <a:rPr lang="de-DE" dirty="0"/>
+              <a:t>Was sind Software-Tests?</a:t>
+            </a:r>
+          </a:p>
+          <a:p>
+            <a:r>
+              <a:rPr lang="de-DE" dirty="0"/>
+              <a:t>Was ist BDD?</a:t>
+            </a:r>
+          </a:p>
+          <a:p>
+            <a:endParaRPr lang="de-DE" dirty="0"/>
+          </a:p>
+        </p:txBody>
+      </p:sp>
+      <p:sp>
+        <p:nvSpPr>
+          <p:cNvPr id="6" name="Fußzeilenplatzhalter 5">
+            <a:extLst>
+              <a:ext uri="{FF2B5EF4-FFF2-40B4-BE49-F238E27FC236}">
+                <a16:creationId xmlns:a16="http://schemas.microsoft.com/office/drawing/2014/main" id="{02D3F2CD-F297-4F4F-971E-4F08AE818F74}"/>
+              </a:ext>
+            </a:extLst>
+          </p:cNvPr>
+          <p:cNvSpPr>
+            <a:spLocks noGrp="1"/>
+          </p:cNvSpPr>
+          <p:nvPr>
+            <p:ph type="ftr" sz="quarter" idx="11"/>
+          </p:nvPr>
+        </p:nvSpPr>
+        <p:spPr/>
+        <p:txBody>
+          <a:bodyPr/>
+          <a:lstStyle/>
+          <a:p>
+            <a:r>
+              <a:rPr lang="de-DE" dirty="0" err="1"/>
+              <a:t>Advanced</a:t>
+            </a:r>
+            <a:r>
+              <a:rPr lang="de-DE" dirty="0"/>
+              <a:t> BDD / Maik Wagner / © </a:t>
+            </a:r>
+            <a:r>
+              <a:rPr lang="de-DE" dirty="0" err="1"/>
+              <a:t>Tallence</a:t>
+            </a:r>
+            <a:r>
+              <a:rPr lang="de-DE" dirty="0"/>
+              <a:t> AG</a:t>
+            </a:r>
+          </a:p>
+        </p:txBody>
+      </p:sp>
+      <p:sp>
+        <p:nvSpPr>
+          <p:cNvPr id="7" name="Datumsplatzhalter 6">
+            <a:extLst>
+              <a:ext uri="{FF2B5EF4-FFF2-40B4-BE49-F238E27FC236}">
+                <a16:creationId xmlns:a16="http://schemas.microsoft.com/office/drawing/2014/main" id="{8B2967E2-B842-364C-B506-7FDEA079194B}"/>
+              </a:ext>
+            </a:extLst>
+          </p:cNvPr>
+          <p:cNvSpPr>
+            <a:spLocks noGrp="1"/>
+          </p:cNvSpPr>
+          <p:nvPr>
+            <p:ph type="dt" sz="half" idx="10"/>
+          </p:nvPr>
+        </p:nvSpPr>
+        <p:spPr/>
+        <p:txBody>
+          <a:bodyPr/>
+          <a:lstStyle/>
+          <a:p>
+            <a:fld id="{154C7814-F218-4D9E-8E58-25588F0986B1}" type="datetime1">
+              <a:rPr lang="de-DE" noProof="0" smtClean="0"/>
+              <a:t>28.10.19</a:t>
+            </a:fld>
+            <a:endParaRPr lang="de-DE" noProof="0" dirty="0"/>
+          </a:p>
+        </p:txBody>
+      </p:sp>
+      <p:sp>
+        <p:nvSpPr>
+          <p:cNvPr id="8" name="Foliennummernplatzhalter 7">
+            <a:extLst>
+              <a:ext uri="{FF2B5EF4-FFF2-40B4-BE49-F238E27FC236}">
+                <a16:creationId xmlns:a16="http://schemas.microsoft.com/office/drawing/2014/main" id="{5424C73D-5505-BB45-95C9-C44624D5BAEC}"/>
+              </a:ext>
+            </a:extLst>
+          </p:cNvPr>
+          <p:cNvSpPr>
+            <a:spLocks noGrp="1"/>
+          </p:cNvSpPr>
+          <p:nvPr>
+            <p:ph type="sldNum" sz="quarter" idx="12"/>
+          </p:nvPr>
+        </p:nvSpPr>
+        <p:spPr/>
+        <p:txBody>
+          <a:bodyPr/>
+          <a:lstStyle/>
+          <a:p>
+            <a:fld id="{02CEFE82-39F2-4F47-8A0C-D5AB3496FA5C}" type="slidenum">
+              <a:rPr lang="de-DE" noProof="0" smtClean="0"/>
+              <a:pPr/>
+              <a:t>5</a:t>
+            </a:fld>
+            <a:endParaRPr lang="de-DE" noProof="0" dirty="0"/>
+          </a:p>
+        </p:txBody>
+      </p:sp>
+    </p:spTree>
+    <p:extLst>
+      <p:ext uri="{BB962C8B-B14F-4D97-AF65-F5344CB8AC3E}">
+        <p14:creationId xmlns:p14="http://schemas.microsoft.com/office/powerpoint/2010/main" val="1878963389"/>
+      </p:ext>
+    </p:extLst>
+  </p:cSld>
+  <p:clrMapOvr>
+    <a:masterClrMapping/>
+  </p:clrMapOvr>
+  <mc:AlternateContent xmlns:mc="http://schemas.openxmlformats.org/markup-compatibility/2006" xmlns:p14="http://schemas.microsoft.com/office/powerpoint/2010/main">
+    <mc:Choice Requires="p14">
+      <p:transition spd="med" p14:dur="700">
+        <p:fade/>
+      </p:transition>
+    </mc:Choice>
+    <mc:Fallback xmlns="">
+      <p:transition spd="med">
+        <p:fade/>
+      </p:transition>
+    </mc:Fallback>
+  </mc:AlternateContent>
+</p:sld>
+</file>
+
+<file path=ppt/slides/slide6.xml><?xml version="1.0" encoding="utf-8"?>
+<p:sld xmlns:a="http://schemas.openxmlformats.org/drawingml/2006/main" xmlns:r="http://schemas.openxmlformats.org/officeDocument/2006/relationships" xmlns:p="http://schemas.openxmlformats.org/presentationml/2006/main">
+  <p:cSld>
+    <p:spTree>
+      <p:nvGrpSpPr>
+        <p:cNvPr id="1" name=""/>
+        <p:cNvGrpSpPr/>
+        <p:nvPr/>
+      </p:nvGrpSpPr>
+      <p:grpSpPr>
+        <a:xfrm>
+          <a:off x="0" y="0"/>
+          <a:ext cx="0" cy="0"/>
+          <a:chOff x="0" y="0"/>
+          <a:chExt cx="0" cy="0"/>
+        </a:xfrm>
+      </p:grpSpPr>
+      <p:sp>
+        <p:nvSpPr>
+          <p:cNvPr id="9" name="Titel 8">
+            <a:extLst>
+              <a:ext uri="{FF2B5EF4-FFF2-40B4-BE49-F238E27FC236}">
+                <a16:creationId xmlns:a16="http://schemas.microsoft.com/office/drawing/2014/main" id="{FF6148DF-2753-2740-B812-507F90AC190C}"/>
+              </a:ext>
+            </a:extLst>
+          </p:cNvPr>
+          <p:cNvSpPr>
+            <a:spLocks noGrp="1"/>
+          </p:cNvSpPr>
+          <p:nvPr>
+            <p:ph type="ctrTitle"/>
+          </p:nvPr>
+        </p:nvSpPr>
+        <p:spPr/>
+        <p:txBody>
+          <a:bodyPr/>
+          <a:lstStyle/>
+          <a:p>
+            <a:r>
+              <a:rPr lang="de-DE" dirty="0"/>
+              <a:t>Frameworks</a:t>
+            </a:r>
+          </a:p>
+        </p:txBody>
+      </p:sp>
+      <p:sp>
+        <p:nvSpPr>
+          <p:cNvPr id="13" name="Textplatzhalter 12">
+            <a:extLst>
+              <a:ext uri="{FF2B5EF4-FFF2-40B4-BE49-F238E27FC236}">
+                <a16:creationId xmlns:a16="http://schemas.microsoft.com/office/drawing/2014/main" id="{3C1B8293-3715-5D49-84C5-1DB8E5752832}"/>
+              </a:ext>
+            </a:extLst>
+          </p:cNvPr>
+          <p:cNvSpPr>
+            <a:spLocks noGrp="1"/>
+          </p:cNvSpPr>
+          <p:nvPr>
+            <p:ph type="body" sz="quarter" idx="14"/>
+          </p:nvPr>
+        </p:nvSpPr>
+        <p:spPr/>
+        <p:txBody>
+          <a:bodyPr/>
+          <a:lstStyle/>
+          <a:p>
+            <a:endParaRPr lang="de-DE"/>
+          </a:p>
+        </p:txBody>
+      </p:sp>
+      <p:sp>
+        <p:nvSpPr>
+          <p:cNvPr id="10" name="Textplatzhalter 9">
+            <a:extLst>
+              <a:ext uri="{FF2B5EF4-FFF2-40B4-BE49-F238E27FC236}">
+                <a16:creationId xmlns:a16="http://schemas.microsoft.com/office/drawing/2014/main" id="{BB80FF91-A5E3-054E-90EE-68689823CBA6}"/>
+              </a:ext>
+            </a:extLst>
+          </p:cNvPr>
+          <p:cNvSpPr>
+            <a:spLocks noGrp="1"/>
+          </p:cNvSpPr>
+          <p:nvPr>
+            <p:ph type="body" sz="quarter" idx="11"/>
+          </p:nvPr>
+        </p:nvSpPr>
+        <p:spPr/>
+        <p:txBody>
+          <a:bodyPr/>
+          <a:lstStyle/>
+          <a:p>
+            <a:r>
+              <a:rPr lang="de-DE" dirty="0"/>
+              <a:t>2.</a:t>
+            </a:r>
+          </a:p>
+        </p:txBody>
+      </p:sp>
+      <p:sp>
+        <p:nvSpPr>
+          <p:cNvPr id="14" name="Textplatzhalter 13">
+            <a:extLst>
+              <a:ext uri="{FF2B5EF4-FFF2-40B4-BE49-F238E27FC236}">
+                <a16:creationId xmlns:a16="http://schemas.microsoft.com/office/drawing/2014/main" id="{BE589F97-0969-564E-9071-D2B93971AC51}"/>
+              </a:ext>
+            </a:extLst>
+          </p:cNvPr>
+          <p:cNvSpPr>
+            <a:spLocks noGrp="1"/>
+          </p:cNvSpPr>
+          <p:nvPr>
+            <p:ph type="body" sz="quarter" idx="87"/>
+          </p:nvPr>
+        </p:nvSpPr>
+        <p:spPr/>
+        <p:txBody>
+          <a:bodyPr/>
+          <a:lstStyle/>
+          <a:p>
+            <a:endParaRPr lang="de-DE"/>
+          </a:p>
+        </p:txBody>
+      </p:sp>
+      <p:sp>
+        <p:nvSpPr>
+          <p:cNvPr id="6" name="Fußzeilenplatzhalter 5">
+            <a:extLst>
+              <a:ext uri="{FF2B5EF4-FFF2-40B4-BE49-F238E27FC236}">
+                <a16:creationId xmlns:a16="http://schemas.microsoft.com/office/drawing/2014/main" id="{62A193B1-A554-1949-A895-6F4D0526D4AB}"/>
+              </a:ext>
+            </a:extLst>
+          </p:cNvPr>
+          <p:cNvSpPr>
+            <a:spLocks noGrp="1"/>
+          </p:cNvSpPr>
+          <p:nvPr>
+            <p:ph type="ftr" sz="quarter" idx="4294967295"/>
+          </p:nvPr>
+        </p:nvSpPr>
+        <p:spPr>
+          <a:xfrm>
+            <a:off x="0" y="6291263"/>
+            <a:ext cx="5556250" cy="360362"/>
+          </a:xfrm>
+        </p:spPr>
+        <p:txBody>
+          <a:bodyPr/>
+          <a:lstStyle/>
+          <a:p>
+            <a:r>
+              <a:rPr lang="de-DE" dirty="0" err="1"/>
+              <a:t>Advanced</a:t>
+            </a:r>
+            <a:r>
+              <a:rPr lang="de-DE" dirty="0"/>
+              <a:t> BDD / Maik Wagner / © </a:t>
+            </a:r>
+            <a:r>
+              <a:rPr lang="de-DE" dirty="0" err="1"/>
+              <a:t>Tallence</a:t>
+            </a:r>
+            <a:r>
+              <a:rPr lang="de-DE" dirty="0"/>
+              <a:t> AG</a:t>
+            </a:r>
+          </a:p>
+        </p:txBody>
+      </p:sp>
+      <p:sp>
+        <p:nvSpPr>
+          <p:cNvPr id="7" name="Datumsplatzhalter 6">
+            <a:extLst>
+              <a:ext uri="{FF2B5EF4-FFF2-40B4-BE49-F238E27FC236}">
+                <a16:creationId xmlns:a16="http://schemas.microsoft.com/office/drawing/2014/main" id="{4B5DA4E5-8390-E744-8CD6-3697F10E45D3}"/>
+              </a:ext>
+            </a:extLst>
+          </p:cNvPr>
+          <p:cNvSpPr>
+            <a:spLocks noGrp="1"/>
+          </p:cNvSpPr>
+          <p:nvPr>
+            <p:ph type="dt" sz="half" idx="4294967295"/>
+          </p:nvPr>
+        </p:nvSpPr>
+        <p:spPr>
+          <a:xfrm>
+            <a:off x="11501438" y="6291263"/>
+            <a:ext cx="688975" cy="360362"/>
+          </a:xfrm>
+        </p:spPr>
+        <p:txBody>
+          <a:bodyPr/>
+          <a:lstStyle/>
+          <a:p>
+            <a:fld id="{154C7814-F218-4D9E-8E58-25588F0986B1}" type="datetime1">
+              <a:rPr lang="de-DE" noProof="0" smtClean="0"/>
+              <a:t>28.10.19</a:t>
+            </a:fld>
+            <a:endParaRPr lang="de-DE" noProof="0" dirty="0"/>
+          </a:p>
+        </p:txBody>
+      </p:sp>
+      <p:sp>
+        <p:nvSpPr>
+          <p:cNvPr id="8" name="Foliennummernplatzhalter 7">
+            <a:extLst>
+              <a:ext uri="{FF2B5EF4-FFF2-40B4-BE49-F238E27FC236}">
+                <a16:creationId xmlns:a16="http://schemas.microsoft.com/office/drawing/2014/main" id="{603B262E-8FF1-3344-857E-F2C7601557A3}"/>
+              </a:ext>
+            </a:extLst>
+          </p:cNvPr>
+          <p:cNvSpPr>
+            <a:spLocks noGrp="1"/>
+          </p:cNvSpPr>
+          <p:nvPr>
+            <p:ph type="sldNum" sz="quarter" idx="4294967295"/>
+          </p:nvPr>
+        </p:nvSpPr>
+        <p:spPr>
+          <a:xfrm>
+            <a:off x="11909425" y="6291263"/>
+            <a:ext cx="280988" cy="360362"/>
+          </a:xfrm>
+        </p:spPr>
+        <p:txBody>
+          <a:bodyPr/>
+          <a:lstStyle/>
+          <a:p>
+            <a:fld id="{02CEFE82-39F2-4F47-8A0C-D5AB3496FA5C}" type="slidenum">
+              <a:rPr lang="de-DE" noProof="0" smtClean="0"/>
+              <a:pPr/>
+              <a:t>6</a:t>
+            </a:fld>
+            <a:endParaRPr lang="de-DE" noProof="0" dirty="0"/>
+          </a:p>
+        </p:txBody>
+      </p:sp>
+    </p:spTree>
+    <p:extLst>
+      <p:ext uri="{BB962C8B-B14F-4D97-AF65-F5344CB8AC3E}">
+        <p14:creationId xmlns:p14="http://schemas.microsoft.com/office/powerpoint/2010/main" val="865825261"/>
+      </p:ext>
+    </p:extLst>
+  </p:cSld>
+  <p:clrMapOvr>
+    <a:masterClrMapping/>
+  </p:clrMapOvr>
+  <mc:AlternateContent xmlns:mc="http://schemas.openxmlformats.org/markup-compatibility/2006" xmlns:p14="http://schemas.microsoft.com/office/powerpoint/2010/main">
+    <mc:Choice Requires="p14">
+      <p:transition spd="med" p14:dur="700">
+        <p:fade/>
+      </p:transition>
+    </mc:Choice>
+    <mc:Fallback xmlns="">
+      <p:transition spd="med">
+        <p:fade/>
+      </p:transition>
+    </mc:Fallback>
+  </mc:AlternateContent>
+</p:sld>
+</file>
+
+<file path=ppt/slides/slide7.xml><?xml version="1.0" encoding="utf-8"?>
+<p:sld xmlns:a="http://schemas.openxmlformats.org/drawingml/2006/main" xmlns:r="http://schemas.openxmlformats.org/officeDocument/2006/relationships" xmlns:p="http://schemas.openxmlformats.org/presentationml/2006/main">
+  <p:cSld>
+    <p:spTree>
+      <p:nvGrpSpPr>
+        <p:cNvPr id="1" name=""/>
+        <p:cNvGrpSpPr/>
+        <p:nvPr/>
+      </p:nvGrpSpPr>
+      <p:grpSpPr>
+        <a:xfrm>
+          <a:off x="0" y="0"/>
+          <a:ext cx="0" cy="0"/>
+          <a:chOff x="0" y="0"/>
+          <a:chExt cx="0" cy="0"/>
+        </a:xfrm>
+      </p:grpSpPr>
+      <p:sp>
+        <p:nvSpPr>
+          <p:cNvPr id="2" name="Titel 1">
+            <a:extLst>
+              <a:ext uri="{FF2B5EF4-FFF2-40B4-BE49-F238E27FC236}">
+                <a16:creationId xmlns:a16="http://schemas.microsoft.com/office/drawing/2014/main" id="{C2AC8A19-BE89-7240-B4A6-D22212CB129A}"/>
+              </a:ext>
+            </a:extLst>
+          </p:cNvPr>
+          <p:cNvSpPr>
+            <a:spLocks noGrp="1"/>
+          </p:cNvSpPr>
+          <p:nvPr>
+            <p:ph type="title"/>
+          </p:nvPr>
+        </p:nvSpPr>
+        <p:spPr/>
+        <p:txBody>
+          <a:bodyPr/>
+          <a:lstStyle/>
+          <a:p>
+            <a:r>
+              <a:rPr lang="de-DE" dirty="0"/>
+              <a:t>Frameworks</a:t>
+            </a:r>
+          </a:p>
+        </p:txBody>
+      </p:sp>
+      <p:sp>
+        <p:nvSpPr>
+          <p:cNvPr id="3" name="Textplatzhalter 2">
+            <a:extLst>
+              <a:ext uri="{FF2B5EF4-FFF2-40B4-BE49-F238E27FC236}">
+                <a16:creationId xmlns:a16="http://schemas.microsoft.com/office/drawing/2014/main" id="{E3E3B65B-53A9-364C-AE28-5481875161E5}"/>
+              </a:ext>
+            </a:extLst>
+          </p:cNvPr>
+          <p:cNvSpPr>
+            <a:spLocks noGrp="1"/>
+          </p:cNvSpPr>
+          <p:nvPr>
+            <p:ph type="body" sz="quarter" idx="13"/>
+          </p:nvPr>
+        </p:nvSpPr>
+        <p:spPr/>
+        <p:txBody>
+          <a:bodyPr/>
+          <a:lstStyle/>
+          <a:p>
+            <a:r>
+              <a:rPr lang="de-DE" dirty="0" err="1"/>
+              <a:t>JBehave</a:t>
+            </a:r>
+            <a:endParaRPr lang="de-DE" dirty="0"/>
+          </a:p>
+        </p:txBody>
+      </p:sp>
+      <p:sp>
+        <p:nvSpPr>
+          <p:cNvPr id="4" name="Textplatzhalter 3">
+            <a:extLst>
+              <a:ext uri="{FF2B5EF4-FFF2-40B4-BE49-F238E27FC236}">
+                <a16:creationId xmlns:a16="http://schemas.microsoft.com/office/drawing/2014/main" id="{ED063E09-FE48-4942-BDDB-6602ABC2FBBF}"/>
+              </a:ext>
+            </a:extLst>
+          </p:cNvPr>
+          <p:cNvSpPr>
+            <a:spLocks noGrp="1"/>
+          </p:cNvSpPr>
+          <p:nvPr>
+            <p:ph type="body" sz="quarter" idx="22"/>
+          </p:nvPr>
+        </p:nvSpPr>
+        <p:spPr/>
+        <p:txBody>
+          <a:bodyPr/>
+          <a:lstStyle/>
+          <a:p>
+            <a:endParaRPr lang="de-DE"/>
+          </a:p>
+        </p:txBody>
+      </p:sp>
+      <p:sp>
+        <p:nvSpPr>
+          <p:cNvPr id="5" name="Inhaltsplatzhalter 4">
+            <a:extLst>
+              <a:ext uri="{FF2B5EF4-FFF2-40B4-BE49-F238E27FC236}">
+                <a16:creationId xmlns:a16="http://schemas.microsoft.com/office/drawing/2014/main" id="{C59335A9-E148-A647-85ED-7E6004199F2F}"/>
+              </a:ext>
+            </a:extLst>
+          </p:cNvPr>
+          <p:cNvSpPr>
+            <a:spLocks noGrp="1"/>
+          </p:cNvSpPr>
+          <p:nvPr>
+            <p:ph sz="half" idx="14"/>
+          </p:nvPr>
+        </p:nvSpPr>
+        <p:spPr/>
+        <p:txBody>
+          <a:bodyPr/>
+          <a:lstStyle/>
+          <a:p>
+            <a:endParaRPr lang="de-DE"/>
+          </a:p>
+        </p:txBody>
+      </p:sp>
+      <p:sp>
+        <p:nvSpPr>
+          <p:cNvPr id="6" name="Fußzeilenplatzhalter 5">
+            <a:extLst>
+              <a:ext uri="{FF2B5EF4-FFF2-40B4-BE49-F238E27FC236}">
+                <a16:creationId xmlns:a16="http://schemas.microsoft.com/office/drawing/2014/main" id="{38432CC0-8447-C047-A194-62F659F6A692}"/>
+              </a:ext>
+            </a:extLst>
+          </p:cNvPr>
+          <p:cNvSpPr>
+            <a:spLocks noGrp="1"/>
+          </p:cNvSpPr>
+          <p:nvPr>
+            <p:ph type="ftr" sz="quarter" idx="11"/>
+          </p:nvPr>
+        </p:nvSpPr>
+        <p:spPr/>
+        <p:txBody>
+          <a:bodyPr/>
+          <a:lstStyle/>
+          <a:p>
+            <a:r>
+              <a:rPr lang="de-DE" dirty="0" err="1"/>
+              <a:t>Advanced</a:t>
+            </a:r>
+            <a:r>
+              <a:rPr lang="de-DE" dirty="0"/>
+              <a:t> BDD / Maik Wagner / © </a:t>
+            </a:r>
+            <a:r>
+              <a:rPr lang="de-DE" dirty="0" err="1"/>
+              <a:t>Tallence</a:t>
+            </a:r>
+            <a:r>
+              <a:rPr lang="de-DE" dirty="0"/>
+              <a:t> AG</a:t>
+            </a:r>
+          </a:p>
+        </p:txBody>
+      </p:sp>
+      <p:sp>
+        <p:nvSpPr>
+          <p:cNvPr id="7" name="Datumsplatzhalter 6">
+            <a:extLst>
+              <a:ext uri="{FF2B5EF4-FFF2-40B4-BE49-F238E27FC236}">
+                <a16:creationId xmlns:a16="http://schemas.microsoft.com/office/drawing/2014/main" id="{23AB3319-DD83-6944-B4A2-562E773CB08C}"/>
+              </a:ext>
+            </a:extLst>
+          </p:cNvPr>
+          <p:cNvSpPr>
+            <a:spLocks noGrp="1"/>
+          </p:cNvSpPr>
+          <p:nvPr>
+            <p:ph type="dt" sz="half" idx="10"/>
+          </p:nvPr>
+        </p:nvSpPr>
+        <p:spPr/>
+        <p:txBody>
+          <a:bodyPr/>
+          <a:lstStyle/>
+          <a:p>
+            <a:fld id="{154C7814-F218-4D9E-8E58-25588F0986B1}" type="datetime1">
+              <a:rPr lang="de-DE" noProof="0" smtClean="0"/>
+              <a:t>28.10.19</a:t>
+            </a:fld>
+            <a:endParaRPr lang="de-DE" noProof="0" dirty="0"/>
+          </a:p>
+        </p:txBody>
+      </p:sp>
+      <p:sp>
+        <p:nvSpPr>
+          <p:cNvPr id="8" name="Foliennummernplatzhalter 7">
+            <a:extLst>
+              <a:ext uri="{FF2B5EF4-FFF2-40B4-BE49-F238E27FC236}">
+                <a16:creationId xmlns:a16="http://schemas.microsoft.com/office/drawing/2014/main" id="{E3D092A3-FC4C-C340-ABD4-F0512ED7165D}"/>
+              </a:ext>
+            </a:extLst>
+          </p:cNvPr>
+          <p:cNvSpPr>
+            <a:spLocks noGrp="1"/>
+          </p:cNvSpPr>
+          <p:nvPr>
+            <p:ph type="sldNum" sz="quarter" idx="12"/>
+          </p:nvPr>
+        </p:nvSpPr>
+        <p:spPr/>
+        <p:txBody>
+          <a:bodyPr/>
+          <a:lstStyle/>
+          <a:p>
+            <a:fld id="{02CEFE82-39F2-4F47-8A0C-D5AB3496FA5C}" type="slidenum">
+              <a:rPr lang="de-DE" noProof="0" smtClean="0"/>
+              <a:pPr/>
+              <a:t>7</a:t>
+            </a:fld>
+            <a:endParaRPr lang="de-DE" noProof="0" dirty="0"/>
+          </a:p>
+        </p:txBody>
+      </p:sp>
+    </p:spTree>
+    <p:extLst>
+      <p:ext uri="{BB962C8B-B14F-4D97-AF65-F5344CB8AC3E}">
+        <p14:creationId xmlns:p14="http://schemas.microsoft.com/office/powerpoint/2010/main" val="145777830"/>
+      </p:ext>
+    </p:extLst>
+  </p:cSld>
+  <p:clrMapOvr>
+    <a:masterClrMapping/>
+  </p:clrMapOvr>
+  <mc:AlternateContent xmlns:mc="http://schemas.openxmlformats.org/markup-compatibility/2006" xmlns:p14="http://schemas.microsoft.com/office/powerpoint/2010/main">
+    <mc:Choice Requires="p14">
+      <p:transition spd="med" p14:dur="700">
+        <p:fade/>
+      </p:transition>
+    </mc:Choice>
+    <mc:Fallback xmlns="">
+      <p:transition spd="med">
+        <p:fade/>
+      </p:transition>
+    </mc:Fallback>
+  </mc:AlternateContent>
+</p:sld>
+</file>
+
+<file path=ppt/slides/slide8.xml><?xml version="1.0" encoding="utf-8"?>
+<p:sld xmlns:a="http://schemas.openxmlformats.org/drawingml/2006/main" xmlns:r="http://schemas.openxmlformats.org/officeDocument/2006/relationships" xmlns:p="http://schemas.openxmlformats.org/presentationml/2006/main">
+  <p:cSld>
+    <p:spTree>
+      <p:nvGrpSpPr>
+        <p:cNvPr id="1" name=""/>
+        <p:cNvGrpSpPr/>
+        <p:nvPr/>
+      </p:nvGrpSpPr>
+      <p:grpSpPr>
+        <a:xfrm>
+          <a:off x="0" y="0"/>
+          <a:ext cx="0" cy="0"/>
+          <a:chOff x="0" y="0"/>
+          <a:chExt cx="0" cy="0"/>
+        </a:xfrm>
+      </p:grpSpPr>
+      <p:sp>
+        <p:nvSpPr>
+          <p:cNvPr id="2" name="Titel 1">
+            <a:extLst>
+              <a:ext uri="{FF2B5EF4-FFF2-40B4-BE49-F238E27FC236}">
+                <a16:creationId xmlns:a16="http://schemas.microsoft.com/office/drawing/2014/main" id="{7630BFA5-D5C1-5841-B9FB-5851961ACD75}"/>
+              </a:ext>
+            </a:extLst>
+          </p:cNvPr>
+          <p:cNvSpPr>
+            <a:spLocks noGrp="1"/>
+          </p:cNvSpPr>
+          <p:nvPr>
+            <p:ph type="title"/>
+          </p:nvPr>
+        </p:nvSpPr>
+        <p:spPr/>
+        <p:txBody>
+          <a:bodyPr/>
+          <a:lstStyle/>
+          <a:p>
+            <a:r>
+              <a:rPr lang="de-DE" dirty="0"/>
+              <a:t>Frameworks</a:t>
+            </a:r>
+          </a:p>
+        </p:txBody>
+      </p:sp>
+      <p:sp>
+        <p:nvSpPr>
+          <p:cNvPr id="3" name="Textplatzhalter 2">
+            <a:extLst>
+              <a:ext uri="{FF2B5EF4-FFF2-40B4-BE49-F238E27FC236}">
+                <a16:creationId xmlns:a16="http://schemas.microsoft.com/office/drawing/2014/main" id="{E13B0A18-2C1A-A14A-AA7E-EE9B740659E3}"/>
+              </a:ext>
+            </a:extLst>
+          </p:cNvPr>
+          <p:cNvSpPr>
+            <a:spLocks noGrp="1"/>
+          </p:cNvSpPr>
+          <p:nvPr>
+            <p:ph type="body" sz="quarter" idx="13"/>
+          </p:nvPr>
+        </p:nvSpPr>
+        <p:spPr/>
+        <p:txBody>
+          <a:bodyPr/>
+          <a:lstStyle/>
+          <a:p>
+            <a:r>
+              <a:rPr lang="de-DE" dirty="0" err="1"/>
+              <a:t>Selenium</a:t>
+            </a:r>
+            <a:endParaRPr lang="de-DE" dirty="0"/>
+          </a:p>
+        </p:txBody>
+      </p:sp>
+      <p:sp>
+        <p:nvSpPr>
+          <p:cNvPr id="4" name="Textplatzhalter 3">
+            <a:extLst>
+              <a:ext uri="{FF2B5EF4-FFF2-40B4-BE49-F238E27FC236}">
+                <a16:creationId xmlns:a16="http://schemas.microsoft.com/office/drawing/2014/main" id="{F158517A-3EDC-BC45-84B7-468D446159A8}"/>
+              </a:ext>
+            </a:extLst>
+          </p:cNvPr>
+          <p:cNvSpPr>
+            <a:spLocks noGrp="1"/>
+          </p:cNvSpPr>
+          <p:nvPr>
+            <p:ph type="body" sz="quarter" idx="22"/>
+          </p:nvPr>
+        </p:nvSpPr>
+        <p:spPr/>
+        <p:txBody>
+          <a:bodyPr/>
+          <a:lstStyle/>
+          <a:p>
+            <a:endParaRPr lang="de-DE"/>
+          </a:p>
+        </p:txBody>
+      </p:sp>
+      <p:sp>
+        <p:nvSpPr>
+          <p:cNvPr id="5" name="Inhaltsplatzhalter 4">
+            <a:extLst>
+              <a:ext uri="{FF2B5EF4-FFF2-40B4-BE49-F238E27FC236}">
+                <a16:creationId xmlns:a16="http://schemas.microsoft.com/office/drawing/2014/main" id="{A01AC294-80A2-C245-9A1C-2F9DB3418C93}"/>
+              </a:ext>
+            </a:extLst>
+          </p:cNvPr>
+          <p:cNvSpPr>
+            <a:spLocks noGrp="1"/>
+          </p:cNvSpPr>
+          <p:nvPr>
+            <p:ph sz="half" idx="14"/>
+          </p:nvPr>
+        </p:nvSpPr>
+        <p:spPr/>
+        <p:txBody>
+          <a:bodyPr/>
+          <a:lstStyle/>
+          <a:p>
+            <a:endParaRPr lang="de-DE"/>
+          </a:p>
+        </p:txBody>
+      </p:sp>
+      <p:sp>
+        <p:nvSpPr>
+          <p:cNvPr id="6" name="Fußzeilenplatzhalter 5">
+            <a:extLst>
+              <a:ext uri="{FF2B5EF4-FFF2-40B4-BE49-F238E27FC236}">
+                <a16:creationId xmlns:a16="http://schemas.microsoft.com/office/drawing/2014/main" id="{C6168411-E865-6D49-839B-2960823AEA56}"/>
+              </a:ext>
+            </a:extLst>
+          </p:cNvPr>
+          <p:cNvSpPr>
+            <a:spLocks noGrp="1"/>
+          </p:cNvSpPr>
+          <p:nvPr>
+            <p:ph type="ftr" sz="quarter" idx="11"/>
+          </p:nvPr>
+        </p:nvSpPr>
+        <p:spPr/>
+        <p:txBody>
+          <a:bodyPr/>
+          <a:lstStyle/>
+          <a:p>
+            <a:r>
+              <a:rPr lang="de-DE" dirty="0" err="1"/>
+              <a:t>Advanced</a:t>
+            </a:r>
+            <a:r>
+              <a:rPr lang="de-DE" dirty="0"/>
+              <a:t> BDD / Maik Wagner / © </a:t>
+            </a:r>
+            <a:r>
+              <a:rPr lang="de-DE" dirty="0" err="1"/>
+              <a:t>Tallence</a:t>
+            </a:r>
+            <a:r>
+              <a:rPr lang="de-DE" dirty="0"/>
+              <a:t> AG</a:t>
+            </a:r>
+          </a:p>
+        </p:txBody>
+      </p:sp>
+      <p:sp>
+        <p:nvSpPr>
+          <p:cNvPr id="7" name="Datumsplatzhalter 6">
+            <a:extLst>
+              <a:ext uri="{FF2B5EF4-FFF2-40B4-BE49-F238E27FC236}">
+                <a16:creationId xmlns:a16="http://schemas.microsoft.com/office/drawing/2014/main" id="{9FAA6259-8E0C-5346-84AF-BD6FDD591C1B}"/>
+              </a:ext>
+            </a:extLst>
+          </p:cNvPr>
+          <p:cNvSpPr>
+            <a:spLocks noGrp="1"/>
+          </p:cNvSpPr>
+          <p:nvPr>
+            <p:ph type="dt" sz="half" idx="10"/>
+          </p:nvPr>
+        </p:nvSpPr>
+        <p:spPr/>
+        <p:txBody>
+          <a:bodyPr/>
+          <a:lstStyle/>
+          <a:p>
+            <a:fld id="{154C7814-F218-4D9E-8E58-25588F0986B1}" type="datetime1">
+              <a:rPr lang="de-DE" noProof="0" smtClean="0"/>
+              <a:t>28.10.19</a:t>
+            </a:fld>
+            <a:endParaRPr lang="de-DE" noProof="0" dirty="0"/>
+          </a:p>
+        </p:txBody>
+      </p:sp>
+      <p:sp>
+        <p:nvSpPr>
+          <p:cNvPr id="8" name="Foliennummernplatzhalter 7">
+            <a:extLst>
+              <a:ext uri="{FF2B5EF4-FFF2-40B4-BE49-F238E27FC236}">
+                <a16:creationId xmlns:a16="http://schemas.microsoft.com/office/drawing/2014/main" id="{02FFAC50-D076-404C-8ED2-57CF0978543C}"/>
+              </a:ext>
+            </a:extLst>
+          </p:cNvPr>
+          <p:cNvSpPr>
+            <a:spLocks noGrp="1"/>
+          </p:cNvSpPr>
+          <p:nvPr>
+            <p:ph type="sldNum" sz="quarter" idx="12"/>
+          </p:nvPr>
+        </p:nvSpPr>
+        <p:spPr/>
+        <p:txBody>
+          <a:bodyPr/>
+          <a:lstStyle/>
+          <a:p>
+            <a:fld id="{02CEFE82-39F2-4F47-8A0C-D5AB3496FA5C}" type="slidenum">
+              <a:rPr lang="de-DE" noProof="0" smtClean="0"/>
+              <a:pPr/>
+              <a:t>8</a:t>
+            </a:fld>
+            <a:endParaRPr lang="de-DE" noProof="0" dirty="0"/>
+          </a:p>
+        </p:txBody>
+      </p:sp>
+    </p:spTree>
+    <p:extLst>
+      <p:ext uri="{BB962C8B-B14F-4D97-AF65-F5344CB8AC3E}">
+        <p14:creationId xmlns:p14="http://schemas.microsoft.com/office/powerpoint/2010/main" val="1810371097"/>
+      </p:ext>
+    </p:extLst>
+  </p:cSld>
+  <p:clrMapOvr>
+    <a:masterClrMapping/>
+  </p:clrMapOvr>
+  <mc:AlternateContent xmlns:mc="http://schemas.openxmlformats.org/markup-compatibility/2006" xmlns:p14="http://schemas.microsoft.com/office/powerpoint/2010/main">
+    <mc:Choice Requires="p14">
+      <p:transition spd="med" p14:dur="700">
+        <p:fade/>
+      </p:transition>
+    </mc:Choice>
+    <mc:Fallback xmlns="">
+      <p:transition spd="med">
+        <p:fade/>
+      </p:transition>
+    </mc:Fallback>
+  </mc:AlternateContent>
+</p:sld>
+</file>
+
+<file path=ppt/slides/slide9.xml><?xml version="1.0" encoding="utf-8"?>
+<p:sld xmlns:a="http://schemas.openxmlformats.org/drawingml/2006/main" xmlns:r="http://schemas.openxmlformats.org/officeDocument/2006/relationships" xmlns:p="http://schemas.openxmlformats.org/presentationml/2006/main">
+  <p:cSld>
+    <p:spTree>
+      <p:nvGrpSpPr>
+        <p:cNvPr id="1" name=""/>
+        <p:cNvGrpSpPr/>
+        <p:nvPr/>
+      </p:nvGrpSpPr>
+      <p:grpSpPr>
+        <a:xfrm>
+          <a:off x="0" y="0"/>
+          <a:ext cx="0" cy="0"/>
+          <a:chOff x="0" y="0"/>
+          <a:chExt cx="0" cy="0"/>
+        </a:xfrm>
+      </p:grpSpPr>
+      <p:sp>
+        <p:nvSpPr>
+          <p:cNvPr id="9" name="Titel 8">
+            <a:extLst>
+              <a:ext uri="{FF2B5EF4-FFF2-40B4-BE49-F238E27FC236}">
+                <a16:creationId xmlns:a16="http://schemas.microsoft.com/office/drawing/2014/main" id="{48B8340E-24BB-F94C-A724-801E6666D3DD}"/>
+              </a:ext>
+            </a:extLst>
+          </p:cNvPr>
+          <p:cNvSpPr>
+            <a:spLocks noGrp="1"/>
+          </p:cNvSpPr>
+          <p:nvPr>
+            <p:ph type="ctrTitle"/>
+          </p:nvPr>
+        </p:nvSpPr>
+        <p:spPr/>
+        <p:txBody>
+          <a:bodyPr/>
+          <a:lstStyle/>
+          <a:p>
+            <a:r>
+              <a:rPr lang="de-DE" dirty="0"/>
+              <a:t>Beispielanwendung</a:t>
+            </a:r>
+          </a:p>
+        </p:txBody>
+      </p:sp>
+      <p:sp>
+        <p:nvSpPr>
+          <p:cNvPr id="11" name="Textplatzhalter 10">
+            <a:extLst>
+              <a:ext uri="{FF2B5EF4-FFF2-40B4-BE49-F238E27FC236}">
+                <a16:creationId xmlns:a16="http://schemas.microsoft.com/office/drawing/2014/main" id="{9F260F2E-84AC-AA42-B61C-0AC43FA79A0C}"/>
+              </a:ext>
+            </a:extLst>
+          </p:cNvPr>
+          <p:cNvSpPr>
+            <a:spLocks noGrp="1"/>
+          </p:cNvSpPr>
+          <p:nvPr>
+            <p:ph type="body" sz="quarter" idx="14"/>
+          </p:nvPr>
+        </p:nvSpPr>
+        <p:spPr/>
+        <p:txBody>
+          <a:bodyPr/>
+          <a:lstStyle/>
+          <a:p>
+            <a:endParaRPr lang="de-DE"/>
+          </a:p>
+        </p:txBody>
+      </p:sp>
+      <p:sp>
+        <p:nvSpPr>
+          <p:cNvPr id="10" name="Textplatzhalter 9">
+            <a:extLst>
+              <a:ext uri="{FF2B5EF4-FFF2-40B4-BE49-F238E27FC236}">
+                <a16:creationId xmlns:a16="http://schemas.microsoft.com/office/drawing/2014/main" id="{F28D25E4-D47B-A244-94E1-EB61CD9566E5}"/>
+              </a:ext>
+            </a:extLst>
+          </p:cNvPr>
+          <p:cNvSpPr>
+            <a:spLocks noGrp="1"/>
+          </p:cNvSpPr>
+          <p:nvPr>
+            <p:ph type="body" sz="quarter" idx="11"/>
+          </p:nvPr>
+        </p:nvSpPr>
+        <p:spPr/>
+        <p:txBody>
+          <a:bodyPr/>
+          <a:lstStyle/>
+          <a:p>
+            <a:r>
+              <a:rPr lang="de-DE" dirty="0"/>
+              <a:t>3.</a:t>
+            </a:r>
+          </a:p>
+        </p:txBody>
+      </p:sp>
+      <p:sp>
+        <p:nvSpPr>
+          <p:cNvPr id="12" name="Textplatzhalter 11">
+            <a:extLst>
+              <a:ext uri="{FF2B5EF4-FFF2-40B4-BE49-F238E27FC236}">
+                <a16:creationId xmlns:a16="http://schemas.microsoft.com/office/drawing/2014/main" id="{47F875E8-011E-5F4F-927C-2594AB18C1B9}"/>
+              </a:ext>
+            </a:extLst>
+          </p:cNvPr>
+          <p:cNvSpPr>
+            <a:spLocks noGrp="1"/>
+          </p:cNvSpPr>
+          <p:nvPr>
+            <p:ph type="body" sz="quarter" idx="87"/>
+          </p:nvPr>
+        </p:nvSpPr>
+        <p:spPr/>
+        <p:txBody>
+          <a:bodyPr/>
+          <a:lstStyle/>
+          <a:p>
+            <a:endParaRPr lang="de-DE"/>
+          </a:p>
+        </p:txBody>
+      </p:sp>
+      <p:sp>
+        <p:nvSpPr>
+          <p:cNvPr id="6" name="Fußzeilenplatzhalter 5">
+            <a:extLst>
+              <a:ext uri="{FF2B5EF4-FFF2-40B4-BE49-F238E27FC236}">
+                <a16:creationId xmlns:a16="http://schemas.microsoft.com/office/drawing/2014/main" id="{78BA0521-E38C-C74B-94DE-1E59B74FC0AB}"/>
+              </a:ext>
+            </a:extLst>
+          </p:cNvPr>
+          <p:cNvSpPr>
+            <a:spLocks noGrp="1"/>
+          </p:cNvSpPr>
+          <p:nvPr>
+            <p:ph type="ftr" sz="quarter" idx="4294967295"/>
+          </p:nvPr>
+        </p:nvSpPr>
+        <p:spPr>
+          <a:xfrm>
+            <a:off x="0" y="6291263"/>
+            <a:ext cx="5556250" cy="360362"/>
+          </a:xfrm>
+        </p:spPr>
+        <p:txBody>
+          <a:bodyPr/>
+          <a:lstStyle/>
+          <a:p>
+            <a:r>
+              <a:rPr lang="de-DE" dirty="0" err="1"/>
+              <a:t>Advanced</a:t>
+            </a:r>
+            <a:r>
+              <a:rPr lang="de-DE" dirty="0"/>
+              <a:t> BDD / Maik Wagner / © </a:t>
+            </a:r>
+            <a:r>
+              <a:rPr lang="de-DE" dirty="0" err="1"/>
+              <a:t>Tallence</a:t>
+            </a:r>
+            <a:r>
+              <a:rPr lang="de-DE" dirty="0"/>
+              <a:t> AG</a:t>
+            </a:r>
+          </a:p>
+        </p:txBody>
+      </p:sp>
+      <p:sp>
+        <p:nvSpPr>
+          <p:cNvPr id="7" name="Datumsplatzhalter 6">
+            <a:extLst>
+              <a:ext uri="{FF2B5EF4-FFF2-40B4-BE49-F238E27FC236}">
+                <a16:creationId xmlns:a16="http://schemas.microsoft.com/office/drawing/2014/main" id="{B436E0FD-E05A-A84C-9957-E5B7C6399E96}"/>
+              </a:ext>
+            </a:extLst>
+          </p:cNvPr>
+          <p:cNvSpPr>
+            <a:spLocks noGrp="1"/>
+          </p:cNvSpPr>
+          <p:nvPr>
+            <p:ph type="dt" sz="half" idx="4294967295"/>
+          </p:nvPr>
+        </p:nvSpPr>
+        <p:spPr>
+          <a:xfrm>
+            <a:off x="11501438" y="6291263"/>
+            <a:ext cx="688975" cy="360362"/>
+          </a:xfrm>
+        </p:spPr>
+        <p:txBody>
+          <a:bodyPr/>
+          <a:lstStyle/>
+          <a:p>
+            <a:fld id="{154C7814-F218-4D9E-8E58-25588F0986B1}" type="datetime1">
+              <a:rPr lang="de-DE" noProof="0" smtClean="0"/>
+              <a:t>28.10.19</a:t>
+            </a:fld>
+            <a:endParaRPr lang="de-DE" noProof="0" dirty="0"/>
+          </a:p>
+        </p:txBody>
+      </p:sp>
+      <p:sp>
+        <p:nvSpPr>
+          <p:cNvPr id="8" name="Foliennummernplatzhalter 7">
+            <a:extLst>
+              <a:ext uri="{FF2B5EF4-FFF2-40B4-BE49-F238E27FC236}">
+                <a16:creationId xmlns:a16="http://schemas.microsoft.com/office/drawing/2014/main" id="{1B107D7B-A952-CC4A-80E8-151AB98DCA3E}"/>
+              </a:ext>
+            </a:extLst>
+          </p:cNvPr>
+          <p:cNvSpPr>
+            <a:spLocks noGrp="1"/>
+          </p:cNvSpPr>
+          <p:nvPr>
+            <p:ph type="sldNum" sz="quarter" idx="4294967295"/>
+          </p:nvPr>
+        </p:nvSpPr>
+        <p:spPr>
+          <a:xfrm>
+            <a:off x="11909425" y="6291263"/>
+            <a:ext cx="280988" cy="360362"/>
+          </a:xfrm>
+        </p:spPr>
+        <p:txBody>
+          <a:bodyPr/>
+          <a:lstStyle/>
+          <a:p>
+            <a:fld id="{02CEFE82-39F2-4F47-8A0C-D5AB3496FA5C}" type="slidenum">
+              <a:rPr lang="de-DE" noProof="0" smtClean="0"/>
+              <a:pPr/>
+              <a:t>9</a:t>
+            </a:fld>
+            <a:endParaRPr lang="de-DE" noProof="0" dirty="0"/>
+          </a:p>
+        </p:txBody>
+      </p:sp>
+    </p:spTree>
+    <p:extLst>
+      <p:ext uri="{BB962C8B-B14F-4D97-AF65-F5344CB8AC3E}">
+        <p14:creationId xmlns:p14="http://schemas.microsoft.com/office/powerpoint/2010/main" val="514579875"/>
       </p:ext>
     </p:extLst>
   </p:cSld>

--- a/AdvancedBdd.pptx
+++ b/AdvancedBdd.pptx
@@ -5,10 +5,10 @@
     <p:sldMasterId id="2147483901" r:id="rId1"/>
   </p:sldMasterIdLst>
   <p:notesMasterIdLst>
-    <p:notesMasterId r:id="rId16"/>
+    <p:notesMasterId r:id="rId14"/>
   </p:notesMasterIdLst>
   <p:handoutMasterIdLst>
-    <p:handoutMasterId r:id="rId17"/>
+    <p:handoutMasterId r:id="rId15"/>
   </p:handoutMasterIdLst>
   <p:sldIdLst>
     <p:sldId id="256" r:id="rId2"/>
@@ -22,12 +22,19 @@
     <p:sldId id="263" r:id="rId10"/>
     <p:sldId id="260" r:id="rId11"/>
     <p:sldId id="265" r:id="rId12"/>
-    <p:sldId id="271" r:id="rId13"/>
-    <p:sldId id="268" r:id="rId14"/>
-    <p:sldId id="269" r:id="rId15"/>
+    <p:sldId id="268" r:id="rId13"/>
   </p:sldIdLst>
   <p:sldSz cx="12190413" cy="6858000"/>
   <p:notesSz cx="6858000" cy="9144000"/>
+  <p:embeddedFontLst>
+    <p:embeddedFont>
+      <p:font typeface="Consolas" panose="020B0609020204030204" pitchFamily="49" charset="0"/>
+      <p:regular r:id="rId16"/>
+      <p:bold r:id="rId17"/>
+      <p:italic r:id="rId18"/>
+      <p:boldItalic r:id="rId19"/>
+    </p:embeddedFont>
+  </p:embeddedFontLst>
   <p:defaultTextStyle>
     <a:defPPr>
       <a:defRPr lang="en-US"/>
@@ -166,6 +173,3228 @@
 </p:presentation>
 </file>
 
+<file path=ppt/diagrams/colors1.xml><?xml version="1.0" encoding="utf-8"?>
+<dgm:colorsDef xmlns:dgm="http://schemas.openxmlformats.org/drawingml/2006/diagram" xmlns:a="http://schemas.openxmlformats.org/drawingml/2006/main" uniqueId="urn:microsoft.com/office/officeart/2005/8/colors/accent1_2">
+  <dgm:title val=""/>
+  <dgm:desc val=""/>
+  <dgm:catLst>
+    <dgm:cat type="accent1" pri="11200"/>
+  </dgm:catLst>
+  <dgm:styleLbl name="node0">
+    <dgm:fillClrLst meth="repeat">
+      <a:schemeClr val="accent1"/>
+    </dgm:fillClrLst>
+    <dgm:linClrLst meth="repeat">
+      <a:schemeClr val="lt1"/>
+    </dgm:linClrLst>
+    <dgm:effectClrLst/>
+    <dgm:txLinClrLst/>
+    <dgm:txFillClrLst/>
+    <dgm:txEffectClrLst/>
+  </dgm:styleLbl>
+  <dgm:styleLbl name="alignNode1">
+    <dgm:fillClrLst meth="repeat">
+      <a:schemeClr val="accent1"/>
+    </dgm:fillClrLst>
+    <dgm:linClrLst meth="repeat">
+      <a:schemeClr val="accent1"/>
+    </dgm:linClrLst>
+    <dgm:effectClrLst/>
+    <dgm:txLinClrLst/>
+    <dgm:txFillClrLst/>
+    <dgm:txEffectClrLst/>
+  </dgm:styleLbl>
+  <dgm:styleLbl name="node1">
+    <dgm:fillClrLst meth="repeat">
+      <a:schemeClr val="accent1"/>
+    </dgm:fillClrLst>
+    <dgm:linClrLst meth="repeat">
+      <a:schemeClr val="lt1"/>
+    </dgm:linClrLst>
+    <dgm:effectClrLst/>
+    <dgm:txLinClrLst/>
+    <dgm:txFillClrLst/>
+    <dgm:txEffectClrLst/>
+  </dgm:styleLbl>
+  <dgm:styleLbl name="lnNode1">
+    <dgm:fillClrLst meth="repeat">
+      <a:schemeClr val="accent1"/>
+    </dgm:fillClrLst>
+    <dgm:linClrLst meth="repeat">
+      <a:schemeClr val="lt1"/>
+    </dgm:linClrLst>
+    <dgm:effectClrLst/>
+    <dgm:txLinClrLst/>
+    <dgm:txFillClrLst/>
+    <dgm:txEffectClrLst/>
+  </dgm:styleLbl>
+  <dgm:styleLbl name="vennNode1">
+    <dgm:fillClrLst meth="repeat">
+      <a:schemeClr val="accent1">
+        <a:alpha val="50000"/>
+      </a:schemeClr>
+    </dgm:fillClrLst>
+    <dgm:linClrLst meth="repeat">
+      <a:schemeClr val="lt1"/>
+    </dgm:linClrLst>
+    <dgm:effectClrLst/>
+    <dgm:txLinClrLst/>
+    <dgm:txFillClrLst/>
+    <dgm:txEffectClrLst/>
+  </dgm:styleLbl>
+  <dgm:styleLbl name="node2">
+    <dgm:fillClrLst meth="repeat">
+      <a:schemeClr val="accent1"/>
+    </dgm:fillClrLst>
+    <dgm:linClrLst meth="repeat">
+      <a:schemeClr val="lt1"/>
+    </dgm:linClrLst>
+    <dgm:effectClrLst/>
+    <dgm:txLinClrLst/>
+    <dgm:txFillClrLst/>
+    <dgm:txEffectClrLst/>
+  </dgm:styleLbl>
+  <dgm:styleLbl name="node3">
+    <dgm:fillClrLst meth="repeat">
+      <a:schemeClr val="accent1"/>
+    </dgm:fillClrLst>
+    <dgm:linClrLst meth="repeat">
+      <a:schemeClr val="lt1"/>
+    </dgm:linClrLst>
+    <dgm:effectClrLst/>
+    <dgm:txLinClrLst/>
+    <dgm:txFillClrLst/>
+    <dgm:txEffectClrLst/>
+  </dgm:styleLbl>
+  <dgm:styleLbl name="node4">
+    <dgm:fillClrLst meth="repeat">
+      <a:schemeClr val="accent1"/>
+    </dgm:fillClrLst>
+    <dgm:linClrLst meth="repeat">
+      <a:schemeClr val="lt1"/>
+    </dgm:linClrLst>
+    <dgm:effectClrLst/>
+    <dgm:txLinClrLst/>
+    <dgm:txFillClrLst/>
+    <dgm:txEffectClrLst/>
+  </dgm:styleLbl>
+  <dgm:styleLbl name="fgImgPlace1">
+    <dgm:fillClrLst meth="repeat">
+      <a:schemeClr val="accent1">
+        <a:tint val="50000"/>
+      </a:schemeClr>
+    </dgm:fillClrLst>
+    <dgm:linClrLst meth="repeat">
+      <a:schemeClr val="lt1"/>
+    </dgm:linClrLst>
+    <dgm:effectClrLst/>
+    <dgm:txLinClrLst/>
+    <dgm:txFillClrLst meth="repeat">
+      <a:schemeClr val="lt1"/>
+    </dgm:txFillClrLst>
+    <dgm:txEffectClrLst/>
+  </dgm:styleLbl>
+  <dgm:styleLbl name="alignImgPlace1">
+    <dgm:fillClrLst meth="repeat">
+      <a:schemeClr val="accent1">
+        <a:tint val="50000"/>
+      </a:schemeClr>
+    </dgm:fillClrLst>
+    <dgm:linClrLst meth="repeat">
+      <a:schemeClr val="lt1"/>
+    </dgm:linClrLst>
+    <dgm:effectClrLst/>
+    <dgm:txLinClrLst/>
+    <dgm:txFillClrLst meth="repeat">
+      <a:schemeClr val="lt1"/>
+    </dgm:txFillClrLst>
+    <dgm:txEffectClrLst/>
+  </dgm:styleLbl>
+  <dgm:styleLbl name="bgImgPlace1">
+    <dgm:fillClrLst meth="repeat">
+      <a:schemeClr val="accent1">
+        <a:tint val="50000"/>
+      </a:schemeClr>
+    </dgm:fillClrLst>
+    <dgm:linClrLst meth="repeat">
+      <a:schemeClr val="lt1"/>
+    </dgm:linClrLst>
+    <dgm:effectClrLst/>
+    <dgm:txLinClrLst/>
+    <dgm:txFillClrLst meth="repeat">
+      <a:schemeClr val="lt1"/>
+    </dgm:txFillClrLst>
+    <dgm:txEffectClrLst/>
+  </dgm:styleLbl>
+  <dgm:styleLbl name="sibTrans2D1">
+    <dgm:fillClrLst meth="repeat">
+      <a:schemeClr val="accent1">
+        <a:tint val="60000"/>
+      </a:schemeClr>
+    </dgm:fillClrLst>
+    <dgm:linClrLst meth="repeat">
+      <a:schemeClr val="accent1">
+        <a:tint val="60000"/>
+      </a:schemeClr>
+    </dgm:linClrLst>
+    <dgm:effectClrLst/>
+    <dgm:txLinClrLst/>
+    <dgm:txFillClrLst/>
+    <dgm:txEffectClrLst/>
+  </dgm:styleLbl>
+  <dgm:styleLbl name="fgSibTrans2D1">
+    <dgm:fillClrLst meth="repeat">
+      <a:schemeClr val="accent1">
+        <a:tint val="60000"/>
+      </a:schemeClr>
+    </dgm:fillClrLst>
+    <dgm:linClrLst meth="repeat">
+      <a:schemeClr val="accent1">
+        <a:tint val="60000"/>
+      </a:schemeClr>
+    </dgm:linClrLst>
+    <dgm:effectClrLst/>
+    <dgm:txLinClrLst/>
+    <dgm:txFillClrLst/>
+    <dgm:txEffectClrLst/>
+  </dgm:styleLbl>
+  <dgm:styleLbl name="bgSibTrans2D1">
+    <dgm:fillClrLst meth="repeat">
+      <a:schemeClr val="accent1">
+        <a:tint val="60000"/>
+      </a:schemeClr>
+    </dgm:fillClrLst>
+    <dgm:linClrLst meth="repeat">
+      <a:schemeClr val="accent1">
+        <a:tint val="60000"/>
+      </a:schemeClr>
+    </dgm:linClrLst>
+    <dgm:effectClrLst/>
+    <dgm:txLinClrLst/>
+    <dgm:txFillClrLst/>
+    <dgm:txEffectClrLst/>
+  </dgm:styleLbl>
+  <dgm:styleLbl name="sibTrans1D1">
+    <dgm:fillClrLst meth="repeat">
+      <a:schemeClr val="accent1"/>
+    </dgm:fillClrLst>
+    <dgm:linClrLst meth="repeat">
+      <a:schemeClr val="accent1"/>
+    </dgm:linClrLst>
+    <dgm:effectClrLst/>
+    <dgm:txLinClrLst/>
+    <dgm:txFillClrLst meth="repeat">
+      <a:schemeClr val="tx1"/>
+    </dgm:txFillClrLst>
+    <dgm:txEffectClrLst/>
+  </dgm:styleLbl>
+  <dgm:styleLbl name="callout">
+    <dgm:fillClrLst meth="repeat">
+      <a:schemeClr val="accent1"/>
+    </dgm:fillClrLst>
+    <dgm:linClrLst meth="repeat">
+      <a:schemeClr val="accent1">
+        <a:tint val="50000"/>
+      </a:schemeClr>
+    </dgm:linClrLst>
+    <dgm:effectClrLst/>
+    <dgm:txLinClrLst/>
+    <dgm:txFillClrLst meth="repeat">
+      <a:schemeClr val="tx1"/>
+    </dgm:txFillClrLst>
+    <dgm:txEffectClrLst/>
+  </dgm:styleLbl>
+  <dgm:styleLbl name="asst0">
+    <dgm:fillClrLst meth="repeat">
+      <a:schemeClr val="accent1"/>
+    </dgm:fillClrLst>
+    <dgm:linClrLst meth="repeat">
+      <a:schemeClr val="lt1"/>
+    </dgm:linClrLst>
+    <dgm:effectClrLst/>
+    <dgm:txLinClrLst/>
+    <dgm:txFillClrLst/>
+    <dgm:txEffectClrLst/>
+  </dgm:styleLbl>
+  <dgm:styleLbl name="asst1">
+    <dgm:fillClrLst meth="repeat">
+      <a:schemeClr val="accent1"/>
+    </dgm:fillClrLst>
+    <dgm:linClrLst meth="repeat">
+      <a:schemeClr val="lt1"/>
+    </dgm:linClrLst>
+    <dgm:effectClrLst/>
+    <dgm:txLinClrLst/>
+    <dgm:txFillClrLst/>
+    <dgm:txEffectClrLst/>
+  </dgm:styleLbl>
+  <dgm:styleLbl name="asst2">
+    <dgm:fillClrLst meth="repeat">
+      <a:schemeClr val="accent1"/>
+    </dgm:fillClrLst>
+    <dgm:linClrLst meth="repeat">
+      <a:schemeClr val="lt1"/>
+    </dgm:linClrLst>
+    <dgm:effectClrLst/>
+    <dgm:txLinClrLst/>
+    <dgm:txFillClrLst/>
+    <dgm:txEffectClrLst/>
+  </dgm:styleLbl>
+  <dgm:styleLbl name="asst3">
+    <dgm:fillClrLst meth="repeat">
+      <a:schemeClr val="accent1"/>
+    </dgm:fillClrLst>
+    <dgm:linClrLst meth="repeat">
+      <a:schemeClr val="lt1"/>
+    </dgm:linClrLst>
+    <dgm:effectClrLst/>
+    <dgm:txLinClrLst/>
+    <dgm:txFillClrLst/>
+    <dgm:txEffectClrLst/>
+  </dgm:styleLbl>
+  <dgm:styleLbl name="asst4">
+    <dgm:fillClrLst meth="repeat">
+      <a:schemeClr val="accent1"/>
+    </dgm:fillClrLst>
+    <dgm:linClrLst meth="repeat">
+      <a:schemeClr val="lt1"/>
+    </dgm:linClrLst>
+    <dgm:effectClrLst/>
+    <dgm:txLinClrLst/>
+    <dgm:txFillClrLst/>
+    <dgm:txEffectClrLst/>
+  </dgm:styleLbl>
+  <dgm:styleLbl name="parChTrans2D1">
+    <dgm:fillClrLst meth="repeat">
+      <a:schemeClr val="accent1">
+        <a:tint val="60000"/>
+      </a:schemeClr>
+    </dgm:fillClrLst>
+    <dgm:linClrLst meth="repeat">
+      <a:schemeClr val="accent1">
+        <a:tint val="60000"/>
+      </a:schemeClr>
+    </dgm:linClrLst>
+    <dgm:effectClrLst/>
+    <dgm:txLinClrLst/>
+    <dgm:txFillClrLst meth="repeat">
+      <a:schemeClr val="lt1"/>
+    </dgm:txFillClrLst>
+    <dgm:txEffectClrLst/>
+  </dgm:styleLbl>
+  <dgm:styleLbl name="parChTrans2D2">
+    <dgm:fillClrLst meth="repeat">
+      <a:schemeClr val="accent1"/>
+    </dgm:fillClrLst>
+    <dgm:linClrLst meth="repeat">
+      <a:schemeClr val="accent1"/>
+    </dgm:linClrLst>
+    <dgm:effectClrLst/>
+    <dgm:txLinClrLst/>
+    <dgm:txFillClrLst meth="repeat">
+      <a:schemeClr val="lt1"/>
+    </dgm:txFillClrLst>
+    <dgm:txEffectClrLst/>
+  </dgm:styleLbl>
+  <dgm:styleLbl name="parChTrans2D3">
+    <dgm:fillClrLst meth="repeat">
+      <a:schemeClr val="accent1"/>
+    </dgm:fillClrLst>
+    <dgm:linClrLst meth="repeat">
+      <a:schemeClr val="accent1"/>
+    </dgm:linClrLst>
+    <dgm:effectClrLst/>
+    <dgm:txLinClrLst/>
+    <dgm:txFillClrLst meth="repeat">
+      <a:schemeClr val="lt1"/>
+    </dgm:txFillClrLst>
+    <dgm:txEffectClrLst/>
+  </dgm:styleLbl>
+  <dgm:styleLbl name="parChTrans2D4">
+    <dgm:fillClrLst meth="repeat">
+      <a:schemeClr val="accent1"/>
+    </dgm:fillClrLst>
+    <dgm:linClrLst meth="repeat">
+      <a:schemeClr val="accent1"/>
+    </dgm:linClrLst>
+    <dgm:effectClrLst/>
+    <dgm:txLinClrLst/>
+    <dgm:txFillClrLst meth="repeat">
+      <a:schemeClr val="lt1"/>
+    </dgm:txFillClrLst>
+    <dgm:txEffectClrLst/>
+  </dgm:styleLbl>
+  <dgm:styleLbl name="parChTrans1D1">
+    <dgm:fillClrLst meth="repeat">
+      <a:schemeClr val="accent1"/>
+    </dgm:fillClrLst>
+    <dgm:linClrLst meth="repeat">
+      <a:schemeClr val="accent1">
+        <a:shade val="60000"/>
+      </a:schemeClr>
+    </dgm:linClrLst>
+    <dgm:effectClrLst/>
+    <dgm:txLinClrLst/>
+    <dgm:txFillClrLst meth="repeat">
+      <a:schemeClr val="tx1"/>
+    </dgm:txFillClrLst>
+    <dgm:txEffectClrLst/>
+  </dgm:styleLbl>
+  <dgm:styleLbl name="parChTrans1D2">
+    <dgm:fillClrLst meth="repeat">
+      <a:schemeClr val="accent1"/>
+    </dgm:fillClrLst>
+    <dgm:linClrLst meth="repeat">
+      <a:schemeClr val="accent1">
+        <a:shade val="60000"/>
+      </a:schemeClr>
+    </dgm:linClrLst>
+    <dgm:effectClrLst/>
+    <dgm:txLinClrLst/>
+    <dgm:txFillClrLst meth="repeat">
+      <a:schemeClr val="tx1"/>
+    </dgm:txFillClrLst>
+    <dgm:txEffectClrLst/>
+  </dgm:styleLbl>
+  <dgm:styleLbl name="parChTrans1D3">
+    <dgm:fillClrLst meth="repeat">
+      <a:schemeClr val="accent1"/>
+    </dgm:fillClrLst>
+    <dgm:linClrLst meth="repeat">
+      <a:schemeClr val="accent1">
+        <a:shade val="80000"/>
+      </a:schemeClr>
+    </dgm:linClrLst>
+    <dgm:effectClrLst/>
+    <dgm:txLinClrLst/>
+    <dgm:txFillClrLst meth="repeat">
+      <a:schemeClr val="tx1"/>
+    </dgm:txFillClrLst>
+    <dgm:txEffectClrLst/>
+  </dgm:styleLbl>
+  <dgm:styleLbl name="parChTrans1D4">
+    <dgm:fillClrLst meth="repeat">
+      <a:schemeClr val="accent1"/>
+    </dgm:fillClrLst>
+    <dgm:linClrLst meth="repeat">
+      <a:schemeClr val="accent1">
+        <a:shade val="80000"/>
+      </a:schemeClr>
+    </dgm:linClrLst>
+    <dgm:effectClrLst/>
+    <dgm:txLinClrLst/>
+    <dgm:txFillClrLst meth="repeat">
+      <a:schemeClr val="tx1"/>
+    </dgm:txFillClrLst>
+    <dgm:txEffectClrLst/>
+  </dgm:styleLbl>
+  <dgm:styleLbl name="fgAcc1">
+    <dgm:fillClrLst meth="repeat">
+      <a:schemeClr val="lt1">
+        <a:alpha val="90000"/>
+      </a:schemeClr>
+    </dgm:fillClrLst>
+    <dgm:linClrLst meth="repeat">
+      <a:schemeClr val="accent1"/>
+    </dgm:linClrLst>
+    <dgm:effectClrLst/>
+    <dgm:txLinClrLst/>
+    <dgm:txFillClrLst meth="repeat">
+      <a:schemeClr val="dk1"/>
+    </dgm:txFillClrLst>
+    <dgm:txEffectClrLst/>
+  </dgm:styleLbl>
+  <dgm:styleLbl name="conFgAcc1">
+    <dgm:fillClrLst meth="repeat">
+      <a:schemeClr val="lt1">
+        <a:alpha val="90000"/>
+      </a:schemeClr>
+    </dgm:fillClrLst>
+    <dgm:linClrLst meth="repeat">
+      <a:schemeClr val="accent1"/>
+    </dgm:linClrLst>
+    <dgm:effectClrLst/>
+    <dgm:txLinClrLst/>
+    <dgm:txFillClrLst meth="repeat">
+      <a:schemeClr val="dk1"/>
+    </dgm:txFillClrLst>
+    <dgm:txEffectClrLst/>
+  </dgm:styleLbl>
+  <dgm:styleLbl name="alignAcc1">
+    <dgm:fillClrLst meth="repeat">
+      <a:schemeClr val="lt1">
+        <a:alpha val="90000"/>
+      </a:schemeClr>
+    </dgm:fillClrLst>
+    <dgm:linClrLst meth="repeat">
+      <a:schemeClr val="accent1"/>
+    </dgm:linClrLst>
+    <dgm:effectClrLst/>
+    <dgm:txLinClrLst/>
+    <dgm:txFillClrLst meth="repeat">
+      <a:schemeClr val="dk1"/>
+    </dgm:txFillClrLst>
+    <dgm:txEffectClrLst/>
+  </dgm:styleLbl>
+  <dgm:styleLbl name="trAlignAcc1">
+    <dgm:fillClrLst meth="repeat">
+      <a:schemeClr val="lt1">
+        <a:alpha val="40000"/>
+      </a:schemeClr>
+    </dgm:fillClrLst>
+    <dgm:linClrLst meth="repeat">
+      <a:schemeClr val="accent1"/>
+    </dgm:linClrLst>
+    <dgm:effectClrLst/>
+    <dgm:txLinClrLst/>
+    <dgm:txFillClrLst meth="repeat">
+      <a:schemeClr val="dk1"/>
+    </dgm:txFillClrLst>
+    <dgm:txEffectClrLst/>
+  </dgm:styleLbl>
+  <dgm:styleLbl name="bgAcc1">
+    <dgm:fillClrLst meth="repeat">
+      <a:schemeClr val="lt1">
+        <a:alpha val="90000"/>
+      </a:schemeClr>
+    </dgm:fillClrLst>
+    <dgm:linClrLst meth="repeat">
+      <a:schemeClr val="accent1"/>
+    </dgm:linClrLst>
+    <dgm:effectClrLst/>
+    <dgm:txLinClrLst/>
+    <dgm:txFillClrLst meth="repeat">
+      <a:schemeClr val="dk1"/>
+    </dgm:txFillClrLst>
+    <dgm:txEffectClrLst/>
+  </dgm:styleLbl>
+  <dgm:styleLbl name="solidFgAcc1">
+    <dgm:fillClrLst meth="repeat">
+      <a:schemeClr val="lt1"/>
+    </dgm:fillClrLst>
+    <dgm:linClrLst meth="repeat">
+      <a:schemeClr val="accent1"/>
+    </dgm:linClrLst>
+    <dgm:effectClrLst/>
+    <dgm:txLinClrLst/>
+    <dgm:txFillClrLst meth="repeat">
+      <a:schemeClr val="dk1"/>
+    </dgm:txFillClrLst>
+    <dgm:txEffectClrLst/>
+  </dgm:styleLbl>
+  <dgm:styleLbl name="solidAlignAcc1">
+    <dgm:fillClrLst meth="repeat">
+      <a:schemeClr val="lt1"/>
+    </dgm:fillClrLst>
+    <dgm:linClrLst meth="repeat">
+      <a:schemeClr val="accent1"/>
+    </dgm:linClrLst>
+    <dgm:effectClrLst/>
+    <dgm:txLinClrLst/>
+    <dgm:txFillClrLst meth="repeat">
+      <a:schemeClr val="dk1"/>
+    </dgm:txFillClrLst>
+    <dgm:txEffectClrLst/>
+  </dgm:styleLbl>
+  <dgm:styleLbl name="solidBgAcc1">
+    <dgm:fillClrLst meth="repeat">
+      <a:schemeClr val="lt1"/>
+    </dgm:fillClrLst>
+    <dgm:linClrLst meth="repeat">
+      <a:schemeClr val="accent1"/>
+    </dgm:linClrLst>
+    <dgm:effectClrLst/>
+    <dgm:txLinClrLst/>
+    <dgm:txFillClrLst meth="repeat">
+      <a:schemeClr val="dk1"/>
+    </dgm:txFillClrLst>
+    <dgm:txEffectClrLst/>
+  </dgm:styleLbl>
+  <dgm:styleLbl name="fgAccFollowNode1">
+    <dgm:fillClrLst meth="repeat">
+      <a:schemeClr val="accent1">
+        <a:alpha val="90000"/>
+        <a:tint val="40000"/>
+      </a:schemeClr>
+    </dgm:fillClrLst>
+    <dgm:linClrLst meth="repeat">
+      <a:schemeClr val="accent1">
+        <a:alpha val="90000"/>
+        <a:tint val="40000"/>
+      </a:schemeClr>
+    </dgm:linClrLst>
+    <dgm:effectClrLst/>
+    <dgm:txLinClrLst/>
+    <dgm:txFillClrLst meth="repeat">
+      <a:schemeClr val="dk1"/>
+    </dgm:txFillClrLst>
+    <dgm:txEffectClrLst/>
+  </dgm:styleLbl>
+  <dgm:styleLbl name="alignAccFollowNode1">
+    <dgm:fillClrLst meth="repeat">
+      <a:schemeClr val="accent1">
+        <a:alpha val="90000"/>
+        <a:tint val="40000"/>
+      </a:schemeClr>
+    </dgm:fillClrLst>
+    <dgm:linClrLst meth="repeat">
+      <a:schemeClr val="accent1">
+        <a:alpha val="90000"/>
+        <a:tint val="40000"/>
+      </a:schemeClr>
+    </dgm:linClrLst>
+    <dgm:effectClrLst/>
+    <dgm:txLinClrLst/>
+    <dgm:txFillClrLst meth="repeat">
+      <a:schemeClr val="dk1"/>
+    </dgm:txFillClrLst>
+    <dgm:txEffectClrLst/>
+  </dgm:styleLbl>
+  <dgm:styleLbl name="bgAccFollowNode1">
+    <dgm:fillClrLst meth="repeat">
+      <a:schemeClr val="accent1">
+        <a:alpha val="90000"/>
+        <a:tint val="40000"/>
+      </a:schemeClr>
+    </dgm:fillClrLst>
+    <dgm:linClrLst meth="repeat">
+      <a:schemeClr val="accent1">
+        <a:alpha val="90000"/>
+        <a:tint val="40000"/>
+      </a:schemeClr>
+    </dgm:linClrLst>
+    <dgm:effectClrLst/>
+    <dgm:txLinClrLst/>
+    <dgm:txFillClrLst meth="repeat">
+      <a:schemeClr val="dk1"/>
+    </dgm:txFillClrLst>
+    <dgm:txEffectClrLst/>
+  </dgm:styleLbl>
+  <dgm:styleLbl name="fgAcc0">
+    <dgm:fillClrLst meth="repeat">
+      <a:schemeClr val="lt1">
+        <a:alpha val="90000"/>
+      </a:schemeClr>
+    </dgm:fillClrLst>
+    <dgm:linClrLst meth="repeat">
+      <a:schemeClr val="accent1"/>
+    </dgm:linClrLst>
+    <dgm:effectClrLst/>
+    <dgm:txLinClrLst/>
+    <dgm:txFillClrLst meth="repeat">
+      <a:schemeClr val="dk1"/>
+    </dgm:txFillClrLst>
+    <dgm:txEffectClrLst/>
+  </dgm:styleLbl>
+  <dgm:styleLbl name="fgAcc2">
+    <dgm:fillClrLst meth="repeat">
+      <a:schemeClr val="lt1">
+        <a:alpha val="90000"/>
+      </a:schemeClr>
+    </dgm:fillClrLst>
+    <dgm:linClrLst meth="repeat">
+      <a:schemeClr val="accent1"/>
+    </dgm:linClrLst>
+    <dgm:effectClrLst/>
+    <dgm:txLinClrLst/>
+    <dgm:txFillClrLst meth="repeat">
+      <a:schemeClr val="dk1"/>
+    </dgm:txFillClrLst>
+    <dgm:txEffectClrLst/>
+  </dgm:styleLbl>
+  <dgm:styleLbl name="fgAcc3">
+    <dgm:fillClrLst meth="repeat">
+      <a:schemeClr val="lt1">
+        <a:alpha val="90000"/>
+      </a:schemeClr>
+    </dgm:fillClrLst>
+    <dgm:linClrLst meth="repeat">
+      <a:schemeClr val="accent1"/>
+    </dgm:linClrLst>
+    <dgm:effectClrLst/>
+    <dgm:txLinClrLst/>
+    <dgm:txFillClrLst meth="repeat">
+      <a:schemeClr val="dk1"/>
+    </dgm:txFillClrLst>
+    <dgm:txEffectClrLst/>
+  </dgm:styleLbl>
+  <dgm:styleLbl name="fgAcc4">
+    <dgm:fillClrLst meth="repeat">
+      <a:schemeClr val="lt1">
+        <a:alpha val="90000"/>
+      </a:schemeClr>
+    </dgm:fillClrLst>
+    <dgm:linClrLst meth="repeat">
+      <a:schemeClr val="accent1"/>
+    </dgm:linClrLst>
+    <dgm:effectClrLst/>
+    <dgm:txLinClrLst/>
+    <dgm:txFillClrLst meth="repeat">
+      <a:schemeClr val="dk1"/>
+    </dgm:txFillClrLst>
+    <dgm:txEffectClrLst/>
+  </dgm:styleLbl>
+  <dgm:styleLbl name="bgShp">
+    <dgm:fillClrLst meth="repeat">
+      <a:schemeClr val="accent1">
+        <a:tint val="40000"/>
+      </a:schemeClr>
+    </dgm:fillClrLst>
+    <dgm:linClrLst meth="repeat">
+      <a:schemeClr val="accent1"/>
+    </dgm:linClrLst>
+    <dgm:effectClrLst/>
+    <dgm:txLinClrLst/>
+    <dgm:txFillClrLst meth="repeat">
+      <a:schemeClr val="dk1"/>
+    </dgm:txFillClrLst>
+    <dgm:txEffectClrLst/>
+  </dgm:styleLbl>
+  <dgm:styleLbl name="dkBgShp">
+    <dgm:fillClrLst meth="repeat">
+      <a:schemeClr val="accent1">
+        <a:shade val="80000"/>
+      </a:schemeClr>
+    </dgm:fillClrLst>
+    <dgm:linClrLst meth="repeat">
+      <a:schemeClr val="accent1"/>
+    </dgm:linClrLst>
+    <dgm:effectClrLst/>
+    <dgm:txLinClrLst/>
+    <dgm:txFillClrLst meth="repeat">
+      <a:schemeClr val="lt1"/>
+    </dgm:txFillClrLst>
+    <dgm:txEffectClrLst/>
+  </dgm:styleLbl>
+  <dgm:styleLbl name="trBgShp">
+    <dgm:fillClrLst meth="repeat">
+      <a:schemeClr val="accent1">
+        <a:tint val="50000"/>
+        <a:alpha val="40000"/>
+      </a:schemeClr>
+    </dgm:fillClrLst>
+    <dgm:linClrLst meth="repeat">
+      <a:schemeClr val="accent1"/>
+    </dgm:linClrLst>
+    <dgm:effectClrLst/>
+    <dgm:txLinClrLst/>
+    <dgm:txFillClrLst meth="repeat">
+      <a:schemeClr val="lt1"/>
+    </dgm:txFillClrLst>
+    <dgm:txEffectClrLst/>
+  </dgm:styleLbl>
+  <dgm:styleLbl name="fgShp">
+    <dgm:fillClrLst meth="repeat">
+      <a:schemeClr val="accent1">
+        <a:tint val="60000"/>
+      </a:schemeClr>
+    </dgm:fillClrLst>
+    <dgm:linClrLst meth="repeat">
+      <a:schemeClr val="lt1"/>
+    </dgm:linClrLst>
+    <dgm:effectClrLst/>
+    <dgm:txLinClrLst/>
+    <dgm:txFillClrLst meth="repeat">
+      <a:schemeClr val="dk1"/>
+    </dgm:txFillClrLst>
+    <dgm:txEffectClrLst/>
+  </dgm:styleLbl>
+  <dgm:styleLbl name="revTx">
+    <dgm:fillClrLst meth="repeat">
+      <a:schemeClr val="lt1">
+        <a:alpha val="0"/>
+      </a:schemeClr>
+    </dgm:fillClrLst>
+    <dgm:linClrLst meth="repeat">
+      <a:schemeClr val="dk1">
+        <a:alpha val="0"/>
+      </a:schemeClr>
+    </dgm:linClrLst>
+    <dgm:effectClrLst/>
+    <dgm:txLinClrLst/>
+    <dgm:txFillClrLst meth="repeat">
+      <a:schemeClr val="tx1"/>
+    </dgm:txFillClrLst>
+    <dgm:txEffectClrLst/>
+  </dgm:styleLbl>
+</dgm:colorsDef>
+</file>
+
+<file path=ppt/diagrams/data1.xml><?xml version="1.0" encoding="utf-8"?>
+<dgm:dataModel xmlns:dgm="http://schemas.openxmlformats.org/drawingml/2006/diagram" xmlns:a="http://schemas.openxmlformats.org/drawingml/2006/main">
+  <dgm:ptLst>
+    <dgm:pt modelId="{B2FCB7CF-90E6-2E42-B330-CAE2DE9B7E41}" type="doc">
+      <dgm:prSet loTypeId="urn:microsoft.com/office/officeart/2005/8/layout/process3" loCatId="" qsTypeId="urn:microsoft.com/office/officeart/2005/8/quickstyle/simple1" qsCatId="simple" csTypeId="urn:microsoft.com/office/officeart/2005/8/colors/accent1_2" csCatId="accent1" phldr="1"/>
+      <dgm:spPr/>
+      <dgm:t>
+        <a:bodyPr/>
+        <a:lstStyle/>
+        <a:p>
+          <a:endParaRPr lang="de-DE"/>
+        </a:p>
+      </dgm:t>
+    </dgm:pt>
+    <dgm:pt modelId="{9FA9E3EE-A48A-8D46-848E-B05C1EBA58C1}">
+      <dgm:prSet phldrT="[Text]"/>
+      <dgm:spPr/>
+      <dgm:t>
+        <a:bodyPr/>
+        <a:lstStyle/>
+        <a:p>
+          <a:r>
+            <a:rPr lang="de-DE" dirty="0" err="1"/>
+            <a:t>PageSteps</a:t>
+          </a:r>
+          <a:endParaRPr lang="de-DE" dirty="0"/>
+        </a:p>
+      </dgm:t>
+    </dgm:pt>
+    <dgm:pt modelId="{204545F3-B202-614B-8E9B-A2643058AC7A}" type="parTrans" cxnId="{76294B4C-5AE3-B841-B41C-4966F444631E}">
+      <dgm:prSet/>
+      <dgm:spPr/>
+      <dgm:t>
+        <a:bodyPr/>
+        <a:lstStyle/>
+        <a:p>
+          <a:endParaRPr lang="de-DE"/>
+        </a:p>
+      </dgm:t>
+    </dgm:pt>
+    <dgm:pt modelId="{F9D481DF-D38A-344E-BA35-1B9E20B5B190}" type="sibTrans" cxnId="{76294B4C-5AE3-B841-B41C-4966F444631E}">
+      <dgm:prSet/>
+      <dgm:spPr/>
+      <dgm:t>
+        <a:bodyPr/>
+        <a:lstStyle/>
+        <a:p>
+          <a:endParaRPr lang="de-DE"/>
+        </a:p>
+      </dgm:t>
+    </dgm:pt>
+    <dgm:pt modelId="{2472D38B-F3F7-6E47-85A0-2D8BBE823CFB}">
+      <dgm:prSet phldrT="[Text]"/>
+      <dgm:spPr/>
+      <dgm:t>
+        <a:bodyPr/>
+        <a:lstStyle/>
+        <a:p>
+          <a:r>
+            <a:rPr lang="de-DE" dirty="0"/>
+            <a:t>Jedes </a:t>
+          </a:r>
+          <a:r>
+            <a:rPr lang="de-DE" dirty="0" err="1"/>
+            <a:t>PageObject</a:t>
+          </a:r>
+          <a:r>
+            <a:rPr lang="de-DE" dirty="0"/>
+            <a:t> hat spezifische </a:t>
+          </a:r>
+          <a:r>
+            <a:rPr lang="de-DE" dirty="0" err="1"/>
+            <a:t>PageSteps</a:t>
+          </a:r>
+          <a:endParaRPr lang="de-DE" dirty="0"/>
+        </a:p>
+      </dgm:t>
+    </dgm:pt>
+    <dgm:pt modelId="{822659DE-9593-484A-96EA-9EBCEE028A23}" type="parTrans" cxnId="{CC04C23C-6EF9-E04C-B20B-D563443C4C7B}">
+      <dgm:prSet/>
+      <dgm:spPr/>
+      <dgm:t>
+        <a:bodyPr/>
+        <a:lstStyle/>
+        <a:p>
+          <a:endParaRPr lang="de-DE"/>
+        </a:p>
+      </dgm:t>
+    </dgm:pt>
+    <dgm:pt modelId="{2A43DB30-D758-6147-B1D5-829ACC88C090}" type="sibTrans" cxnId="{CC04C23C-6EF9-E04C-B20B-D563443C4C7B}">
+      <dgm:prSet/>
+      <dgm:spPr/>
+      <dgm:t>
+        <a:bodyPr/>
+        <a:lstStyle/>
+        <a:p>
+          <a:endParaRPr lang="de-DE"/>
+        </a:p>
+      </dgm:t>
+    </dgm:pt>
+    <dgm:pt modelId="{8718F18F-09C8-4846-86CE-94CCAFDE41E2}">
+      <dgm:prSet phldrT="[Text]"/>
+      <dgm:spPr/>
+      <dgm:t>
+        <a:bodyPr/>
+        <a:lstStyle/>
+        <a:p>
+          <a:r>
+            <a:rPr lang="de-DE" dirty="0" err="1"/>
+            <a:t>PageObjects</a:t>
+          </a:r>
+          <a:endParaRPr lang="de-DE" dirty="0"/>
+        </a:p>
+      </dgm:t>
+    </dgm:pt>
+    <dgm:pt modelId="{DE6676BF-596C-394B-B1DE-347067270AD3}" type="parTrans" cxnId="{1ED7C531-07DC-0340-8A3C-045B8BA07429}">
+      <dgm:prSet/>
+      <dgm:spPr/>
+      <dgm:t>
+        <a:bodyPr/>
+        <a:lstStyle/>
+        <a:p>
+          <a:endParaRPr lang="de-DE"/>
+        </a:p>
+      </dgm:t>
+    </dgm:pt>
+    <dgm:pt modelId="{7EEB7645-D8C0-F949-AED0-23F7C5787DE7}" type="sibTrans" cxnId="{1ED7C531-07DC-0340-8A3C-045B8BA07429}">
+      <dgm:prSet/>
+      <dgm:spPr/>
+      <dgm:t>
+        <a:bodyPr/>
+        <a:lstStyle/>
+        <a:p>
+          <a:endParaRPr lang="de-DE"/>
+        </a:p>
+      </dgm:t>
+    </dgm:pt>
+    <dgm:pt modelId="{42B6B9AF-C619-AA43-85BF-FA13732E137D}">
+      <dgm:prSet phldrT="[Text]"/>
+      <dgm:spPr/>
+      <dgm:t>
+        <a:bodyPr/>
+        <a:lstStyle/>
+        <a:p>
+          <a:r>
+            <a:rPr lang="de-DE" dirty="0"/>
+            <a:t>Beinhaltet </a:t>
+          </a:r>
+          <a:r>
+            <a:rPr lang="de-DE" dirty="0" err="1"/>
+            <a:t>WebElemente</a:t>
+          </a:r>
+          <a:r>
+            <a:rPr lang="de-DE" dirty="0"/>
+            <a:t>, die per Name, </a:t>
+          </a:r>
+          <a:r>
+            <a:rPr lang="de-DE" dirty="0" err="1"/>
+            <a:t>id</a:t>
+          </a:r>
+          <a:r>
+            <a:rPr lang="de-DE" dirty="0"/>
+            <a:t>, </a:t>
+          </a:r>
+          <a:r>
+            <a:rPr lang="de-DE" dirty="0" err="1"/>
+            <a:t>className</a:t>
+          </a:r>
+          <a:r>
+            <a:rPr lang="de-DE" dirty="0"/>
+            <a:t>, </a:t>
+          </a:r>
+          <a:r>
+            <a:rPr lang="de-DE" dirty="0" err="1"/>
+            <a:t>xpath</a:t>
+          </a:r>
+          <a:r>
+            <a:rPr lang="de-DE" dirty="0"/>
+            <a:t>, … angesteuert werden können</a:t>
+          </a:r>
+        </a:p>
+      </dgm:t>
+    </dgm:pt>
+    <dgm:pt modelId="{00A75D35-D44E-6544-93A2-CBC54621D939}" type="parTrans" cxnId="{90846A5B-225A-FB4B-8C39-2C034D122BA2}">
+      <dgm:prSet/>
+      <dgm:spPr/>
+      <dgm:t>
+        <a:bodyPr/>
+        <a:lstStyle/>
+        <a:p>
+          <a:endParaRPr lang="de-DE"/>
+        </a:p>
+      </dgm:t>
+    </dgm:pt>
+    <dgm:pt modelId="{736B5078-080A-744E-A45D-FEEB63A627D0}" type="sibTrans" cxnId="{90846A5B-225A-FB4B-8C39-2C034D122BA2}">
+      <dgm:prSet/>
+      <dgm:spPr/>
+      <dgm:t>
+        <a:bodyPr/>
+        <a:lstStyle/>
+        <a:p>
+          <a:endParaRPr lang="de-DE"/>
+        </a:p>
+      </dgm:t>
+    </dgm:pt>
+    <dgm:pt modelId="{E86FFC00-34D0-B240-8408-1D4581E81907}">
+      <dgm:prSet phldrT="[Text]"/>
+      <dgm:spPr/>
+      <dgm:t>
+        <a:bodyPr/>
+        <a:lstStyle/>
+        <a:p>
+          <a:r>
+            <a:rPr lang="de-DE" dirty="0"/>
+            <a:t>Browser</a:t>
+          </a:r>
+        </a:p>
+      </dgm:t>
+    </dgm:pt>
+    <dgm:pt modelId="{2CA96062-C586-0342-BE8A-05221BF8A7D6}" type="parTrans" cxnId="{A6D843D1-2180-314D-BEFD-CB2E6D7D464B}">
+      <dgm:prSet/>
+      <dgm:spPr/>
+      <dgm:t>
+        <a:bodyPr/>
+        <a:lstStyle/>
+        <a:p>
+          <a:endParaRPr lang="de-DE"/>
+        </a:p>
+      </dgm:t>
+    </dgm:pt>
+    <dgm:pt modelId="{0B6E2FC5-8E47-2347-A562-4D5B181FA4E4}" type="sibTrans" cxnId="{A6D843D1-2180-314D-BEFD-CB2E6D7D464B}">
+      <dgm:prSet/>
+      <dgm:spPr/>
+      <dgm:t>
+        <a:bodyPr/>
+        <a:lstStyle/>
+        <a:p>
+          <a:endParaRPr lang="de-DE"/>
+        </a:p>
+      </dgm:t>
+    </dgm:pt>
+    <dgm:pt modelId="{BB5DA5FB-D69E-A940-86F0-9135C89ECDBF}">
+      <dgm:prSet phldrT="[Text]"/>
+      <dgm:spPr/>
+      <dgm:t>
+        <a:bodyPr/>
+        <a:lstStyle/>
+        <a:p>
+          <a:r>
+            <a:rPr lang="de-DE" dirty="0" err="1"/>
+            <a:t>PageSteps</a:t>
+          </a:r>
+          <a:r>
+            <a:rPr lang="de-DE" dirty="0"/>
+            <a:t> interagieren über die </a:t>
+          </a:r>
+          <a:r>
+            <a:rPr lang="de-DE" dirty="0" err="1"/>
+            <a:t>WebElemente</a:t>
+          </a:r>
+          <a:r>
+            <a:rPr lang="de-DE" dirty="0"/>
+            <a:t> des </a:t>
+          </a:r>
+          <a:r>
+            <a:rPr lang="de-DE" dirty="0" err="1"/>
+            <a:t>PageObject</a:t>
+          </a:r>
+          <a:r>
+            <a:rPr lang="de-DE" dirty="0"/>
+            <a:t> auf dem Browser</a:t>
+          </a:r>
+        </a:p>
+      </dgm:t>
+    </dgm:pt>
+    <dgm:pt modelId="{15DCF61A-307A-DB45-BF3E-7376AABB1111}" type="parTrans" cxnId="{83EEB34C-C0FE-4F4C-A446-2E8B2E0460C2}">
+      <dgm:prSet/>
+      <dgm:spPr/>
+      <dgm:t>
+        <a:bodyPr/>
+        <a:lstStyle/>
+        <a:p>
+          <a:endParaRPr lang="de-DE"/>
+        </a:p>
+      </dgm:t>
+    </dgm:pt>
+    <dgm:pt modelId="{72645D7A-E4E9-B340-AB9E-15B0923E9813}" type="sibTrans" cxnId="{83EEB34C-C0FE-4F4C-A446-2E8B2E0460C2}">
+      <dgm:prSet/>
+      <dgm:spPr/>
+      <dgm:t>
+        <a:bodyPr/>
+        <a:lstStyle/>
+        <a:p>
+          <a:endParaRPr lang="de-DE"/>
+        </a:p>
+      </dgm:t>
+    </dgm:pt>
+    <dgm:pt modelId="{DB4C5419-74DB-E547-A240-C6A92E8781A0}" type="pres">
+      <dgm:prSet presAssocID="{B2FCB7CF-90E6-2E42-B330-CAE2DE9B7E41}" presName="linearFlow" presStyleCnt="0">
+        <dgm:presLayoutVars>
+          <dgm:dir/>
+          <dgm:animLvl val="lvl"/>
+          <dgm:resizeHandles val="exact"/>
+        </dgm:presLayoutVars>
+      </dgm:prSet>
+      <dgm:spPr/>
+    </dgm:pt>
+    <dgm:pt modelId="{CE14F614-F45A-954C-BFD5-282A8510C28E}" type="pres">
+      <dgm:prSet presAssocID="{9FA9E3EE-A48A-8D46-848E-B05C1EBA58C1}" presName="composite" presStyleCnt="0"/>
+      <dgm:spPr/>
+    </dgm:pt>
+    <dgm:pt modelId="{E7346FC4-68DA-C548-91D9-1E0DA8FD1650}" type="pres">
+      <dgm:prSet presAssocID="{9FA9E3EE-A48A-8D46-848E-B05C1EBA58C1}" presName="parTx" presStyleLbl="node1" presStyleIdx="0" presStyleCnt="3">
+        <dgm:presLayoutVars>
+          <dgm:chMax val="0"/>
+          <dgm:chPref val="0"/>
+          <dgm:bulletEnabled val="1"/>
+        </dgm:presLayoutVars>
+      </dgm:prSet>
+      <dgm:spPr/>
+    </dgm:pt>
+    <dgm:pt modelId="{C82D2FCC-8AD8-CE4D-895D-F65B71E79501}" type="pres">
+      <dgm:prSet presAssocID="{9FA9E3EE-A48A-8D46-848E-B05C1EBA58C1}" presName="parSh" presStyleLbl="node1" presStyleIdx="0" presStyleCnt="3"/>
+      <dgm:spPr/>
+    </dgm:pt>
+    <dgm:pt modelId="{5367F2CC-0AA7-7A47-91E7-84E95D627C1B}" type="pres">
+      <dgm:prSet presAssocID="{9FA9E3EE-A48A-8D46-848E-B05C1EBA58C1}" presName="desTx" presStyleLbl="fgAcc1" presStyleIdx="0" presStyleCnt="3">
+        <dgm:presLayoutVars>
+          <dgm:bulletEnabled val="1"/>
+        </dgm:presLayoutVars>
+      </dgm:prSet>
+      <dgm:spPr/>
+    </dgm:pt>
+    <dgm:pt modelId="{456DBFD5-F047-224D-99D4-445DAADFCD8E}" type="pres">
+      <dgm:prSet presAssocID="{F9D481DF-D38A-344E-BA35-1B9E20B5B190}" presName="sibTrans" presStyleLbl="sibTrans2D1" presStyleIdx="0" presStyleCnt="2"/>
+      <dgm:spPr/>
+    </dgm:pt>
+    <dgm:pt modelId="{2FED223D-35F5-ED4E-B46B-2AE233711153}" type="pres">
+      <dgm:prSet presAssocID="{F9D481DF-D38A-344E-BA35-1B9E20B5B190}" presName="connTx" presStyleLbl="sibTrans2D1" presStyleIdx="0" presStyleCnt="2"/>
+      <dgm:spPr/>
+    </dgm:pt>
+    <dgm:pt modelId="{74196E42-0B63-F244-A4C0-9294D635E8DC}" type="pres">
+      <dgm:prSet presAssocID="{8718F18F-09C8-4846-86CE-94CCAFDE41E2}" presName="composite" presStyleCnt="0"/>
+      <dgm:spPr/>
+    </dgm:pt>
+    <dgm:pt modelId="{B77E1770-32FA-E24E-97E2-B515A085F7C3}" type="pres">
+      <dgm:prSet presAssocID="{8718F18F-09C8-4846-86CE-94CCAFDE41E2}" presName="parTx" presStyleLbl="node1" presStyleIdx="0" presStyleCnt="3">
+        <dgm:presLayoutVars>
+          <dgm:chMax val="0"/>
+          <dgm:chPref val="0"/>
+          <dgm:bulletEnabled val="1"/>
+        </dgm:presLayoutVars>
+      </dgm:prSet>
+      <dgm:spPr/>
+    </dgm:pt>
+    <dgm:pt modelId="{239E82A2-6A00-9745-8628-656489F36569}" type="pres">
+      <dgm:prSet presAssocID="{8718F18F-09C8-4846-86CE-94CCAFDE41E2}" presName="parSh" presStyleLbl="node1" presStyleIdx="1" presStyleCnt="3"/>
+      <dgm:spPr/>
+    </dgm:pt>
+    <dgm:pt modelId="{E08162C6-7FB9-9F47-9612-90AE120CFEED}" type="pres">
+      <dgm:prSet presAssocID="{8718F18F-09C8-4846-86CE-94CCAFDE41E2}" presName="desTx" presStyleLbl="fgAcc1" presStyleIdx="1" presStyleCnt="3">
+        <dgm:presLayoutVars>
+          <dgm:bulletEnabled val="1"/>
+        </dgm:presLayoutVars>
+      </dgm:prSet>
+      <dgm:spPr/>
+    </dgm:pt>
+    <dgm:pt modelId="{5007FC8D-4FBE-4941-A6B9-6D0C40884710}" type="pres">
+      <dgm:prSet presAssocID="{7EEB7645-D8C0-F949-AED0-23F7C5787DE7}" presName="sibTrans" presStyleLbl="sibTrans2D1" presStyleIdx="1" presStyleCnt="2"/>
+      <dgm:spPr/>
+    </dgm:pt>
+    <dgm:pt modelId="{4CF06C2E-94F2-7743-9CEE-201CFB05BBB7}" type="pres">
+      <dgm:prSet presAssocID="{7EEB7645-D8C0-F949-AED0-23F7C5787DE7}" presName="connTx" presStyleLbl="sibTrans2D1" presStyleIdx="1" presStyleCnt="2"/>
+      <dgm:spPr/>
+    </dgm:pt>
+    <dgm:pt modelId="{5E6F466E-A22F-674D-BE3F-D26F8A8E7742}" type="pres">
+      <dgm:prSet presAssocID="{E86FFC00-34D0-B240-8408-1D4581E81907}" presName="composite" presStyleCnt="0"/>
+      <dgm:spPr/>
+    </dgm:pt>
+    <dgm:pt modelId="{1AEAEB28-5108-6245-A73A-7C261BDEA58B}" type="pres">
+      <dgm:prSet presAssocID="{E86FFC00-34D0-B240-8408-1D4581E81907}" presName="parTx" presStyleLbl="node1" presStyleIdx="1" presStyleCnt="3">
+        <dgm:presLayoutVars>
+          <dgm:chMax val="0"/>
+          <dgm:chPref val="0"/>
+          <dgm:bulletEnabled val="1"/>
+        </dgm:presLayoutVars>
+      </dgm:prSet>
+      <dgm:spPr/>
+    </dgm:pt>
+    <dgm:pt modelId="{5D1D52D0-6583-9348-99C1-79E9A1CF8FD4}" type="pres">
+      <dgm:prSet presAssocID="{E86FFC00-34D0-B240-8408-1D4581E81907}" presName="parSh" presStyleLbl="node1" presStyleIdx="2" presStyleCnt="3"/>
+      <dgm:spPr/>
+    </dgm:pt>
+    <dgm:pt modelId="{987979C1-E718-6841-8AF8-938B1A4A9961}" type="pres">
+      <dgm:prSet presAssocID="{E86FFC00-34D0-B240-8408-1D4581E81907}" presName="desTx" presStyleLbl="fgAcc1" presStyleIdx="2" presStyleCnt="3">
+        <dgm:presLayoutVars>
+          <dgm:bulletEnabled val="1"/>
+        </dgm:presLayoutVars>
+      </dgm:prSet>
+      <dgm:spPr/>
+    </dgm:pt>
+  </dgm:ptLst>
+  <dgm:cxnLst>
+    <dgm:cxn modelId="{10A2E929-42A7-3342-98FC-D0DB8C724797}" type="presOf" srcId="{9FA9E3EE-A48A-8D46-848E-B05C1EBA58C1}" destId="{C82D2FCC-8AD8-CE4D-895D-F65B71E79501}" srcOrd="1" destOrd="0" presId="urn:microsoft.com/office/officeart/2005/8/layout/process3"/>
+    <dgm:cxn modelId="{1ED7C531-07DC-0340-8A3C-045B8BA07429}" srcId="{B2FCB7CF-90E6-2E42-B330-CAE2DE9B7E41}" destId="{8718F18F-09C8-4846-86CE-94CCAFDE41E2}" srcOrd="1" destOrd="0" parTransId="{DE6676BF-596C-394B-B1DE-347067270AD3}" sibTransId="{7EEB7645-D8C0-F949-AED0-23F7C5787DE7}"/>
+    <dgm:cxn modelId="{6FC7A033-06D8-8847-8B51-2F127EEBBD2F}" type="presOf" srcId="{42B6B9AF-C619-AA43-85BF-FA13732E137D}" destId="{E08162C6-7FB9-9F47-9612-90AE120CFEED}" srcOrd="0" destOrd="0" presId="urn:microsoft.com/office/officeart/2005/8/layout/process3"/>
+    <dgm:cxn modelId="{AEB5BA34-E616-FA42-88AE-F052F5E294FF}" type="presOf" srcId="{7EEB7645-D8C0-F949-AED0-23F7C5787DE7}" destId="{4CF06C2E-94F2-7743-9CEE-201CFB05BBB7}" srcOrd="1" destOrd="0" presId="urn:microsoft.com/office/officeart/2005/8/layout/process3"/>
+    <dgm:cxn modelId="{CC04C23C-6EF9-E04C-B20B-D563443C4C7B}" srcId="{9FA9E3EE-A48A-8D46-848E-B05C1EBA58C1}" destId="{2472D38B-F3F7-6E47-85A0-2D8BBE823CFB}" srcOrd="0" destOrd="0" parTransId="{822659DE-9593-484A-96EA-9EBCEE028A23}" sibTransId="{2A43DB30-D758-6147-B1D5-829ACC88C090}"/>
+    <dgm:cxn modelId="{F5A1EC48-A5F9-4441-9CE2-E5395B8E62AC}" type="presOf" srcId="{E86FFC00-34D0-B240-8408-1D4581E81907}" destId="{5D1D52D0-6583-9348-99C1-79E9A1CF8FD4}" srcOrd="1" destOrd="0" presId="urn:microsoft.com/office/officeart/2005/8/layout/process3"/>
+    <dgm:cxn modelId="{76294B4C-5AE3-B841-B41C-4966F444631E}" srcId="{B2FCB7CF-90E6-2E42-B330-CAE2DE9B7E41}" destId="{9FA9E3EE-A48A-8D46-848E-B05C1EBA58C1}" srcOrd="0" destOrd="0" parTransId="{204545F3-B202-614B-8E9B-A2643058AC7A}" sibTransId="{F9D481DF-D38A-344E-BA35-1B9E20B5B190}"/>
+    <dgm:cxn modelId="{B6F9664C-DBF4-2942-8503-369F75E91BDA}" type="presOf" srcId="{BB5DA5FB-D69E-A940-86F0-9135C89ECDBF}" destId="{987979C1-E718-6841-8AF8-938B1A4A9961}" srcOrd="0" destOrd="0" presId="urn:microsoft.com/office/officeart/2005/8/layout/process3"/>
+    <dgm:cxn modelId="{83EEB34C-C0FE-4F4C-A446-2E8B2E0460C2}" srcId="{E86FFC00-34D0-B240-8408-1D4581E81907}" destId="{BB5DA5FB-D69E-A940-86F0-9135C89ECDBF}" srcOrd="0" destOrd="0" parTransId="{15DCF61A-307A-DB45-BF3E-7376AABB1111}" sibTransId="{72645D7A-E4E9-B340-AB9E-15B0923E9813}"/>
+    <dgm:cxn modelId="{90846A5B-225A-FB4B-8C39-2C034D122BA2}" srcId="{8718F18F-09C8-4846-86CE-94CCAFDE41E2}" destId="{42B6B9AF-C619-AA43-85BF-FA13732E137D}" srcOrd="0" destOrd="0" parTransId="{00A75D35-D44E-6544-93A2-CBC54621D939}" sibTransId="{736B5078-080A-744E-A45D-FEEB63A627D0}"/>
+    <dgm:cxn modelId="{70A4DA7A-7234-B24A-A713-FB5AB915A6CC}" type="presOf" srcId="{8718F18F-09C8-4846-86CE-94CCAFDE41E2}" destId="{B77E1770-32FA-E24E-97E2-B515A085F7C3}" srcOrd="0" destOrd="0" presId="urn:microsoft.com/office/officeart/2005/8/layout/process3"/>
+    <dgm:cxn modelId="{7269407D-53E6-B343-8EE2-7A20AC2E4D81}" type="presOf" srcId="{E86FFC00-34D0-B240-8408-1D4581E81907}" destId="{1AEAEB28-5108-6245-A73A-7C261BDEA58B}" srcOrd="0" destOrd="0" presId="urn:microsoft.com/office/officeart/2005/8/layout/process3"/>
+    <dgm:cxn modelId="{D239BA83-7F20-8643-BEF3-ABA78DF50E88}" type="presOf" srcId="{9FA9E3EE-A48A-8D46-848E-B05C1EBA58C1}" destId="{E7346FC4-68DA-C548-91D9-1E0DA8FD1650}" srcOrd="0" destOrd="0" presId="urn:microsoft.com/office/officeart/2005/8/layout/process3"/>
+    <dgm:cxn modelId="{974FDAB8-7207-C640-A698-4910F055223B}" type="presOf" srcId="{2472D38B-F3F7-6E47-85A0-2D8BBE823CFB}" destId="{5367F2CC-0AA7-7A47-91E7-84E95D627C1B}" srcOrd="0" destOrd="0" presId="urn:microsoft.com/office/officeart/2005/8/layout/process3"/>
+    <dgm:cxn modelId="{357FD1CC-D1D8-CC4D-AEFC-F56524F5A686}" type="presOf" srcId="{B2FCB7CF-90E6-2E42-B330-CAE2DE9B7E41}" destId="{DB4C5419-74DB-E547-A240-C6A92E8781A0}" srcOrd="0" destOrd="0" presId="urn:microsoft.com/office/officeart/2005/8/layout/process3"/>
+    <dgm:cxn modelId="{A6D843D1-2180-314D-BEFD-CB2E6D7D464B}" srcId="{B2FCB7CF-90E6-2E42-B330-CAE2DE9B7E41}" destId="{E86FFC00-34D0-B240-8408-1D4581E81907}" srcOrd="2" destOrd="0" parTransId="{2CA96062-C586-0342-BE8A-05221BF8A7D6}" sibTransId="{0B6E2FC5-8E47-2347-A562-4D5B181FA4E4}"/>
+    <dgm:cxn modelId="{BDF1E3DA-5282-754D-A54C-FB9A2651C11B}" type="presOf" srcId="{7EEB7645-D8C0-F949-AED0-23F7C5787DE7}" destId="{5007FC8D-4FBE-4941-A6B9-6D0C40884710}" srcOrd="0" destOrd="0" presId="urn:microsoft.com/office/officeart/2005/8/layout/process3"/>
+    <dgm:cxn modelId="{07BFC2DB-C80E-4F4D-A117-07915CC767FF}" type="presOf" srcId="{F9D481DF-D38A-344E-BA35-1B9E20B5B190}" destId="{456DBFD5-F047-224D-99D4-445DAADFCD8E}" srcOrd="0" destOrd="0" presId="urn:microsoft.com/office/officeart/2005/8/layout/process3"/>
+    <dgm:cxn modelId="{8F4C23E0-C59F-0A4A-9BB5-5070A11F74AA}" type="presOf" srcId="{F9D481DF-D38A-344E-BA35-1B9E20B5B190}" destId="{2FED223D-35F5-ED4E-B46B-2AE233711153}" srcOrd="1" destOrd="0" presId="urn:microsoft.com/office/officeart/2005/8/layout/process3"/>
+    <dgm:cxn modelId="{7F335BEF-A2B6-1B40-B82D-3EDD97468A32}" type="presOf" srcId="{8718F18F-09C8-4846-86CE-94CCAFDE41E2}" destId="{239E82A2-6A00-9745-8628-656489F36569}" srcOrd="1" destOrd="0" presId="urn:microsoft.com/office/officeart/2005/8/layout/process3"/>
+    <dgm:cxn modelId="{8E74DB57-D458-9F4C-8A31-9A1ED9AA8AA3}" type="presParOf" srcId="{DB4C5419-74DB-E547-A240-C6A92E8781A0}" destId="{CE14F614-F45A-954C-BFD5-282A8510C28E}" srcOrd="0" destOrd="0" presId="urn:microsoft.com/office/officeart/2005/8/layout/process3"/>
+    <dgm:cxn modelId="{58F80DB8-B48E-9F4C-A62A-F823D6AF3B3F}" type="presParOf" srcId="{CE14F614-F45A-954C-BFD5-282A8510C28E}" destId="{E7346FC4-68DA-C548-91D9-1E0DA8FD1650}" srcOrd="0" destOrd="0" presId="urn:microsoft.com/office/officeart/2005/8/layout/process3"/>
+    <dgm:cxn modelId="{8594B81E-83A7-F04C-9555-C48CC8A87D2B}" type="presParOf" srcId="{CE14F614-F45A-954C-BFD5-282A8510C28E}" destId="{C82D2FCC-8AD8-CE4D-895D-F65B71E79501}" srcOrd="1" destOrd="0" presId="urn:microsoft.com/office/officeart/2005/8/layout/process3"/>
+    <dgm:cxn modelId="{4414428D-406F-5F47-A25B-EB83C3E08ED2}" type="presParOf" srcId="{CE14F614-F45A-954C-BFD5-282A8510C28E}" destId="{5367F2CC-0AA7-7A47-91E7-84E95D627C1B}" srcOrd="2" destOrd="0" presId="urn:microsoft.com/office/officeart/2005/8/layout/process3"/>
+    <dgm:cxn modelId="{DC055653-2370-9143-B5F3-EED8D4D7891D}" type="presParOf" srcId="{DB4C5419-74DB-E547-A240-C6A92E8781A0}" destId="{456DBFD5-F047-224D-99D4-445DAADFCD8E}" srcOrd="1" destOrd="0" presId="urn:microsoft.com/office/officeart/2005/8/layout/process3"/>
+    <dgm:cxn modelId="{7C565615-16EE-4D41-96A5-BF38D2F80CC3}" type="presParOf" srcId="{456DBFD5-F047-224D-99D4-445DAADFCD8E}" destId="{2FED223D-35F5-ED4E-B46B-2AE233711153}" srcOrd="0" destOrd="0" presId="urn:microsoft.com/office/officeart/2005/8/layout/process3"/>
+    <dgm:cxn modelId="{18E464E1-E0E3-7941-B7E3-1B8081B90240}" type="presParOf" srcId="{DB4C5419-74DB-E547-A240-C6A92E8781A0}" destId="{74196E42-0B63-F244-A4C0-9294D635E8DC}" srcOrd="2" destOrd="0" presId="urn:microsoft.com/office/officeart/2005/8/layout/process3"/>
+    <dgm:cxn modelId="{F396F1E9-C908-6942-87DC-788879A01D7A}" type="presParOf" srcId="{74196E42-0B63-F244-A4C0-9294D635E8DC}" destId="{B77E1770-32FA-E24E-97E2-B515A085F7C3}" srcOrd="0" destOrd="0" presId="urn:microsoft.com/office/officeart/2005/8/layout/process3"/>
+    <dgm:cxn modelId="{9D602815-5BF0-C746-809E-744F5726653A}" type="presParOf" srcId="{74196E42-0B63-F244-A4C0-9294D635E8DC}" destId="{239E82A2-6A00-9745-8628-656489F36569}" srcOrd="1" destOrd="0" presId="urn:microsoft.com/office/officeart/2005/8/layout/process3"/>
+    <dgm:cxn modelId="{F11F17E4-D300-014E-9578-0164221FA4DD}" type="presParOf" srcId="{74196E42-0B63-F244-A4C0-9294D635E8DC}" destId="{E08162C6-7FB9-9F47-9612-90AE120CFEED}" srcOrd="2" destOrd="0" presId="urn:microsoft.com/office/officeart/2005/8/layout/process3"/>
+    <dgm:cxn modelId="{3DBA42E3-184F-BA4B-B147-C8015D194A31}" type="presParOf" srcId="{DB4C5419-74DB-E547-A240-C6A92E8781A0}" destId="{5007FC8D-4FBE-4941-A6B9-6D0C40884710}" srcOrd="3" destOrd="0" presId="urn:microsoft.com/office/officeart/2005/8/layout/process3"/>
+    <dgm:cxn modelId="{CDBB8E49-A527-A24E-A0F7-CA2E88DAABC5}" type="presParOf" srcId="{5007FC8D-4FBE-4941-A6B9-6D0C40884710}" destId="{4CF06C2E-94F2-7743-9CEE-201CFB05BBB7}" srcOrd="0" destOrd="0" presId="urn:microsoft.com/office/officeart/2005/8/layout/process3"/>
+    <dgm:cxn modelId="{F445443A-805B-474E-A6B6-DACBFD83BF66}" type="presParOf" srcId="{DB4C5419-74DB-E547-A240-C6A92E8781A0}" destId="{5E6F466E-A22F-674D-BE3F-D26F8A8E7742}" srcOrd="4" destOrd="0" presId="urn:microsoft.com/office/officeart/2005/8/layout/process3"/>
+    <dgm:cxn modelId="{C32DE92C-10E1-FD4A-87EC-2AC6F28DDC2F}" type="presParOf" srcId="{5E6F466E-A22F-674D-BE3F-D26F8A8E7742}" destId="{1AEAEB28-5108-6245-A73A-7C261BDEA58B}" srcOrd="0" destOrd="0" presId="urn:microsoft.com/office/officeart/2005/8/layout/process3"/>
+    <dgm:cxn modelId="{8B9360DA-F873-7741-B8E4-BF1E76E7A6EB}" type="presParOf" srcId="{5E6F466E-A22F-674D-BE3F-D26F8A8E7742}" destId="{5D1D52D0-6583-9348-99C1-79E9A1CF8FD4}" srcOrd="1" destOrd="0" presId="urn:microsoft.com/office/officeart/2005/8/layout/process3"/>
+    <dgm:cxn modelId="{E23814BE-44DD-5F4E-BE74-1524579795B3}" type="presParOf" srcId="{5E6F466E-A22F-674D-BE3F-D26F8A8E7742}" destId="{987979C1-E718-6841-8AF8-938B1A4A9961}" srcOrd="2" destOrd="0" presId="urn:microsoft.com/office/officeart/2005/8/layout/process3"/>
+  </dgm:cxnLst>
+  <dgm:bg/>
+  <dgm:whole/>
+  <dgm:extLst>
+    <a:ext uri="http://schemas.microsoft.com/office/drawing/2008/diagram">
+      <dsp:dataModelExt xmlns:dsp="http://schemas.microsoft.com/office/drawing/2008/diagram" relId="rId6" minVer="http://schemas.openxmlformats.org/drawingml/2006/diagram"/>
+    </a:ext>
+  </dgm:extLst>
+</dgm:dataModel>
+</file>
+
+<file path=ppt/diagrams/drawing1.xml><?xml version="1.0" encoding="utf-8"?>
+<dsp:drawing xmlns:dgm="http://schemas.openxmlformats.org/drawingml/2006/diagram" xmlns:dsp="http://schemas.microsoft.com/office/drawing/2008/diagram" xmlns:a="http://schemas.openxmlformats.org/drawingml/2006/main">
+  <dsp:spTree>
+    <dsp:nvGrpSpPr>
+      <dsp:cNvPr id="0" name=""/>
+      <dsp:cNvGrpSpPr/>
+    </dsp:nvGrpSpPr>
+    <dsp:grpSpPr/>
+    <dsp:sp modelId="{C82D2FCC-8AD8-CE4D-895D-F65B71E79501}">
+      <dsp:nvSpPr>
+        <dsp:cNvPr id="0" name=""/>
+        <dsp:cNvSpPr/>
+      </dsp:nvSpPr>
+      <dsp:spPr>
+        <a:xfrm>
+          <a:off x="5171" y="65505"/>
+          <a:ext cx="2351617" cy="864000"/>
+        </a:xfrm>
+        <a:prstGeom prst="roundRect">
+          <a:avLst>
+            <a:gd name="adj" fmla="val 10000"/>
+          </a:avLst>
+        </a:prstGeom>
+        <a:solidFill>
+          <a:schemeClr val="accent1">
+            <a:hueOff val="0"/>
+            <a:satOff val="0"/>
+            <a:lumOff val="0"/>
+            <a:alphaOff val="0"/>
+          </a:schemeClr>
+        </a:solidFill>
+        <a:ln w="25400" cap="flat" cmpd="sng" algn="ctr">
+          <a:solidFill>
+            <a:schemeClr val="lt1">
+              <a:hueOff val="0"/>
+              <a:satOff val="0"/>
+              <a:lumOff val="0"/>
+              <a:alphaOff val="0"/>
+            </a:schemeClr>
+          </a:solidFill>
+          <a:prstDash val="solid"/>
+        </a:ln>
+        <a:effectLst/>
+      </dsp:spPr>
+      <dsp:style>
+        <a:lnRef idx="2">
+          <a:scrgbClr r="0" g="0" b="0"/>
+        </a:lnRef>
+        <a:fillRef idx="1">
+          <a:scrgbClr r="0" g="0" b="0"/>
+        </a:fillRef>
+        <a:effectRef idx="0">
+          <a:scrgbClr r="0" g="0" b="0"/>
+        </a:effectRef>
+        <a:fontRef idx="minor">
+          <a:schemeClr val="lt1"/>
+        </a:fontRef>
+      </dsp:style>
+      <dsp:txBody>
+        <a:bodyPr spcFirstLastPara="0" vert="horz" wrap="square" lIns="142240" tIns="142240" rIns="142240" bIns="76200" numCol="1" spcCol="1270" anchor="t" anchorCtr="0">
+          <a:noAutofit/>
+        </a:bodyPr>
+        <a:lstStyle/>
+        <a:p>
+          <a:pPr marL="0" lvl="0" indent="0" algn="l" defTabSz="889000">
+            <a:lnSpc>
+              <a:spcPct val="90000"/>
+            </a:lnSpc>
+            <a:spcBef>
+              <a:spcPct val="0"/>
+            </a:spcBef>
+            <a:spcAft>
+              <a:spcPct val="35000"/>
+            </a:spcAft>
+            <a:buNone/>
+          </a:pPr>
+          <a:r>
+            <a:rPr lang="de-DE" sz="2000" kern="1200" dirty="0" err="1"/>
+            <a:t>PageSteps</a:t>
+          </a:r>
+          <a:endParaRPr lang="de-DE" sz="2000" kern="1200" dirty="0"/>
+        </a:p>
+      </dsp:txBody>
+      <dsp:txXfrm>
+        <a:off x="5171" y="65505"/>
+        <a:ext cx="2351617" cy="576000"/>
+      </dsp:txXfrm>
+    </dsp:sp>
+    <dsp:sp modelId="{5367F2CC-0AA7-7A47-91E7-84E95D627C1B}">
+      <dsp:nvSpPr>
+        <dsp:cNvPr id="0" name=""/>
+        <dsp:cNvSpPr/>
+      </dsp:nvSpPr>
+      <dsp:spPr>
+        <a:xfrm>
+          <a:off x="486828" y="641505"/>
+          <a:ext cx="2351617" cy="2565000"/>
+        </a:xfrm>
+        <a:prstGeom prst="roundRect">
+          <a:avLst>
+            <a:gd name="adj" fmla="val 10000"/>
+          </a:avLst>
+        </a:prstGeom>
+        <a:solidFill>
+          <a:schemeClr val="lt1">
+            <a:alpha val="90000"/>
+            <a:hueOff val="0"/>
+            <a:satOff val="0"/>
+            <a:lumOff val="0"/>
+            <a:alphaOff val="0"/>
+          </a:schemeClr>
+        </a:solidFill>
+        <a:ln w="25400" cap="flat" cmpd="sng" algn="ctr">
+          <a:solidFill>
+            <a:schemeClr val="accent1">
+              <a:hueOff val="0"/>
+              <a:satOff val="0"/>
+              <a:lumOff val="0"/>
+              <a:alphaOff val="0"/>
+            </a:schemeClr>
+          </a:solidFill>
+          <a:prstDash val="solid"/>
+        </a:ln>
+        <a:effectLst/>
+      </dsp:spPr>
+      <dsp:style>
+        <a:lnRef idx="2">
+          <a:scrgbClr r="0" g="0" b="0"/>
+        </a:lnRef>
+        <a:fillRef idx="1">
+          <a:scrgbClr r="0" g="0" b="0"/>
+        </a:fillRef>
+        <a:effectRef idx="0">
+          <a:scrgbClr r="0" g="0" b="0"/>
+        </a:effectRef>
+        <a:fontRef idx="minor"/>
+      </dsp:style>
+      <dsp:txBody>
+        <a:bodyPr spcFirstLastPara="0" vert="horz" wrap="square" lIns="142240" tIns="142240" rIns="142240" bIns="142240" numCol="1" spcCol="1270" anchor="t" anchorCtr="0">
+          <a:noAutofit/>
+        </a:bodyPr>
+        <a:lstStyle/>
+        <a:p>
+          <a:pPr marL="228600" lvl="1" indent="-228600" algn="l" defTabSz="889000">
+            <a:lnSpc>
+              <a:spcPct val="90000"/>
+            </a:lnSpc>
+            <a:spcBef>
+              <a:spcPct val="0"/>
+            </a:spcBef>
+            <a:spcAft>
+              <a:spcPct val="15000"/>
+            </a:spcAft>
+            <a:buChar char="•"/>
+          </a:pPr>
+          <a:r>
+            <a:rPr lang="de-DE" sz="2000" kern="1200" dirty="0"/>
+            <a:t>Jedes </a:t>
+          </a:r>
+          <a:r>
+            <a:rPr lang="de-DE" sz="2000" kern="1200" dirty="0" err="1"/>
+            <a:t>PageObject</a:t>
+          </a:r>
+          <a:r>
+            <a:rPr lang="de-DE" sz="2000" kern="1200" dirty="0"/>
+            <a:t> hat spezifische </a:t>
+          </a:r>
+          <a:r>
+            <a:rPr lang="de-DE" sz="2000" kern="1200" dirty="0" err="1"/>
+            <a:t>PageSteps</a:t>
+          </a:r>
+          <a:endParaRPr lang="de-DE" sz="2000" kern="1200" dirty="0"/>
+        </a:p>
+      </dsp:txBody>
+      <dsp:txXfrm>
+        <a:off x="555705" y="710382"/>
+        <a:ext cx="2213863" cy="2427246"/>
+      </dsp:txXfrm>
+    </dsp:sp>
+    <dsp:sp modelId="{456DBFD5-F047-224D-99D4-445DAADFCD8E}">
+      <dsp:nvSpPr>
+        <dsp:cNvPr id="0" name=""/>
+        <dsp:cNvSpPr/>
+      </dsp:nvSpPr>
+      <dsp:spPr>
+        <a:xfrm>
+          <a:off x="2713286" y="60762"/>
+          <a:ext cx="755773" cy="585484"/>
+        </a:xfrm>
+        <a:prstGeom prst="rightArrow">
+          <a:avLst>
+            <a:gd name="adj1" fmla="val 60000"/>
+            <a:gd name="adj2" fmla="val 50000"/>
+          </a:avLst>
+        </a:prstGeom>
+        <a:solidFill>
+          <a:schemeClr val="accent1">
+            <a:tint val="60000"/>
+            <a:hueOff val="0"/>
+            <a:satOff val="0"/>
+            <a:lumOff val="0"/>
+            <a:alphaOff val="0"/>
+          </a:schemeClr>
+        </a:solidFill>
+        <a:ln>
+          <a:noFill/>
+        </a:ln>
+        <a:effectLst/>
+      </dsp:spPr>
+      <dsp:style>
+        <a:lnRef idx="0">
+          <a:scrgbClr r="0" g="0" b="0"/>
+        </a:lnRef>
+        <a:fillRef idx="1">
+          <a:scrgbClr r="0" g="0" b="0"/>
+        </a:fillRef>
+        <a:effectRef idx="0">
+          <a:scrgbClr r="0" g="0" b="0"/>
+        </a:effectRef>
+        <a:fontRef idx="minor">
+          <a:schemeClr val="lt1"/>
+        </a:fontRef>
+      </dsp:style>
+      <dsp:txBody>
+        <a:bodyPr spcFirstLastPara="0" vert="horz" wrap="square" lIns="0" tIns="0" rIns="0" bIns="0" numCol="1" spcCol="1270" anchor="ctr" anchorCtr="0">
+          <a:noAutofit/>
+        </a:bodyPr>
+        <a:lstStyle/>
+        <a:p>
+          <a:pPr marL="0" lvl="0" indent="0" algn="ctr" defTabSz="711200">
+            <a:lnSpc>
+              <a:spcPct val="90000"/>
+            </a:lnSpc>
+            <a:spcBef>
+              <a:spcPct val="0"/>
+            </a:spcBef>
+            <a:spcAft>
+              <a:spcPct val="35000"/>
+            </a:spcAft>
+            <a:buNone/>
+          </a:pPr>
+          <a:endParaRPr lang="de-DE" sz="1600" kern="1200"/>
+        </a:p>
+      </dsp:txBody>
+      <dsp:txXfrm>
+        <a:off x="2713286" y="177859"/>
+        <a:ext cx="580128" cy="351290"/>
+      </dsp:txXfrm>
+    </dsp:sp>
+    <dsp:sp modelId="{239E82A2-6A00-9745-8628-656489F36569}">
+      <dsp:nvSpPr>
+        <dsp:cNvPr id="0" name=""/>
+        <dsp:cNvSpPr/>
+      </dsp:nvSpPr>
+      <dsp:spPr>
+        <a:xfrm>
+          <a:off x="3782776" y="65505"/>
+          <a:ext cx="2351617" cy="864000"/>
+        </a:xfrm>
+        <a:prstGeom prst="roundRect">
+          <a:avLst>
+            <a:gd name="adj" fmla="val 10000"/>
+          </a:avLst>
+        </a:prstGeom>
+        <a:solidFill>
+          <a:schemeClr val="accent1">
+            <a:hueOff val="0"/>
+            <a:satOff val="0"/>
+            <a:lumOff val="0"/>
+            <a:alphaOff val="0"/>
+          </a:schemeClr>
+        </a:solidFill>
+        <a:ln w="25400" cap="flat" cmpd="sng" algn="ctr">
+          <a:solidFill>
+            <a:schemeClr val="lt1">
+              <a:hueOff val="0"/>
+              <a:satOff val="0"/>
+              <a:lumOff val="0"/>
+              <a:alphaOff val="0"/>
+            </a:schemeClr>
+          </a:solidFill>
+          <a:prstDash val="solid"/>
+        </a:ln>
+        <a:effectLst/>
+      </dsp:spPr>
+      <dsp:style>
+        <a:lnRef idx="2">
+          <a:scrgbClr r="0" g="0" b="0"/>
+        </a:lnRef>
+        <a:fillRef idx="1">
+          <a:scrgbClr r="0" g="0" b="0"/>
+        </a:fillRef>
+        <a:effectRef idx="0">
+          <a:scrgbClr r="0" g="0" b="0"/>
+        </a:effectRef>
+        <a:fontRef idx="minor">
+          <a:schemeClr val="lt1"/>
+        </a:fontRef>
+      </dsp:style>
+      <dsp:txBody>
+        <a:bodyPr spcFirstLastPara="0" vert="horz" wrap="square" lIns="142240" tIns="142240" rIns="142240" bIns="76200" numCol="1" spcCol="1270" anchor="t" anchorCtr="0">
+          <a:noAutofit/>
+        </a:bodyPr>
+        <a:lstStyle/>
+        <a:p>
+          <a:pPr marL="0" lvl="0" indent="0" algn="l" defTabSz="889000">
+            <a:lnSpc>
+              <a:spcPct val="90000"/>
+            </a:lnSpc>
+            <a:spcBef>
+              <a:spcPct val="0"/>
+            </a:spcBef>
+            <a:spcAft>
+              <a:spcPct val="35000"/>
+            </a:spcAft>
+            <a:buNone/>
+          </a:pPr>
+          <a:r>
+            <a:rPr lang="de-DE" sz="2000" kern="1200" dirty="0" err="1"/>
+            <a:t>PageObjects</a:t>
+          </a:r>
+          <a:endParaRPr lang="de-DE" sz="2000" kern="1200" dirty="0"/>
+        </a:p>
+      </dsp:txBody>
+      <dsp:txXfrm>
+        <a:off x="3782776" y="65505"/>
+        <a:ext cx="2351617" cy="576000"/>
+      </dsp:txXfrm>
+    </dsp:sp>
+    <dsp:sp modelId="{E08162C6-7FB9-9F47-9612-90AE120CFEED}">
+      <dsp:nvSpPr>
+        <dsp:cNvPr id="0" name=""/>
+        <dsp:cNvSpPr/>
+      </dsp:nvSpPr>
+      <dsp:spPr>
+        <a:xfrm>
+          <a:off x="4264433" y="641505"/>
+          <a:ext cx="2351617" cy="2565000"/>
+        </a:xfrm>
+        <a:prstGeom prst="roundRect">
+          <a:avLst>
+            <a:gd name="adj" fmla="val 10000"/>
+          </a:avLst>
+        </a:prstGeom>
+        <a:solidFill>
+          <a:schemeClr val="lt1">
+            <a:alpha val="90000"/>
+            <a:hueOff val="0"/>
+            <a:satOff val="0"/>
+            <a:lumOff val="0"/>
+            <a:alphaOff val="0"/>
+          </a:schemeClr>
+        </a:solidFill>
+        <a:ln w="25400" cap="flat" cmpd="sng" algn="ctr">
+          <a:solidFill>
+            <a:schemeClr val="accent1">
+              <a:hueOff val="0"/>
+              <a:satOff val="0"/>
+              <a:lumOff val="0"/>
+              <a:alphaOff val="0"/>
+            </a:schemeClr>
+          </a:solidFill>
+          <a:prstDash val="solid"/>
+        </a:ln>
+        <a:effectLst/>
+      </dsp:spPr>
+      <dsp:style>
+        <a:lnRef idx="2">
+          <a:scrgbClr r="0" g="0" b="0"/>
+        </a:lnRef>
+        <a:fillRef idx="1">
+          <a:scrgbClr r="0" g="0" b="0"/>
+        </a:fillRef>
+        <a:effectRef idx="0">
+          <a:scrgbClr r="0" g="0" b="0"/>
+        </a:effectRef>
+        <a:fontRef idx="minor"/>
+      </dsp:style>
+      <dsp:txBody>
+        <a:bodyPr spcFirstLastPara="0" vert="horz" wrap="square" lIns="142240" tIns="142240" rIns="142240" bIns="142240" numCol="1" spcCol="1270" anchor="t" anchorCtr="0">
+          <a:noAutofit/>
+        </a:bodyPr>
+        <a:lstStyle/>
+        <a:p>
+          <a:pPr marL="228600" lvl="1" indent="-228600" algn="l" defTabSz="889000">
+            <a:lnSpc>
+              <a:spcPct val="90000"/>
+            </a:lnSpc>
+            <a:spcBef>
+              <a:spcPct val="0"/>
+            </a:spcBef>
+            <a:spcAft>
+              <a:spcPct val="15000"/>
+            </a:spcAft>
+            <a:buChar char="•"/>
+          </a:pPr>
+          <a:r>
+            <a:rPr lang="de-DE" sz="2000" kern="1200" dirty="0"/>
+            <a:t>Beinhaltet </a:t>
+          </a:r>
+          <a:r>
+            <a:rPr lang="de-DE" sz="2000" kern="1200" dirty="0" err="1"/>
+            <a:t>WebElemente</a:t>
+          </a:r>
+          <a:r>
+            <a:rPr lang="de-DE" sz="2000" kern="1200" dirty="0"/>
+            <a:t>, die per Name, </a:t>
+          </a:r>
+          <a:r>
+            <a:rPr lang="de-DE" sz="2000" kern="1200" dirty="0" err="1"/>
+            <a:t>id</a:t>
+          </a:r>
+          <a:r>
+            <a:rPr lang="de-DE" sz="2000" kern="1200" dirty="0"/>
+            <a:t>, </a:t>
+          </a:r>
+          <a:r>
+            <a:rPr lang="de-DE" sz="2000" kern="1200" dirty="0" err="1"/>
+            <a:t>className</a:t>
+          </a:r>
+          <a:r>
+            <a:rPr lang="de-DE" sz="2000" kern="1200" dirty="0"/>
+            <a:t>, </a:t>
+          </a:r>
+          <a:r>
+            <a:rPr lang="de-DE" sz="2000" kern="1200" dirty="0" err="1"/>
+            <a:t>xpath</a:t>
+          </a:r>
+          <a:r>
+            <a:rPr lang="de-DE" sz="2000" kern="1200" dirty="0"/>
+            <a:t>, … angesteuert werden können</a:t>
+          </a:r>
+        </a:p>
+      </dsp:txBody>
+      <dsp:txXfrm>
+        <a:off x="4333310" y="710382"/>
+        <a:ext cx="2213863" cy="2427246"/>
+      </dsp:txXfrm>
+    </dsp:sp>
+    <dsp:sp modelId="{5007FC8D-4FBE-4941-A6B9-6D0C40884710}">
+      <dsp:nvSpPr>
+        <dsp:cNvPr id="0" name=""/>
+        <dsp:cNvSpPr/>
+      </dsp:nvSpPr>
+      <dsp:spPr>
+        <a:xfrm>
+          <a:off x="6490890" y="60762"/>
+          <a:ext cx="755773" cy="585484"/>
+        </a:xfrm>
+        <a:prstGeom prst="rightArrow">
+          <a:avLst>
+            <a:gd name="adj1" fmla="val 60000"/>
+            <a:gd name="adj2" fmla="val 50000"/>
+          </a:avLst>
+        </a:prstGeom>
+        <a:solidFill>
+          <a:schemeClr val="accent1">
+            <a:tint val="60000"/>
+            <a:hueOff val="0"/>
+            <a:satOff val="0"/>
+            <a:lumOff val="0"/>
+            <a:alphaOff val="0"/>
+          </a:schemeClr>
+        </a:solidFill>
+        <a:ln>
+          <a:noFill/>
+        </a:ln>
+        <a:effectLst/>
+      </dsp:spPr>
+      <dsp:style>
+        <a:lnRef idx="0">
+          <a:scrgbClr r="0" g="0" b="0"/>
+        </a:lnRef>
+        <a:fillRef idx="1">
+          <a:scrgbClr r="0" g="0" b="0"/>
+        </a:fillRef>
+        <a:effectRef idx="0">
+          <a:scrgbClr r="0" g="0" b="0"/>
+        </a:effectRef>
+        <a:fontRef idx="minor">
+          <a:schemeClr val="lt1"/>
+        </a:fontRef>
+      </dsp:style>
+      <dsp:txBody>
+        <a:bodyPr spcFirstLastPara="0" vert="horz" wrap="square" lIns="0" tIns="0" rIns="0" bIns="0" numCol="1" spcCol="1270" anchor="ctr" anchorCtr="0">
+          <a:noAutofit/>
+        </a:bodyPr>
+        <a:lstStyle/>
+        <a:p>
+          <a:pPr marL="0" lvl="0" indent="0" algn="ctr" defTabSz="711200">
+            <a:lnSpc>
+              <a:spcPct val="90000"/>
+            </a:lnSpc>
+            <a:spcBef>
+              <a:spcPct val="0"/>
+            </a:spcBef>
+            <a:spcAft>
+              <a:spcPct val="35000"/>
+            </a:spcAft>
+            <a:buNone/>
+          </a:pPr>
+          <a:endParaRPr lang="de-DE" sz="1600" kern="1200"/>
+        </a:p>
+      </dsp:txBody>
+      <dsp:txXfrm>
+        <a:off x="6490890" y="177859"/>
+        <a:ext cx="580128" cy="351290"/>
+      </dsp:txXfrm>
+    </dsp:sp>
+    <dsp:sp modelId="{5D1D52D0-6583-9348-99C1-79E9A1CF8FD4}">
+      <dsp:nvSpPr>
+        <dsp:cNvPr id="0" name=""/>
+        <dsp:cNvSpPr/>
+      </dsp:nvSpPr>
+      <dsp:spPr>
+        <a:xfrm>
+          <a:off x="7560380" y="65505"/>
+          <a:ext cx="2351617" cy="864000"/>
+        </a:xfrm>
+        <a:prstGeom prst="roundRect">
+          <a:avLst>
+            <a:gd name="adj" fmla="val 10000"/>
+          </a:avLst>
+        </a:prstGeom>
+        <a:solidFill>
+          <a:schemeClr val="accent1">
+            <a:hueOff val="0"/>
+            <a:satOff val="0"/>
+            <a:lumOff val="0"/>
+            <a:alphaOff val="0"/>
+          </a:schemeClr>
+        </a:solidFill>
+        <a:ln w="25400" cap="flat" cmpd="sng" algn="ctr">
+          <a:solidFill>
+            <a:schemeClr val="lt1">
+              <a:hueOff val="0"/>
+              <a:satOff val="0"/>
+              <a:lumOff val="0"/>
+              <a:alphaOff val="0"/>
+            </a:schemeClr>
+          </a:solidFill>
+          <a:prstDash val="solid"/>
+        </a:ln>
+        <a:effectLst/>
+      </dsp:spPr>
+      <dsp:style>
+        <a:lnRef idx="2">
+          <a:scrgbClr r="0" g="0" b="0"/>
+        </a:lnRef>
+        <a:fillRef idx="1">
+          <a:scrgbClr r="0" g="0" b="0"/>
+        </a:fillRef>
+        <a:effectRef idx="0">
+          <a:scrgbClr r="0" g="0" b="0"/>
+        </a:effectRef>
+        <a:fontRef idx="minor">
+          <a:schemeClr val="lt1"/>
+        </a:fontRef>
+      </dsp:style>
+      <dsp:txBody>
+        <a:bodyPr spcFirstLastPara="0" vert="horz" wrap="square" lIns="142240" tIns="142240" rIns="142240" bIns="76200" numCol="1" spcCol="1270" anchor="t" anchorCtr="0">
+          <a:noAutofit/>
+        </a:bodyPr>
+        <a:lstStyle/>
+        <a:p>
+          <a:pPr marL="0" lvl="0" indent="0" algn="l" defTabSz="889000">
+            <a:lnSpc>
+              <a:spcPct val="90000"/>
+            </a:lnSpc>
+            <a:spcBef>
+              <a:spcPct val="0"/>
+            </a:spcBef>
+            <a:spcAft>
+              <a:spcPct val="35000"/>
+            </a:spcAft>
+            <a:buNone/>
+          </a:pPr>
+          <a:r>
+            <a:rPr lang="de-DE" sz="2000" kern="1200" dirty="0"/>
+            <a:t>Browser</a:t>
+          </a:r>
+        </a:p>
+      </dsp:txBody>
+      <dsp:txXfrm>
+        <a:off x="7560380" y="65505"/>
+        <a:ext cx="2351617" cy="576000"/>
+      </dsp:txXfrm>
+    </dsp:sp>
+    <dsp:sp modelId="{987979C1-E718-6841-8AF8-938B1A4A9961}">
+      <dsp:nvSpPr>
+        <dsp:cNvPr id="0" name=""/>
+        <dsp:cNvSpPr/>
+      </dsp:nvSpPr>
+      <dsp:spPr>
+        <a:xfrm>
+          <a:off x="8042037" y="641505"/>
+          <a:ext cx="2351617" cy="2565000"/>
+        </a:xfrm>
+        <a:prstGeom prst="roundRect">
+          <a:avLst>
+            <a:gd name="adj" fmla="val 10000"/>
+          </a:avLst>
+        </a:prstGeom>
+        <a:solidFill>
+          <a:schemeClr val="lt1">
+            <a:alpha val="90000"/>
+            <a:hueOff val="0"/>
+            <a:satOff val="0"/>
+            <a:lumOff val="0"/>
+            <a:alphaOff val="0"/>
+          </a:schemeClr>
+        </a:solidFill>
+        <a:ln w="25400" cap="flat" cmpd="sng" algn="ctr">
+          <a:solidFill>
+            <a:schemeClr val="accent1">
+              <a:hueOff val="0"/>
+              <a:satOff val="0"/>
+              <a:lumOff val="0"/>
+              <a:alphaOff val="0"/>
+            </a:schemeClr>
+          </a:solidFill>
+          <a:prstDash val="solid"/>
+        </a:ln>
+        <a:effectLst/>
+      </dsp:spPr>
+      <dsp:style>
+        <a:lnRef idx="2">
+          <a:scrgbClr r="0" g="0" b="0"/>
+        </a:lnRef>
+        <a:fillRef idx="1">
+          <a:scrgbClr r="0" g="0" b="0"/>
+        </a:fillRef>
+        <a:effectRef idx="0">
+          <a:scrgbClr r="0" g="0" b="0"/>
+        </a:effectRef>
+        <a:fontRef idx="minor"/>
+      </dsp:style>
+      <dsp:txBody>
+        <a:bodyPr spcFirstLastPara="0" vert="horz" wrap="square" lIns="142240" tIns="142240" rIns="142240" bIns="142240" numCol="1" spcCol="1270" anchor="t" anchorCtr="0">
+          <a:noAutofit/>
+        </a:bodyPr>
+        <a:lstStyle/>
+        <a:p>
+          <a:pPr marL="228600" lvl="1" indent="-228600" algn="l" defTabSz="889000">
+            <a:lnSpc>
+              <a:spcPct val="90000"/>
+            </a:lnSpc>
+            <a:spcBef>
+              <a:spcPct val="0"/>
+            </a:spcBef>
+            <a:spcAft>
+              <a:spcPct val="15000"/>
+            </a:spcAft>
+            <a:buChar char="•"/>
+          </a:pPr>
+          <a:r>
+            <a:rPr lang="de-DE" sz="2000" kern="1200" dirty="0" err="1"/>
+            <a:t>PageSteps</a:t>
+          </a:r>
+          <a:r>
+            <a:rPr lang="de-DE" sz="2000" kern="1200" dirty="0"/>
+            <a:t> interagieren über die </a:t>
+          </a:r>
+          <a:r>
+            <a:rPr lang="de-DE" sz="2000" kern="1200" dirty="0" err="1"/>
+            <a:t>WebElemente</a:t>
+          </a:r>
+          <a:r>
+            <a:rPr lang="de-DE" sz="2000" kern="1200" dirty="0"/>
+            <a:t> des </a:t>
+          </a:r>
+          <a:r>
+            <a:rPr lang="de-DE" sz="2000" kern="1200" dirty="0" err="1"/>
+            <a:t>PageObject</a:t>
+          </a:r>
+          <a:r>
+            <a:rPr lang="de-DE" sz="2000" kern="1200" dirty="0"/>
+            <a:t> auf dem Browser</a:t>
+          </a:r>
+        </a:p>
+      </dsp:txBody>
+      <dsp:txXfrm>
+        <a:off x="8110914" y="710382"/>
+        <a:ext cx="2213863" cy="2427246"/>
+      </dsp:txXfrm>
+    </dsp:sp>
+  </dsp:spTree>
+</dsp:drawing>
+</file>
+
+<file path=ppt/diagrams/layout1.xml><?xml version="1.0" encoding="utf-8"?>
+<dgm:layoutDef xmlns:dgm="http://schemas.openxmlformats.org/drawingml/2006/diagram" xmlns:a="http://schemas.openxmlformats.org/drawingml/2006/main" uniqueId="urn:microsoft.com/office/officeart/2005/8/layout/process3">
+  <dgm:title val=""/>
+  <dgm:desc val=""/>
+  <dgm:catLst>
+    <dgm:cat type="process" pri="2000"/>
+  </dgm:catLst>
+  <dgm:sampData>
+    <dgm:dataModel>
+      <dgm:ptLst>
+        <dgm:pt modelId="0" type="doc"/>
+        <dgm:pt modelId="1">
+          <dgm:prSet phldr="1"/>
+        </dgm:pt>
+        <dgm:pt modelId="11">
+          <dgm:prSet phldr="1"/>
+        </dgm:pt>
+        <dgm:pt modelId="2">
+          <dgm:prSet phldr="1"/>
+        </dgm:pt>
+        <dgm:pt modelId="21">
+          <dgm:prSet phldr="1"/>
+        </dgm:pt>
+        <dgm:pt modelId="3">
+          <dgm:prSet phldr="1"/>
+        </dgm:pt>
+        <dgm:pt modelId="31">
+          <dgm:prSet phldr="1"/>
+        </dgm:pt>
+      </dgm:ptLst>
+      <dgm:cxnLst>
+        <dgm:cxn modelId="4" srcId="0" destId="1" srcOrd="0" destOrd="0"/>
+        <dgm:cxn modelId="5" srcId="0" destId="2" srcOrd="1" destOrd="0"/>
+        <dgm:cxn modelId="6" srcId="0" destId="3" srcOrd="3" destOrd="0"/>
+        <dgm:cxn modelId="12" srcId="1" destId="11" srcOrd="0" destOrd="0"/>
+        <dgm:cxn modelId="23" srcId="2" destId="21" srcOrd="0" destOrd="0"/>
+        <dgm:cxn modelId="34" srcId="3" destId="31" srcOrd="0" destOrd="0"/>
+      </dgm:cxnLst>
+      <dgm:bg/>
+      <dgm:whole/>
+    </dgm:dataModel>
+  </dgm:sampData>
+  <dgm:styleData>
+    <dgm:dataModel>
+      <dgm:ptLst>
+        <dgm:pt modelId="0" type="doc"/>
+        <dgm:pt modelId="1">
+          <dgm:prSet phldr="1"/>
+        </dgm:pt>
+        <dgm:pt modelId="11">
+          <dgm:prSet phldr="1"/>
+        </dgm:pt>
+        <dgm:pt modelId="2">
+          <dgm:prSet phldr="1"/>
+        </dgm:pt>
+        <dgm:pt modelId="21">
+          <dgm:prSet phldr="1"/>
+        </dgm:pt>
+      </dgm:ptLst>
+      <dgm:cxnLst>
+        <dgm:cxn modelId="4" srcId="0" destId="1" srcOrd="0" destOrd="0"/>
+        <dgm:cxn modelId="5" srcId="0" destId="2" srcOrd="1" destOrd="0"/>
+        <dgm:cxn modelId="13" srcId="1" destId="11" srcOrd="0" destOrd="0"/>
+        <dgm:cxn modelId="23" srcId="2" destId="21" srcOrd="0" destOrd="0"/>
+      </dgm:cxnLst>
+      <dgm:bg/>
+      <dgm:whole/>
+    </dgm:dataModel>
+  </dgm:styleData>
+  <dgm:clrData>
+    <dgm:dataModel>
+      <dgm:ptLst>
+        <dgm:pt modelId="0" type="doc"/>
+        <dgm:pt modelId="1">
+          <dgm:prSet phldr="1"/>
+        </dgm:pt>
+        <dgm:pt modelId="11">
+          <dgm:prSet phldr="1"/>
+        </dgm:pt>
+        <dgm:pt modelId="2">
+          <dgm:prSet phldr="1"/>
+        </dgm:pt>
+        <dgm:pt modelId="21">
+          <dgm:prSet phldr="1"/>
+        </dgm:pt>
+        <dgm:pt modelId="3">
+          <dgm:prSet phldr="1"/>
+        </dgm:pt>
+        <dgm:pt modelId="31">
+          <dgm:prSet phldr="1"/>
+        </dgm:pt>
+        <dgm:pt modelId="4">
+          <dgm:prSet phldr="1"/>
+        </dgm:pt>
+        <dgm:pt modelId="41">
+          <dgm:prSet phldr="1"/>
+        </dgm:pt>
+      </dgm:ptLst>
+      <dgm:cxnLst>
+        <dgm:cxn modelId="5" srcId="0" destId="1" srcOrd="0" destOrd="0"/>
+        <dgm:cxn modelId="6" srcId="0" destId="2" srcOrd="1" destOrd="0"/>
+        <dgm:cxn modelId="7" srcId="0" destId="3" srcOrd="2" destOrd="0"/>
+        <dgm:cxn modelId="8" srcId="0" destId="4" srcOrd="3" destOrd="0"/>
+        <dgm:cxn modelId="13" srcId="1" destId="11" srcOrd="0" destOrd="0"/>
+        <dgm:cxn modelId="23" srcId="2" destId="21" srcOrd="0" destOrd="0"/>
+        <dgm:cxn modelId="33" srcId="3" destId="31" srcOrd="0" destOrd="0"/>
+        <dgm:cxn modelId="43" srcId="4" destId="41" srcOrd="0" destOrd="0"/>
+      </dgm:cxnLst>
+      <dgm:bg/>
+      <dgm:whole/>
+    </dgm:dataModel>
+  </dgm:clrData>
+  <dgm:layoutNode name="linearFlow">
+    <dgm:varLst>
+      <dgm:dir/>
+      <dgm:animLvl val="lvl"/>
+      <dgm:resizeHandles val="exact"/>
+    </dgm:varLst>
+    <dgm:choose name="Name0">
+      <dgm:if name="Name1" func="var" arg="dir" op="equ" val="norm">
+        <dgm:alg type="lin"/>
+      </dgm:if>
+      <dgm:else name="Name2">
+        <dgm:alg type="lin">
+          <dgm:param type="linDir" val="fromR"/>
+        </dgm:alg>
+      </dgm:else>
+    </dgm:choose>
+    <dgm:shape xmlns:r="http://schemas.openxmlformats.org/officeDocument/2006/relationships" r:blip="">
+      <dgm:adjLst/>
+    </dgm:shape>
+    <dgm:presOf/>
+    <dgm:constrLst>
+      <dgm:constr type="w" for="ch" forName="composite" refType="w"/>
+      <dgm:constr type="w" for="ch" ptType="sibTrans" refType="w" refFor="ch" refForName="composite" fact="0.3333"/>
+      <dgm:constr type="w" for="des" forName="parTx"/>
+      <dgm:constr type="h" for="des" forName="parTx" op="equ"/>
+      <dgm:constr type="h" for="des" forName="parSh" op="equ"/>
+      <dgm:constr type="w" for="des" forName="desTx"/>
+      <dgm:constr type="h" for="des" forName="desTx" op="equ"/>
+      <dgm:constr type="w" for="des" forName="parSh"/>
+      <dgm:constr type="primFontSz" for="des" forName="parTx" val="65"/>
+      <dgm:constr type="secFontSz" for="des" forName="desTx" refType="primFontSz" refFor="des" refForName="parTx" op="equ"/>
+      <dgm:constr type="primFontSz" for="des" forName="connTx" refType="primFontSz" refFor="des" refForName="parTx" fact="0.8"/>
+      <dgm:constr type="primFontSz" for="des" forName="connTx" refType="primFontSz" refFor="des" refForName="parTx" op="lte" fact="0.8"/>
+      <dgm:constr type="h" for="des" forName="parTx" refType="primFontSz" refFor="des" refForName="parTx" fact="0.8"/>
+      <dgm:constr type="h" for="des" forName="parSh" refType="primFontSz" refFor="des" refForName="parTx" fact="1.2"/>
+      <dgm:constr type="h" for="des" forName="desTx" refType="primFontSz" refFor="des" refForName="parTx" fact="1.6"/>
+      <dgm:constr type="h" for="des" forName="parSh" refType="h" refFor="des" refForName="parTx" op="lte" fact="1.5"/>
+      <dgm:constr type="h" for="des" forName="parSh" refType="h" refFor="des" refForName="parTx" op="gte" fact="1.5"/>
+    </dgm:constrLst>
+    <dgm:ruleLst>
+      <dgm:rule type="w" for="ch" forName="composite" val="0" fact="NaN" max="NaN"/>
+      <dgm:rule type="primFontSz" for="des" forName="parTx" val="5" fact="NaN" max="NaN"/>
+    </dgm:ruleLst>
+    <dgm:forEach name="Name3" axis="ch" ptType="node">
+      <dgm:layoutNode name="composite">
+        <dgm:alg type="composite"/>
+        <dgm:shape xmlns:r="http://schemas.openxmlformats.org/officeDocument/2006/relationships" r:blip="">
+          <dgm:adjLst/>
+        </dgm:shape>
+        <dgm:presOf/>
+        <dgm:choose name="Name4">
+          <dgm:if name="Name5" func="var" arg="dir" op="equ" val="norm">
+            <dgm:constrLst>
+              <dgm:constr type="h" refType="w" fact="1000"/>
+              <dgm:constr type="l" for="ch" forName="parTx"/>
+              <dgm:constr type="w" for="ch" forName="parTx" refType="w" fact="0.83"/>
+              <dgm:constr type="t" for="ch" forName="parTx"/>
+              <dgm:constr type="l" for="ch" forName="parSh"/>
+              <dgm:constr type="w" for="ch" forName="parSh" refType="w" refFor="ch" refForName="parTx"/>
+              <dgm:constr type="t" for="ch" forName="parSh"/>
+              <dgm:constr type="l" for="ch" forName="desTx" refType="w" fact="0.17"/>
+              <dgm:constr type="w" for="ch" forName="desTx" refType="w" refFor="ch" refForName="parTx"/>
+              <dgm:constr type="t" for="ch" forName="desTx" refType="h" refFor="ch" refForName="parTx"/>
+            </dgm:constrLst>
+          </dgm:if>
+          <dgm:else name="Name6">
+            <dgm:constrLst>
+              <dgm:constr type="h" refType="w" fact="1000"/>
+              <dgm:constr type="l" for="ch" forName="parTx" refType="w" fact="0.17"/>
+              <dgm:constr type="w" for="ch" forName="parTx" refType="w" fact="0.83"/>
+              <dgm:constr type="t" for="ch" forName="parTx"/>
+              <dgm:constr type="l" for="ch" forName="parSh" refType="w" fact="0.15"/>
+              <dgm:constr type="w" for="ch" forName="parSh" refType="w" refFor="ch" refForName="parTx"/>
+              <dgm:constr type="t" for="ch" forName="parSh"/>
+              <dgm:constr type="l" for="ch" forName="desTx"/>
+              <dgm:constr type="w" for="ch" forName="desTx" refType="w" refFor="ch" refForName="parTx"/>
+              <dgm:constr type="t" for="ch" forName="desTx" refType="h" refFor="ch" refForName="parTx"/>
+            </dgm:constrLst>
+          </dgm:else>
+        </dgm:choose>
+        <dgm:ruleLst>
+          <dgm:rule type="h" val="INF" fact="NaN" max="NaN"/>
+        </dgm:ruleLst>
+        <dgm:layoutNode name="parTx">
+          <dgm:varLst>
+            <dgm:chMax val="0"/>
+            <dgm:chPref val="0"/>
+            <dgm:bulletEnabled val="1"/>
+          </dgm:varLst>
+          <dgm:alg type="tx">
+            <dgm:param type="parTxLTRAlign" val="l"/>
+            <dgm:param type="parTxRTLAlign" val="r"/>
+            <dgm:param type="txAnchorVert" val="t"/>
+          </dgm:alg>
+          <dgm:shape xmlns:r="http://schemas.openxmlformats.org/officeDocument/2006/relationships" type="rect" r:blip="" zOrderOff="1" hideGeom="1">
+            <dgm:adjLst>
+              <dgm:adj idx="1" val="0.1"/>
+            </dgm:adjLst>
+          </dgm:shape>
+          <dgm:presOf axis="self" ptType="node"/>
+          <dgm:constrLst>
+            <dgm:constr type="h" refType="w" op="lte" fact="0.4"/>
+            <dgm:constr type="bMarg" refType="primFontSz" fact="0.3"/>
+            <dgm:constr type="h"/>
+          </dgm:constrLst>
+          <dgm:ruleLst>
+            <dgm:rule type="h" val="INF" fact="NaN" max="NaN"/>
+          </dgm:ruleLst>
+        </dgm:layoutNode>
+        <dgm:layoutNode name="parSh">
+          <dgm:alg type="sp"/>
+          <dgm:shape xmlns:r="http://schemas.openxmlformats.org/officeDocument/2006/relationships" type="roundRect" r:blip="">
+            <dgm:adjLst>
+              <dgm:adj idx="1" val="0.1"/>
+            </dgm:adjLst>
+          </dgm:shape>
+          <dgm:presOf axis="self" ptType="node"/>
+          <dgm:constrLst>
+            <dgm:constr type="h"/>
+          </dgm:constrLst>
+          <dgm:ruleLst/>
+        </dgm:layoutNode>
+        <dgm:layoutNode name="desTx" styleLbl="fgAcc1">
+          <dgm:varLst>
+            <dgm:bulletEnabled val="1"/>
+          </dgm:varLst>
+          <dgm:alg type="tx">
+            <dgm:param type="stBulletLvl" val="1"/>
+          </dgm:alg>
+          <dgm:shape xmlns:r="http://schemas.openxmlformats.org/officeDocument/2006/relationships" type="roundRect" r:blip="">
+            <dgm:adjLst>
+              <dgm:adj idx="1" val="0.1"/>
+            </dgm:adjLst>
+          </dgm:shape>
+          <dgm:presOf axis="des" ptType="node"/>
+          <dgm:constrLst>
+            <dgm:constr type="secFontSz" val="65"/>
+            <dgm:constr type="primFontSz" refType="secFontSz"/>
+            <dgm:constr type="h"/>
+          </dgm:constrLst>
+          <dgm:ruleLst>
+            <dgm:rule type="h" val="INF" fact="NaN" max="NaN"/>
+          </dgm:ruleLst>
+        </dgm:layoutNode>
+      </dgm:layoutNode>
+      <dgm:forEach name="sibTransForEach" axis="followSib" ptType="sibTrans" cnt="1">
+        <dgm:layoutNode name="sibTrans">
+          <dgm:alg type="conn">
+            <dgm:param type="begPts" val="auto"/>
+            <dgm:param type="endPts" val="auto"/>
+            <dgm:param type="srcNode" val="parTx"/>
+            <dgm:param type="dstNode" val="parTx"/>
+          </dgm:alg>
+          <dgm:shape xmlns:r="http://schemas.openxmlformats.org/officeDocument/2006/relationships" type="conn" r:blip="">
+            <dgm:adjLst/>
+          </dgm:shape>
+          <dgm:presOf axis="self"/>
+          <dgm:constrLst>
+            <dgm:constr type="h" refType="w" fact="0.62"/>
+            <dgm:constr type="connDist"/>
+            <dgm:constr type="begPad" refType="connDist" fact="0.25"/>
+            <dgm:constr type="endPad" refType="connDist" fact="0.22"/>
+          </dgm:constrLst>
+          <dgm:ruleLst/>
+          <dgm:layoutNode name="connTx">
+            <dgm:alg type="tx">
+              <dgm:param type="autoTxRot" val="grav"/>
+            </dgm:alg>
+            <dgm:shape xmlns:r="http://schemas.openxmlformats.org/officeDocument/2006/relationships" type="conn" r:blip="" hideGeom="1">
+              <dgm:adjLst/>
+            </dgm:shape>
+            <dgm:presOf axis="self"/>
+            <dgm:constrLst>
+              <dgm:constr type="lMarg"/>
+              <dgm:constr type="rMarg"/>
+              <dgm:constr type="tMarg"/>
+              <dgm:constr type="bMarg"/>
+            </dgm:constrLst>
+            <dgm:ruleLst>
+              <dgm:rule type="primFontSz" val="5" fact="NaN" max="NaN"/>
+            </dgm:ruleLst>
+          </dgm:layoutNode>
+        </dgm:layoutNode>
+      </dgm:forEach>
+    </dgm:forEach>
+  </dgm:layoutNode>
+</dgm:layoutDef>
+</file>
+
+<file path=ppt/diagrams/quickStyle1.xml><?xml version="1.0" encoding="utf-8"?>
+<dgm:styleDef xmlns:dgm="http://schemas.openxmlformats.org/drawingml/2006/diagram" xmlns:a="http://schemas.openxmlformats.org/drawingml/2006/main" uniqueId="urn:microsoft.com/office/officeart/2005/8/quickstyle/simple1">
+  <dgm:title val=""/>
+  <dgm:desc val=""/>
+  <dgm:catLst>
+    <dgm:cat type="simple" pri="10100"/>
+  </dgm:catLst>
+  <dgm:scene3d>
+    <a:camera prst="orthographicFront"/>
+    <a:lightRig rig="threePt" dir="t"/>
+  </dgm:scene3d>
+  <dgm:styleLbl name="node0">
+    <dgm:scene3d>
+      <a:camera prst="orthographicFront"/>
+      <a:lightRig rig="threePt" dir="t"/>
+    </dgm:scene3d>
+    <dgm:sp3d/>
+    <dgm:txPr/>
+    <dgm:style>
+      <a:lnRef idx="2">
+        <a:scrgbClr r="0" g="0" b="0"/>
+      </a:lnRef>
+      <a:fillRef idx="1">
+        <a:scrgbClr r="0" g="0" b="0"/>
+      </a:fillRef>
+      <a:effectRef idx="0">
+        <a:scrgbClr r="0" g="0" b="0"/>
+      </a:effectRef>
+      <a:fontRef idx="minor">
+        <a:schemeClr val="lt1"/>
+      </a:fontRef>
+    </dgm:style>
+  </dgm:styleLbl>
+  <dgm:styleLbl name="lnNode1">
+    <dgm:scene3d>
+      <a:camera prst="orthographicFront"/>
+      <a:lightRig rig="threePt" dir="t"/>
+    </dgm:scene3d>
+    <dgm:sp3d/>
+    <dgm:txPr/>
+    <dgm:style>
+      <a:lnRef idx="2">
+        <a:scrgbClr r="0" g="0" b="0"/>
+      </a:lnRef>
+      <a:fillRef idx="1">
+        <a:scrgbClr r="0" g="0" b="0"/>
+      </a:fillRef>
+      <a:effectRef idx="0">
+        <a:scrgbClr r="0" g="0" b="0"/>
+      </a:effectRef>
+      <a:fontRef idx="minor">
+        <a:schemeClr val="lt1"/>
+      </a:fontRef>
+    </dgm:style>
+  </dgm:styleLbl>
+  <dgm:styleLbl name="vennNode1">
+    <dgm:scene3d>
+      <a:camera prst="orthographicFront"/>
+      <a:lightRig rig="threePt" dir="t"/>
+    </dgm:scene3d>
+    <dgm:sp3d/>
+    <dgm:txPr/>
+    <dgm:style>
+      <a:lnRef idx="2">
+        <a:scrgbClr r="0" g="0" b="0"/>
+      </a:lnRef>
+      <a:fillRef idx="1">
+        <a:scrgbClr r="0" g="0" b="0"/>
+      </a:fillRef>
+      <a:effectRef idx="0">
+        <a:scrgbClr r="0" g="0" b="0"/>
+      </a:effectRef>
+      <a:fontRef idx="minor">
+        <a:schemeClr val="tx1"/>
+      </a:fontRef>
+    </dgm:style>
+  </dgm:styleLbl>
+  <dgm:styleLbl name="alignNode1">
+    <dgm:scene3d>
+      <a:camera prst="orthographicFront"/>
+      <a:lightRig rig="threePt" dir="t"/>
+    </dgm:scene3d>
+    <dgm:sp3d/>
+    <dgm:txPr/>
+    <dgm:style>
+      <a:lnRef idx="2">
+        <a:scrgbClr r="0" g="0" b="0"/>
+      </a:lnRef>
+      <a:fillRef idx="1">
+        <a:scrgbClr r="0" g="0" b="0"/>
+      </a:fillRef>
+      <a:effectRef idx="0">
+        <a:scrgbClr r="0" g="0" b="0"/>
+      </a:effectRef>
+      <a:fontRef idx="minor">
+        <a:schemeClr val="lt1"/>
+      </a:fontRef>
+    </dgm:style>
+  </dgm:styleLbl>
+  <dgm:styleLbl name="node1">
+    <dgm:scene3d>
+      <a:camera prst="orthographicFront"/>
+      <a:lightRig rig="threePt" dir="t"/>
+    </dgm:scene3d>
+    <dgm:sp3d/>
+    <dgm:txPr/>
+    <dgm:style>
+      <a:lnRef idx="2">
+        <a:scrgbClr r="0" g="0" b="0"/>
+      </a:lnRef>
+      <a:fillRef idx="1">
+        <a:scrgbClr r="0" g="0" b="0"/>
+      </a:fillRef>
+      <a:effectRef idx="0">
+        <a:scrgbClr r="0" g="0" b="0"/>
+      </a:effectRef>
+      <a:fontRef idx="minor">
+        <a:schemeClr val="lt1"/>
+      </a:fontRef>
+    </dgm:style>
+  </dgm:styleLbl>
+  <dgm:styleLbl name="node2">
+    <dgm:scene3d>
+      <a:camera prst="orthographicFront"/>
+      <a:lightRig rig="threePt" dir="t"/>
+    </dgm:scene3d>
+    <dgm:sp3d/>
+    <dgm:txPr/>
+    <dgm:style>
+      <a:lnRef idx="2">
+        <a:scrgbClr r="0" g="0" b="0"/>
+      </a:lnRef>
+      <a:fillRef idx="1">
+        <a:scrgbClr r="0" g="0" b="0"/>
+      </a:fillRef>
+      <a:effectRef idx="0">
+        <a:scrgbClr r="0" g="0" b="0"/>
+      </a:effectRef>
+      <a:fontRef idx="minor">
+        <a:schemeClr val="lt1"/>
+      </a:fontRef>
+    </dgm:style>
+  </dgm:styleLbl>
+  <dgm:styleLbl name="node3">
+    <dgm:scene3d>
+      <a:camera prst="orthographicFront"/>
+      <a:lightRig rig="threePt" dir="t"/>
+    </dgm:scene3d>
+    <dgm:sp3d/>
+    <dgm:txPr/>
+    <dgm:style>
+      <a:lnRef idx="2">
+        <a:scrgbClr r="0" g="0" b="0"/>
+      </a:lnRef>
+      <a:fillRef idx="1">
+        <a:scrgbClr r="0" g="0" b="0"/>
+      </a:fillRef>
+      <a:effectRef idx="0">
+        <a:scrgbClr r="0" g="0" b="0"/>
+      </a:effectRef>
+      <a:fontRef idx="minor">
+        <a:schemeClr val="lt1"/>
+      </a:fontRef>
+    </dgm:style>
+  </dgm:styleLbl>
+  <dgm:styleLbl name="node4">
+    <dgm:scene3d>
+      <a:camera prst="orthographicFront"/>
+      <a:lightRig rig="threePt" dir="t"/>
+    </dgm:scene3d>
+    <dgm:sp3d/>
+    <dgm:txPr/>
+    <dgm:style>
+      <a:lnRef idx="2">
+        <a:scrgbClr r="0" g="0" b="0"/>
+      </a:lnRef>
+      <a:fillRef idx="1">
+        <a:scrgbClr r="0" g="0" b="0"/>
+      </a:fillRef>
+      <a:effectRef idx="0">
+        <a:scrgbClr r="0" g="0" b="0"/>
+      </a:effectRef>
+      <a:fontRef idx="minor">
+        <a:schemeClr val="lt1"/>
+      </a:fontRef>
+    </dgm:style>
+  </dgm:styleLbl>
+  <dgm:styleLbl name="fgImgPlace1">
+    <dgm:scene3d>
+      <a:camera prst="orthographicFront"/>
+      <a:lightRig rig="threePt" dir="t"/>
+    </dgm:scene3d>
+    <dgm:sp3d/>
+    <dgm:txPr/>
+    <dgm:style>
+      <a:lnRef idx="2">
+        <a:scrgbClr r="0" g="0" b="0"/>
+      </a:lnRef>
+      <a:fillRef idx="1">
+        <a:scrgbClr r="0" g="0" b="0"/>
+      </a:fillRef>
+      <a:effectRef idx="0">
+        <a:scrgbClr r="0" g="0" b="0"/>
+      </a:effectRef>
+      <a:fontRef idx="minor"/>
+    </dgm:style>
+  </dgm:styleLbl>
+  <dgm:styleLbl name="alignImgPlace1">
+    <dgm:scene3d>
+      <a:camera prst="orthographicFront"/>
+      <a:lightRig rig="threePt" dir="t"/>
+    </dgm:scene3d>
+    <dgm:sp3d/>
+    <dgm:txPr/>
+    <dgm:style>
+      <a:lnRef idx="2">
+        <a:scrgbClr r="0" g="0" b="0"/>
+      </a:lnRef>
+      <a:fillRef idx="1">
+        <a:scrgbClr r="0" g="0" b="0"/>
+      </a:fillRef>
+      <a:effectRef idx="0">
+        <a:scrgbClr r="0" g="0" b="0"/>
+      </a:effectRef>
+      <a:fontRef idx="minor"/>
+    </dgm:style>
+  </dgm:styleLbl>
+  <dgm:styleLbl name="bgImgPlace1">
+    <dgm:scene3d>
+      <a:camera prst="orthographicFront"/>
+      <a:lightRig rig="threePt" dir="t"/>
+    </dgm:scene3d>
+    <dgm:sp3d/>
+    <dgm:txPr/>
+    <dgm:style>
+      <a:lnRef idx="2">
+        <a:scrgbClr r="0" g="0" b="0"/>
+      </a:lnRef>
+      <a:fillRef idx="1">
+        <a:scrgbClr r="0" g="0" b="0"/>
+      </a:fillRef>
+      <a:effectRef idx="0">
+        <a:scrgbClr r="0" g="0" b="0"/>
+      </a:effectRef>
+      <a:fontRef idx="minor"/>
+    </dgm:style>
+  </dgm:styleLbl>
+  <dgm:styleLbl name="sibTrans2D1">
+    <dgm:scene3d>
+      <a:camera prst="orthographicFront"/>
+      <a:lightRig rig="threePt" dir="t"/>
+    </dgm:scene3d>
+    <dgm:sp3d/>
+    <dgm:txPr/>
+    <dgm:style>
+      <a:lnRef idx="0">
+        <a:scrgbClr r="0" g="0" b="0"/>
+      </a:lnRef>
+      <a:fillRef idx="1">
+        <a:scrgbClr r="0" g="0" b="0"/>
+      </a:fillRef>
+      <a:effectRef idx="0">
+        <a:scrgbClr r="0" g="0" b="0"/>
+      </a:effectRef>
+      <a:fontRef idx="minor">
+        <a:schemeClr val="lt1"/>
+      </a:fontRef>
+    </dgm:style>
+  </dgm:styleLbl>
+  <dgm:styleLbl name="fgSibTrans2D1">
+    <dgm:scene3d>
+      <a:camera prst="orthographicFront"/>
+      <a:lightRig rig="threePt" dir="t"/>
+    </dgm:scene3d>
+    <dgm:sp3d/>
+    <dgm:txPr/>
+    <dgm:style>
+      <a:lnRef idx="0">
+        <a:scrgbClr r="0" g="0" b="0"/>
+      </a:lnRef>
+      <a:fillRef idx="1">
+        <a:scrgbClr r="0" g="0" b="0"/>
+      </a:fillRef>
+      <a:effectRef idx="0">
+        <a:scrgbClr r="0" g="0" b="0"/>
+      </a:effectRef>
+      <a:fontRef idx="minor">
+        <a:schemeClr val="lt1"/>
+      </a:fontRef>
+    </dgm:style>
+  </dgm:styleLbl>
+  <dgm:styleLbl name="bgSibTrans2D1">
+    <dgm:scene3d>
+      <a:camera prst="orthographicFront"/>
+      <a:lightRig rig="threePt" dir="t"/>
+    </dgm:scene3d>
+    <dgm:sp3d/>
+    <dgm:txPr/>
+    <dgm:style>
+      <a:lnRef idx="0">
+        <a:scrgbClr r="0" g="0" b="0"/>
+      </a:lnRef>
+      <a:fillRef idx="1">
+        <a:scrgbClr r="0" g="0" b="0"/>
+      </a:fillRef>
+      <a:effectRef idx="0">
+        <a:scrgbClr r="0" g="0" b="0"/>
+      </a:effectRef>
+      <a:fontRef idx="minor">
+        <a:schemeClr val="lt1"/>
+      </a:fontRef>
+    </dgm:style>
+  </dgm:styleLbl>
+  <dgm:styleLbl name="sibTrans1D1">
+    <dgm:scene3d>
+      <a:camera prst="orthographicFront"/>
+      <a:lightRig rig="threePt" dir="t"/>
+    </dgm:scene3d>
+    <dgm:sp3d/>
+    <dgm:txPr/>
+    <dgm:style>
+      <a:lnRef idx="1">
+        <a:scrgbClr r="0" g="0" b="0"/>
+      </a:lnRef>
+      <a:fillRef idx="0">
+        <a:scrgbClr r="0" g="0" b="0"/>
+      </a:fillRef>
+      <a:effectRef idx="0">
+        <a:scrgbClr r="0" g="0" b="0"/>
+      </a:effectRef>
+      <a:fontRef idx="minor"/>
+    </dgm:style>
+  </dgm:styleLbl>
+  <dgm:styleLbl name="callout">
+    <dgm:scene3d>
+      <a:camera prst="orthographicFront"/>
+      <a:lightRig rig="threePt" dir="t"/>
+    </dgm:scene3d>
+    <dgm:sp3d/>
+    <dgm:txPr/>
+    <dgm:style>
+      <a:lnRef idx="2">
+        <a:scrgbClr r="0" g="0" b="0"/>
+      </a:lnRef>
+      <a:fillRef idx="1">
+        <a:scrgbClr r="0" g="0" b="0"/>
+      </a:fillRef>
+      <a:effectRef idx="0">
+        <a:scrgbClr r="0" g="0" b="0"/>
+      </a:effectRef>
+      <a:fontRef idx="minor"/>
+    </dgm:style>
+  </dgm:styleLbl>
+  <dgm:styleLbl name="asst0">
+    <dgm:scene3d>
+      <a:camera prst="orthographicFront"/>
+      <a:lightRig rig="threePt" dir="t"/>
+    </dgm:scene3d>
+    <dgm:sp3d/>
+    <dgm:txPr/>
+    <dgm:style>
+      <a:lnRef idx="2">
+        <a:scrgbClr r="0" g="0" b="0"/>
+      </a:lnRef>
+      <a:fillRef idx="1">
+        <a:scrgbClr r="0" g="0" b="0"/>
+      </a:fillRef>
+      <a:effectRef idx="0">
+        <a:scrgbClr r="0" g="0" b="0"/>
+      </a:effectRef>
+      <a:fontRef idx="minor">
+        <a:schemeClr val="lt1"/>
+      </a:fontRef>
+    </dgm:style>
+  </dgm:styleLbl>
+  <dgm:styleLbl name="asst1">
+    <dgm:scene3d>
+      <a:camera prst="orthographicFront"/>
+      <a:lightRig rig="threePt" dir="t"/>
+    </dgm:scene3d>
+    <dgm:sp3d/>
+    <dgm:txPr/>
+    <dgm:style>
+      <a:lnRef idx="2">
+        <a:scrgbClr r="0" g="0" b="0"/>
+      </a:lnRef>
+      <a:fillRef idx="1">
+        <a:scrgbClr r="0" g="0" b="0"/>
+      </a:fillRef>
+      <a:effectRef idx="0">
+        <a:scrgbClr r="0" g="0" b="0"/>
+      </a:effectRef>
+      <a:fontRef idx="minor">
+        <a:schemeClr val="lt1"/>
+      </a:fontRef>
+    </dgm:style>
+  </dgm:styleLbl>
+  <dgm:styleLbl name="asst2">
+    <dgm:scene3d>
+      <a:camera prst="orthographicFront"/>
+      <a:lightRig rig="threePt" dir="t"/>
+    </dgm:scene3d>
+    <dgm:sp3d/>
+    <dgm:txPr/>
+    <dgm:style>
+      <a:lnRef idx="2">
+        <a:scrgbClr r="0" g="0" b="0"/>
+      </a:lnRef>
+      <a:fillRef idx="1">
+        <a:scrgbClr r="0" g="0" b="0"/>
+      </a:fillRef>
+      <a:effectRef idx="0">
+        <a:scrgbClr r="0" g="0" b="0"/>
+      </a:effectRef>
+      <a:fontRef idx="minor">
+        <a:schemeClr val="lt1"/>
+      </a:fontRef>
+    </dgm:style>
+  </dgm:styleLbl>
+  <dgm:styleLbl name="asst3">
+    <dgm:scene3d>
+      <a:camera prst="orthographicFront"/>
+      <a:lightRig rig="threePt" dir="t"/>
+    </dgm:scene3d>
+    <dgm:sp3d/>
+    <dgm:txPr/>
+    <dgm:style>
+      <a:lnRef idx="2">
+        <a:scrgbClr r="0" g="0" b="0"/>
+      </a:lnRef>
+      <a:fillRef idx="1">
+        <a:scrgbClr r="0" g="0" b="0"/>
+      </a:fillRef>
+      <a:effectRef idx="0">
+        <a:scrgbClr r="0" g="0" b="0"/>
+      </a:effectRef>
+      <a:fontRef idx="minor">
+        <a:schemeClr val="lt1"/>
+      </a:fontRef>
+    </dgm:style>
+  </dgm:styleLbl>
+  <dgm:styleLbl name="asst4">
+    <dgm:scene3d>
+      <a:camera prst="orthographicFront"/>
+      <a:lightRig rig="threePt" dir="t"/>
+    </dgm:scene3d>
+    <dgm:sp3d/>
+    <dgm:txPr/>
+    <dgm:style>
+      <a:lnRef idx="2">
+        <a:scrgbClr r="0" g="0" b="0"/>
+      </a:lnRef>
+      <a:fillRef idx="1">
+        <a:scrgbClr r="0" g="0" b="0"/>
+      </a:fillRef>
+      <a:effectRef idx="0">
+        <a:scrgbClr r="0" g="0" b="0"/>
+      </a:effectRef>
+      <a:fontRef idx="minor">
+        <a:schemeClr val="lt1"/>
+      </a:fontRef>
+    </dgm:style>
+  </dgm:styleLbl>
+  <dgm:styleLbl name="parChTrans2D1">
+    <dgm:scene3d>
+      <a:camera prst="orthographicFront"/>
+      <a:lightRig rig="threePt" dir="t"/>
+    </dgm:scene3d>
+    <dgm:sp3d/>
+    <dgm:txPr/>
+    <dgm:style>
+      <a:lnRef idx="2">
+        <a:scrgbClr r="0" g="0" b="0"/>
+      </a:lnRef>
+      <a:fillRef idx="1">
+        <a:scrgbClr r="0" g="0" b="0"/>
+      </a:fillRef>
+      <a:effectRef idx="0">
+        <a:scrgbClr r="0" g="0" b="0"/>
+      </a:effectRef>
+      <a:fontRef idx="minor">
+        <a:schemeClr val="lt1"/>
+      </a:fontRef>
+    </dgm:style>
+  </dgm:styleLbl>
+  <dgm:styleLbl name="parChTrans2D2">
+    <dgm:scene3d>
+      <a:camera prst="orthographicFront"/>
+      <a:lightRig rig="threePt" dir="t"/>
+    </dgm:scene3d>
+    <dgm:sp3d/>
+    <dgm:txPr/>
+    <dgm:style>
+      <a:lnRef idx="2">
+        <a:scrgbClr r="0" g="0" b="0"/>
+      </a:lnRef>
+      <a:fillRef idx="1">
+        <a:scrgbClr r="0" g="0" b="0"/>
+      </a:fillRef>
+      <a:effectRef idx="0">
+        <a:scrgbClr r="0" g="0" b="0"/>
+      </a:effectRef>
+      <a:fontRef idx="minor">
+        <a:schemeClr val="lt1"/>
+      </a:fontRef>
+    </dgm:style>
+  </dgm:styleLbl>
+  <dgm:styleLbl name="parChTrans2D3">
+    <dgm:scene3d>
+      <a:camera prst="orthographicFront"/>
+      <a:lightRig rig="threePt" dir="t"/>
+    </dgm:scene3d>
+    <dgm:sp3d/>
+    <dgm:txPr/>
+    <dgm:style>
+      <a:lnRef idx="2">
+        <a:scrgbClr r="0" g="0" b="0"/>
+      </a:lnRef>
+      <a:fillRef idx="1">
+        <a:scrgbClr r="0" g="0" b="0"/>
+      </a:fillRef>
+      <a:effectRef idx="0">
+        <a:scrgbClr r="0" g="0" b="0"/>
+      </a:effectRef>
+      <a:fontRef idx="minor">
+        <a:schemeClr val="lt1"/>
+      </a:fontRef>
+    </dgm:style>
+  </dgm:styleLbl>
+  <dgm:styleLbl name="parChTrans2D4">
+    <dgm:scene3d>
+      <a:camera prst="orthographicFront"/>
+      <a:lightRig rig="threePt" dir="t"/>
+    </dgm:scene3d>
+    <dgm:sp3d/>
+    <dgm:txPr/>
+    <dgm:style>
+      <a:lnRef idx="2">
+        <a:scrgbClr r="0" g="0" b="0"/>
+      </a:lnRef>
+      <a:fillRef idx="1">
+        <a:scrgbClr r="0" g="0" b="0"/>
+      </a:fillRef>
+      <a:effectRef idx="0">
+        <a:scrgbClr r="0" g="0" b="0"/>
+      </a:effectRef>
+      <a:fontRef idx="minor">
+        <a:schemeClr val="lt1"/>
+      </a:fontRef>
+    </dgm:style>
+  </dgm:styleLbl>
+  <dgm:styleLbl name="parChTrans1D1">
+    <dgm:scene3d>
+      <a:camera prst="orthographicFront"/>
+      <a:lightRig rig="threePt" dir="t"/>
+    </dgm:scene3d>
+    <dgm:sp3d/>
+    <dgm:txPr/>
+    <dgm:style>
+      <a:lnRef idx="2">
+        <a:scrgbClr r="0" g="0" b="0"/>
+      </a:lnRef>
+      <a:fillRef idx="0">
+        <a:scrgbClr r="0" g="0" b="0"/>
+      </a:fillRef>
+      <a:effectRef idx="0">
+        <a:scrgbClr r="0" g="0" b="0"/>
+      </a:effectRef>
+      <a:fontRef idx="minor"/>
+    </dgm:style>
+  </dgm:styleLbl>
+  <dgm:styleLbl name="parChTrans1D2">
+    <dgm:scene3d>
+      <a:camera prst="orthographicFront"/>
+      <a:lightRig rig="threePt" dir="t"/>
+    </dgm:scene3d>
+    <dgm:sp3d/>
+    <dgm:txPr/>
+    <dgm:style>
+      <a:lnRef idx="2">
+        <a:scrgbClr r="0" g="0" b="0"/>
+      </a:lnRef>
+      <a:fillRef idx="0">
+        <a:scrgbClr r="0" g="0" b="0"/>
+      </a:fillRef>
+      <a:effectRef idx="0">
+        <a:scrgbClr r="0" g="0" b="0"/>
+      </a:effectRef>
+      <a:fontRef idx="minor"/>
+    </dgm:style>
+  </dgm:styleLbl>
+  <dgm:styleLbl name="parChTrans1D3">
+    <dgm:scene3d>
+      <a:camera prst="orthographicFront"/>
+      <a:lightRig rig="threePt" dir="t"/>
+    </dgm:scene3d>
+    <dgm:sp3d/>
+    <dgm:txPr/>
+    <dgm:style>
+      <a:lnRef idx="2">
+        <a:scrgbClr r="0" g="0" b="0"/>
+      </a:lnRef>
+      <a:fillRef idx="0">
+        <a:scrgbClr r="0" g="0" b="0"/>
+      </a:fillRef>
+      <a:effectRef idx="0">
+        <a:scrgbClr r="0" g="0" b="0"/>
+      </a:effectRef>
+      <a:fontRef idx="minor"/>
+    </dgm:style>
+  </dgm:styleLbl>
+  <dgm:styleLbl name="parChTrans1D4">
+    <dgm:scene3d>
+      <a:camera prst="orthographicFront"/>
+      <a:lightRig rig="threePt" dir="t"/>
+    </dgm:scene3d>
+    <dgm:sp3d/>
+    <dgm:txPr/>
+    <dgm:style>
+      <a:lnRef idx="2">
+        <a:scrgbClr r="0" g="0" b="0"/>
+      </a:lnRef>
+      <a:fillRef idx="0">
+        <a:scrgbClr r="0" g="0" b="0"/>
+      </a:fillRef>
+      <a:effectRef idx="0">
+        <a:scrgbClr r="0" g="0" b="0"/>
+      </a:effectRef>
+      <a:fontRef idx="minor"/>
+    </dgm:style>
+  </dgm:styleLbl>
+  <dgm:styleLbl name="fgAcc1">
+    <dgm:scene3d>
+      <a:camera prst="orthographicFront"/>
+      <a:lightRig rig="threePt" dir="t"/>
+    </dgm:scene3d>
+    <dgm:sp3d/>
+    <dgm:txPr/>
+    <dgm:style>
+      <a:lnRef idx="2">
+        <a:scrgbClr r="0" g="0" b="0"/>
+      </a:lnRef>
+      <a:fillRef idx="1">
+        <a:scrgbClr r="0" g="0" b="0"/>
+      </a:fillRef>
+      <a:effectRef idx="0">
+        <a:scrgbClr r="0" g="0" b="0"/>
+      </a:effectRef>
+      <a:fontRef idx="minor"/>
+    </dgm:style>
+  </dgm:styleLbl>
+  <dgm:styleLbl name="conFgAcc1">
+    <dgm:scene3d>
+      <a:camera prst="orthographicFront"/>
+      <a:lightRig rig="threePt" dir="t"/>
+    </dgm:scene3d>
+    <dgm:sp3d/>
+    <dgm:txPr/>
+    <dgm:style>
+      <a:lnRef idx="2">
+        <a:scrgbClr r="0" g="0" b="0"/>
+      </a:lnRef>
+      <a:fillRef idx="1">
+        <a:scrgbClr r="0" g="0" b="0"/>
+      </a:fillRef>
+      <a:effectRef idx="0">
+        <a:scrgbClr r="0" g="0" b="0"/>
+      </a:effectRef>
+      <a:fontRef idx="minor"/>
+    </dgm:style>
+  </dgm:styleLbl>
+  <dgm:styleLbl name="alignAcc1">
+    <dgm:scene3d>
+      <a:camera prst="orthographicFront"/>
+      <a:lightRig rig="threePt" dir="t"/>
+    </dgm:scene3d>
+    <dgm:sp3d/>
+    <dgm:txPr/>
+    <dgm:style>
+      <a:lnRef idx="2">
+        <a:scrgbClr r="0" g="0" b="0"/>
+      </a:lnRef>
+      <a:fillRef idx="1">
+        <a:scrgbClr r="0" g="0" b="0"/>
+      </a:fillRef>
+      <a:effectRef idx="0">
+        <a:scrgbClr r="0" g="0" b="0"/>
+      </a:effectRef>
+      <a:fontRef idx="minor"/>
+    </dgm:style>
+  </dgm:styleLbl>
+  <dgm:styleLbl name="trAlignAcc1">
+    <dgm:scene3d>
+      <a:camera prst="orthographicFront"/>
+      <a:lightRig rig="threePt" dir="t"/>
+    </dgm:scene3d>
+    <dgm:sp3d/>
+    <dgm:txPr/>
+    <dgm:style>
+      <a:lnRef idx="1">
+        <a:scrgbClr r="0" g="0" b="0"/>
+      </a:lnRef>
+      <a:fillRef idx="1">
+        <a:scrgbClr r="0" g="0" b="0"/>
+      </a:fillRef>
+      <a:effectRef idx="0">
+        <a:scrgbClr r="0" g="0" b="0"/>
+      </a:effectRef>
+      <a:fontRef idx="minor"/>
+    </dgm:style>
+  </dgm:styleLbl>
+  <dgm:styleLbl name="bgAcc1">
+    <dgm:scene3d>
+      <a:camera prst="orthographicFront"/>
+      <a:lightRig rig="threePt" dir="t"/>
+    </dgm:scene3d>
+    <dgm:sp3d/>
+    <dgm:txPr/>
+    <dgm:style>
+      <a:lnRef idx="2">
+        <a:scrgbClr r="0" g="0" b="0"/>
+      </a:lnRef>
+      <a:fillRef idx="1">
+        <a:scrgbClr r="0" g="0" b="0"/>
+      </a:fillRef>
+      <a:effectRef idx="0">
+        <a:scrgbClr r="0" g="0" b="0"/>
+      </a:effectRef>
+      <a:fontRef idx="minor"/>
+    </dgm:style>
+  </dgm:styleLbl>
+  <dgm:styleLbl name="solidFgAcc1">
+    <dgm:scene3d>
+      <a:camera prst="orthographicFront"/>
+      <a:lightRig rig="threePt" dir="t"/>
+    </dgm:scene3d>
+    <dgm:sp3d/>
+    <dgm:txPr/>
+    <dgm:style>
+      <a:lnRef idx="2">
+        <a:scrgbClr r="0" g="0" b="0"/>
+      </a:lnRef>
+      <a:fillRef idx="1">
+        <a:scrgbClr r="0" g="0" b="0"/>
+      </a:fillRef>
+      <a:effectRef idx="0">
+        <a:scrgbClr r="0" g="0" b="0"/>
+      </a:effectRef>
+      <a:fontRef idx="minor"/>
+    </dgm:style>
+  </dgm:styleLbl>
+  <dgm:styleLbl name="solidAlignAcc1">
+    <dgm:scene3d>
+      <a:camera prst="orthographicFront"/>
+      <a:lightRig rig="threePt" dir="t"/>
+    </dgm:scene3d>
+    <dgm:sp3d/>
+    <dgm:txPr/>
+    <dgm:style>
+      <a:lnRef idx="2">
+        <a:scrgbClr r="0" g="0" b="0"/>
+      </a:lnRef>
+      <a:fillRef idx="1">
+        <a:scrgbClr r="0" g="0" b="0"/>
+      </a:fillRef>
+      <a:effectRef idx="0">
+        <a:scrgbClr r="0" g="0" b="0"/>
+      </a:effectRef>
+      <a:fontRef idx="minor"/>
+    </dgm:style>
+  </dgm:styleLbl>
+  <dgm:styleLbl name="solidBgAcc1">
+    <dgm:scene3d>
+      <a:camera prst="orthographicFront"/>
+      <a:lightRig rig="threePt" dir="t"/>
+    </dgm:scene3d>
+    <dgm:sp3d/>
+    <dgm:txPr/>
+    <dgm:style>
+      <a:lnRef idx="2">
+        <a:scrgbClr r="0" g="0" b="0"/>
+      </a:lnRef>
+      <a:fillRef idx="1">
+        <a:scrgbClr r="0" g="0" b="0"/>
+      </a:fillRef>
+      <a:effectRef idx="0">
+        <a:scrgbClr r="0" g="0" b="0"/>
+      </a:effectRef>
+      <a:fontRef idx="minor"/>
+    </dgm:style>
+  </dgm:styleLbl>
+  <dgm:styleLbl name="fgAccFollowNode1">
+    <dgm:scene3d>
+      <a:camera prst="orthographicFront"/>
+      <a:lightRig rig="threePt" dir="t"/>
+    </dgm:scene3d>
+    <dgm:sp3d/>
+    <dgm:txPr/>
+    <dgm:style>
+      <a:lnRef idx="2">
+        <a:scrgbClr r="0" g="0" b="0"/>
+      </a:lnRef>
+      <a:fillRef idx="1">
+        <a:scrgbClr r="0" g="0" b="0"/>
+      </a:fillRef>
+      <a:effectRef idx="0">
+        <a:scrgbClr r="0" g="0" b="0"/>
+      </a:effectRef>
+      <a:fontRef idx="minor"/>
+    </dgm:style>
+  </dgm:styleLbl>
+  <dgm:styleLbl name="alignAccFollowNode1">
+    <dgm:scene3d>
+      <a:camera prst="orthographicFront"/>
+      <a:lightRig rig="threePt" dir="t"/>
+    </dgm:scene3d>
+    <dgm:sp3d/>
+    <dgm:txPr/>
+    <dgm:style>
+      <a:lnRef idx="2">
+        <a:scrgbClr r="0" g="0" b="0"/>
+      </a:lnRef>
+      <a:fillRef idx="1">
+        <a:scrgbClr r="0" g="0" b="0"/>
+      </a:fillRef>
+      <a:effectRef idx="0">
+        <a:scrgbClr r="0" g="0" b="0"/>
+      </a:effectRef>
+      <a:fontRef idx="minor"/>
+    </dgm:style>
+  </dgm:styleLbl>
+  <dgm:styleLbl name="bgAccFollowNode1">
+    <dgm:scene3d>
+      <a:camera prst="orthographicFront"/>
+      <a:lightRig rig="threePt" dir="t"/>
+    </dgm:scene3d>
+    <dgm:sp3d/>
+    <dgm:txPr/>
+    <dgm:style>
+      <a:lnRef idx="2">
+        <a:scrgbClr r="0" g="0" b="0"/>
+      </a:lnRef>
+      <a:fillRef idx="1">
+        <a:scrgbClr r="0" g="0" b="0"/>
+      </a:fillRef>
+      <a:effectRef idx="0">
+        <a:scrgbClr r="0" g="0" b="0"/>
+      </a:effectRef>
+      <a:fontRef idx="minor"/>
+    </dgm:style>
+  </dgm:styleLbl>
+  <dgm:styleLbl name="fgAcc0">
+    <dgm:scene3d>
+      <a:camera prst="orthographicFront"/>
+      <a:lightRig rig="threePt" dir="t"/>
+    </dgm:scene3d>
+    <dgm:sp3d/>
+    <dgm:txPr/>
+    <dgm:style>
+      <a:lnRef idx="2">
+        <a:scrgbClr r="0" g="0" b="0"/>
+      </a:lnRef>
+      <a:fillRef idx="1">
+        <a:scrgbClr r="0" g="0" b="0"/>
+      </a:fillRef>
+      <a:effectRef idx="0">
+        <a:scrgbClr r="0" g="0" b="0"/>
+      </a:effectRef>
+      <a:fontRef idx="minor"/>
+    </dgm:style>
+  </dgm:styleLbl>
+  <dgm:styleLbl name="fgAcc2">
+    <dgm:scene3d>
+      <a:camera prst="orthographicFront"/>
+      <a:lightRig rig="threePt" dir="t"/>
+    </dgm:scene3d>
+    <dgm:sp3d/>
+    <dgm:txPr/>
+    <dgm:style>
+      <a:lnRef idx="2">
+        <a:scrgbClr r="0" g="0" b="0"/>
+      </a:lnRef>
+      <a:fillRef idx="1">
+        <a:scrgbClr r="0" g="0" b="0"/>
+      </a:fillRef>
+      <a:effectRef idx="0">
+        <a:scrgbClr r="0" g="0" b="0"/>
+      </a:effectRef>
+      <a:fontRef idx="minor"/>
+    </dgm:style>
+  </dgm:styleLbl>
+  <dgm:styleLbl name="fgAcc3">
+    <dgm:scene3d>
+      <a:camera prst="orthographicFront"/>
+      <a:lightRig rig="threePt" dir="t"/>
+    </dgm:scene3d>
+    <dgm:sp3d/>
+    <dgm:txPr/>
+    <dgm:style>
+      <a:lnRef idx="2">
+        <a:scrgbClr r="0" g="0" b="0"/>
+      </a:lnRef>
+      <a:fillRef idx="1">
+        <a:scrgbClr r="0" g="0" b="0"/>
+      </a:fillRef>
+      <a:effectRef idx="0">
+        <a:scrgbClr r="0" g="0" b="0"/>
+      </a:effectRef>
+      <a:fontRef idx="minor"/>
+    </dgm:style>
+  </dgm:styleLbl>
+  <dgm:styleLbl name="fgAcc4">
+    <dgm:scene3d>
+      <a:camera prst="orthographicFront"/>
+      <a:lightRig rig="threePt" dir="t"/>
+    </dgm:scene3d>
+    <dgm:sp3d/>
+    <dgm:txPr/>
+    <dgm:style>
+      <a:lnRef idx="2">
+        <a:scrgbClr r="0" g="0" b="0"/>
+      </a:lnRef>
+      <a:fillRef idx="1">
+        <a:scrgbClr r="0" g="0" b="0"/>
+      </a:fillRef>
+      <a:effectRef idx="0">
+        <a:scrgbClr r="0" g="0" b="0"/>
+      </a:effectRef>
+      <a:fontRef idx="minor"/>
+    </dgm:style>
+  </dgm:styleLbl>
+  <dgm:styleLbl name="bgShp">
+    <dgm:scene3d>
+      <a:camera prst="orthographicFront"/>
+      <a:lightRig rig="threePt" dir="t"/>
+    </dgm:scene3d>
+    <dgm:sp3d/>
+    <dgm:txPr/>
+    <dgm:style>
+      <a:lnRef idx="0">
+        <a:scrgbClr r="0" g="0" b="0"/>
+      </a:lnRef>
+      <a:fillRef idx="1">
+        <a:scrgbClr r="0" g="0" b="0"/>
+      </a:fillRef>
+      <a:effectRef idx="0">
+        <a:scrgbClr r="0" g="0" b="0"/>
+      </a:effectRef>
+      <a:fontRef idx="minor"/>
+    </dgm:style>
+  </dgm:styleLbl>
+  <dgm:styleLbl name="dkBgShp">
+    <dgm:scene3d>
+      <a:camera prst="orthographicFront"/>
+      <a:lightRig rig="threePt" dir="t"/>
+    </dgm:scene3d>
+    <dgm:sp3d/>
+    <dgm:txPr/>
+    <dgm:style>
+      <a:lnRef idx="0">
+        <a:scrgbClr r="0" g="0" b="0"/>
+      </a:lnRef>
+      <a:fillRef idx="1">
+        <a:scrgbClr r="0" g="0" b="0"/>
+      </a:fillRef>
+      <a:effectRef idx="0">
+        <a:scrgbClr r="0" g="0" b="0"/>
+      </a:effectRef>
+      <a:fontRef idx="minor"/>
+    </dgm:style>
+  </dgm:styleLbl>
+  <dgm:styleLbl name="trBgShp">
+    <dgm:scene3d>
+      <a:camera prst="orthographicFront"/>
+      <a:lightRig rig="threePt" dir="t"/>
+    </dgm:scene3d>
+    <dgm:sp3d/>
+    <dgm:txPr/>
+    <dgm:style>
+      <a:lnRef idx="0">
+        <a:scrgbClr r="0" g="0" b="0"/>
+      </a:lnRef>
+      <a:fillRef idx="1">
+        <a:scrgbClr r="0" g="0" b="0"/>
+      </a:fillRef>
+      <a:effectRef idx="0">
+        <a:scrgbClr r="0" g="0" b="0"/>
+      </a:effectRef>
+      <a:fontRef idx="minor"/>
+    </dgm:style>
+  </dgm:styleLbl>
+  <dgm:styleLbl name="fgShp">
+    <dgm:scene3d>
+      <a:camera prst="orthographicFront"/>
+      <a:lightRig rig="threePt" dir="t"/>
+    </dgm:scene3d>
+    <dgm:sp3d/>
+    <dgm:txPr/>
+    <dgm:style>
+      <a:lnRef idx="2">
+        <a:scrgbClr r="0" g="0" b="0"/>
+      </a:lnRef>
+      <a:fillRef idx="1">
+        <a:scrgbClr r="0" g="0" b="0"/>
+      </a:fillRef>
+      <a:effectRef idx="0">
+        <a:scrgbClr r="0" g="0" b="0"/>
+      </a:effectRef>
+      <a:fontRef idx="minor"/>
+    </dgm:style>
+  </dgm:styleLbl>
+  <dgm:styleLbl name="revTx">
+    <dgm:scene3d>
+      <a:camera prst="orthographicFront"/>
+      <a:lightRig rig="threePt" dir="t"/>
+    </dgm:scene3d>
+    <dgm:sp3d/>
+    <dgm:txPr/>
+    <dgm:style>
+      <a:lnRef idx="0">
+        <a:scrgbClr r="0" g="0" b="0"/>
+      </a:lnRef>
+      <a:fillRef idx="0">
+        <a:scrgbClr r="0" g="0" b="0"/>
+      </a:fillRef>
+      <a:effectRef idx="0">
+        <a:scrgbClr r="0" g="0" b="0"/>
+      </a:effectRef>
+      <a:fontRef idx="minor"/>
+    </dgm:style>
+  </dgm:styleLbl>
+</dgm:styleDef>
+</file>
+
 <file path=ppt/handoutMasters/handoutMaster1.xml><?xml version="1.0" encoding="utf-8"?>
 <p:handoutMaster xmlns:a="http://schemas.openxmlformats.org/drawingml/2006/main" xmlns:r="http://schemas.openxmlformats.org/officeDocument/2006/relationships" xmlns:p="http://schemas.openxmlformats.org/presentationml/2006/main">
   <p:cSld>
@@ -547,6 +3776,381 @@
     </a:lvl9pPr>
   </p:notesStyle>
 </p:notesMaster>
+</file>
+
+<file path=ppt/notesSlides/notesSlide1.xml><?xml version="1.0" encoding="utf-8"?>
+<p:notes xmlns:a="http://schemas.openxmlformats.org/drawingml/2006/main" xmlns:r="http://schemas.openxmlformats.org/officeDocument/2006/relationships" xmlns:p="http://schemas.openxmlformats.org/presentationml/2006/main">
+  <p:cSld>
+    <p:spTree>
+      <p:nvGrpSpPr>
+        <p:cNvPr id="1" name=""/>
+        <p:cNvGrpSpPr/>
+        <p:nvPr/>
+      </p:nvGrpSpPr>
+      <p:grpSpPr>
+        <a:xfrm>
+          <a:off x="0" y="0"/>
+          <a:ext cx="0" cy="0"/>
+          <a:chOff x="0" y="0"/>
+          <a:chExt cx="0" cy="0"/>
+        </a:xfrm>
+      </p:grpSpPr>
+      <p:sp>
+        <p:nvSpPr>
+          <p:cNvPr id="2" name="Folienbildplatzhalter 1"/>
+          <p:cNvSpPr>
+            <a:spLocks noGrp="1" noRot="1" noChangeAspect="1"/>
+          </p:cNvSpPr>
+          <p:nvPr>
+            <p:ph type="sldImg"/>
+          </p:nvPr>
+        </p:nvSpPr>
+        <p:spPr/>
+      </p:sp>
+      <p:sp>
+        <p:nvSpPr>
+          <p:cNvPr id="3" name="Notizenplatzhalter 2"/>
+          <p:cNvSpPr>
+            <a:spLocks noGrp="1"/>
+          </p:cNvSpPr>
+          <p:nvPr>
+            <p:ph type="body" idx="1"/>
+          </p:nvPr>
+        </p:nvSpPr>
+        <p:spPr/>
+        <p:txBody>
+          <a:bodyPr/>
+          <a:lstStyle/>
+          <a:p>
+            <a:endParaRPr lang="de-DE" dirty="0"/>
+          </a:p>
+        </p:txBody>
+      </p:sp>
+      <p:sp>
+        <p:nvSpPr>
+          <p:cNvPr id="4" name="Foliennummernplatzhalter 3"/>
+          <p:cNvSpPr>
+            <a:spLocks noGrp="1"/>
+          </p:cNvSpPr>
+          <p:nvPr>
+            <p:ph type="sldNum" sz="quarter" idx="5"/>
+          </p:nvPr>
+        </p:nvSpPr>
+        <p:spPr/>
+        <p:txBody>
+          <a:bodyPr/>
+          <a:lstStyle/>
+          <a:p>
+            <a:fld id="{92DA5471-CC57-402A-9527-36A1D012F698}" type="slidenum">
+              <a:rPr lang="de-DE" noProof="0" smtClean="0"/>
+              <a:t>5</a:t>
+            </a:fld>
+            <a:endParaRPr lang="de-DE" noProof="0" dirty="0"/>
+          </a:p>
+        </p:txBody>
+      </p:sp>
+    </p:spTree>
+    <p:extLst>
+      <p:ext uri="{BB962C8B-B14F-4D97-AF65-F5344CB8AC3E}">
+        <p14:creationId xmlns:p14="http://schemas.microsoft.com/office/powerpoint/2010/main" val="1095088852"/>
+      </p:ext>
+    </p:extLst>
+  </p:cSld>
+  <p:clrMapOvr>
+    <a:masterClrMapping/>
+  </p:clrMapOvr>
+</p:notes>
+</file>
+
+<file path=ppt/notesSlides/notesSlide2.xml><?xml version="1.0" encoding="utf-8"?>
+<p:notes xmlns:a="http://schemas.openxmlformats.org/drawingml/2006/main" xmlns:r="http://schemas.openxmlformats.org/officeDocument/2006/relationships" xmlns:p="http://schemas.openxmlformats.org/presentationml/2006/main">
+  <p:cSld>
+    <p:spTree>
+      <p:nvGrpSpPr>
+        <p:cNvPr id="1" name=""/>
+        <p:cNvGrpSpPr/>
+        <p:nvPr/>
+      </p:nvGrpSpPr>
+      <p:grpSpPr>
+        <a:xfrm>
+          <a:off x="0" y="0"/>
+          <a:ext cx="0" cy="0"/>
+          <a:chOff x="0" y="0"/>
+          <a:chExt cx="0" cy="0"/>
+        </a:xfrm>
+      </p:grpSpPr>
+      <p:sp>
+        <p:nvSpPr>
+          <p:cNvPr id="2" name="Folienbildplatzhalter 1"/>
+          <p:cNvSpPr>
+            <a:spLocks noGrp="1" noRot="1" noChangeAspect="1"/>
+          </p:cNvSpPr>
+          <p:nvPr>
+            <p:ph type="sldImg"/>
+          </p:nvPr>
+        </p:nvSpPr>
+        <p:spPr>
+          <a:xfrm>
+            <a:off x="360363" y="431800"/>
+            <a:ext cx="6137275" cy="3454400"/>
+          </a:xfrm>
+        </p:spPr>
+      </p:sp>
+      <p:sp>
+        <p:nvSpPr>
+          <p:cNvPr id="3" name="Notizenplatzhalter 2"/>
+          <p:cNvSpPr>
+            <a:spLocks noGrp="1"/>
+          </p:cNvSpPr>
+          <p:nvPr>
+            <p:ph type="body" idx="1"/>
+          </p:nvPr>
+        </p:nvSpPr>
+        <p:spPr/>
+        <p:txBody>
+          <a:bodyPr/>
+          <a:lstStyle/>
+          <a:p>
+            <a:pPr marL="342900" indent="-342900">
+              <a:buFont typeface="+mj-lt"/>
+              <a:buAutoNum type="arabicPeriod"/>
+            </a:pPr>
+            <a:r>
+              <a:rPr lang="de-DE" dirty="0"/>
+              <a:t>Meta-Filter</a:t>
+            </a:r>
+          </a:p>
+          <a:p>
+            <a:pPr marL="792900" lvl="1" indent="-342900">
+              <a:buFont typeface="+mj-lt"/>
+              <a:buAutoNum type="arabicPeriod"/>
+            </a:pPr>
+            <a:r>
+              <a:rPr lang="de-DE" dirty="0" err="1"/>
+              <a:t>MetaFilter</a:t>
+            </a:r>
+            <a:r>
+              <a:rPr lang="de-DE" dirty="0"/>
+              <a:t> als VM-option</a:t>
+            </a:r>
+          </a:p>
+          <a:p>
+            <a:pPr marL="792900" lvl="1" indent="-342900">
+              <a:buFont typeface="+mj-lt"/>
+              <a:buAutoNum type="arabicPeriod"/>
+            </a:pPr>
+            <a:r>
+              <a:rPr lang="de-DE" dirty="0" err="1"/>
+              <a:t>MetaFilter</a:t>
+            </a:r>
+            <a:r>
+              <a:rPr lang="de-DE" dirty="0"/>
+              <a:t> als </a:t>
+            </a:r>
+            <a:r>
+              <a:rPr lang="de-DE" dirty="0" err="1"/>
+              <a:t>RunAllStories</a:t>
+            </a:r>
+            <a:endParaRPr lang="de-DE" dirty="0"/>
+          </a:p>
+          <a:p>
+            <a:pPr marL="342900" indent="-342900">
+              <a:buFont typeface="+mj-lt"/>
+              <a:buAutoNum type="arabicPeriod"/>
+            </a:pPr>
+            <a:r>
+              <a:rPr lang="de-DE" dirty="0"/>
+              <a:t>Name-Input</a:t>
+            </a:r>
+          </a:p>
+          <a:p>
+            <a:pPr marL="792900" lvl="1" indent="-342900">
+              <a:buFont typeface="+mj-lt"/>
+              <a:buAutoNum type="arabicPeriod"/>
+            </a:pPr>
+            <a:r>
+              <a:rPr lang="de-DE" dirty="0"/>
+              <a:t>Dummy</a:t>
+            </a:r>
+          </a:p>
+          <a:p>
+            <a:pPr marL="792900" lvl="1" indent="-342900">
+              <a:buFont typeface="+mj-lt"/>
+              <a:buAutoNum type="arabicPeriod"/>
+            </a:pPr>
+            <a:r>
+              <a:rPr lang="de-DE" dirty="0" err="1"/>
+              <a:t>DataSet</a:t>
+            </a:r>
+            <a:endParaRPr lang="de-DE" dirty="0"/>
+          </a:p>
+          <a:p>
+            <a:pPr marL="792900" lvl="1" indent="-342900">
+              <a:buFont typeface="+mj-lt"/>
+              <a:buAutoNum type="arabicPeriod"/>
+            </a:pPr>
+            <a:r>
+              <a:rPr lang="de-DE" dirty="0" err="1"/>
+              <a:t>StoryInteraction</a:t>
+            </a:r>
+            <a:r>
+              <a:rPr lang="de-DE" dirty="0"/>
+              <a:t> (Converter)</a:t>
+            </a:r>
+          </a:p>
+          <a:p>
+            <a:pPr marL="792900" lvl="1" indent="-342900">
+              <a:buFont typeface="+mj-lt"/>
+              <a:buAutoNum type="arabicPeriod"/>
+            </a:pPr>
+            <a:r>
+              <a:rPr lang="de-DE" dirty="0"/>
+              <a:t>Composite-</a:t>
+            </a:r>
+            <a:r>
+              <a:rPr lang="de-DE" dirty="0" err="1"/>
+              <a:t>Steps</a:t>
+            </a:r>
+            <a:r>
+              <a:rPr lang="de-DE" dirty="0"/>
+              <a:t> (</a:t>
+            </a:r>
+            <a:r>
+              <a:rPr lang="de-DE" dirty="0" err="1"/>
+              <a:t>Priority</a:t>
+            </a:r>
+            <a:r>
+              <a:rPr lang="de-DE" dirty="0"/>
+              <a:t>)</a:t>
+            </a:r>
+          </a:p>
+          <a:p>
+            <a:pPr marL="342900" indent="-342900">
+              <a:buFont typeface="+mj-lt"/>
+              <a:buAutoNum type="arabicPeriod"/>
+            </a:pPr>
+            <a:r>
+              <a:rPr lang="de-DE" dirty="0" err="1"/>
+              <a:t>Calculation</a:t>
+            </a:r>
+            <a:endParaRPr lang="de-DE" dirty="0"/>
+          </a:p>
+          <a:p>
+            <a:pPr marL="792900" lvl="1" indent="-342900">
+              <a:buFont typeface="+mj-lt"/>
+              <a:buAutoNum type="arabicPeriod"/>
+            </a:pPr>
+            <a:r>
+              <a:rPr lang="de-DE" dirty="0"/>
+              <a:t>Dummy</a:t>
+            </a:r>
+          </a:p>
+          <a:p>
+            <a:pPr marL="792900" lvl="1" indent="-342900">
+              <a:buFont typeface="+mj-lt"/>
+              <a:buAutoNum type="arabicPeriod"/>
+            </a:pPr>
+            <a:r>
+              <a:rPr lang="de-DE" dirty="0" err="1"/>
+              <a:t>GivenStories</a:t>
+            </a:r>
+            <a:r>
+              <a:rPr lang="de-DE" dirty="0"/>
+              <a:t> – </a:t>
+            </a:r>
+            <a:r>
+              <a:rPr lang="de-DE" dirty="0" err="1"/>
+              <a:t>GivenStories</a:t>
+            </a:r>
+            <a:r>
+              <a:rPr lang="de-DE" dirty="0"/>
+              <a:t> müssen auch </a:t>
+            </a:r>
+            <a:r>
+              <a:rPr lang="de-DE" dirty="0" err="1"/>
+              <a:t>MetaTag</a:t>
+            </a:r>
+            <a:r>
+              <a:rPr lang="de-DE" dirty="0"/>
+              <a:t> besitzen</a:t>
+            </a:r>
+          </a:p>
+          <a:p>
+            <a:pPr marL="792900" lvl="1" indent="-342900">
+              <a:buFont typeface="+mj-lt"/>
+              <a:buAutoNum type="arabicPeriod"/>
+            </a:pPr>
+            <a:r>
+              <a:rPr lang="de-DE" dirty="0" err="1"/>
+              <a:t>PatternVariants</a:t>
+            </a:r>
+            <a:endParaRPr lang="de-DE" dirty="0"/>
+          </a:p>
+          <a:p>
+            <a:pPr marL="792900" lvl="1" indent="-342900">
+              <a:buFont typeface="+mj-lt"/>
+              <a:buAutoNum type="arabicPeriod"/>
+            </a:pPr>
+            <a:r>
+              <a:rPr lang="de-DE" dirty="0" err="1"/>
+              <a:t>ExampleTables</a:t>
+            </a:r>
+            <a:endParaRPr lang="de-DE" dirty="0"/>
+          </a:p>
+          <a:p>
+            <a:pPr marL="342900" indent="-342900">
+              <a:buFont typeface="+mj-lt"/>
+              <a:buAutoNum type="arabicPeriod"/>
+            </a:pPr>
+            <a:r>
+              <a:rPr lang="de-DE" dirty="0"/>
+              <a:t>Mock/Simulator (</a:t>
+            </a:r>
+            <a:r>
+              <a:rPr lang="de-DE" dirty="0" err="1"/>
+              <a:t>evtl</a:t>
+            </a:r>
+            <a:r>
+              <a:rPr lang="de-DE" dirty="0"/>
+              <a:t>)</a:t>
+            </a:r>
+          </a:p>
+        </p:txBody>
+      </p:sp>
+      <p:sp>
+        <p:nvSpPr>
+          <p:cNvPr id="4" name="Foliennummernplatzhalter 3"/>
+          <p:cNvSpPr>
+            <a:spLocks noGrp="1"/>
+          </p:cNvSpPr>
+          <p:nvPr>
+            <p:ph type="sldNum" sz="quarter" idx="5"/>
+          </p:nvPr>
+        </p:nvSpPr>
+        <p:spPr/>
+        <p:txBody>
+          <a:bodyPr/>
+          <a:lstStyle/>
+          <a:p>
+            <a:fld id="{92DA5471-CC57-402A-9527-36A1D012F698}" type="slidenum">
+              <a:rPr lang="de-DE" noProof="0" smtClean="0"/>
+              <a:t>11</a:t>
+            </a:fld>
+            <a:endParaRPr lang="de-DE" noProof="0" dirty="0"/>
+          </a:p>
+        </p:txBody>
+      </p:sp>
+    </p:spTree>
+    <p:extLst>
+      <p:ext uri="{BB962C8B-B14F-4D97-AF65-F5344CB8AC3E}">
+        <p14:creationId xmlns:p14="http://schemas.microsoft.com/office/powerpoint/2010/main" val="831119990"/>
+      </p:ext>
+    </p:extLst>
+  </p:cSld>
+  <p:clrMapOvr>
+    <a:masterClrMapping/>
+  </p:clrMapOvr>
+</p:notes>
 </file>
 
 <file path=ppt/slideLayouts/slideLayout1.xml><?xml version="1.0" encoding="utf-8"?>
@@ -2553,7 +6157,7 @@
             <a:fld id="{7FC88BA9-6F9E-4215-AE89-45AC6BCA1B0E}" type="datetime1">
               <a:rPr lang="de-DE" smtClean="0"/>
               <a:pPr/>
-              <a:t>28.10.19</a:t>
+              <a:t>29.10.19</a:t>
             </a:fld>
             <a:endParaRPr lang="de-DE" dirty="0"/>
           </a:p>
@@ -3840,7 +7444,7 @@
           <a:p>
             <a:fld id="{6FEC6909-2C01-40CF-9626-2CD40C8FE822}" type="datetime1">
               <a:rPr lang="de-DE" noProof="0" smtClean="0"/>
-              <a:t>28.10.19</a:t>
+              <a:t>29.10.19</a:t>
             </a:fld>
             <a:endParaRPr lang="de-DE" noProof="0" dirty="0"/>
           </a:p>
@@ -4912,7 +8516,7 @@
           <a:p>
             <a:fld id="{6FEC6909-2C01-40CF-9626-2CD40C8FE822}" type="datetime1">
               <a:rPr lang="de-DE" noProof="0" smtClean="0"/>
-              <a:t>28.10.19</a:t>
+              <a:t>29.10.19</a:t>
             </a:fld>
             <a:endParaRPr lang="de-DE" noProof="0" dirty="0"/>
           </a:p>
@@ -5828,7 +9432,7 @@
           <a:p>
             <a:fld id="{6FEC6909-2C01-40CF-9626-2CD40C8FE822}" type="datetime1">
               <a:rPr lang="de-DE" noProof="0" smtClean="0"/>
-              <a:t>28.10.19</a:t>
+              <a:t>29.10.19</a:t>
             </a:fld>
             <a:endParaRPr lang="de-DE" noProof="0" dirty="0"/>
           </a:p>
@@ -7039,7 +10643,7 @@
           <a:p>
             <a:fld id="{6FEC6909-2C01-40CF-9626-2CD40C8FE822}" type="datetime1">
               <a:rPr lang="de-DE" noProof="0" smtClean="0"/>
-              <a:t>28.10.19</a:t>
+              <a:t>29.10.19</a:t>
             </a:fld>
             <a:endParaRPr lang="de-DE" noProof="0" dirty="0"/>
           </a:p>
@@ -8493,7 +12097,7 @@
           <a:p>
             <a:fld id="{9AFA0DE8-8033-462D-BDBF-CD1E1FDE3CA3}" type="datetime1">
               <a:rPr lang="de-DE" noProof="0" smtClean="0"/>
-              <a:t>28.10.19</a:t>
+              <a:t>29.10.19</a:t>
             </a:fld>
             <a:endParaRPr lang="de-DE" noProof="0" dirty="0"/>
           </a:p>
@@ -9143,7 +12747,7 @@
           <a:p>
             <a:fld id="{0F71BE61-C023-4ED4-BECD-45A03B55F882}" type="datetime1">
               <a:rPr lang="de-DE" noProof="0" smtClean="0"/>
-              <a:t>28.10.19</a:t>
+              <a:t>29.10.19</a:t>
             </a:fld>
             <a:endParaRPr lang="de-DE" noProof="0" dirty="0"/>
           </a:p>
@@ -9454,7 +13058,7 @@
           <a:p>
             <a:fld id="{154C7814-F218-4D9E-8E58-25588F0986B1}" type="datetime1">
               <a:rPr lang="de-DE" noProof="0" smtClean="0"/>
-              <a:t>28.10.19</a:t>
+              <a:t>29.10.19</a:t>
             </a:fld>
             <a:endParaRPr lang="de-DE" noProof="0" dirty="0"/>
           </a:p>
@@ -10200,7 +13804,7 @@
           <a:p>
             <a:fld id="{1DA5372B-8290-4F29-B014-C1FC8CBE3BE6}" type="datetime1">
               <a:rPr lang="de-DE" noProof="0" smtClean="0"/>
-              <a:t>28.10.19</a:t>
+              <a:t>29.10.19</a:t>
             </a:fld>
             <a:endParaRPr lang="de-DE" noProof="0" dirty="0"/>
           </a:p>
@@ -10587,7 +14191,7 @@
           <a:p>
             <a:fld id="{70EF8492-ADB9-4EBE-9A60-E55C77C98726}" type="datetime1">
               <a:rPr lang="de-DE" noProof="0" smtClean="0"/>
-              <a:t>28.10.19</a:t>
+              <a:t>29.10.19</a:t>
             </a:fld>
             <a:endParaRPr lang="de-DE" noProof="0" dirty="0"/>
           </a:p>
@@ -11048,7 +14652,7 @@
           <a:p>
             <a:fld id="{70EF8492-ADB9-4EBE-9A60-E55C77C98726}" type="datetime1">
               <a:rPr lang="de-DE" noProof="0" smtClean="0"/>
-              <a:t>28.10.19</a:t>
+              <a:t>29.10.19</a:t>
             </a:fld>
             <a:endParaRPr lang="de-DE" noProof="0" dirty="0"/>
           </a:p>
@@ -11509,7 +15113,7 @@
           <a:p>
             <a:fld id="{70EF8492-ADB9-4EBE-9A60-E55C77C98726}" type="datetime1">
               <a:rPr lang="de-DE" noProof="0" smtClean="0"/>
-              <a:t>28.10.19</a:t>
+              <a:t>29.10.19</a:t>
             </a:fld>
             <a:endParaRPr lang="de-DE" noProof="0" dirty="0"/>
           </a:p>
@@ -11970,7 +15574,7 @@
           <a:p>
             <a:fld id="{70EF8492-ADB9-4EBE-9A60-E55C77C98726}" type="datetime1">
               <a:rPr lang="de-DE" noProof="0" smtClean="0"/>
-              <a:t>28.10.19</a:t>
+              <a:t>29.10.19</a:t>
             </a:fld>
             <a:endParaRPr lang="de-DE" noProof="0" dirty="0"/>
           </a:p>
@@ -12357,7 +15961,7 @@
           <a:p>
             <a:fld id="{70EF8492-ADB9-4EBE-9A60-E55C77C98726}" type="datetime1">
               <a:rPr lang="de-DE" noProof="0" smtClean="0"/>
-              <a:t>28.10.19</a:t>
+              <a:t>29.10.19</a:t>
             </a:fld>
             <a:endParaRPr lang="de-DE" noProof="0" dirty="0"/>
           </a:p>
@@ -12763,7 +16367,7 @@
           <a:p>
             <a:fld id="{70EF8492-ADB9-4EBE-9A60-E55C77C98726}" type="datetime1">
               <a:rPr lang="de-DE" noProof="0" smtClean="0"/>
-              <a:t>28.10.19</a:t>
+              <a:t>29.10.19</a:t>
             </a:fld>
             <a:endParaRPr lang="de-DE" noProof="0" dirty="0"/>
           </a:p>
@@ -13205,7 +16809,7 @@
           <a:p>
             <a:fld id="{05B3DBBF-4A8C-46E8-A0AB-E0735B148AED}" type="datetime1">
               <a:rPr lang="de-DE" noProof="0" smtClean="0"/>
-              <a:t>28.10.19</a:t>
+              <a:t>29.10.19</a:t>
             </a:fld>
             <a:endParaRPr lang="de-DE" noProof="0" dirty="0"/>
           </a:p>
@@ -13632,7 +17236,7 @@
           <a:p>
             <a:fld id="{52FAB3FD-4E6C-46E0-B1BD-C93EFC10EB33}" type="datetime1">
               <a:rPr lang="de-DE" noProof="0" smtClean="0"/>
-              <a:t>28.10.19</a:t>
+              <a:t>29.10.19</a:t>
             </a:fld>
             <a:endParaRPr lang="de-DE" noProof="0" dirty="0"/>
           </a:p>
@@ -14060,7 +17664,7 @@
           <a:p>
             <a:fld id="{BA4831C8-84E6-4639-B768-66D96F272C03}" type="datetime1">
               <a:rPr lang="de-DE" noProof="0" smtClean="0"/>
-              <a:t>28.10.19</a:t>
+              <a:t>29.10.19</a:t>
             </a:fld>
             <a:endParaRPr lang="de-DE" noProof="0" dirty="0"/>
           </a:p>
@@ -14800,7 +18404,7 @@
           <a:p>
             <a:fld id="{9D85A577-AB73-44DD-ABC0-BFB8B3497DED}" type="datetime1">
               <a:rPr lang="de-DE" noProof="0" smtClean="0"/>
-              <a:t>28.10.19</a:t>
+              <a:t>29.10.19</a:t>
             </a:fld>
             <a:endParaRPr lang="de-DE" noProof="0" dirty="0"/>
           </a:p>
@@ -15283,7 +18887,7 @@
           <a:p>
             <a:fld id="{BA4831C8-84E6-4639-B768-66D96F272C03}" type="datetime1">
               <a:rPr lang="de-DE" noProof="0" smtClean="0"/>
-              <a:t>28.10.19</a:t>
+              <a:t>29.10.19</a:t>
             </a:fld>
             <a:endParaRPr lang="de-DE" noProof="0" dirty="0"/>
           </a:p>
@@ -15730,7 +19334,7 @@
           <a:p>
             <a:fld id="{70EF8492-ADB9-4EBE-9A60-E55C77C98726}" type="datetime1">
               <a:rPr lang="de-DE" noProof="0" smtClean="0"/>
-              <a:t>28.10.19</a:t>
+              <a:t>29.10.19</a:t>
             </a:fld>
             <a:endParaRPr lang="de-DE" noProof="0" dirty="0"/>
           </a:p>
@@ -16157,7 +19761,7 @@
           <a:p>
             <a:fld id="{1DA5372B-8290-4F29-B014-C1FC8CBE3BE6}" type="datetime1">
               <a:rPr lang="de-DE" noProof="0" smtClean="0"/>
-              <a:t>28.10.19</a:t>
+              <a:t>29.10.19</a:t>
             </a:fld>
             <a:endParaRPr lang="de-DE" noProof="0" dirty="0"/>
           </a:p>
@@ -16625,7 +20229,7 @@
           <a:p>
             <a:fld id="{1DA5372B-8290-4F29-B014-C1FC8CBE3BE6}" type="datetime1">
               <a:rPr lang="de-DE" noProof="0" smtClean="0"/>
-              <a:t>28.10.19</a:t>
+              <a:t>29.10.19</a:t>
             </a:fld>
             <a:endParaRPr lang="de-DE" noProof="0" dirty="0"/>
           </a:p>
@@ -17129,7 +20733,7 @@
           <a:p>
             <a:fld id="{3621CD1E-4595-42C3-BFF0-83D0896B7E8A}" type="datetime1">
               <a:rPr lang="de-DE" noProof="0" smtClean="0"/>
-              <a:t>28.10.19</a:t>
+              <a:t>29.10.19</a:t>
             </a:fld>
             <a:endParaRPr lang="de-DE" noProof="0" dirty="0"/>
           </a:p>
@@ -17598,7 +21202,7 @@
           <a:p>
             <a:fld id="{1DA5372B-8290-4F29-B014-C1FC8CBE3BE6}" type="datetime1">
               <a:rPr lang="de-DE" noProof="0" smtClean="0"/>
-              <a:t>28.10.19</a:t>
+              <a:t>29.10.19</a:t>
             </a:fld>
             <a:endParaRPr lang="de-DE" noProof="0" dirty="0"/>
           </a:p>
@@ -18107,7 +21711,7 @@
           <a:p>
             <a:fld id="{70EF8492-ADB9-4EBE-9A60-E55C77C98726}" type="datetime1">
               <a:rPr lang="de-DE" noProof="0" smtClean="0"/>
-              <a:t>28.10.19</a:t>
+              <a:t>29.10.19</a:t>
             </a:fld>
             <a:endParaRPr lang="de-DE" noProof="0" dirty="0"/>
           </a:p>
@@ -18587,7 +22191,7 @@
           <a:p>
             <a:fld id="{8F698533-FC6E-4163-A8E0-9190274D324A}" type="datetime1">
               <a:rPr lang="de-DE" noProof="0" smtClean="0"/>
-              <a:t>28.10.19</a:t>
+              <a:t>29.10.19</a:t>
             </a:fld>
             <a:endParaRPr lang="de-DE" noProof="0" dirty="0"/>
           </a:p>
@@ -19078,7 +22682,7 @@
           <a:p>
             <a:fld id="{8F698533-FC6E-4163-A8E0-9190274D324A}" type="datetime1">
               <a:rPr lang="de-DE" noProof="0" smtClean="0"/>
-              <a:t>28.10.19</a:t>
+              <a:t>29.10.19</a:t>
             </a:fld>
             <a:endParaRPr lang="de-DE" noProof="0" dirty="0"/>
           </a:p>
@@ -19863,7 +23467,7 @@
           <a:p>
             <a:fld id="{50A86C45-CD1A-44AA-99BA-C8001C00C2F1}" type="datetime1">
               <a:rPr lang="de-DE" noProof="0" smtClean="0"/>
-              <a:t>28.10.19</a:t>
+              <a:t>29.10.19</a:t>
             </a:fld>
             <a:endParaRPr lang="de-DE" noProof="0" dirty="0"/>
           </a:p>
@@ -20498,7 +24102,7 @@
           <a:p>
             <a:fld id="{F807D330-5B89-43D0-9D03-357C4C787AFF}" type="datetime1">
               <a:rPr lang="de-DE" noProof="0" smtClean="0"/>
-              <a:t>28.10.19</a:t>
+              <a:t>29.10.19</a:t>
             </a:fld>
             <a:endParaRPr lang="de-DE" noProof="0" dirty="0"/>
           </a:p>
@@ -21069,7 +24673,7 @@
           <a:p>
             <a:fld id="{DDA146EC-6F84-4175-AEE8-BACFBC2394F6}" type="datetime1">
               <a:rPr lang="de-DE" noProof="0" smtClean="0"/>
-              <a:t>28.10.19</a:t>
+              <a:t>29.10.19</a:t>
             </a:fld>
             <a:endParaRPr lang="de-DE" noProof="0" dirty="0"/>
           </a:p>
@@ -21757,7 +25361,7 @@
           <a:p>
             <a:fld id="{F807D330-5B89-43D0-9D03-357C4C787AFF}" type="datetime1">
               <a:rPr lang="de-DE" noProof="0" smtClean="0"/>
-              <a:t>28.10.19</a:t>
+              <a:t>29.10.19</a:t>
             </a:fld>
             <a:endParaRPr lang="de-DE" noProof="0" dirty="0"/>
           </a:p>
@@ -22328,7 +25932,7 @@
           <a:p>
             <a:fld id="{DDA146EC-6F84-4175-AEE8-BACFBC2394F6}" type="datetime1">
               <a:rPr lang="de-DE" noProof="0" smtClean="0"/>
-              <a:t>28.10.19</a:t>
+              <a:t>29.10.19</a:t>
             </a:fld>
             <a:endParaRPr lang="de-DE" noProof="0" dirty="0"/>
           </a:p>
@@ -22849,7 +26453,7 @@
           <a:p>
             <a:fld id="{8F698533-FC6E-4163-A8E0-9190274D324A}" type="datetime1">
               <a:rPr lang="de-DE" noProof="0" smtClean="0"/>
-              <a:t>28.10.19</a:t>
+              <a:t>29.10.19</a:t>
             </a:fld>
             <a:endParaRPr lang="de-DE" noProof="0" dirty="0"/>
           </a:p>
@@ -23414,7 +27018,7 @@
           <a:p>
             <a:fld id="{70EF8492-ADB9-4EBE-9A60-E55C77C98726}" type="datetime1">
               <a:rPr lang="de-DE" noProof="0" smtClean="0"/>
-              <a:t>28.10.19</a:t>
+              <a:t>29.10.19</a:t>
             </a:fld>
             <a:endParaRPr lang="de-DE" noProof="0" dirty="0"/>
           </a:p>
@@ -24015,7 +27619,7 @@
           <a:p>
             <a:fld id="{70EF8492-ADB9-4EBE-9A60-E55C77C98726}" type="datetime1">
               <a:rPr lang="de-DE" noProof="0" smtClean="0"/>
-              <a:t>28.10.19</a:t>
+              <a:t>29.10.19</a:t>
             </a:fld>
             <a:endParaRPr lang="de-DE" noProof="0" dirty="0"/>
           </a:p>
@@ -24709,7 +28313,7 @@
           <a:p>
             <a:fld id="{70EF8492-ADB9-4EBE-9A60-E55C77C98726}" type="datetime1">
               <a:rPr lang="de-DE" noProof="0" smtClean="0"/>
-              <a:t>28.10.19</a:t>
+              <a:t>29.10.19</a:t>
             </a:fld>
             <a:endParaRPr lang="de-DE" noProof="0" dirty="0"/>
           </a:p>
@@ -25221,7 +28825,7 @@
           <a:p>
             <a:fld id="{BAD07360-8F9C-4FF8-B753-12BB54489DC8}" type="datetime1">
               <a:rPr lang="de-DE" noProof="0" smtClean="0"/>
-              <a:t>28.10.19</a:t>
+              <a:t>29.10.19</a:t>
             </a:fld>
             <a:endParaRPr lang="de-DE" noProof="0" dirty="0"/>
           </a:p>
@@ -26032,7 +29636,7 @@
           <a:p>
             <a:fld id="{BAD07360-8F9C-4FF8-B753-12BB54489DC8}" type="datetime1">
               <a:rPr lang="de-DE" noProof="0" smtClean="0"/>
-              <a:t>28.10.19</a:t>
+              <a:t>29.10.19</a:t>
             </a:fld>
             <a:endParaRPr lang="de-DE" noProof="0" dirty="0"/>
           </a:p>
@@ -26621,7 +30225,7 @@
           <a:p>
             <a:fld id="{F84828BB-7B4A-43F5-823E-CE2F139C8F04}" type="datetime1">
               <a:rPr lang="de-DE" noProof="0" smtClean="0"/>
-              <a:t>28.10.19</a:t>
+              <a:t>29.10.19</a:t>
             </a:fld>
             <a:endParaRPr lang="de-DE" noProof="0" dirty="0"/>
           </a:p>
@@ -27333,7 +30937,7 @@
           <a:p>
             <a:fld id="{BAD07360-8F9C-4FF8-B753-12BB54489DC8}" type="datetime1">
               <a:rPr lang="de-DE" noProof="0" smtClean="0"/>
-              <a:t>28.10.19</a:t>
+              <a:t>29.10.19</a:t>
             </a:fld>
             <a:endParaRPr lang="de-DE" noProof="0" dirty="0"/>
           </a:p>
@@ -28042,7 +31646,7 @@
           <a:p>
             <a:fld id="{DDA146EC-6F84-4175-AEE8-BACFBC2394F6}" type="datetime1">
               <a:rPr lang="de-DE" noProof="0" smtClean="0"/>
-              <a:t>28.10.19</a:t>
+              <a:t>29.10.19</a:t>
             </a:fld>
             <a:endParaRPr lang="de-DE" noProof="0" dirty="0"/>
           </a:p>
@@ -28844,7 +32448,7 @@
           <a:p>
             <a:fld id="{DDA146EC-6F84-4175-AEE8-BACFBC2394F6}" type="datetime1">
               <a:rPr lang="de-DE" noProof="0" smtClean="0"/>
-              <a:t>28.10.19</a:t>
+              <a:t>29.10.19</a:t>
             </a:fld>
             <a:endParaRPr lang="de-DE" noProof="0" dirty="0"/>
           </a:p>
@@ -29390,7 +32994,7 @@
           <a:p>
             <a:fld id="{DDA146EC-6F84-4175-AEE8-BACFBC2394F6}" type="datetime1">
               <a:rPr lang="de-DE" noProof="0" smtClean="0"/>
-              <a:t>28.10.19</a:t>
+              <a:t>29.10.19</a:t>
             </a:fld>
             <a:endParaRPr lang="de-DE" noProof="0" dirty="0"/>
           </a:p>
@@ -29895,7 +33499,7 @@
           <a:p>
             <a:fld id="{BAD07360-8F9C-4FF8-B753-12BB54489DC8}" type="datetime1">
               <a:rPr lang="de-DE" noProof="0" smtClean="0"/>
-              <a:t>28.10.19</a:t>
+              <a:t>29.10.19</a:t>
             </a:fld>
             <a:endParaRPr lang="de-DE" noProof="0" dirty="0"/>
           </a:p>
@@ -31508,7 +35112,7 @@
             <a:fld id="{BFDAD13F-B150-48FA-9084-D9E756CCCB07}" type="datetime1">
               <a:rPr lang="de-DE" smtClean="0"/>
               <a:pPr/>
-              <a:t>28.10.19</a:t>
+              <a:t>29.10.19</a:t>
             </a:fld>
             <a:endParaRPr lang="de-DE" dirty="0"/>
           </a:p>
@@ -34135,7 +37739,7 @@
             <a:fld id="{7FC88BA9-6F9E-4215-AE89-45AC6BCA1B0E}" type="datetime1">
               <a:rPr lang="de-DE" smtClean="0"/>
               <a:pPr/>
-              <a:t>28.10.19</a:t>
+              <a:t>29.10.19</a:t>
             </a:fld>
             <a:endParaRPr lang="de-DE" dirty="0"/>
           </a:p>
@@ -34488,7 +38092,7 @@
           <a:p>
             <a:fld id="{BFDAD13F-B150-48FA-9084-D9E756CCCB07}" type="datetime1">
               <a:rPr lang="de-DE" noProof="0" smtClean="0"/>
-              <a:t>28.10.19</a:t>
+              <a:t>29.10.19</a:t>
             </a:fld>
             <a:endParaRPr lang="de-DE" noProof="0" dirty="0"/>
           </a:p>
@@ -35719,6 +39323,18 @@
           <a:bodyPr/>
           <a:lstStyle/>
           <a:p>
+            <a:r>
+              <a:rPr lang="de-DE" dirty="0" err="1"/>
+              <a:t>Avoid</a:t>
+            </a:r>
+            <a:r>
+              <a:rPr lang="de-DE" dirty="0"/>
+              <a:t> </a:t>
+            </a:r>
+            <a:r>
+              <a:rPr lang="de-DE" dirty="0" err="1"/>
+              <a:t>Complexity</a:t>
+            </a:r>
             <a:endParaRPr lang="de-DE" dirty="0"/>
           </a:p>
         </p:txBody>
@@ -35771,13 +39387,21 @@
           <a:p>
             <a:r>
               <a:rPr lang="de-DE" dirty="0"/>
-              <a:t>Was kann sie?</a:t>
-            </a:r>
-          </a:p>
-          <a:p>
+              <a:t>Simple Applikation</a:t>
+            </a:r>
+          </a:p>
+          <a:p>
+            <a:pPr lvl="1"/>
             <a:r>
               <a:rPr lang="de-DE" dirty="0"/>
-              <a:t>Wie funktioniert sie?</a:t>
+              <a:t>Eingabe und Anzeige Name</a:t>
+            </a:r>
+          </a:p>
+          <a:p>
+            <a:pPr lvl="1"/>
+            <a:r>
+              <a:rPr lang="de-DE" dirty="0"/>
+              <a:t>Berechnung einer Summe aus bis zu 3 Summanden</a:t>
             </a:r>
           </a:p>
           <a:p>
@@ -35851,7 +39475,7 @@
           <a:p>
             <a:fld id="{154C7814-F218-4D9E-8E58-25588F0986B1}" type="datetime1">
               <a:rPr lang="de-DE" noProof="0" smtClean="0"/>
-              <a:t>28.10.19</a:t>
+              <a:t>29.10.19</a:t>
             </a:fld>
             <a:endParaRPr lang="de-DE" noProof="0" dirty="0"/>
           </a:p>
@@ -36112,7 +39736,7 @@
           <a:p>
             <a:fld id="{154C7814-F218-4D9E-8E58-25588F0986B1}" type="datetime1">
               <a:rPr lang="de-DE" noProof="0" smtClean="0"/>
-              <a:t>28.10.19</a:t>
+              <a:t>29.10.19</a:t>
             </a:fld>
             <a:endParaRPr lang="de-DE" noProof="0" dirty="0"/>
           </a:p>
@@ -36197,257 +39821,6 @@
       </p:grpSpPr>
       <p:sp>
         <p:nvSpPr>
-          <p:cNvPr id="2" name="Titel 1">
-            <a:extLst>
-              <a:ext uri="{FF2B5EF4-FFF2-40B4-BE49-F238E27FC236}">
-                <a16:creationId xmlns:a16="http://schemas.microsoft.com/office/drawing/2014/main" id="{9ABFDAD6-C0E1-8141-B758-0212F3A14EF0}"/>
-              </a:ext>
-            </a:extLst>
-          </p:cNvPr>
-          <p:cNvSpPr>
-            <a:spLocks noGrp="1"/>
-          </p:cNvSpPr>
-          <p:nvPr>
-            <p:ph type="title"/>
-          </p:nvPr>
-        </p:nvSpPr>
-        <p:spPr/>
-        <p:txBody>
-          <a:bodyPr/>
-          <a:lstStyle/>
-          <a:p>
-            <a:r>
-              <a:rPr lang="de-DE" dirty="0" err="1"/>
-              <a:t>Advanced</a:t>
-            </a:r>
-            <a:r>
-              <a:rPr lang="de-DE" dirty="0"/>
-              <a:t> BDD</a:t>
-            </a:r>
-          </a:p>
-        </p:txBody>
-      </p:sp>
-      <p:sp>
-        <p:nvSpPr>
-          <p:cNvPr id="3" name="Textplatzhalter 2">
-            <a:extLst>
-              <a:ext uri="{FF2B5EF4-FFF2-40B4-BE49-F238E27FC236}">
-                <a16:creationId xmlns:a16="http://schemas.microsoft.com/office/drawing/2014/main" id="{7B72EB04-8F2B-9649-8BCA-10A8855FA9DF}"/>
-              </a:ext>
-            </a:extLst>
-          </p:cNvPr>
-          <p:cNvSpPr>
-            <a:spLocks noGrp="1"/>
-          </p:cNvSpPr>
-          <p:nvPr>
-            <p:ph type="body" sz="quarter" idx="13"/>
-          </p:nvPr>
-        </p:nvSpPr>
-        <p:spPr/>
-        <p:txBody>
-          <a:bodyPr/>
-          <a:lstStyle/>
-          <a:p>
-            <a:r>
-              <a:rPr lang="de-DE" dirty="0"/>
-              <a:t>Vom Dummy zum Profi</a:t>
-            </a:r>
-          </a:p>
-        </p:txBody>
-      </p:sp>
-      <p:sp>
-        <p:nvSpPr>
-          <p:cNvPr id="4" name="Textplatzhalter 3">
-            <a:extLst>
-              <a:ext uri="{FF2B5EF4-FFF2-40B4-BE49-F238E27FC236}">
-                <a16:creationId xmlns:a16="http://schemas.microsoft.com/office/drawing/2014/main" id="{6AF86A2C-1A98-B740-A6C7-96733375689D}"/>
-              </a:ext>
-            </a:extLst>
-          </p:cNvPr>
-          <p:cNvSpPr>
-            <a:spLocks noGrp="1"/>
-          </p:cNvSpPr>
-          <p:nvPr>
-            <p:ph type="body" sz="quarter" idx="22"/>
-          </p:nvPr>
-        </p:nvSpPr>
-        <p:spPr/>
-        <p:txBody>
-          <a:bodyPr/>
-          <a:lstStyle/>
-          <a:p>
-            <a:endParaRPr lang="de-DE"/>
-          </a:p>
-        </p:txBody>
-      </p:sp>
-      <p:sp>
-        <p:nvSpPr>
-          <p:cNvPr id="5" name="Inhaltsplatzhalter 4">
-            <a:extLst>
-              <a:ext uri="{FF2B5EF4-FFF2-40B4-BE49-F238E27FC236}">
-                <a16:creationId xmlns:a16="http://schemas.microsoft.com/office/drawing/2014/main" id="{AEA18834-89EA-704B-A9D5-6D5196539E75}"/>
-              </a:ext>
-            </a:extLst>
-          </p:cNvPr>
-          <p:cNvSpPr>
-            <a:spLocks noGrp="1"/>
-          </p:cNvSpPr>
-          <p:nvPr>
-            <p:ph sz="half" idx="14"/>
-          </p:nvPr>
-        </p:nvSpPr>
-        <p:spPr/>
-        <p:txBody>
-          <a:bodyPr/>
-          <a:lstStyle/>
-          <a:p>
-            <a:endParaRPr lang="de-DE" dirty="0"/>
-          </a:p>
-        </p:txBody>
-      </p:sp>
-      <p:sp>
-        <p:nvSpPr>
-          <p:cNvPr id="6" name="Fußzeilenplatzhalter 5">
-            <a:extLst>
-              <a:ext uri="{FF2B5EF4-FFF2-40B4-BE49-F238E27FC236}">
-                <a16:creationId xmlns:a16="http://schemas.microsoft.com/office/drawing/2014/main" id="{41C46F3B-E446-4544-8A96-29A3DE017D2F}"/>
-              </a:ext>
-            </a:extLst>
-          </p:cNvPr>
-          <p:cNvSpPr>
-            <a:spLocks noGrp="1"/>
-          </p:cNvSpPr>
-          <p:nvPr>
-            <p:ph type="ftr" sz="quarter" idx="11"/>
-          </p:nvPr>
-        </p:nvSpPr>
-        <p:spPr/>
-        <p:txBody>
-          <a:bodyPr/>
-          <a:lstStyle/>
-          <a:p>
-            <a:r>
-              <a:rPr lang="de-DE" dirty="0" err="1"/>
-              <a:t>Advanced</a:t>
-            </a:r>
-            <a:r>
-              <a:rPr lang="de-DE" dirty="0"/>
-              <a:t> BDD / Maik Wagner / © </a:t>
-            </a:r>
-            <a:r>
-              <a:rPr lang="de-DE" dirty="0" err="1"/>
-              <a:t>Tallence</a:t>
-            </a:r>
-            <a:r>
-              <a:rPr lang="de-DE" dirty="0"/>
-              <a:t> AG</a:t>
-            </a:r>
-          </a:p>
-        </p:txBody>
-      </p:sp>
-      <p:sp>
-        <p:nvSpPr>
-          <p:cNvPr id="7" name="Datumsplatzhalter 6">
-            <a:extLst>
-              <a:ext uri="{FF2B5EF4-FFF2-40B4-BE49-F238E27FC236}">
-                <a16:creationId xmlns:a16="http://schemas.microsoft.com/office/drawing/2014/main" id="{9B585C95-7521-D34A-8571-90376AC48DA7}"/>
-              </a:ext>
-            </a:extLst>
-          </p:cNvPr>
-          <p:cNvSpPr>
-            <a:spLocks noGrp="1"/>
-          </p:cNvSpPr>
-          <p:nvPr>
-            <p:ph type="dt" sz="half" idx="10"/>
-          </p:nvPr>
-        </p:nvSpPr>
-        <p:spPr/>
-        <p:txBody>
-          <a:bodyPr/>
-          <a:lstStyle/>
-          <a:p>
-            <a:fld id="{154C7814-F218-4D9E-8E58-25588F0986B1}" type="datetime1">
-              <a:rPr lang="de-DE" noProof="0" smtClean="0"/>
-              <a:t>28.10.19</a:t>
-            </a:fld>
-            <a:endParaRPr lang="de-DE" noProof="0" dirty="0"/>
-          </a:p>
-        </p:txBody>
-      </p:sp>
-      <p:sp>
-        <p:nvSpPr>
-          <p:cNvPr id="8" name="Foliennummernplatzhalter 7">
-            <a:extLst>
-              <a:ext uri="{FF2B5EF4-FFF2-40B4-BE49-F238E27FC236}">
-                <a16:creationId xmlns:a16="http://schemas.microsoft.com/office/drawing/2014/main" id="{6C9469C1-DF6E-E543-BE43-B68C9496F691}"/>
-              </a:ext>
-            </a:extLst>
-          </p:cNvPr>
-          <p:cNvSpPr>
-            <a:spLocks noGrp="1"/>
-          </p:cNvSpPr>
-          <p:nvPr>
-            <p:ph type="sldNum" sz="quarter" idx="12"/>
-          </p:nvPr>
-        </p:nvSpPr>
-        <p:spPr/>
-        <p:txBody>
-          <a:bodyPr/>
-          <a:lstStyle/>
-          <a:p>
-            <a:fld id="{02CEFE82-39F2-4F47-8A0C-D5AB3496FA5C}" type="slidenum">
-              <a:rPr lang="de-DE" noProof="0" smtClean="0"/>
-              <a:pPr/>
-              <a:t>12</a:t>
-            </a:fld>
-            <a:endParaRPr lang="de-DE" noProof="0" dirty="0"/>
-          </a:p>
-        </p:txBody>
-      </p:sp>
-    </p:spTree>
-    <p:extLst>
-      <p:ext uri="{BB962C8B-B14F-4D97-AF65-F5344CB8AC3E}">
-        <p14:creationId xmlns:p14="http://schemas.microsoft.com/office/powerpoint/2010/main" val="2934876240"/>
-      </p:ext>
-    </p:extLst>
-  </p:cSld>
-  <p:clrMapOvr>
-    <a:masterClrMapping/>
-  </p:clrMapOvr>
-  <mc:AlternateContent xmlns:mc="http://schemas.openxmlformats.org/markup-compatibility/2006" xmlns:p14="http://schemas.microsoft.com/office/powerpoint/2010/main">
-    <mc:Choice Requires="p14">
-      <p:transition spd="med" p14:dur="700">
-        <p:fade/>
-      </p:transition>
-    </mc:Choice>
-    <mc:Fallback xmlns="">
-      <p:transition spd="med">
-        <p:fade/>
-      </p:transition>
-    </mc:Fallback>
-  </mc:AlternateContent>
-</p:sld>
-</file>
-
-<file path=ppt/slides/slide13.xml><?xml version="1.0" encoding="utf-8"?>
-<p:sld xmlns:a="http://schemas.openxmlformats.org/drawingml/2006/main" xmlns:r="http://schemas.openxmlformats.org/officeDocument/2006/relationships" xmlns:p="http://schemas.openxmlformats.org/presentationml/2006/main">
-  <p:cSld>
-    <p:spTree>
-      <p:nvGrpSpPr>
-        <p:cNvPr id="1" name=""/>
-        <p:cNvGrpSpPr/>
-        <p:nvPr/>
-      </p:nvGrpSpPr>
-      <p:grpSpPr>
-        <a:xfrm>
-          <a:off x="0" y="0"/>
-          <a:ext cx="0" cy="0"/>
-          <a:chOff x="0" y="0"/>
-          <a:chExt cx="0" cy="0"/>
-        </a:xfrm>
-      </p:grpSpPr>
-      <p:sp>
-        <p:nvSpPr>
           <p:cNvPr id="10" name="Textplatzhalter 9">
             <a:extLst>
               <a:ext uri="{FF2B5EF4-FFF2-40B4-BE49-F238E27FC236}">
@@ -36911,7 +40284,7 @@
           <a:p>
             <a:fld id="{154C7814-F218-4D9E-8E58-25588F0986B1}" type="datetime1">
               <a:rPr lang="de-DE" noProof="0" smtClean="0"/>
-              <a:t>28.10.19</a:t>
+              <a:t>29.10.19</a:t>
             </a:fld>
             <a:endParaRPr lang="de-DE" noProof="0" dirty="0"/>
           </a:p>
@@ -36946,7 +40319,7 @@
             <a:fld id="{02CEFE82-39F2-4F47-8A0C-D5AB3496FA5C}" type="slidenum">
               <a:rPr lang="de-DE" noProof="0" smtClean="0"/>
               <a:pPr/>
-              <a:t>13</a:t>
+              <a:t>12</a:t>
             </a:fld>
             <a:endParaRPr lang="de-DE" noProof="0" dirty="0"/>
           </a:p>
@@ -36956,126 +40329,6 @@
     <p:extLst>
       <p:ext uri="{BB962C8B-B14F-4D97-AF65-F5344CB8AC3E}">
         <p14:creationId xmlns:p14="http://schemas.microsoft.com/office/powerpoint/2010/main" val="3305303644"/>
-      </p:ext>
-    </p:extLst>
-  </p:cSld>
-  <p:clrMapOvr>
-    <a:masterClrMapping/>
-  </p:clrMapOvr>
-  <mc:AlternateContent xmlns:mc="http://schemas.openxmlformats.org/markup-compatibility/2006" xmlns:p14="http://schemas.microsoft.com/office/powerpoint/2010/main">
-    <mc:Choice Requires="p14">
-      <p:transition spd="med" p14:dur="700">
-        <p:fade/>
-      </p:transition>
-    </mc:Choice>
-    <mc:Fallback xmlns="">
-      <p:transition spd="med">
-        <p:fade/>
-      </p:transition>
-    </mc:Fallback>
-  </mc:AlternateContent>
-</p:sld>
-</file>
-
-<file path=ppt/slides/slide14.xml><?xml version="1.0" encoding="utf-8"?>
-<p:sld xmlns:a="http://schemas.openxmlformats.org/drawingml/2006/main" xmlns:r="http://schemas.openxmlformats.org/officeDocument/2006/relationships" xmlns:p="http://schemas.openxmlformats.org/presentationml/2006/main">
-  <p:cSld>
-    <p:spTree>
-      <p:nvGrpSpPr>
-        <p:cNvPr id="1" name=""/>
-        <p:cNvGrpSpPr/>
-        <p:nvPr/>
-      </p:nvGrpSpPr>
-      <p:grpSpPr>
-        <a:xfrm>
-          <a:off x="0" y="0"/>
-          <a:ext cx="0" cy="0"/>
-          <a:chOff x="0" y="0"/>
-          <a:chExt cx="0" cy="0"/>
-        </a:xfrm>
-      </p:grpSpPr>
-      <p:sp>
-        <p:nvSpPr>
-          <p:cNvPr id="13" name="Textplatzhalter 12">
-            <a:extLst>
-              <a:ext uri="{FF2B5EF4-FFF2-40B4-BE49-F238E27FC236}">
-                <a16:creationId xmlns:a16="http://schemas.microsoft.com/office/drawing/2014/main" id="{B22B68AC-DDAC-CB4E-92F9-52BE491755C3}"/>
-              </a:ext>
-            </a:extLst>
-          </p:cNvPr>
-          <p:cNvSpPr>
-            <a:spLocks noGrp="1"/>
-          </p:cNvSpPr>
-          <p:nvPr>
-            <p:ph type="body" sz="quarter" idx="10"/>
-          </p:nvPr>
-        </p:nvSpPr>
-        <p:spPr/>
-        <p:txBody>
-          <a:bodyPr/>
-          <a:lstStyle/>
-          <a:p>
-            <a:endParaRPr lang="de-DE"/>
-          </a:p>
-        </p:txBody>
-      </p:sp>
-      <p:sp>
-        <p:nvSpPr>
-          <p:cNvPr id="11" name="Titel 10">
-            <a:extLst>
-              <a:ext uri="{FF2B5EF4-FFF2-40B4-BE49-F238E27FC236}">
-                <a16:creationId xmlns:a16="http://schemas.microsoft.com/office/drawing/2014/main" id="{CC8AE83C-8880-C842-9DE8-8D11CE82A1C1}"/>
-              </a:ext>
-            </a:extLst>
-          </p:cNvPr>
-          <p:cNvSpPr>
-            <a:spLocks noGrp="1"/>
-          </p:cNvSpPr>
-          <p:nvPr>
-            <p:ph type="ctrTitle"/>
-          </p:nvPr>
-        </p:nvSpPr>
-        <p:spPr/>
-        <p:txBody>
-          <a:bodyPr/>
-          <a:lstStyle/>
-          <a:p>
-            <a:r>
-              <a:rPr lang="de-DE" dirty="0"/>
-              <a:t>Wir suchen Entwickler, ...</a:t>
-            </a:r>
-          </a:p>
-        </p:txBody>
-      </p:sp>
-      <p:sp>
-        <p:nvSpPr>
-          <p:cNvPr id="12" name="Untertitel 11">
-            <a:extLst>
-              <a:ext uri="{FF2B5EF4-FFF2-40B4-BE49-F238E27FC236}">
-                <a16:creationId xmlns:a16="http://schemas.microsoft.com/office/drawing/2014/main" id="{EA4EE1A0-DB7F-E54D-9CA5-C66C63F6EBEA}"/>
-              </a:ext>
-            </a:extLst>
-          </p:cNvPr>
-          <p:cNvSpPr>
-            <a:spLocks noGrp="1"/>
-          </p:cNvSpPr>
-          <p:nvPr>
-            <p:ph type="subTitle" idx="1"/>
-          </p:nvPr>
-        </p:nvSpPr>
-        <p:spPr/>
-        <p:txBody>
-          <a:bodyPr/>
-          <a:lstStyle/>
-          <a:p>
-            <a:endParaRPr lang="de-DE"/>
-          </a:p>
-        </p:txBody>
-      </p:sp>
-    </p:spTree>
-    <p:extLst>
-      <p:ext uri="{BB962C8B-B14F-4D97-AF65-F5344CB8AC3E}">
-        <p14:creationId xmlns:p14="http://schemas.microsoft.com/office/powerpoint/2010/main" val="3203108736"/>
       </p:ext>
     </p:extLst>
   </p:cSld>
@@ -37967,7 +41220,7 @@
           <a:p>
             <a:fld id="{6FEC6909-2C01-40CF-9626-2CD40C8FE822}" type="datetime1">
               <a:rPr lang="de-DE" noProof="0" smtClean="0"/>
-              <a:t>28.10.19</a:t>
+              <a:t>29.10.19</a:t>
             </a:fld>
             <a:endParaRPr lang="de-DE" noProof="0" dirty="0"/>
           </a:p>
@@ -38107,10 +41360,10 @@
       </p:sp>
       <p:sp>
         <p:nvSpPr>
-          <p:cNvPr id="32" name="Textplatzhalter 31">
+          <p:cNvPr id="7" name="Inhaltsplatzhalter 6">
             <a:extLst>
               <a:ext uri="{FF2B5EF4-FFF2-40B4-BE49-F238E27FC236}">
-                <a16:creationId xmlns:a16="http://schemas.microsoft.com/office/drawing/2014/main" id="{C29EEA09-74A9-BD47-BDBF-EA97A7250599}"/>
+                <a16:creationId xmlns:a16="http://schemas.microsoft.com/office/drawing/2014/main" id="{44CCC444-7249-B64D-AD5D-55EB8E943839}"/>
               </a:ext>
             </a:extLst>
           </p:cNvPr>
@@ -38118,7 +41371,7 @@
             <a:spLocks noGrp="1"/>
           </p:cNvSpPr>
           <p:nvPr>
-            <p:ph type="body" sz="quarter" idx="22"/>
+            <p:ph sz="half" idx="15"/>
           </p:nvPr>
         </p:nvSpPr>
         <p:spPr/>
@@ -38126,24 +41379,54 @@
           <a:bodyPr/>
           <a:lstStyle/>
           <a:p>
-            <a:endParaRPr lang="de-DE"/>
-          </a:p>
-        </p:txBody>
-      </p:sp>
-      <p:sp>
-        <p:nvSpPr>
-          <p:cNvPr id="31" name="Inhaltsplatzhalter 30">
+            <a:endParaRPr lang="de-DE" dirty="0"/>
+          </a:p>
+        </p:txBody>
+      </p:sp>
+      <p:pic>
+        <p:nvPicPr>
+          <p:cNvPr id="13" name="Bildplatzhalter 12">
             <a:extLst>
               <a:ext uri="{FF2B5EF4-FFF2-40B4-BE49-F238E27FC236}">
-                <a16:creationId xmlns:a16="http://schemas.microsoft.com/office/drawing/2014/main" id="{995AF0FB-A0AB-354C-A4F6-8A6CE2C8BB97}"/>
+                <a16:creationId xmlns:a16="http://schemas.microsoft.com/office/drawing/2014/main" id="{9C116D42-565C-3442-BAA3-AA6D31AACF7A}"/>
               </a:ext>
             </a:extLst>
           </p:cNvPr>
-          <p:cNvSpPr>
-            <a:spLocks noGrp="1"/>
-          </p:cNvSpPr>
-          <p:nvPr>
-            <p:ph sz="half" idx="14"/>
+          <p:cNvPicPr>
+            <a:picLocks noGrp="1" noChangeAspect="1"/>
+          </p:cNvPicPr>
+          <p:nvPr>
+            <p:ph type="pic" sz="quarter" idx="21"/>
+          </p:nvPr>
+        </p:nvPicPr>
+        <p:blipFill>
+          <a:blip r:embed="rId2"/>
+          <a:srcRect l="13251" r="13251"/>
+          <a:stretch>
+            <a:fillRect/>
+          </a:stretch>
+        </p:blipFill>
+        <p:spPr>
+          <a:xfrm>
+            <a:off x="8377198" y="0"/>
+            <a:ext cx="3416400" cy="5810400"/>
+          </a:xfrm>
+        </p:spPr>
+      </p:pic>
+      <p:sp>
+        <p:nvSpPr>
+          <p:cNvPr id="11" name="Textplatzhalter 10">
+            <a:extLst>
+              <a:ext uri="{FF2B5EF4-FFF2-40B4-BE49-F238E27FC236}">
+                <a16:creationId xmlns:a16="http://schemas.microsoft.com/office/drawing/2014/main" id="{28AF4A41-53F8-364A-A26B-FE3A90803499}"/>
+              </a:ext>
+            </a:extLst>
+          </p:cNvPr>
+          <p:cNvSpPr>
+            <a:spLocks noGrp="1"/>
+          </p:cNvSpPr>
+          <p:nvPr>
+            <p:ph type="body" sz="quarter" idx="22"/>
           </p:nvPr>
         </p:nvSpPr>
         <p:spPr/>
@@ -38151,7 +41434,73 @@
           <a:bodyPr/>
           <a:lstStyle/>
           <a:p>
-            <a:endParaRPr lang="de-DE" dirty="0"/>
+            <a:endParaRPr lang="de-DE"/>
+          </a:p>
+        </p:txBody>
+      </p:sp>
+      <p:sp>
+        <p:nvSpPr>
+          <p:cNvPr id="8" name="Textplatzhalter 7">
+            <a:extLst>
+              <a:ext uri="{FF2B5EF4-FFF2-40B4-BE49-F238E27FC236}">
+                <a16:creationId xmlns:a16="http://schemas.microsoft.com/office/drawing/2014/main" id="{8933ACE5-7DD0-1E47-8996-953AB33D8EB8}"/>
+              </a:ext>
+            </a:extLst>
+          </p:cNvPr>
+          <p:cNvSpPr>
+            <a:spLocks noGrp="1"/>
+          </p:cNvSpPr>
+          <p:nvPr>
+            <p:ph type="body" sz="quarter" idx="19"/>
+          </p:nvPr>
+        </p:nvSpPr>
+        <p:spPr>
+          <a:xfrm>
+            <a:off x="10584281" y="4688079"/>
+            <a:ext cx="1338920" cy="307447"/>
+          </a:xfrm>
+        </p:spPr>
+        <p:txBody>
+          <a:bodyPr/>
+          <a:lstStyle/>
+          <a:p>
+            <a:r>
+              <a:rPr lang="de-DE" dirty="0"/>
+              <a:t>Maik Wagner</a:t>
+            </a:r>
+          </a:p>
+        </p:txBody>
+      </p:sp>
+      <p:sp>
+        <p:nvSpPr>
+          <p:cNvPr id="9" name="Textplatzhalter 8">
+            <a:extLst>
+              <a:ext uri="{FF2B5EF4-FFF2-40B4-BE49-F238E27FC236}">
+                <a16:creationId xmlns:a16="http://schemas.microsoft.com/office/drawing/2014/main" id="{332F1A83-E35C-0B4D-B1DC-D1C8C9AA3F77}"/>
+              </a:ext>
+            </a:extLst>
+          </p:cNvPr>
+          <p:cNvSpPr>
+            <a:spLocks noGrp="1"/>
+          </p:cNvSpPr>
+          <p:nvPr>
+            <p:ph type="body" sz="quarter" idx="20"/>
+          </p:nvPr>
+        </p:nvSpPr>
+        <p:spPr>
+          <a:xfrm>
+            <a:off x="9492482" y="5280709"/>
+            <a:ext cx="2430822" cy="307447"/>
+          </a:xfrm>
+        </p:spPr>
+        <p:txBody>
+          <a:bodyPr/>
+          <a:lstStyle/>
+          <a:p>
+            <a:r>
+              <a:rPr lang="de-DE" dirty="0"/>
+              <a:t>Senior Software Developer</a:t>
+            </a:r>
           </a:p>
         </p:txBody>
       </p:sp>
@@ -38218,7 +41567,7 @@
           <a:p>
             <a:fld id="{6FEC6909-2C01-40CF-9626-2CD40C8FE822}" type="datetime1">
               <a:rPr lang="de-DE" noProof="0" smtClean="0"/>
-              <a:t>28.10.19</a:t>
+              <a:t>29.10.19</a:t>
             </a:fld>
             <a:endParaRPr lang="de-DE" noProof="0" dirty="0"/>
           </a:p>
@@ -38403,9 +41752,27 @@
             </a:r>
           </a:p>
           <a:p>
+            <a:pPr lvl="1"/>
+            <a:r>
+              <a:rPr lang="de-DE" dirty="0"/>
+              <a:t>prüft und bewertet Software auf Erfüllung der für ihren Einsatz definierten Anforderungen</a:t>
+            </a:r>
+          </a:p>
+          <a:p>
             <a:r>
               <a:rPr lang="de-DE" dirty="0"/>
               <a:t>Was ist BDD?</a:t>
+            </a:r>
+          </a:p>
+          <a:p>
+            <a:pPr lvl="1"/>
+            <a:r>
+              <a:rPr lang="de-DE" dirty="0" err="1"/>
+              <a:t>Behaviour-Driven</a:t>
+            </a:r>
+            <a:r>
+              <a:rPr lang="de-DE" dirty="0"/>
+              <a:t> Development</a:t>
             </a:r>
           </a:p>
           <a:p>
@@ -38476,7 +41843,7 @@
           <a:p>
             <a:fld id="{154C7814-F218-4D9E-8E58-25588F0986B1}" type="datetime1">
               <a:rPr lang="de-DE" noProof="0" smtClean="0"/>
-              <a:t>28.10.19</a:t>
+              <a:t>29.10.19</a:t>
             </a:fld>
             <a:endParaRPr lang="de-DE" noProof="0" dirty="0"/>
           </a:p>
@@ -38512,6 +41879,36 @@
           </a:p>
         </p:txBody>
       </p:sp>
+      <p:pic>
+        <p:nvPicPr>
+          <p:cNvPr id="9" name="Grafik 8">
+            <a:extLst>
+              <a:ext uri="{FF2B5EF4-FFF2-40B4-BE49-F238E27FC236}">
+                <a16:creationId xmlns:a16="http://schemas.microsoft.com/office/drawing/2014/main" id="{64AD3BE3-B327-3044-9194-B5E65A37F824}"/>
+              </a:ext>
+            </a:extLst>
+          </p:cNvPr>
+          <p:cNvPicPr>
+            <a:picLocks noChangeAspect="1"/>
+          </p:cNvPicPr>
+          <p:nvPr/>
+        </p:nvPicPr>
+        <p:blipFill>
+          <a:blip r:embed="rId3"/>
+          <a:stretch>
+            <a:fillRect/>
+          </a:stretch>
+        </p:blipFill>
+        <p:spPr>
+          <a:xfrm>
+            <a:off x="7599362" y="2635400"/>
+            <a:ext cx="3175000" cy="3175000"/>
+          </a:xfrm>
+          <a:prstGeom prst="rect">
+            <a:avLst/>
+          </a:prstGeom>
+        </p:spPr>
+      </p:pic>
     </p:spTree>
     <p:extLst>
       <p:ext uri="{BB962C8B-B14F-4D97-AF65-F5344CB8AC3E}">
@@ -38733,7 +42130,7 @@
           <a:p>
             <a:fld id="{154C7814-F218-4D9E-8E58-25588F0986B1}" type="datetime1">
               <a:rPr lang="de-DE" noProof="0" smtClean="0"/>
-              <a:t>28.10.19</a:t>
+              <a:t>29.10.19</a:t>
             </a:fld>
             <a:endParaRPr lang="de-DE" noProof="0" dirty="0"/>
           </a:p>
@@ -38802,6 +42199,12 @@
 <file path=ppt/slides/slide7.xml><?xml version="1.0" encoding="utf-8"?>
 <p:sld xmlns:a="http://schemas.openxmlformats.org/drawingml/2006/main" xmlns:r="http://schemas.openxmlformats.org/officeDocument/2006/relationships" xmlns:p="http://schemas.openxmlformats.org/presentationml/2006/main">
   <p:cSld>
+    <p:bg>
+      <p:bgPr>
+        <a:noFill/>
+        <a:effectLst/>
+      </p:bgPr>
+    </p:bg>
     <p:spTree>
       <p:nvGrpSpPr>
         <p:cNvPr id="1" name=""/>
@@ -38919,7 +42322,81 @@
           <a:bodyPr/>
           <a:lstStyle/>
           <a:p>
-            <a:endParaRPr lang="de-DE"/>
+            <a:r>
+              <a:rPr lang="de-DE" dirty="0"/>
+              <a:t>BDD-Framework (</a:t>
+            </a:r>
+            <a:r>
+              <a:rPr lang="de-DE" dirty="0" err="1"/>
+              <a:t>Behavior-Driven</a:t>
+            </a:r>
+            <a:r>
+              <a:rPr lang="de-DE" dirty="0"/>
+              <a:t> Development)</a:t>
+            </a:r>
+          </a:p>
+          <a:p>
+            <a:r>
+              <a:rPr lang="de-DE" dirty="0"/>
+              <a:t>TDD (Test-</a:t>
+            </a:r>
+            <a:r>
+              <a:rPr lang="de-DE" dirty="0" err="1"/>
+              <a:t>Driven</a:t>
+            </a:r>
+            <a:r>
+              <a:rPr lang="de-DE" dirty="0"/>
+              <a:t> Development) – Akzeptanz-Test Design</a:t>
+            </a:r>
+          </a:p>
+          <a:p>
+            <a:r>
+              <a:rPr lang="de-DE" dirty="0"/>
+              <a:t>Arbeitsschritte</a:t>
+            </a:r>
+          </a:p>
+          <a:p>
+            <a:pPr lvl="1"/>
+            <a:r>
+              <a:rPr lang="de-DE" dirty="0"/>
+              <a:t>Story-Entwicklung</a:t>
+            </a:r>
+          </a:p>
+          <a:p>
+            <a:pPr lvl="1"/>
+            <a:r>
+              <a:rPr lang="de-DE" dirty="0" err="1"/>
+              <a:t>Step</a:t>
+            </a:r>
+            <a:r>
+              <a:rPr lang="de-DE" dirty="0"/>
+              <a:t>-Entwicklung</a:t>
+            </a:r>
+          </a:p>
+          <a:p>
+            <a:pPr lvl="1"/>
+            <a:r>
+              <a:rPr lang="de-DE" dirty="0"/>
+              <a:t>Konfiguration</a:t>
+            </a:r>
+          </a:p>
+          <a:p>
+            <a:pPr lvl="1"/>
+            <a:r>
+              <a:rPr lang="de-DE" dirty="0"/>
+              <a:t>Run</a:t>
+            </a:r>
+          </a:p>
+          <a:p>
+            <a:pPr lvl="1"/>
+            <a:r>
+              <a:rPr lang="de-DE" dirty="0"/>
+              <a:t>Reports</a:t>
+            </a:r>
+          </a:p>
+          <a:p>
+            <a:pPr lvl="1"/>
+            <a:endParaRPr lang="de-DE" dirty="0"/>
           </a:p>
         </p:txBody>
       </p:sp>
@@ -38986,7 +42463,7 @@
           <a:p>
             <a:fld id="{154C7814-F218-4D9E-8E58-25588F0986B1}" type="datetime1">
               <a:rPr lang="de-DE" noProof="0" smtClean="0"/>
-              <a:t>28.10.19</a:t>
+              <a:t>29.10.19</a:t>
             </a:fld>
             <a:endParaRPr lang="de-DE" noProof="0" dirty="0"/>
           </a:p>
@@ -39022,6 +42499,884 @@
           </a:p>
         </p:txBody>
       </p:sp>
+      <p:graphicFrame>
+        <p:nvGraphicFramePr>
+          <p:cNvPr id="9" name="Objekt 8">
+            <a:extLst>
+              <a:ext uri="{FF2B5EF4-FFF2-40B4-BE49-F238E27FC236}">
+                <a16:creationId xmlns:a16="http://schemas.microsoft.com/office/drawing/2014/main" id="{9D4025BE-E32E-D040-9161-EA9F056CA82E}"/>
+              </a:ext>
+            </a:extLst>
+          </p:cNvPr>
+          <p:cNvGraphicFramePr>
+            <a:graphicFrameLocks noChangeAspect="1"/>
+          </p:cNvGraphicFramePr>
+          <p:nvPr>
+            <p:extLst>
+              <p:ext uri="{D42A27DB-BD31-4B8C-83A1-F6EECF244321}">
+                <p14:modId xmlns:p14="http://schemas.microsoft.com/office/powerpoint/2010/main" val="3159842433"/>
+              </p:ext>
+            </p:extLst>
+          </p:nvPr>
+        </p:nvGraphicFramePr>
+        <p:xfrm>
+          <a:off x="1524000" y="3333750"/>
+          <a:ext cx="9144000" cy="190500"/>
+        </p:xfrm>
+        <a:graphic>
+          <a:graphicData uri="http://schemas.openxmlformats.org/presentationml/2006/ole">
+            <mc:AlternateContent xmlns:mc="http://schemas.openxmlformats.org/markup-compatibility/2006">
+              <mc:Choice xmlns:v="urn:schemas-microsoft-com:vml" Requires="v">
+                <p:oleObj spid="_x0000_s1060" name="Dokument" r:id="rId3" imgW="9144000" imgH="190500" progId="Word.Document.12">
+                  <p:embed/>
+                </p:oleObj>
+              </mc:Choice>
+              <mc:Fallback>
+                <p:oleObj name="Dokument" r:id="rId3" imgW="9144000" imgH="190500" progId="Word.Document.12">
+                  <p:embed/>
+                  <p:pic>
+                    <p:nvPicPr>
+                      <p:cNvPr id="0" name=""/>
+                      <p:cNvPicPr/>
+                      <p:nvPr/>
+                    </p:nvPicPr>
+                    <p:blipFill>
+                      <a:blip r:embed="rId4"/>
+                      <a:stretch>
+                        <a:fillRect/>
+                      </a:stretch>
+                    </p:blipFill>
+                    <p:spPr>
+                      <a:xfrm>
+                        <a:off x="1524000" y="3333750"/>
+                        <a:ext cx="9144000" cy="190500"/>
+                      </a:xfrm>
+                      <a:prstGeom prst="rect">
+                        <a:avLst/>
+                      </a:prstGeom>
+                    </p:spPr>
+                  </p:pic>
+                </p:oleObj>
+              </mc:Fallback>
+            </mc:AlternateContent>
+          </a:graphicData>
+        </a:graphic>
+      </p:graphicFrame>
+      <p:sp>
+        <p:nvSpPr>
+          <p:cNvPr id="10" name="Textfeld 9">
+            <a:extLst>
+              <a:ext uri="{FF2B5EF4-FFF2-40B4-BE49-F238E27FC236}">
+                <a16:creationId xmlns:a16="http://schemas.microsoft.com/office/drawing/2014/main" id="{FFFF157A-8810-EA4C-8CD4-4E3ECE4D85F5}"/>
+              </a:ext>
+            </a:extLst>
+          </p:cNvPr>
+          <p:cNvSpPr txBox="1"/>
+          <p:nvPr/>
+        </p:nvSpPr>
+        <p:spPr>
+          <a:xfrm>
+            <a:off x="4925683" y="2855343"/>
+            <a:ext cx="914400" cy="914400"/>
+          </a:xfrm>
+          <a:prstGeom prst="rect">
+            <a:avLst/>
+          </a:prstGeom>
+          <a:noFill/>
+        </p:spPr>
+        <p:txBody>
+          <a:bodyPr wrap="none" lIns="0" tIns="0" rIns="0" bIns="0" rtlCol="0">
+            <a:noAutofit/>
+          </a:bodyPr>
+          <a:lstStyle/>
+          <a:p>
+            <a:pPr>
+              <a:lnSpc>
+                <a:spcPct val="120000"/>
+              </a:lnSpc>
+              <a:spcAft>
+                <a:spcPts val="1000"/>
+              </a:spcAft>
+            </a:pPr>
+            <a:endParaRPr lang="de-DE" dirty="0"/>
+          </a:p>
+        </p:txBody>
+      </p:sp>
+      <p:graphicFrame>
+        <p:nvGraphicFramePr>
+          <p:cNvPr id="11" name="Tabelle 10">
+            <a:extLst>
+              <a:ext uri="{FF2B5EF4-FFF2-40B4-BE49-F238E27FC236}">
+                <a16:creationId xmlns:a16="http://schemas.microsoft.com/office/drawing/2014/main" id="{2A91E412-3858-CB4D-BDC9-66A28CB6ACEA}"/>
+              </a:ext>
+            </a:extLst>
+          </p:cNvPr>
+          <p:cNvGraphicFramePr>
+            <a:graphicFrameLocks noGrp="1"/>
+          </p:cNvGraphicFramePr>
+          <p:nvPr>
+            <p:extLst>
+              <p:ext uri="{D42A27DB-BD31-4B8C-83A1-F6EECF244321}">
+                <p14:modId xmlns:p14="http://schemas.microsoft.com/office/powerpoint/2010/main" val="1815284558"/>
+              </p:ext>
+            </p:extLst>
+          </p:nvPr>
+        </p:nvGraphicFramePr>
+        <p:xfrm>
+          <a:off x="4594405" y="2512443"/>
+          <a:ext cx="5817678" cy="2730600"/>
+        </p:xfrm>
+        <a:graphic>
+          <a:graphicData uri="http://schemas.openxmlformats.org/drawingml/2006/table">
+            <a:tbl>
+              <a:tblPr>
+                <a:effectLst>
+                  <a:outerShdw blurRad="50800" dist="38100" dir="2700000" algn="tl" rotWithShape="0">
+                    <a:prstClr val="black">
+                      <a:alpha val="40000"/>
+                    </a:prstClr>
+                  </a:outerShdw>
+                </a:effectLst>
+              </a:tblPr>
+              <a:tblGrid>
+                <a:gridCol w="5817678">
+                  <a:extLst>
+                    <a:ext uri="{9D8B030D-6E8A-4147-A177-3AD203B41FA5}">
+                      <a16:colId xmlns:a16="http://schemas.microsoft.com/office/drawing/2014/main" val="363108958"/>
+                    </a:ext>
+                  </a:extLst>
+                </a:gridCol>
+              </a:tblGrid>
+              <a:tr h="2445317">
+                <a:tc>
+                  <a:txBody>
+                    <a:bodyPr/>
+                    <a:lstStyle/>
+                    <a:p>
+                      <a:pPr algn="l" fontAlgn="base"/>
+                      <a:r>
+                        <a:rPr lang="de-DE" sz="1500" b="0" i="0" kern="1200" dirty="0">
+                          <a:solidFill>
+                            <a:schemeClr val="accent4"/>
+                          </a:solidFill>
+                          <a:effectLst/>
+                          <a:latin typeface="Consolas" panose="020B0609020204030204" pitchFamily="49" charset="0"/>
+                          <a:ea typeface="+mn-ea"/>
+                          <a:cs typeface="+mn-cs"/>
+                        </a:rPr>
+                        <a:t>Scenario:</a:t>
+                      </a:r>
+                      <a:r>
+                        <a:rPr lang="de-DE" sz="1500" b="0" i="0" dirty="0">
+                          <a:effectLst/>
+                          <a:latin typeface="Consolas" panose="020B0609020204030204" pitchFamily="49" charset="0"/>
+                        </a:rPr>
+                        <a:t>  </a:t>
+                      </a:r>
+                      <a:r>
+                        <a:rPr lang="de-DE" sz="1500" b="0" i="0" dirty="0" err="1">
+                          <a:effectLst/>
+                          <a:latin typeface="Consolas" panose="020B0609020204030204" pitchFamily="49" charset="0"/>
+                        </a:rPr>
+                        <a:t>trader</a:t>
+                      </a:r>
+                      <a:r>
+                        <a:rPr lang="de-DE" sz="1500" b="0" i="0" dirty="0">
+                          <a:effectLst/>
+                          <a:latin typeface="Consolas" panose="020B0609020204030204" pitchFamily="49" charset="0"/>
+                        </a:rPr>
+                        <a:t> </a:t>
+                      </a:r>
+                      <a:r>
+                        <a:rPr lang="de-DE" sz="1500" b="0" i="0" dirty="0" err="1">
+                          <a:effectLst/>
+                          <a:latin typeface="Consolas" panose="020B0609020204030204" pitchFamily="49" charset="0"/>
+                        </a:rPr>
+                        <a:t>is</a:t>
+                      </a:r>
+                      <a:r>
+                        <a:rPr lang="de-DE" sz="1500" b="0" i="0" dirty="0">
+                          <a:effectLst/>
+                          <a:latin typeface="Consolas" panose="020B0609020204030204" pitchFamily="49" charset="0"/>
+                        </a:rPr>
+                        <a:t> not </a:t>
+                      </a:r>
+                      <a:r>
+                        <a:rPr lang="de-DE" sz="1500" b="0" i="0" dirty="0" err="1">
+                          <a:effectLst/>
+                          <a:latin typeface="Consolas" panose="020B0609020204030204" pitchFamily="49" charset="0"/>
+                        </a:rPr>
+                        <a:t>alerted</a:t>
+                      </a:r>
+                      <a:r>
+                        <a:rPr lang="de-DE" sz="1500" b="0" i="0" dirty="0">
+                          <a:effectLst/>
+                          <a:latin typeface="Consolas" panose="020B0609020204030204" pitchFamily="49" charset="0"/>
+                        </a:rPr>
+                        <a:t> </a:t>
+                      </a:r>
+                      <a:r>
+                        <a:rPr lang="de-DE" sz="1500" b="0" i="0" dirty="0" err="1">
+                          <a:effectLst/>
+                          <a:latin typeface="Consolas" panose="020B0609020204030204" pitchFamily="49" charset="0"/>
+                        </a:rPr>
+                        <a:t>below</a:t>
+                      </a:r>
+                      <a:r>
+                        <a:rPr lang="de-DE" sz="1500" b="0" i="0" dirty="0">
+                          <a:effectLst/>
+                          <a:latin typeface="Consolas" panose="020B0609020204030204" pitchFamily="49" charset="0"/>
+                        </a:rPr>
+                        <a:t> </a:t>
+                      </a:r>
+                      <a:r>
+                        <a:rPr lang="de-DE" sz="1500" b="0" i="0" dirty="0" err="1">
+                          <a:effectLst/>
+                          <a:latin typeface="Consolas" panose="020B0609020204030204" pitchFamily="49" charset="0"/>
+                        </a:rPr>
+                        <a:t>threshold</a:t>
+                      </a:r>
+                      <a:endParaRPr lang="de-DE" sz="1500" b="0" i="0" dirty="0">
+                        <a:effectLst/>
+                        <a:latin typeface="Consolas" panose="020B0609020204030204" pitchFamily="49" charset="0"/>
+                      </a:endParaRPr>
+                    </a:p>
+                    <a:p>
+                      <a:pPr algn="l" fontAlgn="base"/>
+                      <a:r>
+                        <a:rPr lang="de-DE" sz="1500" b="0" i="0" dirty="0">
+                          <a:effectLst/>
+                          <a:latin typeface="Consolas" panose="020B0609020204030204" pitchFamily="49" charset="0"/>
+                        </a:rPr>
+                        <a:t> </a:t>
+                      </a:r>
+                    </a:p>
+                    <a:p>
+                      <a:pPr algn="l" fontAlgn="base"/>
+                      <a:r>
+                        <a:rPr lang="de-DE" sz="1500" b="0" i="0" kern="1200" dirty="0" err="1">
+                          <a:solidFill>
+                            <a:schemeClr val="accent4"/>
+                          </a:solidFill>
+                          <a:effectLst/>
+                          <a:latin typeface="Consolas" panose="020B0609020204030204" pitchFamily="49" charset="0"/>
+                          <a:ea typeface="+mn-ea"/>
+                          <a:cs typeface="+mn-cs"/>
+                        </a:rPr>
+                        <a:t>Given</a:t>
+                      </a:r>
+                      <a:r>
+                        <a:rPr lang="de-DE" sz="1500" b="0" i="0" dirty="0">
+                          <a:effectLst/>
+                          <a:latin typeface="Consolas" panose="020B0609020204030204" pitchFamily="49" charset="0"/>
+                        </a:rPr>
+                        <a:t> a stock </a:t>
+                      </a:r>
+                      <a:r>
+                        <a:rPr lang="de-DE" sz="1500" b="0" i="0" dirty="0" err="1">
+                          <a:effectLst/>
+                          <a:latin typeface="Consolas" panose="020B0609020204030204" pitchFamily="49" charset="0"/>
+                        </a:rPr>
+                        <a:t>of</a:t>
+                      </a:r>
+                      <a:r>
+                        <a:rPr lang="de-DE" sz="1500" b="0" i="0" dirty="0">
+                          <a:effectLst/>
+                          <a:latin typeface="Consolas" panose="020B0609020204030204" pitchFamily="49" charset="0"/>
+                        </a:rPr>
+                        <a:t> </a:t>
+                      </a:r>
+                      <a:r>
+                        <a:rPr lang="de-DE" sz="1500" b="0" i="0" dirty="0" err="1">
+                          <a:effectLst/>
+                          <a:latin typeface="Consolas" panose="020B0609020204030204" pitchFamily="49" charset="0"/>
+                        </a:rPr>
+                        <a:t>symbol</a:t>
+                      </a:r>
+                      <a:r>
+                        <a:rPr lang="de-DE" sz="1500" b="0" i="0" dirty="0">
+                          <a:effectLst/>
+                          <a:latin typeface="Consolas" panose="020B0609020204030204" pitchFamily="49" charset="0"/>
+                        </a:rPr>
+                        <a:t> STK1 </a:t>
+                      </a:r>
+                      <a:r>
+                        <a:rPr lang="de-DE" sz="1500" b="0" i="0" dirty="0" err="1">
+                          <a:effectLst/>
+                          <a:latin typeface="Consolas" panose="020B0609020204030204" pitchFamily="49" charset="0"/>
+                        </a:rPr>
+                        <a:t>and</a:t>
+                      </a:r>
+                      <a:r>
+                        <a:rPr lang="de-DE" sz="1500" b="0" i="0" dirty="0">
+                          <a:effectLst/>
+                          <a:latin typeface="Consolas" panose="020B0609020204030204" pitchFamily="49" charset="0"/>
+                        </a:rPr>
+                        <a:t> a </a:t>
+                      </a:r>
+                      <a:r>
+                        <a:rPr lang="de-DE" sz="1500" b="0" i="0" dirty="0" err="1">
+                          <a:effectLst/>
+                          <a:latin typeface="Consolas" panose="020B0609020204030204" pitchFamily="49" charset="0"/>
+                        </a:rPr>
+                        <a:t>threshold</a:t>
+                      </a:r>
+                      <a:r>
+                        <a:rPr lang="de-DE" sz="1500" b="0" i="0" dirty="0">
+                          <a:effectLst/>
+                          <a:latin typeface="Consolas" panose="020B0609020204030204" pitchFamily="49" charset="0"/>
+                        </a:rPr>
+                        <a:t> </a:t>
+                      </a:r>
+                      <a:r>
+                        <a:rPr lang="de-DE" sz="1500" b="0" i="0" dirty="0" err="1">
+                          <a:effectLst/>
+                          <a:latin typeface="Consolas" panose="020B0609020204030204" pitchFamily="49" charset="0"/>
+                        </a:rPr>
+                        <a:t>of</a:t>
+                      </a:r>
+                      <a:r>
+                        <a:rPr lang="de-DE" sz="1500" b="0" i="0" dirty="0">
+                          <a:effectLst/>
+                          <a:latin typeface="Consolas" panose="020B0609020204030204" pitchFamily="49" charset="0"/>
+                        </a:rPr>
+                        <a:t> 10.0</a:t>
+                      </a:r>
+                    </a:p>
+                    <a:p>
+                      <a:pPr algn="l" fontAlgn="base"/>
+                      <a:r>
+                        <a:rPr lang="de-DE" sz="1500" b="0" i="0" kern="1200" dirty="0" err="1">
+                          <a:solidFill>
+                            <a:schemeClr val="accent4"/>
+                          </a:solidFill>
+                          <a:effectLst/>
+                          <a:latin typeface="Consolas" panose="020B0609020204030204" pitchFamily="49" charset="0"/>
+                          <a:ea typeface="+mn-ea"/>
+                          <a:cs typeface="+mn-cs"/>
+                        </a:rPr>
+                        <a:t>When</a:t>
+                      </a:r>
+                      <a:r>
+                        <a:rPr lang="de-DE" sz="1500" b="0" i="0" dirty="0">
+                          <a:effectLst/>
+                          <a:latin typeface="Consolas" panose="020B0609020204030204" pitchFamily="49" charset="0"/>
+                        </a:rPr>
+                        <a:t> </a:t>
+                      </a:r>
+                      <a:r>
+                        <a:rPr lang="de-DE" sz="1500" b="0" i="0" dirty="0" err="1">
+                          <a:effectLst/>
+                          <a:latin typeface="Consolas" panose="020B0609020204030204" pitchFamily="49" charset="0"/>
+                        </a:rPr>
+                        <a:t>the</a:t>
+                      </a:r>
+                      <a:r>
+                        <a:rPr lang="de-DE" sz="1500" b="0" i="0" dirty="0">
+                          <a:effectLst/>
+                          <a:latin typeface="Consolas" panose="020B0609020204030204" pitchFamily="49" charset="0"/>
+                        </a:rPr>
+                        <a:t> stock </a:t>
+                      </a:r>
+                      <a:r>
+                        <a:rPr lang="de-DE" sz="1500" b="0" i="0" dirty="0" err="1">
+                          <a:effectLst/>
+                          <a:latin typeface="Consolas" panose="020B0609020204030204" pitchFamily="49" charset="0"/>
+                        </a:rPr>
+                        <a:t>is</a:t>
+                      </a:r>
+                      <a:r>
+                        <a:rPr lang="de-DE" sz="1500" b="0" i="0" dirty="0">
+                          <a:effectLst/>
+                          <a:latin typeface="Consolas" panose="020B0609020204030204" pitchFamily="49" charset="0"/>
+                        </a:rPr>
+                        <a:t> </a:t>
+                      </a:r>
+                      <a:r>
+                        <a:rPr lang="de-DE" sz="1500" b="0" i="0" dirty="0" err="1">
+                          <a:effectLst/>
+                          <a:latin typeface="Consolas" panose="020B0609020204030204" pitchFamily="49" charset="0"/>
+                        </a:rPr>
+                        <a:t>traded</a:t>
+                      </a:r>
+                      <a:r>
+                        <a:rPr lang="de-DE" sz="1500" b="0" i="0" dirty="0">
+                          <a:effectLst/>
+                          <a:latin typeface="Consolas" panose="020B0609020204030204" pitchFamily="49" charset="0"/>
+                        </a:rPr>
+                        <a:t> at 5.0</a:t>
+                      </a:r>
+                    </a:p>
+                    <a:p>
+                      <a:pPr algn="l" fontAlgn="base"/>
+                      <a:r>
+                        <a:rPr lang="de-DE" sz="1500" b="0" i="0" kern="1200" dirty="0" err="1">
+                          <a:solidFill>
+                            <a:schemeClr val="accent4"/>
+                          </a:solidFill>
+                          <a:effectLst/>
+                          <a:latin typeface="Consolas" panose="020B0609020204030204" pitchFamily="49" charset="0"/>
+                          <a:ea typeface="+mn-ea"/>
+                          <a:cs typeface="+mn-cs"/>
+                        </a:rPr>
+                        <a:t>Then</a:t>
+                      </a:r>
+                      <a:r>
+                        <a:rPr lang="de-DE" sz="1500" b="0" i="0" dirty="0">
+                          <a:effectLst/>
+                          <a:latin typeface="Consolas" panose="020B0609020204030204" pitchFamily="49" charset="0"/>
+                        </a:rPr>
+                        <a:t> </a:t>
+                      </a:r>
+                      <a:r>
+                        <a:rPr lang="de-DE" sz="1500" b="0" i="0" dirty="0" err="1">
+                          <a:effectLst/>
+                          <a:latin typeface="Consolas" panose="020B0609020204030204" pitchFamily="49" charset="0"/>
+                        </a:rPr>
+                        <a:t>the</a:t>
+                      </a:r>
+                      <a:r>
+                        <a:rPr lang="de-DE" sz="1500" b="0" i="0" dirty="0">
+                          <a:effectLst/>
+                          <a:latin typeface="Consolas" panose="020B0609020204030204" pitchFamily="49" charset="0"/>
+                        </a:rPr>
+                        <a:t> alert </a:t>
+                      </a:r>
+                      <a:r>
+                        <a:rPr lang="de-DE" sz="1500" b="0" i="0" dirty="0" err="1">
+                          <a:effectLst/>
+                          <a:latin typeface="Consolas" panose="020B0609020204030204" pitchFamily="49" charset="0"/>
+                        </a:rPr>
+                        <a:t>status</a:t>
+                      </a:r>
+                      <a:r>
+                        <a:rPr lang="de-DE" sz="1500" b="0" i="0" dirty="0">
+                          <a:effectLst/>
+                          <a:latin typeface="Consolas" panose="020B0609020204030204" pitchFamily="49" charset="0"/>
+                        </a:rPr>
+                        <a:t> </a:t>
+                      </a:r>
+                      <a:r>
+                        <a:rPr lang="de-DE" sz="1500" b="0" i="0" dirty="0" err="1">
+                          <a:effectLst/>
+                          <a:latin typeface="Consolas" panose="020B0609020204030204" pitchFamily="49" charset="0"/>
+                        </a:rPr>
+                        <a:t>should</a:t>
+                      </a:r>
+                      <a:r>
+                        <a:rPr lang="de-DE" sz="1500" b="0" i="0" dirty="0">
+                          <a:effectLst/>
+                          <a:latin typeface="Consolas" panose="020B0609020204030204" pitchFamily="49" charset="0"/>
+                        </a:rPr>
+                        <a:t> </a:t>
+                      </a:r>
+                      <a:r>
+                        <a:rPr lang="de-DE" sz="1500" b="0" i="0" dirty="0" err="1">
+                          <a:effectLst/>
+                          <a:latin typeface="Consolas" panose="020B0609020204030204" pitchFamily="49" charset="0"/>
+                        </a:rPr>
+                        <a:t>be</a:t>
+                      </a:r>
+                      <a:r>
+                        <a:rPr lang="de-DE" sz="1500" b="0" i="0" dirty="0">
+                          <a:effectLst/>
+                          <a:latin typeface="Consolas" panose="020B0609020204030204" pitchFamily="49" charset="0"/>
+                        </a:rPr>
+                        <a:t> OFF</a:t>
+                      </a:r>
+                    </a:p>
+                    <a:p>
+                      <a:pPr algn="l" fontAlgn="base"/>
+                      <a:r>
+                        <a:rPr lang="de-DE" sz="1500" b="0" i="0" dirty="0">
+                          <a:effectLst/>
+                          <a:latin typeface="Consolas" panose="020B0609020204030204" pitchFamily="49" charset="0"/>
+                        </a:rPr>
+                        <a:t> </a:t>
+                      </a:r>
+                    </a:p>
+                    <a:p>
+                      <a:pPr algn="l" fontAlgn="base"/>
+                      <a:r>
+                        <a:rPr lang="de-DE" sz="1500" b="0" i="0" dirty="0">
+                          <a:solidFill>
+                            <a:schemeClr val="accent4"/>
+                          </a:solidFill>
+                          <a:effectLst/>
+                          <a:latin typeface="Consolas" panose="020B0609020204030204" pitchFamily="49" charset="0"/>
+                        </a:rPr>
+                        <a:t>Scenario:  </a:t>
+                      </a:r>
+                      <a:r>
+                        <a:rPr lang="de-DE" sz="1500" b="0" i="0" dirty="0" err="1">
+                          <a:effectLst/>
+                          <a:latin typeface="Consolas" panose="020B0609020204030204" pitchFamily="49" charset="0"/>
+                        </a:rPr>
+                        <a:t>trader</a:t>
+                      </a:r>
+                      <a:r>
+                        <a:rPr lang="de-DE" sz="1500" b="0" i="0" dirty="0">
+                          <a:effectLst/>
+                          <a:latin typeface="Consolas" panose="020B0609020204030204" pitchFamily="49" charset="0"/>
+                        </a:rPr>
+                        <a:t> </a:t>
+                      </a:r>
+                      <a:r>
+                        <a:rPr lang="de-DE" sz="1500" b="0" i="0" dirty="0" err="1">
+                          <a:effectLst/>
+                          <a:latin typeface="Consolas" panose="020B0609020204030204" pitchFamily="49" charset="0"/>
+                        </a:rPr>
+                        <a:t>is</a:t>
+                      </a:r>
+                      <a:r>
+                        <a:rPr lang="de-DE" sz="1500" b="0" i="0" dirty="0">
+                          <a:effectLst/>
+                          <a:latin typeface="Consolas" panose="020B0609020204030204" pitchFamily="49" charset="0"/>
+                        </a:rPr>
+                        <a:t> </a:t>
+                      </a:r>
+                      <a:r>
+                        <a:rPr lang="de-DE" sz="1500" b="0" i="0" dirty="0" err="1">
+                          <a:effectLst/>
+                          <a:latin typeface="Consolas" panose="020B0609020204030204" pitchFamily="49" charset="0"/>
+                        </a:rPr>
+                        <a:t>alerted</a:t>
+                      </a:r>
+                      <a:r>
+                        <a:rPr lang="de-DE" sz="1500" b="0" i="0" dirty="0">
+                          <a:effectLst/>
+                          <a:latin typeface="Consolas" panose="020B0609020204030204" pitchFamily="49" charset="0"/>
+                        </a:rPr>
+                        <a:t> </a:t>
+                      </a:r>
+                      <a:r>
+                        <a:rPr lang="de-DE" sz="1500" b="0" i="0" dirty="0" err="1">
+                          <a:effectLst/>
+                          <a:latin typeface="Consolas" panose="020B0609020204030204" pitchFamily="49" charset="0"/>
+                        </a:rPr>
+                        <a:t>above</a:t>
+                      </a:r>
+                      <a:r>
+                        <a:rPr lang="de-DE" sz="1500" b="0" i="0" dirty="0">
+                          <a:effectLst/>
+                          <a:latin typeface="Consolas" panose="020B0609020204030204" pitchFamily="49" charset="0"/>
+                        </a:rPr>
+                        <a:t> </a:t>
+                      </a:r>
+                      <a:r>
+                        <a:rPr lang="de-DE" sz="1500" b="0" i="0" dirty="0" err="1">
+                          <a:effectLst/>
+                          <a:latin typeface="Consolas" panose="020B0609020204030204" pitchFamily="49" charset="0"/>
+                        </a:rPr>
+                        <a:t>threshold</a:t>
+                      </a:r>
+                      <a:endParaRPr lang="de-DE" sz="1500" b="0" i="0" dirty="0">
+                        <a:effectLst/>
+                        <a:latin typeface="Consolas" panose="020B0609020204030204" pitchFamily="49" charset="0"/>
+                      </a:endParaRPr>
+                    </a:p>
+                    <a:p>
+                      <a:pPr algn="l" fontAlgn="base"/>
+                      <a:r>
+                        <a:rPr lang="de-DE" sz="1500" b="0" i="0" dirty="0">
+                          <a:effectLst/>
+                          <a:latin typeface="Consolas" panose="020B0609020204030204" pitchFamily="49" charset="0"/>
+                        </a:rPr>
+                        <a:t> </a:t>
+                      </a:r>
+                    </a:p>
+                    <a:p>
+                      <a:pPr algn="l" fontAlgn="base"/>
+                      <a:r>
+                        <a:rPr lang="de-DE" sz="1500" b="0" i="0" kern="1200" dirty="0" err="1">
+                          <a:solidFill>
+                            <a:schemeClr val="accent4"/>
+                          </a:solidFill>
+                          <a:effectLst/>
+                          <a:latin typeface="Consolas" panose="020B0609020204030204" pitchFamily="49" charset="0"/>
+                          <a:ea typeface="+mn-ea"/>
+                          <a:cs typeface="+mn-cs"/>
+                        </a:rPr>
+                        <a:t>Given</a:t>
+                      </a:r>
+                      <a:r>
+                        <a:rPr lang="de-DE" sz="1500" b="0" i="0" dirty="0">
+                          <a:effectLst/>
+                          <a:latin typeface="Consolas" panose="020B0609020204030204" pitchFamily="49" charset="0"/>
+                        </a:rPr>
+                        <a:t> a stock </a:t>
+                      </a:r>
+                      <a:r>
+                        <a:rPr lang="de-DE" sz="1500" b="0" i="0" dirty="0" err="1">
+                          <a:effectLst/>
+                          <a:latin typeface="Consolas" panose="020B0609020204030204" pitchFamily="49" charset="0"/>
+                        </a:rPr>
+                        <a:t>of</a:t>
+                      </a:r>
+                      <a:r>
+                        <a:rPr lang="de-DE" sz="1500" b="0" i="0" dirty="0">
+                          <a:effectLst/>
+                          <a:latin typeface="Consolas" panose="020B0609020204030204" pitchFamily="49" charset="0"/>
+                        </a:rPr>
+                        <a:t> </a:t>
+                      </a:r>
+                      <a:r>
+                        <a:rPr lang="de-DE" sz="1500" b="0" i="0" dirty="0" err="1">
+                          <a:effectLst/>
+                          <a:latin typeface="Consolas" panose="020B0609020204030204" pitchFamily="49" charset="0"/>
+                        </a:rPr>
+                        <a:t>symbol</a:t>
+                      </a:r>
+                      <a:r>
+                        <a:rPr lang="de-DE" sz="1500" b="0" i="0" dirty="0">
+                          <a:effectLst/>
+                          <a:latin typeface="Consolas" panose="020B0609020204030204" pitchFamily="49" charset="0"/>
+                        </a:rPr>
+                        <a:t> STK1 </a:t>
+                      </a:r>
+                      <a:r>
+                        <a:rPr lang="de-DE" sz="1500" b="0" i="0" dirty="0" err="1">
+                          <a:effectLst/>
+                          <a:latin typeface="Consolas" panose="020B0609020204030204" pitchFamily="49" charset="0"/>
+                        </a:rPr>
+                        <a:t>and</a:t>
+                      </a:r>
+                      <a:r>
+                        <a:rPr lang="de-DE" sz="1500" b="0" i="0" dirty="0">
+                          <a:effectLst/>
+                          <a:latin typeface="Consolas" panose="020B0609020204030204" pitchFamily="49" charset="0"/>
+                        </a:rPr>
+                        <a:t> a </a:t>
+                      </a:r>
+                      <a:r>
+                        <a:rPr lang="de-DE" sz="1500" b="0" i="0" dirty="0" err="1">
+                          <a:effectLst/>
+                          <a:latin typeface="Consolas" panose="020B0609020204030204" pitchFamily="49" charset="0"/>
+                        </a:rPr>
+                        <a:t>threshold</a:t>
+                      </a:r>
+                      <a:r>
+                        <a:rPr lang="de-DE" sz="1500" b="0" i="0" dirty="0">
+                          <a:effectLst/>
+                          <a:latin typeface="Consolas" panose="020B0609020204030204" pitchFamily="49" charset="0"/>
+                        </a:rPr>
+                        <a:t> </a:t>
+                      </a:r>
+                      <a:r>
+                        <a:rPr lang="de-DE" sz="1500" b="0" i="0" dirty="0" err="1">
+                          <a:effectLst/>
+                          <a:latin typeface="Consolas" panose="020B0609020204030204" pitchFamily="49" charset="0"/>
+                        </a:rPr>
+                        <a:t>of</a:t>
+                      </a:r>
+                      <a:r>
+                        <a:rPr lang="de-DE" sz="1500" b="0" i="0" dirty="0">
+                          <a:effectLst/>
+                          <a:latin typeface="Consolas" panose="020B0609020204030204" pitchFamily="49" charset="0"/>
+                        </a:rPr>
+                        <a:t> 10.0</a:t>
+                      </a:r>
+                    </a:p>
+                    <a:p>
+                      <a:pPr algn="l" fontAlgn="base"/>
+                      <a:r>
+                        <a:rPr lang="de-DE" sz="1500" b="0" i="0" kern="1200" dirty="0" err="1">
+                          <a:solidFill>
+                            <a:schemeClr val="accent4"/>
+                          </a:solidFill>
+                          <a:effectLst/>
+                          <a:latin typeface="Consolas" panose="020B0609020204030204" pitchFamily="49" charset="0"/>
+                          <a:ea typeface="+mn-ea"/>
+                          <a:cs typeface="+mn-cs"/>
+                        </a:rPr>
+                        <a:t>When</a:t>
+                      </a:r>
+                      <a:r>
+                        <a:rPr lang="de-DE" sz="1500" b="0" i="0" dirty="0">
+                          <a:effectLst/>
+                          <a:latin typeface="Consolas" panose="020B0609020204030204" pitchFamily="49" charset="0"/>
+                        </a:rPr>
+                        <a:t> </a:t>
+                      </a:r>
+                      <a:r>
+                        <a:rPr lang="de-DE" sz="1500" b="0" i="0" dirty="0" err="1">
+                          <a:effectLst/>
+                          <a:latin typeface="Consolas" panose="020B0609020204030204" pitchFamily="49" charset="0"/>
+                        </a:rPr>
+                        <a:t>the</a:t>
+                      </a:r>
+                      <a:r>
+                        <a:rPr lang="de-DE" sz="1500" b="0" i="0" dirty="0">
+                          <a:effectLst/>
+                          <a:latin typeface="Consolas" panose="020B0609020204030204" pitchFamily="49" charset="0"/>
+                        </a:rPr>
+                        <a:t> stock </a:t>
+                      </a:r>
+                      <a:r>
+                        <a:rPr lang="de-DE" sz="1500" b="0" i="0" dirty="0" err="1">
+                          <a:effectLst/>
+                          <a:latin typeface="Consolas" panose="020B0609020204030204" pitchFamily="49" charset="0"/>
+                        </a:rPr>
+                        <a:t>is</a:t>
+                      </a:r>
+                      <a:r>
+                        <a:rPr lang="de-DE" sz="1500" b="0" i="0" dirty="0">
+                          <a:effectLst/>
+                          <a:latin typeface="Consolas" panose="020B0609020204030204" pitchFamily="49" charset="0"/>
+                        </a:rPr>
+                        <a:t> </a:t>
+                      </a:r>
+                      <a:r>
+                        <a:rPr lang="de-DE" sz="1500" b="0" i="0" dirty="0" err="1">
+                          <a:effectLst/>
+                          <a:latin typeface="Consolas" panose="020B0609020204030204" pitchFamily="49" charset="0"/>
+                        </a:rPr>
+                        <a:t>traded</a:t>
+                      </a:r>
+                      <a:r>
+                        <a:rPr lang="de-DE" sz="1500" b="0" i="0" dirty="0">
+                          <a:effectLst/>
+                          <a:latin typeface="Consolas" panose="020B0609020204030204" pitchFamily="49" charset="0"/>
+                        </a:rPr>
+                        <a:t> at 11.0</a:t>
+                      </a:r>
+                    </a:p>
+                    <a:p>
+                      <a:pPr algn="l" fontAlgn="base"/>
+                      <a:r>
+                        <a:rPr lang="de-DE" sz="1500" b="0" i="0" kern="1200" dirty="0" err="1">
+                          <a:solidFill>
+                            <a:schemeClr val="accent4"/>
+                          </a:solidFill>
+                          <a:effectLst/>
+                          <a:latin typeface="Consolas" panose="020B0609020204030204" pitchFamily="49" charset="0"/>
+                          <a:ea typeface="+mn-ea"/>
+                          <a:cs typeface="+mn-cs"/>
+                        </a:rPr>
+                        <a:t>Then</a:t>
+                      </a:r>
+                      <a:r>
+                        <a:rPr lang="de-DE" sz="1500" b="0" i="0" dirty="0">
+                          <a:effectLst/>
+                          <a:latin typeface="Consolas" panose="020B0609020204030204" pitchFamily="49" charset="0"/>
+                        </a:rPr>
+                        <a:t> </a:t>
+                      </a:r>
+                      <a:r>
+                        <a:rPr lang="de-DE" sz="1500" b="0" i="0" dirty="0" err="1">
+                          <a:effectLst/>
+                          <a:latin typeface="Consolas" panose="020B0609020204030204" pitchFamily="49" charset="0"/>
+                        </a:rPr>
+                        <a:t>the</a:t>
+                      </a:r>
+                      <a:r>
+                        <a:rPr lang="de-DE" sz="1500" b="0" i="0" dirty="0">
+                          <a:effectLst/>
+                          <a:latin typeface="Consolas" panose="020B0609020204030204" pitchFamily="49" charset="0"/>
+                        </a:rPr>
+                        <a:t> alert </a:t>
+                      </a:r>
+                      <a:r>
+                        <a:rPr lang="de-DE" sz="1500" b="0" i="0" dirty="0" err="1">
+                          <a:effectLst/>
+                          <a:latin typeface="Consolas" panose="020B0609020204030204" pitchFamily="49" charset="0"/>
+                        </a:rPr>
+                        <a:t>status</a:t>
+                      </a:r>
+                      <a:r>
+                        <a:rPr lang="de-DE" sz="1500" b="0" i="0" dirty="0">
+                          <a:effectLst/>
+                          <a:latin typeface="Consolas" panose="020B0609020204030204" pitchFamily="49" charset="0"/>
+                        </a:rPr>
+                        <a:t> </a:t>
+                      </a:r>
+                      <a:r>
+                        <a:rPr lang="de-DE" sz="1500" b="0" i="0" dirty="0" err="1">
+                          <a:effectLst/>
+                          <a:latin typeface="Consolas" panose="020B0609020204030204" pitchFamily="49" charset="0"/>
+                        </a:rPr>
+                        <a:t>should</a:t>
+                      </a:r>
+                      <a:r>
+                        <a:rPr lang="de-DE" sz="1500" b="0" i="0" dirty="0">
+                          <a:effectLst/>
+                          <a:latin typeface="Consolas" panose="020B0609020204030204" pitchFamily="49" charset="0"/>
+                        </a:rPr>
+                        <a:t> </a:t>
+                      </a:r>
+                      <a:r>
+                        <a:rPr lang="de-DE" sz="1500" b="0" i="0" dirty="0" err="1">
+                          <a:effectLst/>
+                          <a:latin typeface="Consolas" panose="020B0609020204030204" pitchFamily="49" charset="0"/>
+                        </a:rPr>
+                        <a:t>be</a:t>
+                      </a:r>
+                      <a:r>
+                        <a:rPr lang="de-DE" sz="1500" b="0" i="0" dirty="0">
+                          <a:effectLst/>
+                          <a:latin typeface="Consolas" panose="020B0609020204030204" pitchFamily="49" charset="0"/>
+                        </a:rPr>
+                        <a:t> ON</a:t>
+                      </a:r>
+                    </a:p>
+                  </a:txBody>
+                  <a:tcPr marL="108000" marR="108000" marT="108000" marB="108000" anchor="ctr">
+                    <a:lnL w="3175" cap="flat" cmpd="sng" algn="ctr">
+                      <a:solidFill>
+                        <a:schemeClr val="tx1"/>
+                      </a:solidFill>
+                      <a:prstDash val="solid"/>
+                      <a:round/>
+                      <a:headEnd type="none" w="med" len="med"/>
+                      <a:tailEnd type="none" w="med" len="med"/>
+                    </a:lnL>
+                    <a:lnR w="3175" cap="flat" cmpd="sng" algn="ctr">
+                      <a:solidFill>
+                        <a:schemeClr val="tx1"/>
+                      </a:solidFill>
+                      <a:prstDash val="solid"/>
+                      <a:round/>
+                      <a:headEnd type="none" w="med" len="med"/>
+                      <a:tailEnd type="none" w="med" len="med"/>
+                    </a:lnR>
+                    <a:lnT w="3175" cap="flat" cmpd="sng" algn="ctr">
+                      <a:solidFill>
+                        <a:schemeClr val="tx1"/>
+                      </a:solidFill>
+                      <a:prstDash val="solid"/>
+                      <a:round/>
+                      <a:headEnd type="none" w="med" len="med"/>
+                      <a:tailEnd type="none" w="med" len="med"/>
+                    </a:lnT>
+                    <a:lnB w="3175" cap="flat" cmpd="sng" algn="ctr">
+                      <a:solidFill>
+                        <a:schemeClr val="tx1"/>
+                      </a:solidFill>
+                      <a:prstDash val="solid"/>
+                      <a:round/>
+                      <a:headEnd type="none" w="med" len="med"/>
+                      <a:tailEnd type="none" w="med" len="med"/>
+                    </a:lnB>
+                    <a:lnTlToBr w="12700" cmpd="sng">
+                      <a:noFill/>
+                      <a:prstDash val="solid"/>
+                    </a:lnTlToBr>
+                    <a:lnBlToTr w="12700" cmpd="sng">
+                      <a:noFill/>
+                      <a:prstDash val="solid"/>
+                    </a:lnBlToTr>
+                  </a:tcPr>
+                </a:tc>
+                <a:extLst>
+                  <a:ext uri="{0D108BD9-81ED-4DB2-BD59-A6C34878D82A}">
+                    <a16:rowId xmlns:a16="http://schemas.microsoft.com/office/drawing/2014/main" val="2243317480"/>
+                  </a:ext>
+                </a:extLst>
+              </a:tr>
+            </a:tbl>
+          </a:graphicData>
+        </a:graphic>
+      </p:graphicFrame>
     </p:spTree>
     <p:extLst>
       <p:ext uri="{BB962C8B-B14F-4D97-AF65-F5344CB8AC3E}">
@@ -39162,12 +43517,34 @@
             <p:ph sz="half" idx="14"/>
           </p:nvPr>
         </p:nvSpPr>
-        <p:spPr/>
+        <p:spPr>
+          <a:xfrm>
+            <a:off x="756000" y="1512000"/>
+            <a:ext cx="11037600" cy="4298400"/>
+          </a:xfrm>
+        </p:spPr>
         <p:txBody>
           <a:bodyPr/>
           <a:lstStyle/>
           <a:p>
-            <a:endParaRPr lang="de-DE"/>
+            <a:r>
+              <a:rPr lang="de-DE" dirty="0"/>
+              <a:t>Automatisierung von Browsern</a:t>
+            </a:r>
+          </a:p>
+          <a:p>
+            <a:r>
+              <a:rPr lang="de-DE" dirty="0"/>
+              <a:t>Page-</a:t>
+            </a:r>
+            <a:r>
+              <a:rPr lang="de-DE" dirty="0" err="1"/>
+              <a:t>Object</a:t>
+            </a:r>
+            <a:r>
+              <a:rPr lang="de-DE" dirty="0"/>
+              <a:t>-Pattern</a:t>
+            </a:r>
           </a:p>
         </p:txBody>
       </p:sp>
@@ -39234,7 +43611,7 @@
           <a:p>
             <a:fld id="{154C7814-F218-4D9E-8E58-25588F0986B1}" type="datetime1">
               <a:rPr lang="de-DE" noProof="0" smtClean="0"/>
-              <a:t>28.10.19</a:t>
+              <a:t>29.10.19</a:t>
             </a:fld>
             <a:endParaRPr lang="de-DE" noProof="0" dirty="0"/>
           </a:p>
@@ -39270,6 +43647,34 @@
           </a:p>
         </p:txBody>
       </p:sp>
+      <p:graphicFrame>
+        <p:nvGraphicFramePr>
+          <p:cNvPr id="10" name="Diagramm 9">
+            <a:extLst>
+              <a:ext uri="{FF2B5EF4-FFF2-40B4-BE49-F238E27FC236}">
+                <a16:creationId xmlns:a16="http://schemas.microsoft.com/office/drawing/2014/main" id="{5B964A70-728D-E14C-BB7E-9EDA7EC110B1}"/>
+              </a:ext>
+            </a:extLst>
+          </p:cNvPr>
+          <p:cNvGraphicFramePr/>
+          <p:nvPr>
+            <p:extLst>
+              <p:ext uri="{D42A27DB-BD31-4B8C-83A1-F6EECF244321}">
+                <p14:modId xmlns:p14="http://schemas.microsoft.com/office/powerpoint/2010/main" val="4253762703"/>
+              </p:ext>
+            </p:extLst>
+          </p:nvPr>
+        </p:nvGraphicFramePr>
+        <p:xfrm>
+          <a:off x="895792" y="2456762"/>
+          <a:ext cx="10398827" cy="3272010"/>
+        </p:xfrm>
+        <a:graphic>
+          <a:graphicData uri="http://schemas.openxmlformats.org/drawingml/2006/diagram">
+            <dgm:relIds xmlns:dgm="http://schemas.openxmlformats.org/drawingml/2006/diagram" xmlns:r="http://schemas.openxmlformats.org/officeDocument/2006/relationships" r:dm="rId2" r:lo="rId3" r:qs="rId4" r:cs="rId5"/>
+          </a:graphicData>
+        </a:graphic>
+      </p:graphicFrame>
     </p:spTree>
     <p:extLst>
       <p:ext uri="{BB962C8B-B14F-4D97-AF65-F5344CB8AC3E}">
@@ -39491,7 +43896,7 @@
           <a:p>
             <a:fld id="{154C7814-F218-4D9E-8E58-25588F0986B1}" type="datetime1">
               <a:rPr lang="de-DE" noProof="0" smtClean="0"/>
-              <a:t>28.10.19</a:t>
+              <a:t>29.10.19</a:t>
             </a:fld>
             <a:endParaRPr lang="de-DE" noProof="0" dirty="0"/>
           </a:p>

--- a/AdvancedBdd.pptx
+++ b/AdvancedBdd.pptx
@@ -5,10 +5,10 @@
     <p:sldMasterId id="2147483901" r:id="rId1"/>
   </p:sldMasterIdLst>
   <p:notesMasterIdLst>
-    <p:notesMasterId r:id="rId14"/>
+    <p:notesMasterId r:id="rId16"/>
   </p:notesMasterIdLst>
   <p:handoutMasterIdLst>
-    <p:handoutMasterId r:id="rId15"/>
+    <p:handoutMasterId r:id="rId17"/>
   </p:handoutMasterIdLst>
   <p:sldIdLst>
     <p:sldId id="256" r:id="rId2"/>
@@ -16,23 +16,25 @@
     <p:sldId id="262" r:id="rId4"/>
     <p:sldId id="258" r:id="rId5"/>
     <p:sldId id="267" r:id="rId6"/>
-    <p:sldId id="261" r:id="rId7"/>
-    <p:sldId id="259" r:id="rId8"/>
-    <p:sldId id="270" r:id="rId9"/>
-    <p:sldId id="263" r:id="rId10"/>
-    <p:sldId id="260" r:id="rId11"/>
-    <p:sldId id="265" r:id="rId12"/>
-    <p:sldId id="268" r:id="rId13"/>
+    <p:sldId id="271" r:id="rId7"/>
+    <p:sldId id="272" r:id="rId8"/>
+    <p:sldId id="261" r:id="rId9"/>
+    <p:sldId id="259" r:id="rId10"/>
+    <p:sldId id="270" r:id="rId11"/>
+    <p:sldId id="263" r:id="rId12"/>
+    <p:sldId id="260" r:id="rId13"/>
+    <p:sldId id="265" r:id="rId14"/>
+    <p:sldId id="268" r:id="rId15"/>
   </p:sldIdLst>
   <p:sldSz cx="12190413" cy="6858000"/>
   <p:notesSz cx="6858000" cy="9144000"/>
   <p:embeddedFontLst>
     <p:embeddedFont>
       <p:font typeface="Consolas" panose="020B0609020204030204" pitchFamily="49" charset="0"/>
-      <p:regular r:id="rId16"/>
-      <p:bold r:id="rId17"/>
-      <p:italic r:id="rId18"/>
-      <p:boldItalic r:id="rId19"/>
+      <p:regular r:id="rId18"/>
+      <p:bold r:id="rId19"/>
+      <p:italic r:id="rId20"/>
+      <p:boldItalic r:id="rId21"/>
     </p:embeddedFont>
   </p:embeddedFontLst>
   <p:defaultTextStyle>
@@ -1328,11 +1330,11 @@
     <dgm:cxn modelId="{6FC7A033-06D8-8847-8B51-2F127EEBBD2F}" type="presOf" srcId="{42B6B9AF-C619-AA43-85BF-FA13732E137D}" destId="{E08162C6-7FB9-9F47-9612-90AE120CFEED}" srcOrd="0" destOrd="0" presId="urn:microsoft.com/office/officeart/2005/8/layout/process3"/>
     <dgm:cxn modelId="{AEB5BA34-E616-FA42-88AE-F052F5E294FF}" type="presOf" srcId="{7EEB7645-D8C0-F949-AED0-23F7C5787DE7}" destId="{4CF06C2E-94F2-7743-9CEE-201CFB05BBB7}" srcOrd="1" destOrd="0" presId="urn:microsoft.com/office/officeart/2005/8/layout/process3"/>
     <dgm:cxn modelId="{CC04C23C-6EF9-E04C-B20B-D563443C4C7B}" srcId="{9FA9E3EE-A48A-8D46-848E-B05C1EBA58C1}" destId="{2472D38B-F3F7-6E47-85A0-2D8BBE823CFB}" srcOrd="0" destOrd="0" parTransId="{822659DE-9593-484A-96EA-9EBCEE028A23}" sibTransId="{2A43DB30-D758-6147-B1D5-829ACC88C090}"/>
+    <dgm:cxn modelId="{90846A5B-225A-FB4B-8C39-2C034D122BA2}" srcId="{8718F18F-09C8-4846-86CE-94CCAFDE41E2}" destId="{42B6B9AF-C619-AA43-85BF-FA13732E137D}" srcOrd="0" destOrd="0" parTransId="{00A75D35-D44E-6544-93A2-CBC54621D939}" sibTransId="{736B5078-080A-744E-A45D-FEEB63A627D0}"/>
     <dgm:cxn modelId="{F5A1EC48-A5F9-4441-9CE2-E5395B8E62AC}" type="presOf" srcId="{E86FFC00-34D0-B240-8408-1D4581E81907}" destId="{5D1D52D0-6583-9348-99C1-79E9A1CF8FD4}" srcOrd="1" destOrd="0" presId="urn:microsoft.com/office/officeart/2005/8/layout/process3"/>
+    <dgm:cxn modelId="{B6F9664C-DBF4-2942-8503-369F75E91BDA}" type="presOf" srcId="{BB5DA5FB-D69E-A940-86F0-9135C89ECDBF}" destId="{987979C1-E718-6841-8AF8-938B1A4A9961}" srcOrd="0" destOrd="0" presId="urn:microsoft.com/office/officeart/2005/8/layout/process3"/>
     <dgm:cxn modelId="{76294B4C-5AE3-B841-B41C-4966F444631E}" srcId="{B2FCB7CF-90E6-2E42-B330-CAE2DE9B7E41}" destId="{9FA9E3EE-A48A-8D46-848E-B05C1EBA58C1}" srcOrd="0" destOrd="0" parTransId="{204545F3-B202-614B-8E9B-A2643058AC7A}" sibTransId="{F9D481DF-D38A-344E-BA35-1B9E20B5B190}"/>
-    <dgm:cxn modelId="{B6F9664C-DBF4-2942-8503-369F75E91BDA}" type="presOf" srcId="{BB5DA5FB-D69E-A940-86F0-9135C89ECDBF}" destId="{987979C1-E718-6841-8AF8-938B1A4A9961}" srcOrd="0" destOrd="0" presId="urn:microsoft.com/office/officeart/2005/8/layout/process3"/>
     <dgm:cxn modelId="{83EEB34C-C0FE-4F4C-A446-2E8B2E0460C2}" srcId="{E86FFC00-34D0-B240-8408-1D4581E81907}" destId="{BB5DA5FB-D69E-A940-86F0-9135C89ECDBF}" srcOrd="0" destOrd="0" parTransId="{15DCF61A-307A-DB45-BF3E-7376AABB1111}" sibTransId="{72645D7A-E4E9-B340-AB9E-15B0923E9813}"/>
-    <dgm:cxn modelId="{90846A5B-225A-FB4B-8C39-2C034D122BA2}" srcId="{8718F18F-09C8-4846-86CE-94CCAFDE41E2}" destId="{42B6B9AF-C619-AA43-85BF-FA13732E137D}" srcOrd="0" destOrd="0" parTransId="{00A75D35-D44E-6544-93A2-CBC54621D939}" sibTransId="{736B5078-080A-744E-A45D-FEEB63A627D0}"/>
     <dgm:cxn modelId="{70A4DA7A-7234-B24A-A713-FB5AB915A6CC}" type="presOf" srcId="{8718F18F-09C8-4846-86CE-94CCAFDE41E2}" destId="{B77E1770-32FA-E24E-97E2-B515A085F7C3}" srcOrd="0" destOrd="0" presId="urn:microsoft.com/office/officeart/2005/8/layout/process3"/>
     <dgm:cxn modelId="{7269407D-53E6-B343-8EE2-7A20AC2E4D81}" type="presOf" srcId="{E86FFC00-34D0-B240-8408-1D4581E81907}" destId="{1AEAEB28-5108-6245-A73A-7C261BDEA58B}" srcOrd="0" destOrd="0" presId="urn:microsoft.com/office/officeart/2005/8/layout/process3"/>
     <dgm:cxn modelId="{D239BA83-7F20-8643-BEF3-ABA78DF50E88}" type="presOf" srcId="{9FA9E3EE-A48A-8D46-848E-B05C1EBA58C1}" destId="{E7346FC4-68DA-C548-91D9-1E0DA8FD1650}" srcOrd="0" destOrd="0" presId="urn:microsoft.com/office/officeart/2005/8/layout/process3"/>
@@ -3805,7 +3807,12 @@
             <p:ph type="sldImg"/>
           </p:nvPr>
         </p:nvSpPr>
-        <p:spPr/>
+        <p:spPr>
+          <a:xfrm>
+            <a:off x="360363" y="431800"/>
+            <a:ext cx="6137275" cy="3454400"/>
+          </a:xfrm>
+        </p:spPr>
       </p:sp>
       <p:sp>
         <p:nvSpPr>
@@ -3843,7 +3850,7 @@
           <a:p>
             <a:fld id="{92DA5471-CC57-402A-9527-36A1D012F698}" type="slidenum">
               <a:rPr lang="de-DE" noProof="0" smtClean="0"/>
-              <a:t>5</a:t>
+              <a:t>4</a:t>
             </a:fld>
             <a:endParaRPr lang="de-DE" noProof="0" dirty="0"/>
           </a:p>
@@ -3852,7 +3859,7 @@
     </p:spTree>
     <p:extLst>
       <p:ext uri="{BB962C8B-B14F-4D97-AF65-F5344CB8AC3E}">
-        <p14:creationId xmlns:p14="http://schemas.microsoft.com/office/powerpoint/2010/main" val="1095088852"/>
+        <p14:creationId xmlns:p14="http://schemas.microsoft.com/office/powerpoint/2010/main" val="3575978313"/>
       </p:ext>
     </p:extLst>
   </p:cSld>
@@ -3911,6 +3918,273 @@
           <a:bodyPr/>
           <a:lstStyle/>
           <a:p>
+            <a:endParaRPr lang="de-DE" dirty="0"/>
+          </a:p>
+        </p:txBody>
+      </p:sp>
+      <p:sp>
+        <p:nvSpPr>
+          <p:cNvPr id="4" name="Foliennummernplatzhalter 3"/>
+          <p:cNvSpPr>
+            <a:spLocks noGrp="1"/>
+          </p:cNvSpPr>
+          <p:nvPr>
+            <p:ph type="sldNum" sz="quarter" idx="5"/>
+          </p:nvPr>
+        </p:nvSpPr>
+        <p:spPr/>
+        <p:txBody>
+          <a:bodyPr/>
+          <a:lstStyle/>
+          <a:p>
+            <a:fld id="{92DA5471-CC57-402A-9527-36A1D012F698}" type="slidenum">
+              <a:rPr lang="de-DE" noProof="0" smtClean="0"/>
+              <a:t>5</a:t>
+            </a:fld>
+            <a:endParaRPr lang="de-DE" noProof="0" dirty="0"/>
+          </a:p>
+        </p:txBody>
+      </p:sp>
+    </p:spTree>
+    <p:extLst>
+      <p:ext uri="{BB962C8B-B14F-4D97-AF65-F5344CB8AC3E}">
+        <p14:creationId xmlns:p14="http://schemas.microsoft.com/office/powerpoint/2010/main" val="1095088852"/>
+      </p:ext>
+    </p:extLst>
+  </p:cSld>
+  <p:clrMapOvr>
+    <a:masterClrMapping/>
+  </p:clrMapOvr>
+</p:notes>
+</file>
+
+<file path=ppt/notesSlides/notesSlide3.xml><?xml version="1.0" encoding="utf-8"?>
+<p:notes xmlns:a="http://schemas.openxmlformats.org/drawingml/2006/main" xmlns:r="http://schemas.openxmlformats.org/officeDocument/2006/relationships" xmlns:p="http://schemas.openxmlformats.org/presentationml/2006/main">
+  <p:cSld>
+    <p:spTree>
+      <p:nvGrpSpPr>
+        <p:cNvPr id="1" name=""/>
+        <p:cNvGrpSpPr/>
+        <p:nvPr/>
+      </p:nvGrpSpPr>
+      <p:grpSpPr>
+        <a:xfrm>
+          <a:off x="0" y="0"/>
+          <a:ext cx="0" cy="0"/>
+          <a:chOff x="0" y="0"/>
+          <a:chExt cx="0" cy="0"/>
+        </a:xfrm>
+      </p:grpSpPr>
+      <p:sp>
+        <p:nvSpPr>
+          <p:cNvPr id="2" name="Folienbildplatzhalter 1"/>
+          <p:cNvSpPr>
+            <a:spLocks noGrp="1" noRot="1" noChangeAspect="1"/>
+          </p:cNvSpPr>
+          <p:nvPr>
+            <p:ph type="sldImg"/>
+          </p:nvPr>
+        </p:nvSpPr>
+        <p:spPr>
+          <a:xfrm>
+            <a:off x="360363" y="431800"/>
+            <a:ext cx="6137275" cy="3454400"/>
+          </a:xfrm>
+        </p:spPr>
+      </p:sp>
+      <p:sp>
+        <p:nvSpPr>
+          <p:cNvPr id="3" name="Notizenplatzhalter 2"/>
+          <p:cNvSpPr>
+            <a:spLocks noGrp="1"/>
+          </p:cNvSpPr>
+          <p:nvPr>
+            <p:ph type="body" idx="1"/>
+          </p:nvPr>
+        </p:nvSpPr>
+        <p:spPr/>
+        <p:txBody>
+          <a:bodyPr/>
+          <a:lstStyle/>
+          <a:p>
+            <a:endParaRPr lang="de-DE" dirty="0"/>
+          </a:p>
+        </p:txBody>
+      </p:sp>
+      <p:sp>
+        <p:nvSpPr>
+          <p:cNvPr id="4" name="Foliennummernplatzhalter 3"/>
+          <p:cNvSpPr>
+            <a:spLocks noGrp="1"/>
+          </p:cNvSpPr>
+          <p:nvPr>
+            <p:ph type="sldNum" sz="quarter" idx="5"/>
+          </p:nvPr>
+        </p:nvSpPr>
+        <p:spPr/>
+        <p:txBody>
+          <a:bodyPr/>
+          <a:lstStyle/>
+          <a:p>
+            <a:fld id="{92DA5471-CC57-402A-9527-36A1D012F698}" type="slidenum">
+              <a:rPr lang="de-DE" noProof="0" smtClean="0"/>
+              <a:t>6</a:t>
+            </a:fld>
+            <a:endParaRPr lang="de-DE" noProof="0" dirty="0"/>
+          </a:p>
+        </p:txBody>
+      </p:sp>
+    </p:spTree>
+    <p:extLst>
+      <p:ext uri="{BB962C8B-B14F-4D97-AF65-F5344CB8AC3E}">
+        <p14:creationId xmlns:p14="http://schemas.microsoft.com/office/powerpoint/2010/main" val="1783615446"/>
+      </p:ext>
+    </p:extLst>
+  </p:cSld>
+  <p:clrMapOvr>
+    <a:masterClrMapping/>
+  </p:clrMapOvr>
+</p:notes>
+</file>
+
+<file path=ppt/notesSlides/notesSlide4.xml><?xml version="1.0" encoding="utf-8"?>
+<p:notes xmlns:a="http://schemas.openxmlformats.org/drawingml/2006/main" xmlns:r="http://schemas.openxmlformats.org/officeDocument/2006/relationships" xmlns:p="http://schemas.openxmlformats.org/presentationml/2006/main">
+  <p:cSld>
+    <p:spTree>
+      <p:nvGrpSpPr>
+        <p:cNvPr id="1" name=""/>
+        <p:cNvGrpSpPr/>
+        <p:nvPr/>
+      </p:nvGrpSpPr>
+      <p:grpSpPr>
+        <a:xfrm>
+          <a:off x="0" y="0"/>
+          <a:ext cx="0" cy="0"/>
+          <a:chOff x="0" y="0"/>
+          <a:chExt cx="0" cy="0"/>
+        </a:xfrm>
+      </p:grpSpPr>
+      <p:sp>
+        <p:nvSpPr>
+          <p:cNvPr id="2" name="Folienbildplatzhalter 1"/>
+          <p:cNvSpPr>
+            <a:spLocks noGrp="1" noRot="1" noChangeAspect="1"/>
+          </p:cNvSpPr>
+          <p:nvPr>
+            <p:ph type="sldImg"/>
+          </p:nvPr>
+        </p:nvSpPr>
+        <p:spPr>
+          <a:xfrm>
+            <a:off x="360363" y="431800"/>
+            <a:ext cx="6137275" cy="3454400"/>
+          </a:xfrm>
+        </p:spPr>
+      </p:sp>
+      <p:sp>
+        <p:nvSpPr>
+          <p:cNvPr id="3" name="Notizenplatzhalter 2"/>
+          <p:cNvSpPr>
+            <a:spLocks noGrp="1"/>
+          </p:cNvSpPr>
+          <p:nvPr>
+            <p:ph type="body" idx="1"/>
+          </p:nvPr>
+        </p:nvSpPr>
+        <p:spPr/>
+        <p:txBody>
+          <a:bodyPr/>
+          <a:lstStyle/>
+          <a:p>
+            <a:endParaRPr lang="de-DE" dirty="0"/>
+          </a:p>
+        </p:txBody>
+      </p:sp>
+      <p:sp>
+        <p:nvSpPr>
+          <p:cNvPr id="4" name="Foliennummernplatzhalter 3"/>
+          <p:cNvSpPr>
+            <a:spLocks noGrp="1"/>
+          </p:cNvSpPr>
+          <p:nvPr>
+            <p:ph type="sldNum" sz="quarter" idx="5"/>
+          </p:nvPr>
+        </p:nvSpPr>
+        <p:spPr/>
+        <p:txBody>
+          <a:bodyPr/>
+          <a:lstStyle/>
+          <a:p>
+            <a:fld id="{92DA5471-CC57-402A-9527-36A1D012F698}" type="slidenum">
+              <a:rPr lang="de-DE" noProof="0" smtClean="0"/>
+              <a:t>7</a:t>
+            </a:fld>
+            <a:endParaRPr lang="de-DE" noProof="0" dirty="0"/>
+          </a:p>
+        </p:txBody>
+      </p:sp>
+    </p:spTree>
+    <p:extLst>
+      <p:ext uri="{BB962C8B-B14F-4D97-AF65-F5344CB8AC3E}">
+        <p14:creationId xmlns:p14="http://schemas.microsoft.com/office/powerpoint/2010/main" val="974130862"/>
+      </p:ext>
+    </p:extLst>
+  </p:cSld>
+  <p:clrMapOvr>
+    <a:masterClrMapping/>
+  </p:clrMapOvr>
+</p:notes>
+</file>
+
+<file path=ppt/notesSlides/notesSlide5.xml><?xml version="1.0" encoding="utf-8"?>
+<p:notes xmlns:a="http://schemas.openxmlformats.org/drawingml/2006/main" xmlns:r="http://schemas.openxmlformats.org/officeDocument/2006/relationships" xmlns:p="http://schemas.openxmlformats.org/presentationml/2006/main">
+  <p:cSld>
+    <p:spTree>
+      <p:nvGrpSpPr>
+        <p:cNvPr id="1" name=""/>
+        <p:cNvGrpSpPr/>
+        <p:nvPr/>
+      </p:nvGrpSpPr>
+      <p:grpSpPr>
+        <a:xfrm>
+          <a:off x="0" y="0"/>
+          <a:ext cx="0" cy="0"/>
+          <a:chOff x="0" y="0"/>
+          <a:chExt cx="0" cy="0"/>
+        </a:xfrm>
+      </p:grpSpPr>
+      <p:sp>
+        <p:nvSpPr>
+          <p:cNvPr id="2" name="Folienbildplatzhalter 1"/>
+          <p:cNvSpPr>
+            <a:spLocks noGrp="1" noRot="1" noChangeAspect="1"/>
+          </p:cNvSpPr>
+          <p:nvPr>
+            <p:ph type="sldImg"/>
+          </p:nvPr>
+        </p:nvSpPr>
+        <p:spPr>
+          <a:xfrm>
+            <a:off x="360363" y="431800"/>
+            <a:ext cx="6137275" cy="3454400"/>
+          </a:xfrm>
+        </p:spPr>
+      </p:sp>
+      <p:sp>
+        <p:nvSpPr>
+          <p:cNvPr id="3" name="Notizenplatzhalter 2"/>
+          <p:cNvSpPr>
+            <a:spLocks noGrp="1"/>
+          </p:cNvSpPr>
+          <p:nvPr>
+            <p:ph type="body" idx="1"/>
+          </p:nvPr>
+        </p:nvSpPr>
+        <p:spPr/>
+        <p:txBody>
+          <a:bodyPr/>
+          <a:lstStyle/>
+          <a:p>
             <a:pPr marL="342900" indent="-342900">
               <a:buFont typeface="+mj-lt"/>
               <a:buAutoNum type="arabicPeriod"/>
@@ -4134,7 +4408,7 @@
           <a:p>
             <a:fld id="{92DA5471-CC57-402A-9527-36A1D012F698}" type="slidenum">
               <a:rPr lang="de-DE" noProof="0" smtClean="0"/>
-              <a:t>11</a:t>
+              <a:t>13</a:t>
             </a:fld>
             <a:endParaRPr lang="de-DE" noProof="0" dirty="0"/>
           </a:p>
@@ -6157,7 +6431,7 @@
             <a:fld id="{7FC88BA9-6F9E-4215-AE89-45AC6BCA1B0E}" type="datetime1">
               <a:rPr lang="de-DE" smtClean="0"/>
               <a:pPr/>
-              <a:t>29.10.19</a:t>
+              <a:t>25.11.2019</a:t>
             </a:fld>
             <a:endParaRPr lang="de-DE" dirty="0"/>
           </a:p>
@@ -7444,7 +7718,7 @@
           <a:p>
             <a:fld id="{6FEC6909-2C01-40CF-9626-2CD40C8FE822}" type="datetime1">
               <a:rPr lang="de-DE" noProof="0" smtClean="0"/>
-              <a:t>29.10.19</a:t>
+              <a:t>25.11.2019</a:t>
             </a:fld>
             <a:endParaRPr lang="de-DE" noProof="0" dirty="0"/>
           </a:p>
@@ -8516,7 +8790,7 @@
           <a:p>
             <a:fld id="{6FEC6909-2C01-40CF-9626-2CD40C8FE822}" type="datetime1">
               <a:rPr lang="de-DE" noProof="0" smtClean="0"/>
-              <a:t>29.10.19</a:t>
+              <a:t>25.11.2019</a:t>
             </a:fld>
             <a:endParaRPr lang="de-DE" noProof="0" dirty="0"/>
           </a:p>
@@ -9432,7 +9706,7 @@
           <a:p>
             <a:fld id="{6FEC6909-2C01-40CF-9626-2CD40C8FE822}" type="datetime1">
               <a:rPr lang="de-DE" noProof="0" smtClean="0"/>
-              <a:t>29.10.19</a:t>
+              <a:t>25.11.2019</a:t>
             </a:fld>
             <a:endParaRPr lang="de-DE" noProof="0" dirty="0"/>
           </a:p>
@@ -10643,7 +10917,7 @@
           <a:p>
             <a:fld id="{6FEC6909-2C01-40CF-9626-2CD40C8FE822}" type="datetime1">
               <a:rPr lang="de-DE" noProof="0" smtClean="0"/>
-              <a:t>29.10.19</a:t>
+              <a:t>25.11.2019</a:t>
             </a:fld>
             <a:endParaRPr lang="de-DE" noProof="0" dirty="0"/>
           </a:p>
@@ -12097,7 +12371,7 @@
           <a:p>
             <a:fld id="{9AFA0DE8-8033-462D-BDBF-CD1E1FDE3CA3}" type="datetime1">
               <a:rPr lang="de-DE" noProof="0" smtClean="0"/>
-              <a:t>29.10.19</a:t>
+              <a:t>25.11.2019</a:t>
             </a:fld>
             <a:endParaRPr lang="de-DE" noProof="0" dirty="0"/>
           </a:p>
@@ -12747,7 +13021,7 @@
           <a:p>
             <a:fld id="{0F71BE61-C023-4ED4-BECD-45A03B55F882}" type="datetime1">
               <a:rPr lang="de-DE" noProof="0" smtClean="0"/>
-              <a:t>29.10.19</a:t>
+              <a:t>25.11.2019</a:t>
             </a:fld>
             <a:endParaRPr lang="de-DE" noProof="0" dirty="0"/>
           </a:p>
@@ -13058,7 +13332,7 @@
           <a:p>
             <a:fld id="{154C7814-F218-4D9E-8E58-25588F0986B1}" type="datetime1">
               <a:rPr lang="de-DE" noProof="0" smtClean="0"/>
-              <a:t>29.10.19</a:t>
+              <a:t>25.11.2019</a:t>
             </a:fld>
             <a:endParaRPr lang="de-DE" noProof="0" dirty="0"/>
           </a:p>
@@ -13804,7 +14078,7 @@
           <a:p>
             <a:fld id="{1DA5372B-8290-4F29-B014-C1FC8CBE3BE6}" type="datetime1">
               <a:rPr lang="de-DE" noProof="0" smtClean="0"/>
-              <a:t>29.10.19</a:t>
+              <a:t>25.11.2019</a:t>
             </a:fld>
             <a:endParaRPr lang="de-DE" noProof="0" dirty="0"/>
           </a:p>
@@ -14191,7 +14465,7 @@
           <a:p>
             <a:fld id="{70EF8492-ADB9-4EBE-9A60-E55C77C98726}" type="datetime1">
               <a:rPr lang="de-DE" noProof="0" smtClean="0"/>
-              <a:t>29.10.19</a:t>
+              <a:t>25.11.2019</a:t>
             </a:fld>
             <a:endParaRPr lang="de-DE" noProof="0" dirty="0"/>
           </a:p>
@@ -14652,7 +14926,7 @@
           <a:p>
             <a:fld id="{70EF8492-ADB9-4EBE-9A60-E55C77C98726}" type="datetime1">
               <a:rPr lang="de-DE" noProof="0" smtClean="0"/>
-              <a:t>29.10.19</a:t>
+              <a:t>25.11.2019</a:t>
             </a:fld>
             <a:endParaRPr lang="de-DE" noProof="0" dirty="0"/>
           </a:p>
@@ -15113,7 +15387,7 @@
           <a:p>
             <a:fld id="{70EF8492-ADB9-4EBE-9A60-E55C77C98726}" type="datetime1">
               <a:rPr lang="de-DE" noProof="0" smtClean="0"/>
-              <a:t>29.10.19</a:t>
+              <a:t>25.11.2019</a:t>
             </a:fld>
             <a:endParaRPr lang="de-DE" noProof="0" dirty="0"/>
           </a:p>
@@ -15574,7 +15848,7 @@
           <a:p>
             <a:fld id="{70EF8492-ADB9-4EBE-9A60-E55C77C98726}" type="datetime1">
               <a:rPr lang="de-DE" noProof="0" smtClean="0"/>
-              <a:t>29.10.19</a:t>
+              <a:t>25.11.2019</a:t>
             </a:fld>
             <a:endParaRPr lang="de-DE" noProof="0" dirty="0"/>
           </a:p>
@@ -15961,7 +16235,7 @@
           <a:p>
             <a:fld id="{70EF8492-ADB9-4EBE-9A60-E55C77C98726}" type="datetime1">
               <a:rPr lang="de-DE" noProof="0" smtClean="0"/>
-              <a:t>29.10.19</a:t>
+              <a:t>25.11.2019</a:t>
             </a:fld>
             <a:endParaRPr lang="de-DE" noProof="0" dirty="0"/>
           </a:p>
@@ -16367,7 +16641,7 @@
           <a:p>
             <a:fld id="{70EF8492-ADB9-4EBE-9A60-E55C77C98726}" type="datetime1">
               <a:rPr lang="de-DE" noProof="0" smtClean="0"/>
-              <a:t>29.10.19</a:t>
+              <a:t>25.11.2019</a:t>
             </a:fld>
             <a:endParaRPr lang="de-DE" noProof="0" dirty="0"/>
           </a:p>
@@ -16809,7 +17083,7 @@
           <a:p>
             <a:fld id="{05B3DBBF-4A8C-46E8-A0AB-E0735B148AED}" type="datetime1">
               <a:rPr lang="de-DE" noProof="0" smtClean="0"/>
-              <a:t>29.10.19</a:t>
+              <a:t>25.11.2019</a:t>
             </a:fld>
             <a:endParaRPr lang="de-DE" noProof="0" dirty="0"/>
           </a:p>
@@ -17236,7 +17510,7 @@
           <a:p>
             <a:fld id="{52FAB3FD-4E6C-46E0-B1BD-C93EFC10EB33}" type="datetime1">
               <a:rPr lang="de-DE" noProof="0" smtClean="0"/>
-              <a:t>29.10.19</a:t>
+              <a:t>25.11.2019</a:t>
             </a:fld>
             <a:endParaRPr lang="de-DE" noProof="0" dirty="0"/>
           </a:p>
@@ -17664,7 +17938,7 @@
           <a:p>
             <a:fld id="{BA4831C8-84E6-4639-B768-66D96F272C03}" type="datetime1">
               <a:rPr lang="de-DE" noProof="0" smtClean="0"/>
-              <a:t>29.10.19</a:t>
+              <a:t>25.11.2019</a:t>
             </a:fld>
             <a:endParaRPr lang="de-DE" noProof="0" dirty="0"/>
           </a:p>
@@ -18404,7 +18678,7 @@
           <a:p>
             <a:fld id="{9D85A577-AB73-44DD-ABC0-BFB8B3497DED}" type="datetime1">
               <a:rPr lang="de-DE" noProof="0" smtClean="0"/>
-              <a:t>29.10.19</a:t>
+              <a:t>25.11.2019</a:t>
             </a:fld>
             <a:endParaRPr lang="de-DE" noProof="0" dirty="0"/>
           </a:p>
@@ -18887,7 +19161,7 @@
           <a:p>
             <a:fld id="{BA4831C8-84E6-4639-B768-66D96F272C03}" type="datetime1">
               <a:rPr lang="de-DE" noProof="0" smtClean="0"/>
-              <a:t>29.10.19</a:t>
+              <a:t>25.11.2019</a:t>
             </a:fld>
             <a:endParaRPr lang="de-DE" noProof="0" dirty="0"/>
           </a:p>
@@ -19334,7 +19608,7 @@
           <a:p>
             <a:fld id="{70EF8492-ADB9-4EBE-9A60-E55C77C98726}" type="datetime1">
               <a:rPr lang="de-DE" noProof="0" smtClean="0"/>
-              <a:t>29.10.19</a:t>
+              <a:t>25.11.2019</a:t>
             </a:fld>
             <a:endParaRPr lang="de-DE" noProof="0" dirty="0"/>
           </a:p>
@@ -19761,7 +20035,7 @@
           <a:p>
             <a:fld id="{1DA5372B-8290-4F29-B014-C1FC8CBE3BE6}" type="datetime1">
               <a:rPr lang="de-DE" noProof="0" smtClean="0"/>
-              <a:t>29.10.19</a:t>
+              <a:t>25.11.2019</a:t>
             </a:fld>
             <a:endParaRPr lang="de-DE" noProof="0" dirty="0"/>
           </a:p>
@@ -20229,7 +20503,7 @@
           <a:p>
             <a:fld id="{1DA5372B-8290-4F29-B014-C1FC8CBE3BE6}" type="datetime1">
               <a:rPr lang="de-DE" noProof="0" smtClean="0"/>
-              <a:t>29.10.19</a:t>
+              <a:t>25.11.2019</a:t>
             </a:fld>
             <a:endParaRPr lang="de-DE" noProof="0" dirty="0"/>
           </a:p>
@@ -20733,7 +21007,7 @@
           <a:p>
             <a:fld id="{3621CD1E-4595-42C3-BFF0-83D0896B7E8A}" type="datetime1">
               <a:rPr lang="de-DE" noProof="0" smtClean="0"/>
-              <a:t>29.10.19</a:t>
+              <a:t>25.11.2019</a:t>
             </a:fld>
             <a:endParaRPr lang="de-DE" noProof="0" dirty="0"/>
           </a:p>
@@ -21202,7 +21476,7 @@
           <a:p>
             <a:fld id="{1DA5372B-8290-4F29-B014-C1FC8CBE3BE6}" type="datetime1">
               <a:rPr lang="de-DE" noProof="0" smtClean="0"/>
-              <a:t>29.10.19</a:t>
+              <a:t>25.11.2019</a:t>
             </a:fld>
             <a:endParaRPr lang="de-DE" noProof="0" dirty="0"/>
           </a:p>
@@ -21711,7 +21985,7 @@
           <a:p>
             <a:fld id="{70EF8492-ADB9-4EBE-9A60-E55C77C98726}" type="datetime1">
               <a:rPr lang="de-DE" noProof="0" smtClean="0"/>
-              <a:t>29.10.19</a:t>
+              <a:t>25.11.2019</a:t>
             </a:fld>
             <a:endParaRPr lang="de-DE" noProof="0" dirty="0"/>
           </a:p>
@@ -22191,7 +22465,7 @@
           <a:p>
             <a:fld id="{8F698533-FC6E-4163-A8E0-9190274D324A}" type="datetime1">
               <a:rPr lang="de-DE" noProof="0" smtClean="0"/>
-              <a:t>29.10.19</a:t>
+              <a:t>25.11.2019</a:t>
             </a:fld>
             <a:endParaRPr lang="de-DE" noProof="0" dirty="0"/>
           </a:p>
@@ -22682,7 +22956,7 @@
           <a:p>
             <a:fld id="{8F698533-FC6E-4163-A8E0-9190274D324A}" type="datetime1">
               <a:rPr lang="de-DE" noProof="0" smtClean="0"/>
-              <a:t>29.10.19</a:t>
+              <a:t>25.11.2019</a:t>
             </a:fld>
             <a:endParaRPr lang="de-DE" noProof="0" dirty="0"/>
           </a:p>
@@ -23467,7 +23741,7 @@
           <a:p>
             <a:fld id="{50A86C45-CD1A-44AA-99BA-C8001C00C2F1}" type="datetime1">
               <a:rPr lang="de-DE" noProof="0" smtClean="0"/>
-              <a:t>29.10.19</a:t>
+              <a:t>25.11.2019</a:t>
             </a:fld>
             <a:endParaRPr lang="de-DE" noProof="0" dirty="0"/>
           </a:p>
@@ -24102,7 +24376,7 @@
           <a:p>
             <a:fld id="{F807D330-5B89-43D0-9D03-357C4C787AFF}" type="datetime1">
               <a:rPr lang="de-DE" noProof="0" smtClean="0"/>
-              <a:t>29.10.19</a:t>
+              <a:t>25.11.2019</a:t>
             </a:fld>
             <a:endParaRPr lang="de-DE" noProof="0" dirty="0"/>
           </a:p>
@@ -24673,7 +24947,7 @@
           <a:p>
             <a:fld id="{DDA146EC-6F84-4175-AEE8-BACFBC2394F6}" type="datetime1">
               <a:rPr lang="de-DE" noProof="0" smtClean="0"/>
-              <a:t>29.10.19</a:t>
+              <a:t>25.11.2019</a:t>
             </a:fld>
             <a:endParaRPr lang="de-DE" noProof="0" dirty="0"/>
           </a:p>
@@ -25361,7 +25635,7 @@
           <a:p>
             <a:fld id="{F807D330-5B89-43D0-9D03-357C4C787AFF}" type="datetime1">
               <a:rPr lang="de-DE" noProof="0" smtClean="0"/>
-              <a:t>29.10.19</a:t>
+              <a:t>25.11.2019</a:t>
             </a:fld>
             <a:endParaRPr lang="de-DE" noProof="0" dirty="0"/>
           </a:p>
@@ -25932,7 +26206,7 @@
           <a:p>
             <a:fld id="{DDA146EC-6F84-4175-AEE8-BACFBC2394F6}" type="datetime1">
               <a:rPr lang="de-DE" noProof="0" smtClean="0"/>
-              <a:t>29.10.19</a:t>
+              <a:t>25.11.2019</a:t>
             </a:fld>
             <a:endParaRPr lang="de-DE" noProof="0" dirty="0"/>
           </a:p>
@@ -26453,7 +26727,7 @@
           <a:p>
             <a:fld id="{8F698533-FC6E-4163-A8E0-9190274D324A}" type="datetime1">
               <a:rPr lang="de-DE" noProof="0" smtClean="0"/>
-              <a:t>29.10.19</a:t>
+              <a:t>25.11.2019</a:t>
             </a:fld>
             <a:endParaRPr lang="de-DE" noProof="0" dirty="0"/>
           </a:p>
@@ -27018,7 +27292,7 @@
           <a:p>
             <a:fld id="{70EF8492-ADB9-4EBE-9A60-E55C77C98726}" type="datetime1">
               <a:rPr lang="de-DE" noProof="0" smtClean="0"/>
-              <a:t>29.10.19</a:t>
+              <a:t>25.11.2019</a:t>
             </a:fld>
             <a:endParaRPr lang="de-DE" noProof="0" dirty="0"/>
           </a:p>
@@ -27619,7 +27893,7 @@
           <a:p>
             <a:fld id="{70EF8492-ADB9-4EBE-9A60-E55C77C98726}" type="datetime1">
               <a:rPr lang="de-DE" noProof="0" smtClean="0"/>
-              <a:t>29.10.19</a:t>
+              <a:t>25.11.2019</a:t>
             </a:fld>
             <a:endParaRPr lang="de-DE" noProof="0" dirty="0"/>
           </a:p>
@@ -28313,7 +28587,7 @@
           <a:p>
             <a:fld id="{70EF8492-ADB9-4EBE-9A60-E55C77C98726}" type="datetime1">
               <a:rPr lang="de-DE" noProof="0" smtClean="0"/>
-              <a:t>29.10.19</a:t>
+              <a:t>25.11.2019</a:t>
             </a:fld>
             <a:endParaRPr lang="de-DE" noProof="0" dirty="0"/>
           </a:p>
@@ -28825,7 +29099,7 @@
           <a:p>
             <a:fld id="{BAD07360-8F9C-4FF8-B753-12BB54489DC8}" type="datetime1">
               <a:rPr lang="de-DE" noProof="0" smtClean="0"/>
-              <a:t>29.10.19</a:t>
+              <a:t>25.11.2019</a:t>
             </a:fld>
             <a:endParaRPr lang="de-DE" noProof="0" dirty="0"/>
           </a:p>
@@ -29636,7 +29910,7 @@
           <a:p>
             <a:fld id="{BAD07360-8F9C-4FF8-B753-12BB54489DC8}" type="datetime1">
               <a:rPr lang="de-DE" noProof="0" smtClean="0"/>
-              <a:t>29.10.19</a:t>
+              <a:t>25.11.2019</a:t>
             </a:fld>
             <a:endParaRPr lang="de-DE" noProof="0" dirty="0"/>
           </a:p>
@@ -30225,7 +30499,7 @@
           <a:p>
             <a:fld id="{F84828BB-7B4A-43F5-823E-CE2F139C8F04}" type="datetime1">
               <a:rPr lang="de-DE" noProof="0" smtClean="0"/>
-              <a:t>29.10.19</a:t>
+              <a:t>25.11.2019</a:t>
             </a:fld>
             <a:endParaRPr lang="de-DE" noProof="0" dirty="0"/>
           </a:p>
@@ -30937,7 +31211,7 @@
           <a:p>
             <a:fld id="{BAD07360-8F9C-4FF8-B753-12BB54489DC8}" type="datetime1">
               <a:rPr lang="de-DE" noProof="0" smtClean="0"/>
-              <a:t>29.10.19</a:t>
+              <a:t>25.11.2019</a:t>
             </a:fld>
             <a:endParaRPr lang="de-DE" noProof="0" dirty="0"/>
           </a:p>
@@ -31646,7 +31920,7 @@
           <a:p>
             <a:fld id="{DDA146EC-6F84-4175-AEE8-BACFBC2394F6}" type="datetime1">
               <a:rPr lang="de-DE" noProof="0" smtClean="0"/>
-              <a:t>29.10.19</a:t>
+              <a:t>25.11.2019</a:t>
             </a:fld>
             <a:endParaRPr lang="de-DE" noProof="0" dirty="0"/>
           </a:p>
@@ -32448,7 +32722,7 @@
           <a:p>
             <a:fld id="{DDA146EC-6F84-4175-AEE8-BACFBC2394F6}" type="datetime1">
               <a:rPr lang="de-DE" noProof="0" smtClean="0"/>
-              <a:t>29.10.19</a:t>
+              <a:t>25.11.2019</a:t>
             </a:fld>
             <a:endParaRPr lang="de-DE" noProof="0" dirty="0"/>
           </a:p>
@@ -32994,7 +33268,7 @@
           <a:p>
             <a:fld id="{DDA146EC-6F84-4175-AEE8-BACFBC2394F6}" type="datetime1">
               <a:rPr lang="de-DE" noProof="0" smtClean="0"/>
-              <a:t>29.10.19</a:t>
+              <a:t>25.11.2019</a:t>
             </a:fld>
             <a:endParaRPr lang="de-DE" noProof="0" dirty="0"/>
           </a:p>
@@ -33499,7 +33773,7 @@
           <a:p>
             <a:fld id="{BAD07360-8F9C-4FF8-B753-12BB54489DC8}" type="datetime1">
               <a:rPr lang="de-DE" noProof="0" smtClean="0"/>
-              <a:t>29.10.19</a:t>
+              <a:t>25.11.2019</a:t>
             </a:fld>
             <a:endParaRPr lang="de-DE" noProof="0" dirty="0"/>
           </a:p>
@@ -35112,7 +35386,7 @@
             <a:fld id="{BFDAD13F-B150-48FA-9084-D9E756CCCB07}" type="datetime1">
               <a:rPr lang="de-DE" smtClean="0"/>
               <a:pPr/>
-              <a:t>29.10.19</a:t>
+              <a:t>25.11.2019</a:t>
             </a:fld>
             <a:endParaRPr lang="de-DE" dirty="0"/>
           </a:p>
@@ -37739,7 +38013,7 @@
             <a:fld id="{7FC88BA9-6F9E-4215-AE89-45AC6BCA1B0E}" type="datetime1">
               <a:rPr lang="de-DE" smtClean="0"/>
               <a:pPr/>
-              <a:t>29.10.19</a:t>
+              <a:t>25.11.2019</a:t>
             </a:fld>
             <a:endParaRPr lang="de-DE" dirty="0"/>
           </a:p>
@@ -38092,7 +38366,7 @@
           <a:p>
             <a:fld id="{BFDAD13F-B150-48FA-9084-D9E756CCCB07}" type="datetime1">
               <a:rPr lang="de-DE" noProof="0" smtClean="0"/>
-              <a:t>29.10.19</a:t>
+              <a:t>25.11.2019</a:t>
             </a:fld>
             <a:endParaRPr lang="de-DE" noProof="0" dirty="0"/>
           </a:p>
@@ -39279,7 +39553,7 @@
           <p:cNvPr id="2" name="Titel 1">
             <a:extLst>
               <a:ext uri="{FF2B5EF4-FFF2-40B4-BE49-F238E27FC236}">
-                <a16:creationId xmlns:a16="http://schemas.microsoft.com/office/drawing/2014/main" id="{9ABFDAD6-C0E1-8141-B758-0212F3A14EF0}"/>
+                <a16:creationId xmlns:a16="http://schemas.microsoft.com/office/drawing/2014/main" id="{7630BFA5-D5C1-5841-B9FB-5851961ACD75}"/>
               </a:ext>
             </a:extLst>
           </p:cNvPr>
@@ -39297,7 +39571,7 @@
           <a:p>
             <a:r>
               <a:rPr lang="de-DE" dirty="0"/>
-              <a:t>Beispielanwendung</a:t>
+              <a:t>Frameworks</a:t>
             </a:r>
           </a:p>
         </p:txBody>
@@ -39307,7 +39581,7 @@
           <p:cNvPr id="3" name="Textplatzhalter 2">
             <a:extLst>
               <a:ext uri="{FF2B5EF4-FFF2-40B4-BE49-F238E27FC236}">
-                <a16:creationId xmlns:a16="http://schemas.microsoft.com/office/drawing/2014/main" id="{7B72EB04-8F2B-9649-8BCA-10A8855FA9DF}"/>
+                <a16:creationId xmlns:a16="http://schemas.microsoft.com/office/drawing/2014/main" id="{E13B0A18-2C1A-A14A-AA7E-EE9B740659E3}"/>
               </a:ext>
             </a:extLst>
           </p:cNvPr>
@@ -39325,15 +39599,7 @@
           <a:p>
             <a:r>
               <a:rPr lang="de-DE" dirty="0" err="1"/>
-              <a:t>Avoid</a:t>
-            </a:r>
-            <a:r>
-              <a:rPr lang="de-DE" dirty="0"/>
-              <a:t> </a:t>
-            </a:r>
-            <a:r>
-              <a:rPr lang="de-DE" dirty="0" err="1"/>
-              <a:t>Complexity</a:t>
+              <a:t>Selenium</a:t>
             </a:r>
             <a:endParaRPr lang="de-DE" dirty="0"/>
           </a:p>
@@ -39344,7 +39610,7 @@
           <p:cNvPr id="4" name="Textplatzhalter 3">
             <a:extLst>
               <a:ext uri="{FF2B5EF4-FFF2-40B4-BE49-F238E27FC236}">
-                <a16:creationId xmlns:a16="http://schemas.microsoft.com/office/drawing/2014/main" id="{6AF86A2C-1A98-B740-A6C7-96733375689D}"/>
+                <a16:creationId xmlns:a16="http://schemas.microsoft.com/office/drawing/2014/main" id="{F158517A-3EDC-BC45-84B7-468D446159A8}"/>
               </a:ext>
             </a:extLst>
           </p:cNvPr>
@@ -39369,7 +39635,7 @@
           <p:cNvPr id="5" name="Inhaltsplatzhalter 4">
             <a:extLst>
               <a:ext uri="{FF2B5EF4-FFF2-40B4-BE49-F238E27FC236}">
-                <a16:creationId xmlns:a16="http://schemas.microsoft.com/office/drawing/2014/main" id="{AEA18834-89EA-704B-A9D5-6D5196539E75}"/>
+                <a16:creationId xmlns:a16="http://schemas.microsoft.com/office/drawing/2014/main" id="{A01AC294-80A2-C245-9A1C-2F9DB3418C93}"/>
               </a:ext>
             </a:extLst>
           </p:cNvPr>
@@ -39380,34 +39646,33 @@
             <p:ph sz="half" idx="14"/>
           </p:nvPr>
         </p:nvSpPr>
-        <p:spPr/>
+        <p:spPr>
+          <a:xfrm>
+            <a:off x="756000" y="1512000"/>
+            <a:ext cx="11037600" cy="4298400"/>
+          </a:xfrm>
+        </p:spPr>
         <p:txBody>
           <a:bodyPr/>
           <a:lstStyle/>
           <a:p>
             <a:r>
               <a:rPr lang="de-DE" dirty="0"/>
-              <a:t>Simple Applikation</a:t>
-            </a:r>
-          </a:p>
-          <a:p>
-            <a:pPr lvl="1"/>
+              <a:t>Automatisierung von Browsern</a:t>
+            </a:r>
+          </a:p>
+          <a:p>
             <a:r>
               <a:rPr lang="de-DE" dirty="0"/>
-              <a:t>Eingabe und Anzeige Name</a:t>
-            </a:r>
-          </a:p>
-          <a:p>
-            <a:pPr lvl="1"/>
+              <a:t>Page-</a:t>
+            </a:r>
+            <a:r>
+              <a:rPr lang="de-DE" dirty="0" err="1"/>
+              <a:t>Object</a:t>
+            </a:r>
             <a:r>
               <a:rPr lang="de-DE" dirty="0"/>
-              <a:t>Berechnung einer Summe aus bis zu 3 Summanden</a:t>
-            </a:r>
-          </a:p>
-          <a:p>
-            <a:r>
-              <a:rPr lang="de-DE" dirty="0"/>
-              <a:t>Live Demo</a:t>
+              <a:t>-Pattern</a:t>
             </a:r>
           </a:p>
         </p:txBody>
@@ -39417,7 +39682,7 @@
           <p:cNvPr id="6" name="Fußzeilenplatzhalter 5">
             <a:extLst>
               <a:ext uri="{FF2B5EF4-FFF2-40B4-BE49-F238E27FC236}">
-                <a16:creationId xmlns:a16="http://schemas.microsoft.com/office/drawing/2014/main" id="{41C46F3B-E446-4544-8A96-29A3DE017D2F}"/>
+                <a16:creationId xmlns:a16="http://schemas.microsoft.com/office/drawing/2014/main" id="{C6168411-E865-6D49-839B-2960823AEA56}"/>
               </a:ext>
             </a:extLst>
           </p:cNvPr>
@@ -39457,7 +39722,7 @@
           <p:cNvPr id="7" name="Datumsplatzhalter 6">
             <a:extLst>
               <a:ext uri="{FF2B5EF4-FFF2-40B4-BE49-F238E27FC236}">
-                <a16:creationId xmlns:a16="http://schemas.microsoft.com/office/drawing/2014/main" id="{9B585C95-7521-D34A-8571-90376AC48DA7}"/>
+                <a16:creationId xmlns:a16="http://schemas.microsoft.com/office/drawing/2014/main" id="{9FAA6259-8E0C-5346-84AF-BD6FDD591C1B}"/>
               </a:ext>
             </a:extLst>
           </p:cNvPr>
@@ -39475,7 +39740,7 @@
           <a:p>
             <a:fld id="{154C7814-F218-4D9E-8E58-25588F0986B1}" type="datetime1">
               <a:rPr lang="de-DE" noProof="0" smtClean="0"/>
-              <a:t>29.10.19</a:t>
+              <a:t>25.11.2019</a:t>
             </a:fld>
             <a:endParaRPr lang="de-DE" noProof="0" dirty="0"/>
           </a:p>
@@ -39486,7 +39751,7 @@
           <p:cNvPr id="8" name="Foliennummernplatzhalter 7">
             <a:extLst>
               <a:ext uri="{FF2B5EF4-FFF2-40B4-BE49-F238E27FC236}">
-                <a16:creationId xmlns:a16="http://schemas.microsoft.com/office/drawing/2014/main" id="{6C9469C1-DF6E-E543-BE43-B68C9496F691}"/>
+                <a16:creationId xmlns:a16="http://schemas.microsoft.com/office/drawing/2014/main" id="{02FFAC50-D076-404C-8ED2-57CF0978543C}"/>
               </a:ext>
             </a:extLst>
           </p:cNvPr>
@@ -39511,10 +39776,38 @@
           </a:p>
         </p:txBody>
       </p:sp>
+      <p:graphicFrame>
+        <p:nvGraphicFramePr>
+          <p:cNvPr id="10" name="Diagramm 9">
+            <a:extLst>
+              <a:ext uri="{FF2B5EF4-FFF2-40B4-BE49-F238E27FC236}">
+                <a16:creationId xmlns:a16="http://schemas.microsoft.com/office/drawing/2014/main" id="{5B964A70-728D-E14C-BB7E-9EDA7EC110B1}"/>
+              </a:ext>
+            </a:extLst>
+          </p:cNvPr>
+          <p:cNvGraphicFramePr/>
+          <p:nvPr>
+            <p:extLst>
+              <p:ext uri="{D42A27DB-BD31-4B8C-83A1-F6EECF244321}">
+                <p14:modId xmlns:p14="http://schemas.microsoft.com/office/powerpoint/2010/main" val="4253762703"/>
+              </p:ext>
+            </p:extLst>
+          </p:nvPr>
+        </p:nvGraphicFramePr>
+        <p:xfrm>
+          <a:off x="895792" y="2456762"/>
+          <a:ext cx="10398827" cy="3272010"/>
+        </p:xfrm>
+        <a:graphic>
+          <a:graphicData uri="http://schemas.openxmlformats.org/drawingml/2006/diagram">
+            <dgm:relIds xmlns:dgm="http://schemas.openxmlformats.org/drawingml/2006/diagram" xmlns:r="http://schemas.openxmlformats.org/officeDocument/2006/relationships" r:dm="rId2" r:lo="rId3" r:qs="rId4" r:cs="rId5"/>
+          </a:graphicData>
+        </a:graphic>
+      </p:graphicFrame>
     </p:spTree>
     <p:extLst>
       <p:ext uri="{BB962C8B-B14F-4D97-AF65-F5344CB8AC3E}">
-        <p14:creationId xmlns:p14="http://schemas.microsoft.com/office/powerpoint/2010/main" val="2322926629"/>
+        <p14:creationId xmlns:p14="http://schemas.microsoft.com/office/powerpoint/2010/main" val="1810371097"/>
       </p:ext>
     </p:extLst>
   </p:cSld>
@@ -39558,7 +39851,7 @@
           <p:cNvPr id="9" name="Titel 8">
             <a:extLst>
               <a:ext uri="{FF2B5EF4-FFF2-40B4-BE49-F238E27FC236}">
-                <a16:creationId xmlns:a16="http://schemas.microsoft.com/office/drawing/2014/main" id="{1F6BE20F-A64A-F140-A8CA-A23DF3164E9E}"/>
+                <a16:creationId xmlns:a16="http://schemas.microsoft.com/office/drawing/2014/main" id="{48B8340E-24BB-F94C-A724-801E6666D3DD}"/>
               </a:ext>
             </a:extLst>
           </p:cNvPr>
@@ -39575,12 +39868,8 @@
           <a:lstStyle/>
           <a:p>
             <a:r>
-              <a:rPr lang="de-DE" dirty="0" err="1"/>
-              <a:t>Advanced</a:t>
-            </a:r>
-            <a:r>
               <a:rPr lang="de-DE" dirty="0"/>
-              <a:t> BDD</a:t>
+              <a:t>Beispielanwendung</a:t>
             </a:r>
           </a:p>
         </p:txBody>
@@ -39590,7 +39879,7 @@
           <p:cNvPr id="11" name="Textplatzhalter 10">
             <a:extLst>
               <a:ext uri="{FF2B5EF4-FFF2-40B4-BE49-F238E27FC236}">
-                <a16:creationId xmlns:a16="http://schemas.microsoft.com/office/drawing/2014/main" id="{1A040727-61CB-4B4D-9D15-2AE8DA9624C9}"/>
+                <a16:creationId xmlns:a16="http://schemas.microsoft.com/office/drawing/2014/main" id="{9F260F2E-84AC-AA42-B61C-0AC43FA79A0C}"/>
               </a:ext>
             </a:extLst>
           </p:cNvPr>
@@ -39615,7 +39904,7 @@
           <p:cNvPr id="10" name="Textplatzhalter 9">
             <a:extLst>
               <a:ext uri="{FF2B5EF4-FFF2-40B4-BE49-F238E27FC236}">
-                <a16:creationId xmlns:a16="http://schemas.microsoft.com/office/drawing/2014/main" id="{BD7FB345-8BDE-854E-9C69-804A13212A9B}"/>
+                <a16:creationId xmlns:a16="http://schemas.microsoft.com/office/drawing/2014/main" id="{F28D25E4-D47B-A244-94E1-EB61CD9566E5}"/>
               </a:ext>
             </a:extLst>
           </p:cNvPr>
@@ -39633,7 +39922,7 @@
           <a:p>
             <a:r>
               <a:rPr lang="de-DE" dirty="0"/>
-              <a:t>4.</a:t>
+              <a:t>3.</a:t>
             </a:r>
           </a:p>
         </p:txBody>
@@ -39643,7 +39932,7 @@
           <p:cNvPr id="12" name="Textplatzhalter 11">
             <a:extLst>
               <a:ext uri="{FF2B5EF4-FFF2-40B4-BE49-F238E27FC236}">
-                <a16:creationId xmlns:a16="http://schemas.microsoft.com/office/drawing/2014/main" id="{3F7886E6-BE3D-9B44-8220-FE114EB40693}"/>
+                <a16:creationId xmlns:a16="http://schemas.microsoft.com/office/drawing/2014/main" id="{47F875E8-011E-5F4F-927C-2594AB18C1B9}"/>
               </a:ext>
             </a:extLst>
           </p:cNvPr>
@@ -39668,7 +39957,7 @@
           <p:cNvPr id="6" name="Fußzeilenplatzhalter 5">
             <a:extLst>
               <a:ext uri="{FF2B5EF4-FFF2-40B4-BE49-F238E27FC236}">
-                <a16:creationId xmlns:a16="http://schemas.microsoft.com/office/drawing/2014/main" id="{414F27E5-0176-7344-B2EC-BCF406769CDF}"/>
+                <a16:creationId xmlns:a16="http://schemas.microsoft.com/office/drawing/2014/main" id="{78BA0521-E38C-C74B-94DE-1E59B74FC0AB}"/>
               </a:ext>
             </a:extLst>
           </p:cNvPr>
@@ -39713,7 +40002,7 @@
           <p:cNvPr id="7" name="Datumsplatzhalter 6">
             <a:extLst>
               <a:ext uri="{FF2B5EF4-FFF2-40B4-BE49-F238E27FC236}">
-                <a16:creationId xmlns:a16="http://schemas.microsoft.com/office/drawing/2014/main" id="{957F495B-25E3-9A43-9496-1F7F486001DB}"/>
+                <a16:creationId xmlns:a16="http://schemas.microsoft.com/office/drawing/2014/main" id="{B436E0FD-E05A-A84C-9957-E5B7C6399E96}"/>
               </a:ext>
             </a:extLst>
           </p:cNvPr>
@@ -39736,7 +40025,7 @@
           <a:p>
             <a:fld id="{154C7814-F218-4D9E-8E58-25588F0986B1}" type="datetime1">
               <a:rPr lang="de-DE" noProof="0" smtClean="0"/>
-              <a:t>29.10.19</a:t>
+              <a:t>25.11.2019</a:t>
             </a:fld>
             <a:endParaRPr lang="de-DE" noProof="0" dirty="0"/>
           </a:p>
@@ -39747,7 +40036,7 @@
           <p:cNvPr id="8" name="Foliennummernplatzhalter 7">
             <a:extLst>
               <a:ext uri="{FF2B5EF4-FFF2-40B4-BE49-F238E27FC236}">
-                <a16:creationId xmlns:a16="http://schemas.microsoft.com/office/drawing/2014/main" id="{AE8B5784-6656-BE41-A9AD-318FC83BB4C4}"/>
+                <a16:creationId xmlns:a16="http://schemas.microsoft.com/office/drawing/2014/main" id="{1B107D7B-A952-CC4A-80E8-151AB98DCA3E}"/>
               </a:ext>
             </a:extLst>
           </p:cNvPr>
@@ -39780,7 +40069,7 @@
     </p:spTree>
     <p:extLst>
       <p:ext uri="{BB962C8B-B14F-4D97-AF65-F5344CB8AC3E}">
-        <p14:creationId xmlns:p14="http://schemas.microsoft.com/office/powerpoint/2010/main" val="1593519667"/>
+        <p14:creationId xmlns:p14="http://schemas.microsoft.com/office/powerpoint/2010/main" val="514579875"/>
       </p:ext>
     </p:extLst>
   </p:cSld>
@@ -39821,6 +40110,551 @@
       </p:grpSpPr>
       <p:sp>
         <p:nvSpPr>
+          <p:cNvPr id="2" name="Titel 1">
+            <a:extLst>
+              <a:ext uri="{FF2B5EF4-FFF2-40B4-BE49-F238E27FC236}">
+                <a16:creationId xmlns:a16="http://schemas.microsoft.com/office/drawing/2014/main" id="{9ABFDAD6-C0E1-8141-B758-0212F3A14EF0}"/>
+              </a:ext>
+            </a:extLst>
+          </p:cNvPr>
+          <p:cNvSpPr>
+            <a:spLocks noGrp="1"/>
+          </p:cNvSpPr>
+          <p:nvPr>
+            <p:ph type="title"/>
+          </p:nvPr>
+        </p:nvSpPr>
+        <p:spPr/>
+        <p:txBody>
+          <a:bodyPr/>
+          <a:lstStyle/>
+          <a:p>
+            <a:r>
+              <a:rPr lang="de-DE" dirty="0"/>
+              <a:t>Beispielanwendung</a:t>
+            </a:r>
+          </a:p>
+        </p:txBody>
+      </p:sp>
+      <p:sp>
+        <p:nvSpPr>
+          <p:cNvPr id="3" name="Textplatzhalter 2">
+            <a:extLst>
+              <a:ext uri="{FF2B5EF4-FFF2-40B4-BE49-F238E27FC236}">
+                <a16:creationId xmlns:a16="http://schemas.microsoft.com/office/drawing/2014/main" id="{7B72EB04-8F2B-9649-8BCA-10A8855FA9DF}"/>
+              </a:ext>
+            </a:extLst>
+          </p:cNvPr>
+          <p:cNvSpPr>
+            <a:spLocks noGrp="1"/>
+          </p:cNvSpPr>
+          <p:nvPr>
+            <p:ph type="body" sz="quarter" idx="13"/>
+          </p:nvPr>
+        </p:nvSpPr>
+        <p:spPr/>
+        <p:txBody>
+          <a:bodyPr/>
+          <a:lstStyle/>
+          <a:p>
+            <a:r>
+              <a:rPr lang="de-DE" dirty="0" err="1"/>
+              <a:t>Avoid</a:t>
+            </a:r>
+            <a:r>
+              <a:rPr lang="de-DE" dirty="0"/>
+              <a:t> </a:t>
+            </a:r>
+            <a:r>
+              <a:rPr lang="de-DE" dirty="0" err="1"/>
+              <a:t>Complexity</a:t>
+            </a:r>
+            <a:endParaRPr lang="de-DE" dirty="0"/>
+          </a:p>
+        </p:txBody>
+      </p:sp>
+      <p:sp>
+        <p:nvSpPr>
+          <p:cNvPr id="4" name="Textplatzhalter 3">
+            <a:extLst>
+              <a:ext uri="{FF2B5EF4-FFF2-40B4-BE49-F238E27FC236}">
+                <a16:creationId xmlns:a16="http://schemas.microsoft.com/office/drawing/2014/main" id="{6AF86A2C-1A98-B740-A6C7-96733375689D}"/>
+              </a:ext>
+            </a:extLst>
+          </p:cNvPr>
+          <p:cNvSpPr>
+            <a:spLocks noGrp="1"/>
+          </p:cNvSpPr>
+          <p:nvPr>
+            <p:ph type="body" sz="quarter" idx="22"/>
+          </p:nvPr>
+        </p:nvSpPr>
+        <p:spPr/>
+        <p:txBody>
+          <a:bodyPr/>
+          <a:lstStyle/>
+          <a:p>
+            <a:endParaRPr lang="de-DE"/>
+          </a:p>
+        </p:txBody>
+      </p:sp>
+      <p:sp>
+        <p:nvSpPr>
+          <p:cNvPr id="5" name="Inhaltsplatzhalter 4">
+            <a:extLst>
+              <a:ext uri="{FF2B5EF4-FFF2-40B4-BE49-F238E27FC236}">
+                <a16:creationId xmlns:a16="http://schemas.microsoft.com/office/drawing/2014/main" id="{AEA18834-89EA-704B-A9D5-6D5196539E75}"/>
+              </a:ext>
+            </a:extLst>
+          </p:cNvPr>
+          <p:cNvSpPr>
+            <a:spLocks noGrp="1"/>
+          </p:cNvSpPr>
+          <p:nvPr>
+            <p:ph sz="half" idx="14"/>
+          </p:nvPr>
+        </p:nvSpPr>
+        <p:spPr/>
+        <p:txBody>
+          <a:bodyPr/>
+          <a:lstStyle/>
+          <a:p>
+            <a:r>
+              <a:rPr lang="de-DE" dirty="0"/>
+              <a:t>Simple Applikation</a:t>
+            </a:r>
+          </a:p>
+          <a:p>
+            <a:pPr lvl="1"/>
+            <a:r>
+              <a:rPr lang="de-DE" dirty="0"/>
+              <a:t>Eingabe und Anzeige Name</a:t>
+            </a:r>
+          </a:p>
+          <a:p>
+            <a:pPr lvl="1"/>
+            <a:r>
+              <a:rPr lang="de-DE" dirty="0"/>
+              <a:t>Berechnung einer Summe aus bis zu 3 Summanden</a:t>
+            </a:r>
+          </a:p>
+          <a:p>
+            <a:r>
+              <a:rPr lang="de-DE" dirty="0"/>
+              <a:t>Live Demo</a:t>
+            </a:r>
+          </a:p>
+        </p:txBody>
+      </p:sp>
+      <p:sp>
+        <p:nvSpPr>
+          <p:cNvPr id="6" name="Fußzeilenplatzhalter 5">
+            <a:extLst>
+              <a:ext uri="{FF2B5EF4-FFF2-40B4-BE49-F238E27FC236}">
+                <a16:creationId xmlns:a16="http://schemas.microsoft.com/office/drawing/2014/main" id="{41C46F3B-E446-4544-8A96-29A3DE017D2F}"/>
+              </a:ext>
+            </a:extLst>
+          </p:cNvPr>
+          <p:cNvSpPr>
+            <a:spLocks noGrp="1"/>
+          </p:cNvSpPr>
+          <p:nvPr>
+            <p:ph type="ftr" sz="quarter" idx="11"/>
+          </p:nvPr>
+        </p:nvSpPr>
+        <p:spPr/>
+        <p:txBody>
+          <a:bodyPr/>
+          <a:lstStyle/>
+          <a:p>
+            <a:r>
+              <a:rPr lang="de-DE" dirty="0" err="1"/>
+              <a:t>Advanced</a:t>
+            </a:r>
+            <a:r>
+              <a:rPr lang="de-DE" dirty="0"/>
+              <a:t> BDD / Maik Wagner / © </a:t>
+            </a:r>
+            <a:r>
+              <a:rPr lang="de-DE" dirty="0" err="1"/>
+              <a:t>Tallence</a:t>
+            </a:r>
+            <a:r>
+              <a:rPr lang="de-DE" dirty="0"/>
+              <a:t> AG</a:t>
+            </a:r>
+          </a:p>
+        </p:txBody>
+      </p:sp>
+      <p:sp>
+        <p:nvSpPr>
+          <p:cNvPr id="7" name="Datumsplatzhalter 6">
+            <a:extLst>
+              <a:ext uri="{FF2B5EF4-FFF2-40B4-BE49-F238E27FC236}">
+                <a16:creationId xmlns:a16="http://schemas.microsoft.com/office/drawing/2014/main" id="{9B585C95-7521-D34A-8571-90376AC48DA7}"/>
+              </a:ext>
+            </a:extLst>
+          </p:cNvPr>
+          <p:cNvSpPr>
+            <a:spLocks noGrp="1"/>
+          </p:cNvSpPr>
+          <p:nvPr>
+            <p:ph type="dt" sz="half" idx="10"/>
+          </p:nvPr>
+        </p:nvSpPr>
+        <p:spPr/>
+        <p:txBody>
+          <a:bodyPr/>
+          <a:lstStyle/>
+          <a:p>
+            <a:fld id="{154C7814-F218-4D9E-8E58-25588F0986B1}" type="datetime1">
+              <a:rPr lang="de-DE" noProof="0" smtClean="0"/>
+              <a:t>25.11.2019</a:t>
+            </a:fld>
+            <a:endParaRPr lang="de-DE" noProof="0" dirty="0"/>
+          </a:p>
+        </p:txBody>
+      </p:sp>
+      <p:sp>
+        <p:nvSpPr>
+          <p:cNvPr id="8" name="Foliennummernplatzhalter 7">
+            <a:extLst>
+              <a:ext uri="{FF2B5EF4-FFF2-40B4-BE49-F238E27FC236}">
+                <a16:creationId xmlns:a16="http://schemas.microsoft.com/office/drawing/2014/main" id="{6C9469C1-DF6E-E543-BE43-B68C9496F691}"/>
+              </a:ext>
+            </a:extLst>
+          </p:cNvPr>
+          <p:cNvSpPr>
+            <a:spLocks noGrp="1"/>
+          </p:cNvSpPr>
+          <p:nvPr>
+            <p:ph type="sldNum" sz="quarter" idx="12"/>
+          </p:nvPr>
+        </p:nvSpPr>
+        <p:spPr/>
+        <p:txBody>
+          <a:bodyPr/>
+          <a:lstStyle/>
+          <a:p>
+            <a:fld id="{02CEFE82-39F2-4F47-8A0C-D5AB3496FA5C}" type="slidenum">
+              <a:rPr lang="de-DE" noProof="0" smtClean="0"/>
+              <a:pPr/>
+              <a:t>12</a:t>
+            </a:fld>
+            <a:endParaRPr lang="de-DE" noProof="0" dirty="0"/>
+          </a:p>
+        </p:txBody>
+      </p:sp>
+    </p:spTree>
+    <p:extLst>
+      <p:ext uri="{BB962C8B-B14F-4D97-AF65-F5344CB8AC3E}">
+        <p14:creationId xmlns:p14="http://schemas.microsoft.com/office/powerpoint/2010/main" val="2322926629"/>
+      </p:ext>
+    </p:extLst>
+  </p:cSld>
+  <p:clrMapOvr>
+    <a:masterClrMapping/>
+  </p:clrMapOvr>
+  <mc:AlternateContent xmlns:mc="http://schemas.openxmlformats.org/markup-compatibility/2006" xmlns:p14="http://schemas.microsoft.com/office/powerpoint/2010/main">
+    <mc:Choice Requires="p14">
+      <p:transition spd="med" p14:dur="700">
+        <p:fade/>
+      </p:transition>
+    </mc:Choice>
+    <mc:Fallback xmlns="">
+      <p:transition spd="med">
+        <p:fade/>
+      </p:transition>
+    </mc:Fallback>
+  </mc:AlternateContent>
+</p:sld>
+</file>
+
+<file path=ppt/slides/slide13.xml><?xml version="1.0" encoding="utf-8"?>
+<p:sld xmlns:a="http://schemas.openxmlformats.org/drawingml/2006/main" xmlns:r="http://schemas.openxmlformats.org/officeDocument/2006/relationships" xmlns:p="http://schemas.openxmlformats.org/presentationml/2006/main">
+  <p:cSld>
+    <p:spTree>
+      <p:nvGrpSpPr>
+        <p:cNvPr id="1" name=""/>
+        <p:cNvGrpSpPr/>
+        <p:nvPr/>
+      </p:nvGrpSpPr>
+      <p:grpSpPr>
+        <a:xfrm>
+          <a:off x="0" y="0"/>
+          <a:ext cx="0" cy="0"/>
+          <a:chOff x="0" y="0"/>
+          <a:chExt cx="0" cy="0"/>
+        </a:xfrm>
+      </p:grpSpPr>
+      <p:sp>
+        <p:nvSpPr>
+          <p:cNvPr id="9" name="Titel 8">
+            <a:extLst>
+              <a:ext uri="{FF2B5EF4-FFF2-40B4-BE49-F238E27FC236}">
+                <a16:creationId xmlns:a16="http://schemas.microsoft.com/office/drawing/2014/main" id="{1F6BE20F-A64A-F140-A8CA-A23DF3164E9E}"/>
+              </a:ext>
+            </a:extLst>
+          </p:cNvPr>
+          <p:cNvSpPr>
+            <a:spLocks noGrp="1"/>
+          </p:cNvSpPr>
+          <p:nvPr>
+            <p:ph type="ctrTitle"/>
+          </p:nvPr>
+        </p:nvSpPr>
+        <p:spPr/>
+        <p:txBody>
+          <a:bodyPr/>
+          <a:lstStyle/>
+          <a:p>
+            <a:r>
+              <a:rPr lang="de-DE" dirty="0" err="1"/>
+              <a:t>Advanced</a:t>
+            </a:r>
+            <a:r>
+              <a:rPr lang="de-DE" dirty="0"/>
+              <a:t> BDD</a:t>
+            </a:r>
+          </a:p>
+        </p:txBody>
+      </p:sp>
+      <p:sp>
+        <p:nvSpPr>
+          <p:cNvPr id="11" name="Textplatzhalter 10">
+            <a:extLst>
+              <a:ext uri="{FF2B5EF4-FFF2-40B4-BE49-F238E27FC236}">
+                <a16:creationId xmlns:a16="http://schemas.microsoft.com/office/drawing/2014/main" id="{1A040727-61CB-4B4D-9D15-2AE8DA9624C9}"/>
+              </a:ext>
+            </a:extLst>
+          </p:cNvPr>
+          <p:cNvSpPr>
+            <a:spLocks noGrp="1"/>
+          </p:cNvSpPr>
+          <p:nvPr>
+            <p:ph type="body" sz="quarter" idx="14"/>
+          </p:nvPr>
+        </p:nvSpPr>
+        <p:spPr/>
+        <p:txBody>
+          <a:bodyPr/>
+          <a:lstStyle/>
+          <a:p>
+            <a:endParaRPr lang="de-DE"/>
+          </a:p>
+        </p:txBody>
+      </p:sp>
+      <p:sp>
+        <p:nvSpPr>
+          <p:cNvPr id="10" name="Textplatzhalter 9">
+            <a:extLst>
+              <a:ext uri="{FF2B5EF4-FFF2-40B4-BE49-F238E27FC236}">
+                <a16:creationId xmlns:a16="http://schemas.microsoft.com/office/drawing/2014/main" id="{BD7FB345-8BDE-854E-9C69-804A13212A9B}"/>
+              </a:ext>
+            </a:extLst>
+          </p:cNvPr>
+          <p:cNvSpPr>
+            <a:spLocks noGrp="1"/>
+          </p:cNvSpPr>
+          <p:nvPr>
+            <p:ph type="body" sz="quarter" idx="11"/>
+          </p:nvPr>
+        </p:nvSpPr>
+        <p:spPr/>
+        <p:txBody>
+          <a:bodyPr/>
+          <a:lstStyle/>
+          <a:p>
+            <a:r>
+              <a:rPr lang="de-DE" dirty="0"/>
+              <a:t>4.</a:t>
+            </a:r>
+          </a:p>
+        </p:txBody>
+      </p:sp>
+      <p:sp>
+        <p:nvSpPr>
+          <p:cNvPr id="12" name="Textplatzhalter 11">
+            <a:extLst>
+              <a:ext uri="{FF2B5EF4-FFF2-40B4-BE49-F238E27FC236}">
+                <a16:creationId xmlns:a16="http://schemas.microsoft.com/office/drawing/2014/main" id="{3F7886E6-BE3D-9B44-8220-FE114EB40693}"/>
+              </a:ext>
+            </a:extLst>
+          </p:cNvPr>
+          <p:cNvSpPr>
+            <a:spLocks noGrp="1"/>
+          </p:cNvSpPr>
+          <p:nvPr>
+            <p:ph type="body" sz="quarter" idx="87"/>
+          </p:nvPr>
+        </p:nvSpPr>
+        <p:spPr/>
+        <p:txBody>
+          <a:bodyPr/>
+          <a:lstStyle/>
+          <a:p>
+            <a:endParaRPr lang="de-DE"/>
+          </a:p>
+        </p:txBody>
+      </p:sp>
+      <p:sp>
+        <p:nvSpPr>
+          <p:cNvPr id="6" name="Fußzeilenplatzhalter 5">
+            <a:extLst>
+              <a:ext uri="{FF2B5EF4-FFF2-40B4-BE49-F238E27FC236}">
+                <a16:creationId xmlns:a16="http://schemas.microsoft.com/office/drawing/2014/main" id="{414F27E5-0176-7344-B2EC-BCF406769CDF}"/>
+              </a:ext>
+            </a:extLst>
+          </p:cNvPr>
+          <p:cNvSpPr>
+            <a:spLocks noGrp="1"/>
+          </p:cNvSpPr>
+          <p:nvPr>
+            <p:ph type="ftr" sz="quarter" idx="4294967295"/>
+          </p:nvPr>
+        </p:nvSpPr>
+        <p:spPr>
+          <a:xfrm>
+            <a:off x="0" y="6291263"/>
+            <a:ext cx="5556250" cy="360362"/>
+          </a:xfrm>
+        </p:spPr>
+        <p:txBody>
+          <a:bodyPr/>
+          <a:lstStyle/>
+          <a:p>
+            <a:r>
+              <a:rPr lang="de-DE" dirty="0" err="1"/>
+              <a:t>Advanced</a:t>
+            </a:r>
+            <a:r>
+              <a:rPr lang="de-DE" dirty="0"/>
+              <a:t> BDD / Maik Wagner / © </a:t>
+            </a:r>
+            <a:r>
+              <a:rPr lang="de-DE" dirty="0" err="1"/>
+              <a:t>Tallence</a:t>
+            </a:r>
+            <a:r>
+              <a:rPr lang="de-DE" dirty="0"/>
+              <a:t> AG</a:t>
+            </a:r>
+          </a:p>
+        </p:txBody>
+      </p:sp>
+      <p:sp>
+        <p:nvSpPr>
+          <p:cNvPr id="7" name="Datumsplatzhalter 6">
+            <a:extLst>
+              <a:ext uri="{FF2B5EF4-FFF2-40B4-BE49-F238E27FC236}">
+                <a16:creationId xmlns:a16="http://schemas.microsoft.com/office/drawing/2014/main" id="{957F495B-25E3-9A43-9496-1F7F486001DB}"/>
+              </a:ext>
+            </a:extLst>
+          </p:cNvPr>
+          <p:cNvSpPr>
+            <a:spLocks noGrp="1"/>
+          </p:cNvSpPr>
+          <p:nvPr>
+            <p:ph type="dt" sz="half" idx="4294967295"/>
+          </p:nvPr>
+        </p:nvSpPr>
+        <p:spPr>
+          <a:xfrm>
+            <a:off x="11501438" y="6291263"/>
+            <a:ext cx="688975" cy="360362"/>
+          </a:xfrm>
+        </p:spPr>
+        <p:txBody>
+          <a:bodyPr/>
+          <a:lstStyle/>
+          <a:p>
+            <a:fld id="{154C7814-F218-4D9E-8E58-25588F0986B1}" type="datetime1">
+              <a:rPr lang="de-DE" noProof="0" smtClean="0"/>
+              <a:t>25.11.2019</a:t>
+            </a:fld>
+            <a:endParaRPr lang="de-DE" noProof="0" dirty="0"/>
+          </a:p>
+        </p:txBody>
+      </p:sp>
+      <p:sp>
+        <p:nvSpPr>
+          <p:cNvPr id="8" name="Foliennummernplatzhalter 7">
+            <a:extLst>
+              <a:ext uri="{FF2B5EF4-FFF2-40B4-BE49-F238E27FC236}">
+                <a16:creationId xmlns:a16="http://schemas.microsoft.com/office/drawing/2014/main" id="{AE8B5784-6656-BE41-A9AD-318FC83BB4C4}"/>
+              </a:ext>
+            </a:extLst>
+          </p:cNvPr>
+          <p:cNvSpPr>
+            <a:spLocks noGrp="1"/>
+          </p:cNvSpPr>
+          <p:nvPr>
+            <p:ph type="sldNum" sz="quarter" idx="4294967295"/>
+          </p:nvPr>
+        </p:nvSpPr>
+        <p:spPr>
+          <a:xfrm>
+            <a:off x="11909425" y="6291263"/>
+            <a:ext cx="280988" cy="360362"/>
+          </a:xfrm>
+        </p:spPr>
+        <p:txBody>
+          <a:bodyPr/>
+          <a:lstStyle/>
+          <a:p>
+            <a:fld id="{02CEFE82-39F2-4F47-8A0C-D5AB3496FA5C}" type="slidenum">
+              <a:rPr lang="de-DE" noProof="0" smtClean="0"/>
+              <a:pPr/>
+              <a:t>13</a:t>
+            </a:fld>
+            <a:endParaRPr lang="de-DE" noProof="0" dirty="0"/>
+          </a:p>
+        </p:txBody>
+      </p:sp>
+    </p:spTree>
+    <p:extLst>
+      <p:ext uri="{BB962C8B-B14F-4D97-AF65-F5344CB8AC3E}">
+        <p14:creationId xmlns:p14="http://schemas.microsoft.com/office/powerpoint/2010/main" val="1593519667"/>
+      </p:ext>
+    </p:extLst>
+  </p:cSld>
+  <p:clrMapOvr>
+    <a:masterClrMapping/>
+  </p:clrMapOvr>
+  <mc:AlternateContent xmlns:mc="http://schemas.openxmlformats.org/markup-compatibility/2006" xmlns:p14="http://schemas.microsoft.com/office/powerpoint/2010/main">
+    <mc:Choice Requires="p14">
+      <p:transition spd="med" p14:dur="700">
+        <p:fade/>
+      </p:transition>
+    </mc:Choice>
+    <mc:Fallback xmlns="">
+      <p:transition spd="med">
+        <p:fade/>
+      </p:transition>
+    </mc:Fallback>
+  </mc:AlternateContent>
+</p:sld>
+</file>
+
+<file path=ppt/slides/slide14.xml><?xml version="1.0" encoding="utf-8"?>
+<p:sld xmlns:a="http://schemas.openxmlformats.org/drawingml/2006/main" xmlns:r="http://schemas.openxmlformats.org/officeDocument/2006/relationships" xmlns:p="http://schemas.openxmlformats.org/presentationml/2006/main">
+  <p:cSld>
+    <p:spTree>
+      <p:nvGrpSpPr>
+        <p:cNvPr id="1" name=""/>
+        <p:cNvGrpSpPr/>
+        <p:nvPr/>
+      </p:nvGrpSpPr>
+      <p:grpSpPr>
+        <a:xfrm>
+          <a:off x="0" y="0"/>
+          <a:ext cx="0" cy="0"/>
+          <a:chOff x="0" y="0"/>
+          <a:chExt cx="0" cy="0"/>
+        </a:xfrm>
+      </p:grpSpPr>
+      <p:sp>
+        <p:nvSpPr>
           <p:cNvPr id="10" name="Textplatzhalter 9">
             <a:extLst>
               <a:ext uri="{FF2B5EF4-FFF2-40B4-BE49-F238E27FC236}">
@@ -40284,7 +41118,7 @@
           <a:p>
             <a:fld id="{154C7814-F218-4D9E-8E58-25588F0986B1}" type="datetime1">
               <a:rPr lang="de-DE" noProof="0" smtClean="0"/>
-              <a:t>29.10.19</a:t>
+              <a:t>25.11.2019</a:t>
             </a:fld>
             <a:endParaRPr lang="de-DE" noProof="0" dirty="0"/>
           </a:p>
@@ -40319,7 +41153,7 @@
             <a:fld id="{02CEFE82-39F2-4F47-8A0C-D5AB3496FA5C}" type="slidenum">
               <a:rPr lang="de-DE" noProof="0" smtClean="0"/>
               <a:pPr/>
-              <a:t>12</a:t>
+              <a:t>14</a:t>
             </a:fld>
             <a:endParaRPr lang="de-DE" noProof="0" dirty="0"/>
           </a:p>
@@ -41220,7 +42054,7 @@
           <a:p>
             <a:fld id="{6FEC6909-2C01-40CF-9626-2CD40C8FE822}" type="datetime1">
               <a:rPr lang="de-DE" noProof="0" smtClean="0"/>
-              <a:t>29.10.19</a:t>
+              <a:t>25.11.2019</a:t>
             </a:fld>
             <a:endParaRPr lang="de-DE" noProof="0" dirty="0"/>
           </a:p>
@@ -41325,7 +42159,7 @@
           <a:p>
             <a:r>
               <a:rPr lang="de-DE" dirty="0"/>
-              <a:t>Einleitung</a:t>
+              <a:t>Vorstellung</a:t>
             </a:r>
           </a:p>
         </p:txBody>
@@ -41379,7 +42213,92 @@
           <a:bodyPr/>
           <a:lstStyle/>
           <a:p>
+            <a:r>
+              <a:rPr lang="de-DE" dirty="0"/>
+              <a:t>Studium Informatik - Hochschule Zittau/Görlitz (HSZG)</a:t>
+            </a:r>
+          </a:p>
+          <a:p>
+            <a:r>
+              <a:rPr lang="de-DE" dirty="0"/>
+              <a:t>Sun Certified Java </a:t>
+            </a:r>
+            <a:r>
+              <a:rPr lang="de-DE" dirty="0" err="1"/>
+              <a:t>Programmer</a:t>
+            </a:r>
             <a:endParaRPr lang="de-DE" dirty="0"/>
+          </a:p>
+          <a:p>
+            <a:r>
+              <a:rPr lang="de-DE" dirty="0"/>
+              <a:t>Stationen</a:t>
+            </a:r>
+          </a:p>
+          <a:p>
+            <a:pPr lvl="1"/>
+            <a:r>
+              <a:rPr lang="de-DE" dirty="0"/>
+              <a:t>Immobilienscout GmbH – Java Developer </a:t>
+            </a:r>
+          </a:p>
+          <a:p>
+            <a:pPr lvl="2"/>
+            <a:r>
+              <a:rPr lang="de-DE" dirty="0"/>
+              <a:t>Verantwortlich für Booking-Billing-Pricing</a:t>
+            </a:r>
+          </a:p>
+          <a:p>
+            <a:pPr lvl="1"/>
+            <a:r>
+              <a:rPr lang="de-DE" dirty="0"/>
+              <a:t>Private Sale GmbH – brands4friends – Java Developer</a:t>
+            </a:r>
+          </a:p>
+          <a:p>
+            <a:pPr lvl="2"/>
+            <a:r>
+              <a:rPr lang="de-DE" dirty="0"/>
+              <a:t>U.a. Optimierung der Performanz des Login-Prozesses, Einführung einer </a:t>
+            </a:r>
+            <a:r>
+              <a:rPr lang="de-DE" dirty="0" err="1"/>
+              <a:t>Recommendation</a:t>
+            </a:r>
+            <a:r>
+              <a:rPr lang="de-DE" dirty="0"/>
+              <a:t>-Engine </a:t>
+            </a:r>
+          </a:p>
+          <a:p>
+            <a:pPr lvl="1"/>
+            <a:r>
+              <a:rPr lang="de-DE" dirty="0"/>
+              <a:t>DSER GmbH – Senior Java Developer </a:t>
+            </a:r>
+          </a:p>
+          <a:p>
+            <a:pPr lvl="2"/>
+            <a:r>
+              <a:rPr lang="de-DE" dirty="0"/>
+              <a:t>Weiterentwicklung des Portfoliomanagement-Systems MUNIO</a:t>
+            </a:r>
+          </a:p>
+          <a:p>
+            <a:pPr lvl="2"/>
+            <a:r>
+              <a:rPr lang="de-DE" dirty="0"/>
+              <a:t>Entwicklung einer </a:t>
+            </a:r>
+            <a:r>
+              <a:rPr lang="de-DE" dirty="0" err="1"/>
+              <a:t>Robo</a:t>
+            </a:r>
+            <a:r>
+              <a:rPr lang="de-DE" dirty="0"/>
+              <a:t>-Advisory Plattform</a:t>
+            </a:r>
           </a:p>
         </p:txBody>
       </p:sp>
@@ -41400,7 +42319,7 @@
           </p:nvPr>
         </p:nvPicPr>
         <p:blipFill>
-          <a:blip r:embed="rId2"/>
+          <a:blip r:embed="rId3"/>
           <a:srcRect l="13251" r="13251"/>
           <a:stretch>
             <a:fillRect/>
@@ -41567,7 +42486,7 @@
           <a:p>
             <a:fld id="{6FEC6909-2C01-40CF-9626-2CD40C8FE822}" type="datetime1">
               <a:rPr lang="de-DE" noProof="0" smtClean="0"/>
-              <a:t>29.10.19</a:t>
+              <a:t>25.11.2019</a:t>
             </a:fld>
             <a:endParaRPr lang="de-DE" noProof="0" dirty="0"/>
           </a:p>
@@ -41667,8 +42586,20 @@
           <a:p>
             <a:r>
               <a:rPr lang="de-DE" dirty="0"/>
-              <a:t>Einleitung</a:t>
-            </a:r>
+              <a:t>BDD - </a:t>
+            </a:r>
+            <a:r>
+              <a:rPr lang="de-DE" dirty="0" err="1"/>
+              <a:t>Behaviour</a:t>
+            </a:r>
+            <a:r>
+              <a:rPr lang="de-DE" dirty="0"/>
+              <a:t>-Driven Development</a:t>
+            </a:r>
+            <a:br>
+              <a:rPr lang="de-DE" dirty="0"/>
+            </a:br>
+            <a:endParaRPr lang="de-DE" dirty="0"/>
           </a:p>
         </p:txBody>
       </p:sp>
@@ -41695,7 +42626,7 @@
           <a:p>
             <a:r>
               <a:rPr lang="de-DE" dirty="0"/>
-              <a:t>Themenüberblick</a:t>
+              <a:t>Einleitung</a:t>
             </a:r>
           </a:p>
         </p:txBody>
@@ -41741,39 +42672,58 @@
             <p:ph sz="half" idx="14"/>
           </p:nvPr>
         </p:nvSpPr>
-        <p:spPr/>
+        <p:spPr>
+          <a:xfrm>
+            <a:off x="756000" y="1512000"/>
+            <a:ext cx="7296179" cy="4298400"/>
+          </a:xfrm>
+        </p:spPr>
         <p:txBody>
           <a:bodyPr/>
           <a:lstStyle/>
           <a:p>
+            <a:pPr lvl="1"/>
+            <a:r>
+              <a:rPr lang="de-DE" b="1" dirty="0" err="1"/>
+              <a:t>Ubiquitous</a:t>
+            </a:r>
+            <a:r>
+              <a:rPr lang="de-DE" b="1" dirty="0"/>
+              <a:t> Language</a:t>
+            </a:r>
             <a:r>
               <a:rPr lang="de-DE" dirty="0"/>
-              <a:t>Was sind Software-Tests?</a:t>
+              <a:t> - Textuelle Beschreibung des Verhaltens der Software und von Softwareteilen durch Fallbeispiele</a:t>
             </a:r>
           </a:p>
           <a:p>
             <a:pPr lvl="1"/>
             <a:r>
               <a:rPr lang="de-DE" dirty="0"/>
-              <a:t>prüft und bewertet Software auf Erfüllung der für ihren Einsatz definierten Anforderungen</a:t>
-            </a:r>
-          </a:p>
-          <a:p>
+              <a:t>Automatisierung von Fallballbeispielen</a:t>
+            </a:r>
+          </a:p>
+          <a:p>
+            <a:pPr lvl="1"/>
             <a:r>
               <a:rPr lang="de-DE" dirty="0"/>
-              <a:t>Was ist BDD?</a:t>
+              <a:t>Stärkt Zusammenarbeit von Qualitätsmanagement - Business Analyse – Entwicklung</a:t>
             </a:r>
           </a:p>
           <a:p>
             <a:pPr lvl="1"/>
             <a:r>
-              <a:rPr lang="de-DE" dirty="0" err="1"/>
-              <a:t>Behaviour-Driven</a:t>
-            </a:r>
-            <a:r>
               <a:rPr lang="de-DE" dirty="0"/>
-              <a:t> Development</a:t>
-            </a:r>
+              <a:t>Setzt im Entwicklungsprozess am Anfang an</a:t>
+            </a:r>
+          </a:p>
+          <a:p>
+            <a:pPr lvl="1"/>
+            <a:endParaRPr lang="de-DE" dirty="0"/>
+          </a:p>
+          <a:p>
+            <a:pPr lvl="1"/>
+            <a:endParaRPr lang="de-DE" dirty="0"/>
           </a:p>
           <a:p>
             <a:endParaRPr lang="de-DE" dirty="0"/>
@@ -41843,7 +42793,7 @@
           <a:p>
             <a:fld id="{154C7814-F218-4D9E-8E58-25588F0986B1}" type="datetime1">
               <a:rPr lang="de-DE" noProof="0" smtClean="0"/>
-              <a:t>29.10.19</a:t>
+              <a:t>25.11.2019</a:t>
             </a:fld>
             <a:endParaRPr lang="de-DE" noProof="0" dirty="0"/>
           </a:p>
@@ -41901,7 +42851,7 @@
         </p:blipFill>
         <p:spPr>
           <a:xfrm>
-            <a:off x="7599362" y="2635400"/>
+            <a:off x="8259413" y="1741472"/>
             <a:ext cx="3175000" cy="3175000"/>
           </a:xfrm>
           <a:prstGeom prst="rect">
@@ -41953,6 +42903,1246 @@
       </p:grpSpPr>
       <p:sp>
         <p:nvSpPr>
+          <p:cNvPr id="2" name="Titel 1">
+            <a:extLst>
+              <a:ext uri="{FF2B5EF4-FFF2-40B4-BE49-F238E27FC236}">
+                <a16:creationId xmlns:a16="http://schemas.microsoft.com/office/drawing/2014/main" id="{896A6613-F3F0-5945-9BFC-BB4411304B7F}"/>
+              </a:ext>
+            </a:extLst>
+          </p:cNvPr>
+          <p:cNvSpPr>
+            <a:spLocks noGrp="1"/>
+          </p:cNvSpPr>
+          <p:nvPr>
+            <p:ph type="title"/>
+          </p:nvPr>
+        </p:nvSpPr>
+        <p:spPr/>
+        <p:txBody>
+          <a:bodyPr/>
+          <a:lstStyle/>
+          <a:p>
+            <a:r>
+              <a:rPr lang="de-DE" dirty="0"/>
+              <a:t>BDD - </a:t>
+            </a:r>
+            <a:r>
+              <a:rPr lang="de-DE" dirty="0" err="1"/>
+              <a:t>Behaviour</a:t>
+            </a:r>
+            <a:r>
+              <a:rPr lang="de-DE" dirty="0"/>
+              <a:t>-Driven Development</a:t>
+            </a:r>
+            <a:br>
+              <a:rPr lang="de-DE" dirty="0"/>
+            </a:br>
+            <a:endParaRPr lang="de-DE" dirty="0"/>
+          </a:p>
+        </p:txBody>
+      </p:sp>
+      <p:sp>
+        <p:nvSpPr>
+          <p:cNvPr id="3" name="Textplatzhalter 2">
+            <a:extLst>
+              <a:ext uri="{FF2B5EF4-FFF2-40B4-BE49-F238E27FC236}">
+                <a16:creationId xmlns:a16="http://schemas.microsoft.com/office/drawing/2014/main" id="{C2783B6D-2F09-8B41-94FE-416F35F0FEFD}"/>
+              </a:ext>
+            </a:extLst>
+          </p:cNvPr>
+          <p:cNvSpPr>
+            <a:spLocks noGrp="1"/>
+          </p:cNvSpPr>
+          <p:nvPr>
+            <p:ph type="body" sz="quarter" idx="13"/>
+          </p:nvPr>
+        </p:nvSpPr>
+        <p:spPr/>
+        <p:txBody>
+          <a:bodyPr/>
+          <a:lstStyle/>
+          <a:p>
+            <a:r>
+              <a:rPr lang="de-DE" dirty="0"/>
+              <a:t>Einleitung - Szenarios </a:t>
+            </a:r>
+          </a:p>
+        </p:txBody>
+      </p:sp>
+      <p:sp>
+        <p:nvSpPr>
+          <p:cNvPr id="4" name="Textplatzhalter 3">
+            <a:extLst>
+              <a:ext uri="{FF2B5EF4-FFF2-40B4-BE49-F238E27FC236}">
+                <a16:creationId xmlns:a16="http://schemas.microsoft.com/office/drawing/2014/main" id="{5DECD20D-115D-9347-AA3F-FF8E5B0AF70E}"/>
+              </a:ext>
+            </a:extLst>
+          </p:cNvPr>
+          <p:cNvSpPr>
+            <a:spLocks noGrp="1"/>
+          </p:cNvSpPr>
+          <p:nvPr>
+            <p:ph type="body" sz="quarter" idx="22"/>
+          </p:nvPr>
+        </p:nvSpPr>
+        <p:spPr/>
+        <p:txBody>
+          <a:bodyPr/>
+          <a:lstStyle/>
+          <a:p>
+            <a:endParaRPr lang="de-DE"/>
+          </a:p>
+        </p:txBody>
+      </p:sp>
+      <p:sp>
+        <p:nvSpPr>
+          <p:cNvPr id="5" name="Inhaltsplatzhalter 4">
+            <a:extLst>
+              <a:ext uri="{FF2B5EF4-FFF2-40B4-BE49-F238E27FC236}">
+                <a16:creationId xmlns:a16="http://schemas.microsoft.com/office/drawing/2014/main" id="{D295D297-BE66-D74A-8741-3B72EE2A0CD0}"/>
+              </a:ext>
+            </a:extLst>
+          </p:cNvPr>
+          <p:cNvSpPr>
+            <a:spLocks noGrp="1"/>
+          </p:cNvSpPr>
+          <p:nvPr>
+            <p:ph sz="half" idx="14"/>
+          </p:nvPr>
+        </p:nvSpPr>
+        <p:spPr>
+          <a:xfrm>
+            <a:off x="756000" y="1512000"/>
+            <a:ext cx="8872496" cy="507869"/>
+          </a:xfrm>
+        </p:spPr>
+        <p:txBody>
+          <a:bodyPr/>
+          <a:lstStyle/>
+          <a:p>
+            <a:r>
+              <a:rPr lang="de-DE" dirty="0"/>
+              <a:t>Szenarios – </a:t>
+            </a:r>
+            <a:r>
+              <a:rPr lang="de-DE" b="1" dirty="0"/>
+              <a:t>Gegeben-Wenn-Dann</a:t>
+            </a:r>
+            <a:r>
+              <a:rPr lang="de-DE" dirty="0"/>
+              <a:t> (Given-</a:t>
+            </a:r>
+            <a:r>
+              <a:rPr lang="de-DE" dirty="0" err="1"/>
+              <a:t>When</a:t>
+            </a:r>
+            <a:r>
+              <a:rPr lang="de-DE" dirty="0"/>
+              <a:t>-</a:t>
+            </a:r>
+            <a:r>
+              <a:rPr lang="de-DE" dirty="0" err="1"/>
+              <a:t>Then</a:t>
+            </a:r>
+            <a:r>
+              <a:rPr lang="de-DE" dirty="0"/>
+              <a:t>)</a:t>
+            </a:r>
+          </a:p>
+          <a:p>
+            <a:pPr lvl="1"/>
+            <a:endParaRPr lang="de-DE" dirty="0"/>
+          </a:p>
+          <a:p>
+            <a:pPr lvl="1"/>
+            <a:endParaRPr lang="de-DE" dirty="0"/>
+          </a:p>
+          <a:p>
+            <a:endParaRPr lang="de-DE" dirty="0"/>
+          </a:p>
+        </p:txBody>
+      </p:sp>
+      <p:sp>
+        <p:nvSpPr>
+          <p:cNvPr id="6" name="Fußzeilenplatzhalter 5">
+            <a:extLst>
+              <a:ext uri="{FF2B5EF4-FFF2-40B4-BE49-F238E27FC236}">
+                <a16:creationId xmlns:a16="http://schemas.microsoft.com/office/drawing/2014/main" id="{02D3F2CD-F297-4F4F-971E-4F08AE818F74}"/>
+              </a:ext>
+            </a:extLst>
+          </p:cNvPr>
+          <p:cNvSpPr>
+            <a:spLocks noGrp="1"/>
+          </p:cNvSpPr>
+          <p:nvPr>
+            <p:ph type="ftr" sz="quarter" idx="11"/>
+          </p:nvPr>
+        </p:nvSpPr>
+        <p:spPr/>
+        <p:txBody>
+          <a:bodyPr/>
+          <a:lstStyle/>
+          <a:p>
+            <a:r>
+              <a:rPr lang="de-DE" dirty="0" err="1"/>
+              <a:t>Advanced</a:t>
+            </a:r>
+            <a:r>
+              <a:rPr lang="de-DE" dirty="0"/>
+              <a:t> BDD / Maik Wagner / © </a:t>
+            </a:r>
+            <a:r>
+              <a:rPr lang="de-DE" dirty="0" err="1"/>
+              <a:t>Tallence</a:t>
+            </a:r>
+            <a:r>
+              <a:rPr lang="de-DE" dirty="0"/>
+              <a:t> AG</a:t>
+            </a:r>
+          </a:p>
+        </p:txBody>
+      </p:sp>
+      <p:sp>
+        <p:nvSpPr>
+          <p:cNvPr id="7" name="Datumsplatzhalter 6">
+            <a:extLst>
+              <a:ext uri="{FF2B5EF4-FFF2-40B4-BE49-F238E27FC236}">
+                <a16:creationId xmlns:a16="http://schemas.microsoft.com/office/drawing/2014/main" id="{8B2967E2-B842-364C-B506-7FDEA079194B}"/>
+              </a:ext>
+            </a:extLst>
+          </p:cNvPr>
+          <p:cNvSpPr>
+            <a:spLocks noGrp="1"/>
+          </p:cNvSpPr>
+          <p:nvPr>
+            <p:ph type="dt" sz="half" idx="10"/>
+          </p:nvPr>
+        </p:nvSpPr>
+        <p:spPr/>
+        <p:txBody>
+          <a:bodyPr/>
+          <a:lstStyle/>
+          <a:p>
+            <a:fld id="{154C7814-F218-4D9E-8E58-25588F0986B1}" type="datetime1">
+              <a:rPr lang="de-DE" noProof="0" smtClean="0"/>
+              <a:t>25.11.2019</a:t>
+            </a:fld>
+            <a:endParaRPr lang="de-DE" noProof="0" dirty="0"/>
+          </a:p>
+        </p:txBody>
+      </p:sp>
+      <p:sp>
+        <p:nvSpPr>
+          <p:cNvPr id="8" name="Foliennummernplatzhalter 7">
+            <a:extLst>
+              <a:ext uri="{FF2B5EF4-FFF2-40B4-BE49-F238E27FC236}">
+                <a16:creationId xmlns:a16="http://schemas.microsoft.com/office/drawing/2014/main" id="{5424C73D-5505-BB45-95C9-C44624D5BAEC}"/>
+              </a:ext>
+            </a:extLst>
+          </p:cNvPr>
+          <p:cNvSpPr>
+            <a:spLocks noGrp="1"/>
+          </p:cNvSpPr>
+          <p:nvPr>
+            <p:ph type="sldNum" sz="quarter" idx="12"/>
+          </p:nvPr>
+        </p:nvSpPr>
+        <p:spPr/>
+        <p:txBody>
+          <a:bodyPr/>
+          <a:lstStyle/>
+          <a:p>
+            <a:fld id="{02CEFE82-39F2-4F47-8A0C-D5AB3496FA5C}" type="slidenum">
+              <a:rPr lang="de-DE" noProof="0" smtClean="0"/>
+              <a:pPr/>
+              <a:t>6</a:t>
+            </a:fld>
+            <a:endParaRPr lang="de-DE" noProof="0" dirty="0"/>
+          </a:p>
+        </p:txBody>
+      </p:sp>
+      <p:sp>
+        <p:nvSpPr>
+          <p:cNvPr id="11" name="Inhaltsplatzhalter 4">
+            <a:extLst>
+              <a:ext uri="{FF2B5EF4-FFF2-40B4-BE49-F238E27FC236}">
+                <a16:creationId xmlns:a16="http://schemas.microsoft.com/office/drawing/2014/main" id="{4F716437-B2F7-4AFB-A57E-8677A883C7D6}"/>
+              </a:ext>
+            </a:extLst>
+          </p:cNvPr>
+          <p:cNvSpPr txBox="1">
+            <a:spLocks/>
+          </p:cNvSpPr>
+          <p:nvPr/>
+        </p:nvSpPr>
+        <p:spPr bwMode="gray">
+          <a:xfrm>
+            <a:off x="755998" y="2247259"/>
+            <a:ext cx="10373751" cy="2142162"/>
+          </a:xfrm>
+          <a:prstGeom prst="rect">
+            <a:avLst/>
+          </a:prstGeom>
+        </p:spPr>
+        <p:txBody>
+          <a:bodyPr vert="horz" lIns="0" tIns="0" rIns="0" bIns="0" rtlCol="0">
+            <a:noAutofit/>
+          </a:bodyPr>
+          <a:lstStyle>
+            <a:lvl1pPr marL="270000" indent="-270000" algn="l" defTabSz="914400" rtl="0" eaLnBrk="1" latinLnBrk="0" hangingPunct="1">
+              <a:lnSpc>
+                <a:spcPct val="120000"/>
+              </a:lnSpc>
+              <a:spcBef>
+                <a:spcPts val="0"/>
+              </a:spcBef>
+              <a:spcAft>
+                <a:spcPts val="1000"/>
+              </a:spcAft>
+              <a:buClr>
+                <a:schemeClr val="tx1"/>
+              </a:buClr>
+              <a:buSzPct val="100000"/>
+              <a:buFont typeface="Arial" panose="020F0502020204030204" pitchFamily="34" charset="0"/>
+              <a:buChar char="&gt;"/>
+              <a:defRPr sz="1800" kern="1200">
+                <a:solidFill>
+                  <a:schemeClr val="tx1"/>
+                </a:solidFill>
+                <a:latin typeface="+mn-lt"/>
+                <a:ea typeface="+mn-ea"/>
+                <a:cs typeface="+mn-cs"/>
+              </a:defRPr>
+            </a:lvl1pPr>
+            <a:lvl2pPr marL="720000" indent="-270000" algn="l" defTabSz="914400" rtl="0" eaLnBrk="1" latinLnBrk="0" hangingPunct="1">
+              <a:lnSpc>
+                <a:spcPct val="120000"/>
+              </a:lnSpc>
+              <a:spcBef>
+                <a:spcPts val="0"/>
+              </a:spcBef>
+              <a:spcAft>
+                <a:spcPts val="1000"/>
+              </a:spcAft>
+              <a:buClr>
+                <a:schemeClr val="tx1"/>
+              </a:buClr>
+              <a:buSzPct val="100000"/>
+              <a:buFont typeface="Arial" panose="020F0502020204030204" pitchFamily="34" charset="0"/>
+              <a:buChar char="&gt;"/>
+              <a:defRPr sz="1600" kern="1200">
+                <a:solidFill>
+                  <a:schemeClr val="tx1"/>
+                </a:solidFill>
+                <a:latin typeface="+mn-lt"/>
+                <a:ea typeface="+mn-ea"/>
+                <a:cs typeface="+mn-cs"/>
+              </a:defRPr>
+            </a:lvl2pPr>
+            <a:lvl3pPr marL="1080000" indent="-270000" algn="l" defTabSz="914400" rtl="0" eaLnBrk="1" latinLnBrk="0" hangingPunct="1">
+              <a:lnSpc>
+                <a:spcPct val="120000"/>
+              </a:lnSpc>
+              <a:spcBef>
+                <a:spcPts val="0"/>
+              </a:spcBef>
+              <a:spcAft>
+                <a:spcPts val="1000"/>
+              </a:spcAft>
+              <a:buClr>
+                <a:schemeClr val="tx1"/>
+              </a:buClr>
+              <a:buSzPct val="100000"/>
+              <a:buFont typeface="Arial" panose="020F0502020204030204" pitchFamily="34" charset="0"/>
+              <a:buChar char="&gt;"/>
+              <a:defRPr sz="1600" kern="1200">
+                <a:solidFill>
+                  <a:schemeClr val="tx1"/>
+                </a:solidFill>
+                <a:latin typeface="+mn-lt"/>
+                <a:ea typeface="+mn-ea"/>
+                <a:cs typeface="+mn-cs"/>
+              </a:defRPr>
+            </a:lvl3pPr>
+            <a:lvl4pPr marL="1440000" indent="-270000" algn="l" defTabSz="914400" rtl="0" eaLnBrk="1" latinLnBrk="0" hangingPunct="1">
+              <a:lnSpc>
+                <a:spcPct val="120000"/>
+              </a:lnSpc>
+              <a:spcBef>
+                <a:spcPts val="0"/>
+              </a:spcBef>
+              <a:spcAft>
+                <a:spcPts val="1000"/>
+              </a:spcAft>
+              <a:buClr>
+                <a:schemeClr val="tx1"/>
+              </a:buClr>
+              <a:buSzPct val="100000"/>
+              <a:buFont typeface="Arial" panose="020F0502020204030204" pitchFamily="34" charset="0"/>
+              <a:buChar char="&gt;"/>
+              <a:defRPr sz="1600" kern="1200">
+                <a:solidFill>
+                  <a:schemeClr val="tx1"/>
+                </a:solidFill>
+                <a:latin typeface="+mn-lt"/>
+                <a:ea typeface="+mn-ea"/>
+                <a:cs typeface="+mn-cs"/>
+              </a:defRPr>
+            </a:lvl4pPr>
+            <a:lvl5pPr marL="1800000" indent="-270000" algn="l" defTabSz="914400" rtl="0" eaLnBrk="1" latinLnBrk="0" hangingPunct="1">
+              <a:lnSpc>
+                <a:spcPct val="120000"/>
+              </a:lnSpc>
+              <a:spcBef>
+                <a:spcPts val="0"/>
+              </a:spcBef>
+              <a:spcAft>
+                <a:spcPts val="1000"/>
+              </a:spcAft>
+              <a:buClr>
+                <a:schemeClr val="tx1"/>
+              </a:buClr>
+              <a:buSzPct val="100000"/>
+              <a:buFont typeface="Arial" panose="020F0502020204030204" pitchFamily="34" charset="0"/>
+              <a:buChar char="&gt;"/>
+              <a:defRPr sz="1600" kern="1200">
+                <a:solidFill>
+                  <a:schemeClr val="tx1"/>
+                </a:solidFill>
+                <a:latin typeface="+mn-lt"/>
+                <a:ea typeface="+mn-ea"/>
+                <a:cs typeface="+mn-cs"/>
+              </a:defRPr>
+            </a:lvl5pPr>
+            <a:lvl6pPr marL="2514600" indent="-228600" algn="l" defTabSz="914400" rtl="0" eaLnBrk="1" latinLnBrk="0" hangingPunct="1">
+              <a:spcBef>
+                <a:spcPct val="20000"/>
+              </a:spcBef>
+              <a:buFont typeface="Arial" panose="020B0604020202020204" pitchFamily="34" charset="0"/>
+              <a:buChar char="•"/>
+              <a:defRPr sz="1800" kern="1200">
+                <a:solidFill>
+                  <a:schemeClr val="tx1"/>
+                </a:solidFill>
+                <a:latin typeface="+mn-lt"/>
+                <a:ea typeface="+mn-ea"/>
+                <a:cs typeface="+mn-cs"/>
+              </a:defRPr>
+            </a:lvl6pPr>
+            <a:lvl7pPr marL="2971800" indent="-228600" algn="l" defTabSz="914400" rtl="0" eaLnBrk="1" latinLnBrk="0" hangingPunct="1">
+              <a:spcBef>
+                <a:spcPct val="20000"/>
+              </a:spcBef>
+              <a:buFont typeface="Arial" panose="020B0604020202020204" pitchFamily="34" charset="0"/>
+              <a:buChar char="•"/>
+              <a:defRPr sz="1800" kern="1200">
+                <a:solidFill>
+                  <a:schemeClr val="tx1"/>
+                </a:solidFill>
+                <a:latin typeface="+mn-lt"/>
+                <a:ea typeface="+mn-ea"/>
+                <a:cs typeface="+mn-cs"/>
+              </a:defRPr>
+            </a:lvl7pPr>
+            <a:lvl8pPr marL="3429000" indent="-228600" algn="l" defTabSz="914400" rtl="0" eaLnBrk="1" latinLnBrk="0" hangingPunct="1">
+              <a:spcBef>
+                <a:spcPct val="20000"/>
+              </a:spcBef>
+              <a:buFont typeface="Arial" panose="020B0604020202020204" pitchFamily="34" charset="0"/>
+              <a:buChar char="•"/>
+              <a:defRPr sz="1800" kern="1200">
+                <a:solidFill>
+                  <a:schemeClr val="tx1"/>
+                </a:solidFill>
+                <a:latin typeface="+mn-lt"/>
+                <a:ea typeface="+mn-ea"/>
+                <a:cs typeface="+mn-cs"/>
+              </a:defRPr>
+            </a:lvl8pPr>
+            <a:lvl9pPr marL="3886200" indent="-228600" algn="l" defTabSz="914400" rtl="0" eaLnBrk="1" latinLnBrk="0" hangingPunct="1">
+              <a:spcBef>
+                <a:spcPct val="20000"/>
+              </a:spcBef>
+              <a:buFont typeface="Arial" panose="020B0604020202020204" pitchFamily="34" charset="0"/>
+              <a:buChar char="•"/>
+              <a:defRPr sz="1800" kern="1200">
+                <a:solidFill>
+                  <a:schemeClr val="tx1"/>
+                </a:solidFill>
+                <a:latin typeface="+mn-lt"/>
+                <a:ea typeface="+mn-ea"/>
+                <a:cs typeface="+mn-cs"/>
+              </a:defRPr>
+            </a:lvl9pPr>
+          </a:lstStyle>
+          <a:p>
+            <a:pPr marL="450000" lvl="1" indent="0">
+              <a:buNone/>
+            </a:pPr>
+            <a:r>
+              <a:rPr lang="de-DE" dirty="0"/>
+              <a:t>Szenario 1: Ein Nutzer meldet sich mit dem Benutzernamen und Passwort erfolgreich an</a:t>
+            </a:r>
+          </a:p>
+          <a:p>
+            <a:pPr marL="450000" lvl="1" indent="0">
+              <a:buNone/>
+            </a:pPr>
+            <a:endParaRPr lang="de-DE" dirty="0"/>
+          </a:p>
+          <a:p>
+            <a:pPr marL="450000" lvl="1" indent="0">
+              <a:buNone/>
+            </a:pPr>
+            <a:r>
+              <a:rPr lang="de-DE" b="1" dirty="0"/>
+              <a:t>Gegeben</a:t>
+            </a:r>
+            <a:r>
+              <a:rPr lang="de-DE" dirty="0"/>
+              <a:t> ist ein Nutzer mit Benutzername </a:t>
+            </a:r>
+            <a:r>
+              <a:rPr lang="de-DE" i="1" dirty="0"/>
+              <a:t>mw01</a:t>
+            </a:r>
+            <a:r>
+              <a:rPr lang="de-DE" dirty="0"/>
+              <a:t> und Passwort </a:t>
+            </a:r>
+            <a:r>
+              <a:rPr lang="de-DE" i="1" dirty="0"/>
+              <a:t>123456</a:t>
+            </a:r>
+          </a:p>
+          <a:p>
+            <a:pPr marL="450000" lvl="1" indent="0">
+              <a:buNone/>
+            </a:pPr>
+            <a:r>
+              <a:rPr lang="de-DE" b="1" dirty="0"/>
+              <a:t>Wenn</a:t>
+            </a:r>
+            <a:r>
+              <a:rPr lang="de-DE" dirty="0"/>
+              <a:t> der Nutzer den Benutzernamen </a:t>
+            </a:r>
+            <a:r>
+              <a:rPr lang="de-DE" i="1" dirty="0"/>
+              <a:t>mw01</a:t>
+            </a:r>
+            <a:r>
+              <a:rPr lang="de-DE" dirty="0"/>
+              <a:t> und das Passwort </a:t>
+            </a:r>
+            <a:r>
+              <a:rPr lang="de-DE" i="1" dirty="0"/>
+              <a:t>123456</a:t>
+            </a:r>
+            <a:r>
+              <a:rPr lang="de-DE" dirty="0"/>
+              <a:t>  eingibt</a:t>
+            </a:r>
+          </a:p>
+          <a:p>
+            <a:pPr marL="450000" lvl="1" indent="0">
+              <a:buNone/>
+            </a:pPr>
+            <a:r>
+              <a:rPr lang="de-DE" b="1" dirty="0"/>
+              <a:t>Dann</a:t>
+            </a:r>
+            <a:r>
+              <a:rPr lang="de-DE" dirty="0"/>
+              <a:t> ist der Benutzer angemeldet und wird auf die Startseite weitergeleitet</a:t>
+            </a:r>
+          </a:p>
+          <a:p>
+            <a:pPr lvl="1"/>
+            <a:endParaRPr lang="de-DE" dirty="0"/>
+          </a:p>
+          <a:p>
+            <a:r>
+              <a:rPr lang="de-DE" dirty="0"/>
+              <a:t>Gemeinsame Fach-Sprache</a:t>
+            </a:r>
+          </a:p>
+          <a:p>
+            <a:r>
+              <a:rPr lang="de-DE" dirty="0"/>
+              <a:t>Besprechung der fachlichen Details – keine Technik!</a:t>
+            </a:r>
+          </a:p>
+        </p:txBody>
+      </p:sp>
+    </p:spTree>
+    <p:extLst>
+      <p:ext uri="{BB962C8B-B14F-4D97-AF65-F5344CB8AC3E}">
+        <p14:creationId xmlns:p14="http://schemas.microsoft.com/office/powerpoint/2010/main" val="612266239"/>
+      </p:ext>
+    </p:extLst>
+  </p:cSld>
+  <p:clrMapOvr>
+    <a:masterClrMapping/>
+  </p:clrMapOvr>
+  <mc:AlternateContent xmlns:mc="http://schemas.openxmlformats.org/markup-compatibility/2006" xmlns:p14="http://schemas.microsoft.com/office/powerpoint/2010/main">
+    <mc:Choice Requires="p14">
+      <p:transition spd="med" p14:dur="700">
+        <p:fade/>
+      </p:transition>
+    </mc:Choice>
+    <mc:Fallback xmlns="">
+      <p:transition spd="med">
+        <p:fade/>
+      </p:transition>
+    </mc:Fallback>
+  </mc:AlternateContent>
+</p:sld>
+</file>
+
+<file path=ppt/slides/slide7.xml><?xml version="1.0" encoding="utf-8"?>
+<p:sld xmlns:a="http://schemas.openxmlformats.org/drawingml/2006/main" xmlns:r="http://schemas.openxmlformats.org/officeDocument/2006/relationships" xmlns:p="http://schemas.openxmlformats.org/presentationml/2006/main">
+  <p:cSld>
+    <p:spTree>
+      <p:nvGrpSpPr>
+        <p:cNvPr id="1" name=""/>
+        <p:cNvGrpSpPr/>
+        <p:nvPr/>
+      </p:nvGrpSpPr>
+      <p:grpSpPr>
+        <a:xfrm>
+          <a:off x="0" y="0"/>
+          <a:ext cx="0" cy="0"/>
+          <a:chOff x="0" y="0"/>
+          <a:chExt cx="0" cy="0"/>
+        </a:xfrm>
+      </p:grpSpPr>
+      <p:sp>
+        <p:nvSpPr>
+          <p:cNvPr id="2" name="Titel 1">
+            <a:extLst>
+              <a:ext uri="{FF2B5EF4-FFF2-40B4-BE49-F238E27FC236}">
+                <a16:creationId xmlns:a16="http://schemas.microsoft.com/office/drawing/2014/main" id="{896A6613-F3F0-5945-9BFC-BB4411304B7F}"/>
+              </a:ext>
+            </a:extLst>
+          </p:cNvPr>
+          <p:cNvSpPr>
+            <a:spLocks noGrp="1"/>
+          </p:cNvSpPr>
+          <p:nvPr>
+            <p:ph type="title"/>
+          </p:nvPr>
+        </p:nvSpPr>
+        <p:spPr/>
+        <p:txBody>
+          <a:bodyPr/>
+          <a:lstStyle/>
+          <a:p>
+            <a:r>
+              <a:rPr lang="de-DE" dirty="0"/>
+              <a:t>BDD - </a:t>
+            </a:r>
+            <a:r>
+              <a:rPr lang="de-DE" dirty="0" err="1"/>
+              <a:t>Behaviour</a:t>
+            </a:r>
+            <a:r>
+              <a:rPr lang="de-DE" dirty="0"/>
+              <a:t>-Driven Development</a:t>
+            </a:r>
+            <a:br>
+              <a:rPr lang="de-DE" dirty="0"/>
+            </a:br>
+            <a:endParaRPr lang="de-DE" dirty="0"/>
+          </a:p>
+        </p:txBody>
+      </p:sp>
+      <p:sp>
+        <p:nvSpPr>
+          <p:cNvPr id="3" name="Textplatzhalter 2">
+            <a:extLst>
+              <a:ext uri="{FF2B5EF4-FFF2-40B4-BE49-F238E27FC236}">
+                <a16:creationId xmlns:a16="http://schemas.microsoft.com/office/drawing/2014/main" id="{C2783B6D-2F09-8B41-94FE-416F35F0FEFD}"/>
+              </a:ext>
+            </a:extLst>
+          </p:cNvPr>
+          <p:cNvSpPr>
+            <a:spLocks noGrp="1"/>
+          </p:cNvSpPr>
+          <p:nvPr>
+            <p:ph type="body" sz="quarter" idx="13"/>
+          </p:nvPr>
+        </p:nvSpPr>
+        <p:spPr/>
+        <p:txBody>
+          <a:bodyPr/>
+          <a:lstStyle/>
+          <a:p>
+            <a:r>
+              <a:rPr lang="de-DE" dirty="0"/>
+              <a:t>Einleitung - Szenarios – schlechter Stil</a:t>
+            </a:r>
+          </a:p>
+        </p:txBody>
+      </p:sp>
+      <p:sp>
+        <p:nvSpPr>
+          <p:cNvPr id="4" name="Textplatzhalter 3">
+            <a:extLst>
+              <a:ext uri="{FF2B5EF4-FFF2-40B4-BE49-F238E27FC236}">
+                <a16:creationId xmlns:a16="http://schemas.microsoft.com/office/drawing/2014/main" id="{5DECD20D-115D-9347-AA3F-FF8E5B0AF70E}"/>
+              </a:ext>
+            </a:extLst>
+          </p:cNvPr>
+          <p:cNvSpPr>
+            <a:spLocks noGrp="1"/>
+          </p:cNvSpPr>
+          <p:nvPr>
+            <p:ph type="body" sz="quarter" idx="22"/>
+          </p:nvPr>
+        </p:nvSpPr>
+        <p:spPr/>
+        <p:txBody>
+          <a:bodyPr/>
+          <a:lstStyle/>
+          <a:p>
+            <a:endParaRPr lang="de-DE"/>
+          </a:p>
+        </p:txBody>
+      </p:sp>
+      <p:sp>
+        <p:nvSpPr>
+          <p:cNvPr id="5" name="Inhaltsplatzhalter 4">
+            <a:extLst>
+              <a:ext uri="{FF2B5EF4-FFF2-40B4-BE49-F238E27FC236}">
+                <a16:creationId xmlns:a16="http://schemas.microsoft.com/office/drawing/2014/main" id="{D295D297-BE66-D74A-8741-3B72EE2A0CD0}"/>
+              </a:ext>
+            </a:extLst>
+          </p:cNvPr>
+          <p:cNvSpPr>
+            <a:spLocks noGrp="1"/>
+          </p:cNvSpPr>
+          <p:nvPr>
+            <p:ph sz="half" idx="14"/>
+          </p:nvPr>
+        </p:nvSpPr>
+        <p:spPr>
+          <a:xfrm>
+            <a:off x="756000" y="1512000"/>
+            <a:ext cx="8872496" cy="507869"/>
+          </a:xfrm>
+        </p:spPr>
+        <p:txBody>
+          <a:bodyPr/>
+          <a:lstStyle/>
+          <a:p>
+            <a:r>
+              <a:rPr lang="de-DE" dirty="0"/>
+              <a:t>Szenarios – </a:t>
+            </a:r>
+            <a:r>
+              <a:rPr lang="de-DE" b="1" dirty="0"/>
+              <a:t>schlechter Stil</a:t>
+            </a:r>
+            <a:endParaRPr lang="de-DE" dirty="0"/>
+          </a:p>
+          <a:p>
+            <a:endParaRPr lang="de-DE" dirty="0"/>
+          </a:p>
+        </p:txBody>
+      </p:sp>
+      <p:sp>
+        <p:nvSpPr>
+          <p:cNvPr id="6" name="Fußzeilenplatzhalter 5">
+            <a:extLst>
+              <a:ext uri="{FF2B5EF4-FFF2-40B4-BE49-F238E27FC236}">
+                <a16:creationId xmlns:a16="http://schemas.microsoft.com/office/drawing/2014/main" id="{02D3F2CD-F297-4F4F-971E-4F08AE818F74}"/>
+              </a:ext>
+            </a:extLst>
+          </p:cNvPr>
+          <p:cNvSpPr>
+            <a:spLocks noGrp="1"/>
+          </p:cNvSpPr>
+          <p:nvPr>
+            <p:ph type="ftr" sz="quarter" idx="11"/>
+          </p:nvPr>
+        </p:nvSpPr>
+        <p:spPr/>
+        <p:txBody>
+          <a:bodyPr/>
+          <a:lstStyle/>
+          <a:p>
+            <a:r>
+              <a:rPr lang="de-DE" dirty="0" err="1"/>
+              <a:t>Advanced</a:t>
+            </a:r>
+            <a:r>
+              <a:rPr lang="de-DE" dirty="0"/>
+              <a:t> BDD / Maik Wagner / © </a:t>
+            </a:r>
+            <a:r>
+              <a:rPr lang="de-DE" dirty="0" err="1"/>
+              <a:t>Tallence</a:t>
+            </a:r>
+            <a:r>
+              <a:rPr lang="de-DE" dirty="0"/>
+              <a:t> AG</a:t>
+            </a:r>
+          </a:p>
+        </p:txBody>
+      </p:sp>
+      <p:sp>
+        <p:nvSpPr>
+          <p:cNvPr id="7" name="Datumsplatzhalter 6">
+            <a:extLst>
+              <a:ext uri="{FF2B5EF4-FFF2-40B4-BE49-F238E27FC236}">
+                <a16:creationId xmlns:a16="http://schemas.microsoft.com/office/drawing/2014/main" id="{8B2967E2-B842-364C-B506-7FDEA079194B}"/>
+              </a:ext>
+            </a:extLst>
+          </p:cNvPr>
+          <p:cNvSpPr>
+            <a:spLocks noGrp="1"/>
+          </p:cNvSpPr>
+          <p:nvPr>
+            <p:ph type="dt" sz="half" idx="10"/>
+          </p:nvPr>
+        </p:nvSpPr>
+        <p:spPr/>
+        <p:txBody>
+          <a:bodyPr/>
+          <a:lstStyle/>
+          <a:p>
+            <a:fld id="{154C7814-F218-4D9E-8E58-25588F0986B1}" type="datetime1">
+              <a:rPr lang="de-DE" noProof="0" smtClean="0"/>
+              <a:t>25.11.2019</a:t>
+            </a:fld>
+            <a:endParaRPr lang="de-DE" noProof="0" dirty="0"/>
+          </a:p>
+        </p:txBody>
+      </p:sp>
+      <p:sp>
+        <p:nvSpPr>
+          <p:cNvPr id="8" name="Foliennummernplatzhalter 7">
+            <a:extLst>
+              <a:ext uri="{FF2B5EF4-FFF2-40B4-BE49-F238E27FC236}">
+                <a16:creationId xmlns:a16="http://schemas.microsoft.com/office/drawing/2014/main" id="{5424C73D-5505-BB45-95C9-C44624D5BAEC}"/>
+              </a:ext>
+            </a:extLst>
+          </p:cNvPr>
+          <p:cNvSpPr>
+            <a:spLocks noGrp="1"/>
+          </p:cNvSpPr>
+          <p:nvPr>
+            <p:ph type="sldNum" sz="quarter" idx="12"/>
+          </p:nvPr>
+        </p:nvSpPr>
+        <p:spPr/>
+        <p:txBody>
+          <a:bodyPr/>
+          <a:lstStyle/>
+          <a:p>
+            <a:fld id="{02CEFE82-39F2-4F47-8A0C-D5AB3496FA5C}" type="slidenum">
+              <a:rPr lang="de-DE" noProof="0" smtClean="0"/>
+              <a:pPr/>
+              <a:t>7</a:t>
+            </a:fld>
+            <a:endParaRPr lang="de-DE" noProof="0" dirty="0"/>
+          </a:p>
+        </p:txBody>
+      </p:sp>
+      <p:sp>
+        <p:nvSpPr>
+          <p:cNvPr id="11" name="Inhaltsplatzhalter 4">
+            <a:extLst>
+              <a:ext uri="{FF2B5EF4-FFF2-40B4-BE49-F238E27FC236}">
+                <a16:creationId xmlns:a16="http://schemas.microsoft.com/office/drawing/2014/main" id="{4F716437-B2F7-4AFB-A57E-8677A883C7D6}"/>
+              </a:ext>
+            </a:extLst>
+          </p:cNvPr>
+          <p:cNvSpPr txBox="1">
+            <a:spLocks/>
+          </p:cNvSpPr>
+          <p:nvPr/>
+        </p:nvSpPr>
+        <p:spPr bwMode="gray">
+          <a:xfrm>
+            <a:off x="482686" y="2274555"/>
+            <a:ext cx="10373751" cy="2945714"/>
+          </a:xfrm>
+          <a:prstGeom prst="rect">
+            <a:avLst/>
+          </a:prstGeom>
+        </p:spPr>
+        <p:txBody>
+          <a:bodyPr vert="horz" lIns="0" tIns="0" rIns="0" bIns="0" rtlCol="0">
+            <a:noAutofit/>
+          </a:bodyPr>
+          <a:lstStyle>
+            <a:lvl1pPr marL="270000" indent="-270000" algn="l" defTabSz="914400" rtl="0" eaLnBrk="1" latinLnBrk="0" hangingPunct="1">
+              <a:lnSpc>
+                <a:spcPct val="120000"/>
+              </a:lnSpc>
+              <a:spcBef>
+                <a:spcPts val="0"/>
+              </a:spcBef>
+              <a:spcAft>
+                <a:spcPts val="1000"/>
+              </a:spcAft>
+              <a:buClr>
+                <a:schemeClr val="tx1"/>
+              </a:buClr>
+              <a:buSzPct val="100000"/>
+              <a:buFont typeface="Arial" panose="020F0502020204030204" pitchFamily="34" charset="0"/>
+              <a:buChar char="&gt;"/>
+              <a:defRPr sz="1800" kern="1200">
+                <a:solidFill>
+                  <a:schemeClr val="tx1"/>
+                </a:solidFill>
+                <a:latin typeface="+mn-lt"/>
+                <a:ea typeface="+mn-ea"/>
+                <a:cs typeface="+mn-cs"/>
+              </a:defRPr>
+            </a:lvl1pPr>
+            <a:lvl2pPr marL="720000" indent="-270000" algn="l" defTabSz="914400" rtl="0" eaLnBrk="1" latinLnBrk="0" hangingPunct="1">
+              <a:lnSpc>
+                <a:spcPct val="120000"/>
+              </a:lnSpc>
+              <a:spcBef>
+                <a:spcPts val="0"/>
+              </a:spcBef>
+              <a:spcAft>
+                <a:spcPts val="1000"/>
+              </a:spcAft>
+              <a:buClr>
+                <a:schemeClr val="tx1"/>
+              </a:buClr>
+              <a:buSzPct val="100000"/>
+              <a:buFont typeface="Arial" panose="020F0502020204030204" pitchFamily="34" charset="0"/>
+              <a:buChar char="&gt;"/>
+              <a:defRPr sz="1600" kern="1200">
+                <a:solidFill>
+                  <a:schemeClr val="tx1"/>
+                </a:solidFill>
+                <a:latin typeface="+mn-lt"/>
+                <a:ea typeface="+mn-ea"/>
+                <a:cs typeface="+mn-cs"/>
+              </a:defRPr>
+            </a:lvl2pPr>
+            <a:lvl3pPr marL="1080000" indent="-270000" algn="l" defTabSz="914400" rtl="0" eaLnBrk="1" latinLnBrk="0" hangingPunct="1">
+              <a:lnSpc>
+                <a:spcPct val="120000"/>
+              </a:lnSpc>
+              <a:spcBef>
+                <a:spcPts val="0"/>
+              </a:spcBef>
+              <a:spcAft>
+                <a:spcPts val="1000"/>
+              </a:spcAft>
+              <a:buClr>
+                <a:schemeClr val="tx1"/>
+              </a:buClr>
+              <a:buSzPct val="100000"/>
+              <a:buFont typeface="Arial" panose="020F0502020204030204" pitchFamily="34" charset="0"/>
+              <a:buChar char="&gt;"/>
+              <a:defRPr sz="1600" kern="1200">
+                <a:solidFill>
+                  <a:schemeClr val="tx1"/>
+                </a:solidFill>
+                <a:latin typeface="+mn-lt"/>
+                <a:ea typeface="+mn-ea"/>
+                <a:cs typeface="+mn-cs"/>
+              </a:defRPr>
+            </a:lvl3pPr>
+            <a:lvl4pPr marL="1440000" indent="-270000" algn="l" defTabSz="914400" rtl="0" eaLnBrk="1" latinLnBrk="0" hangingPunct="1">
+              <a:lnSpc>
+                <a:spcPct val="120000"/>
+              </a:lnSpc>
+              <a:spcBef>
+                <a:spcPts val="0"/>
+              </a:spcBef>
+              <a:spcAft>
+                <a:spcPts val="1000"/>
+              </a:spcAft>
+              <a:buClr>
+                <a:schemeClr val="tx1"/>
+              </a:buClr>
+              <a:buSzPct val="100000"/>
+              <a:buFont typeface="Arial" panose="020F0502020204030204" pitchFamily="34" charset="0"/>
+              <a:buChar char="&gt;"/>
+              <a:defRPr sz="1600" kern="1200">
+                <a:solidFill>
+                  <a:schemeClr val="tx1"/>
+                </a:solidFill>
+                <a:latin typeface="+mn-lt"/>
+                <a:ea typeface="+mn-ea"/>
+                <a:cs typeface="+mn-cs"/>
+              </a:defRPr>
+            </a:lvl4pPr>
+            <a:lvl5pPr marL="1800000" indent="-270000" algn="l" defTabSz="914400" rtl="0" eaLnBrk="1" latinLnBrk="0" hangingPunct="1">
+              <a:lnSpc>
+                <a:spcPct val="120000"/>
+              </a:lnSpc>
+              <a:spcBef>
+                <a:spcPts val="0"/>
+              </a:spcBef>
+              <a:spcAft>
+                <a:spcPts val="1000"/>
+              </a:spcAft>
+              <a:buClr>
+                <a:schemeClr val="tx1"/>
+              </a:buClr>
+              <a:buSzPct val="100000"/>
+              <a:buFont typeface="Arial" panose="020F0502020204030204" pitchFamily="34" charset="0"/>
+              <a:buChar char="&gt;"/>
+              <a:defRPr sz="1600" kern="1200">
+                <a:solidFill>
+                  <a:schemeClr val="tx1"/>
+                </a:solidFill>
+                <a:latin typeface="+mn-lt"/>
+                <a:ea typeface="+mn-ea"/>
+                <a:cs typeface="+mn-cs"/>
+              </a:defRPr>
+            </a:lvl5pPr>
+            <a:lvl6pPr marL="2514600" indent="-228600" algn="l" defTabSz="914400" rtl="0" eaLnBrk="1" latinLnBrk="0" hangingPunct="1">
+              <a:spcBef>
+                <a:spcPct val="20000"/>
+              </a:spcBef>
+              <a:buFont typeface="Arial" panose="020B0604020202020204" pitchFamily="34" charset="0"/>
+              <a:buChar char="•"/>
+              <a:defRPr sz="1800" kern="1200">
+                <a:solidFill>
+                  <a:schemeClr val="tx1"/>
+                </a:solidFill>
+                <a:latin typeface="+mn-lt"/>
+                <a:ea typeface="+mn-ea"/>
+                <a:cs typeface="+mn-cs"/>
+              </a:defRPr>
+            </a:lvl6pPr>
+            <a:lvl7pPr marL="2971800" indent="-228600" algn="l" defTabSz="914400" rtl="0" eaLnBrk="1" latinLnBrk="0" hangingPunct="1">
+              <a:spcBef>
+                <a:spcPct val="20000"/>
+              </a:spcBef>
+              <a:buFont typeface="Arial" panose="020B0604020202020204" pitchFamily="34" charset="0"/>
+              <a:buChar char="•"/>
+              <a:defRPr sz="1800" kern="1200">
+                <a:solidFill>
+                  <a:schemeClr val="tx1"/>
+                </a:solidFill>
+                <a:latin typeface="+mn-lt"/>
+                <a:ea typeface="+mn-ea"/>
+                <a:cs typeface="+mn-cs"/>
+              </a:defRPr>
+            </a:lvl7pPr>
+            <a:lvl8pPr marL="3429000" indent="-228600" algn="l" defTabSz="914400" rtl="0" eaLnBrk="1" latinLnBrk="0" hangingPunct="1">
+              <a:spcBef>
+                <a:spcPct val="20000"/>
+              </a:spcBef>
+              <a:buFont typeface="Arial" panose="020B0604020202020204" pitchFamily="34" charset="0"/>
+              <a:buChar char="•"/>
+              <a:defRPr sz="1800" kern="1200">
+                <a:solidFill>
+                  <a:schemeClr val="tx1"/>
+                </a:solidFill>
+                <a:latin typeface="+mn-lt"/>
+                <a:ea typeface="+mn-ea"/>
+                <a:cs typeface="+mn-cs"/>
+              </a:defRPr>
+            </a:lvl8pPr>
+            <a:lvl9pPr marL="3886200" indent="-228600" algn="l" defTabSz="914400" rtl="0" eaLnBrk="1" latinLnBrk="0" hangingPunct="1">
+              <a:spcBef>
+                <a:spcPct val="20000"/>
+              </a:spcBef>
+              <a:buFont typeface="Arial" panose="020B0604020202020204" pitchFamily="34" charset="0"/>
+              <a:buChar char="•"/>
+              <a:defRPr sz="1800" kern="1200">
+                <a:solidFill>
+                  <a:schemeClr val="tx1"/>
+                </a:solidFill>
+                <a:latin typeface="+mn-lt"/>
+                <a:ea typeface="+mn-ea"/>
+                <a:cs typeface="+mn-cs"/>
+              </a:defRPr>
+            </a:lvl9pPr>
+          </a:lstStyle>
+          <a:p>
+            <a:pPr marL="450000" lvl="1" indent="0">
+              <a:buNone/>
+            </a:pPr>
+            <a:r>
+              <a:rPr lang="de-DE" dirty="0"/>
+              <a:t>Szenario 1: Ein Nutzer meldet sich mit dem Benutzernamen und Passwort erfolgreich an</a:t>
+            </a:r>
+          </a:p>
+          <a:p>
+            <a:pPr marL="450000" lvl="1" indent="0">
+              <a:buNone/>
+            </a:pPr>
+            <a:endParaRPr lang="de-DE" dirty="0"/>
+          </a:p>
+          <a:p>
+            <a:pPr marL="450000" lvl="1" indent="0">
+              <a:buNone/>
+            </a:pPr>
+            <a:r>
+              <a:rPr lang="de-DE" b="1" dirty="0"/>
+              <a:t>Gegeben</a:t>
+            </a:r>
+            <a:r>
+              <a:rPr lang="de-DE" dirty="0"/>
+              <a:t> in die Tabelle Users wird ein Eintrag hinzugefügt und in die Spalte </a:t>
+            </a:r>
+            <a:r>
+              <a:rPr lang="de-DE" dirty="0" err="1"/>
+              <a:t>userName</a:t>
+            </a:r>
+            <a:r>
+              <a:rPr lang="de-DE" dirty="0"/>
+              <a:t> wird </a:t>
+            </a:r>
+            <a:r>
+              <a:rPr lang="de-DE" i="1" dirty="0"/>
+              <a:t>mw01</a:t>
+            </a:r>
+            <a:r>
+              <a:rPr lang="de-DE" dirty="0"/>
+              <a:t> und in die Spalte pw01 </a:t>
+            </a:r>
+            <a:r>
+              <a:rPr lang="de-DE" i="1" dirty="0"/>
+              <a:t>123456</a:t>
+            </a:r>
+          </a:p>
+          <a:p>
+            <a:pPr marL="450000" lvl="1" indent="0">
+              <a:buNone/>
+            </a:pPr>
+            <a:r>
+              <a:rPr lang="de-DE" b="1" dirty="0"/>
+              <a:t>Wenn</a:t>
+            </a:r>
+            <a:r>
+              <a:rPr lang="de-DE" dirty="0"/>
+              <a:t> in des Eingabefeld </a:t>
+            </a:r>
+            <a:r>
+              <a:rPr lang="de-DE" dirty="0" err="1"/>
+              <a:t>username_input</a:t>
+            </a:r>
+            <a:r>
+              <a:rPr lang="de-DE" dirty="0"/>
+              <a:t> </a:t>
+            </a:r>
+            <a:r>
+              <a:rPr lang="de-DE" i="1" dirty="0"/>
+              <a:t>mw01</a:t>
+            </a:r>
+            <a:r>
+              <a:rPr lang="de-DE" dirty="0"/>
+              <a:t> und in des Eingabefeld </a:t>
+            </a:r>
+            <a:r>
+              <a:rPr lang="de-DE" dirty="0" err="1"/>
+              <a:t>pw_input</a:t>
+            </a:r>
+            <a:r>
+              <a:rPr lang="de-DE" dirty="0"/>
+              <a:t> </a:t>
+            </a:r>
+            <a:r>
+              <a:rPr lang="de-DE" i="1" dirty="0"/>
+              <a:t>123456</a:t>
+            </a:r>
+            <a:r>
+              <a:rPr lang="de-DE" dirty="0"/>
+              <a:t> gesetzt werden</a:t>
+            </a:r>
+          </a:p>
+          <a:p>
+            <a:pPr marL="450000" lvl="1" indent="0">
+              <a:buNone/>
+            </a:pPr>
+            <a:r>
+              <a:rPr lang="de-DE" b="1" dirty="0"/>
+              <a:t>Dann</a:t>
+            </a:r>
+            <a:r>
+              <a:rPr lang="de-DE" dirty="0"/>
+              <a:t> wird der Nutzer auf die Seite /start.html weitergeleitet</a:t>
+            </a:r>
+          </a:p>
+          <a:p>
+            <a:pPr marL="450000" lvl="1" indent="0">
+              <a:buNone/>
+            </a:pPr>
+            <a:r>
+              <a:rPr lang="de-DE" b="1" dirty="0"/>
+              <a:t>Und</a:t>
+            </a:r>
+            <a:r>
+              <a:rPr lang="de-DE" dirty="0"/>
+              <a:t> das Cookie JSESSIONID wurde geschrieben.</a:t>
+            </a:r>
+          </a:p>
+          <a:p>
+            <a:pPr lvl="1"/>
+            <a:endParaRPr lang="de-DE" dirty="0"/>
+          </a:p>
+          <a:p>
+            <a:r>
+              <a:rPr lang="de-DE" b="1" dirty="0"/>
+              <a:t>Empfehlung: Vermeidung technische Beschreibung</a:t>
+            </a:r>
+            <a:endParaRPr lang="de-DE" dirty="0"/>
+          </a:p>
+          <a:p>
+            <a:endParaRPr lang="de-DE" dirty="0"/>
+          </a:p>
+        </p:txBody>
+      </p:sp>
+    </p:spTree>
+    <p:extLst>
+      <p:ext uri="{BB962C8B-B14F-4D97-AF65-F5344CB8AC3E}">
+        <p14:creationId xmlns:p14="http://schemas.microsoft.com/office/powerpoint/2010/main" val="1380031683"/>
+      </p:ext>
+    </p:extLst>
+  </p:cSld>
+  <p:clrMapOvr>
+    <a:masterClrMapping/>
+  </p:clrMapOvr>
+  <mc:AlternateContent xmlns:mc="http://schemas.openxmlformats.org/markup-compatibility/2006" xmlns:p14="http://schemas.microsoft.com/office/powerpoint/2010/main">
+    <mc:Choice Requires="p14">
+      <p:transition spd="med" p14:dur="700">
+        <p:fade/>
+      </p:transition>
+    </mc:Choice>
+    <mc:Fallback xmlns="">
+      <p:transition spd="med">
+        <p:fade/>
+      </p:transition>
+    </mc:Fallback>
+  </mc:AlternateContent>
+</p:sld>
+</file>
+
+<file path=ppt/slides/slide8.xml><?xml version="1.0" encoding="utf-8"?>
+<p:sld xmlns:a="http://schemas.openxmlformats.org/drawingml/2006/main" xmlns:r="http://schemas.openxmlformats.org/officeDocument/2006/relationships" xmlns:p="http://schemas.openxmlformats.org/presentationml/2006/main">
+  <p:cSld>
+    <p:spTree>
+      <p:nvGrpSpPr>
+        <p:cNvPr id="1" name=""/>
+        <p:cNvGrpSpPr/>
+        <p:nvPr/>
+      </p:nvGrpSpPr>
+      <p:grpSpPr>
+        <a:xfrm>
+          <a:off x="0" y="0"/>
+          <a:ext cx="0" cy="0"/>
+          <a:chOff x="0" y="0"/>
+          <a:chExt cx="0" cy="0"/>
+        </a:xfrm>
+      </p:grpSpPr>
+      <p:sp>
+        <p:nvSpPr>
           <p:cNvPr id="9" name="Titel 8">
             <a:extLst>
               <a:ext uri="{FF2B5EF4-FFF2-40B4-BE49-F238E27FC236}">
@@ -42130,7 +44320,7 @@
           <a:p>
             <a:fld id="{154C7814-F218-4D9E-8E58-25588F0986B1}" type="datetime1">
               <a:rPr lang="de-DE" noProof="0" smtClean="0"/>
-              <a:t>29.10.19</a:t>
+              <a:t>25.11.2019</a:t>
             </a:fld>
             <a:endParaRPr lang="de-DE" noProof="0" dirty="0"/>
           </a:p>
@@ -42165,7 +44355,7 @@
             <a:fld id="{02CEFE82-39F2-4F47-8A0C-D5AB3496FA5C}" type="slidenum">
               <a:rPr lang="de-DE" noProof="0" smtClean="0"/>
               <a:pPr/>
-              <a:t>6</a:t>
+              <a:t>8</a:t>
             </a:fld>
             <a:endParaRPr lang="de-DE" noProof="0" dirty="0"/>
           </a:p>
@@ -42196,7 +44386,7 @@
 </p:sld>
 </file>
 
-<file path=ppt/slides/slide7.xml><?xml version="1.0" encoding="utf-8"?>
+<file path=ppt/slides/slide9.xml><?xml version="1.0" encoding="utf-8"?>
 <p:sld xmlns:a="http://schemas.openxmlformats.org/drawingml/2006/main" xmlns:r="http://schemas.openxmlformats.org/officeDocument/2006/relationships" xmlns:p="http://schemas.openxmlformats.org/presentationml/2006/main">
   <p:cSld>
     <p:bg>
@@ -42463,7 +44653,7 @@
           <a:p>
             <a:fld id="{154C7814-F218-4D9E-8E58-25588F0986B1}" type="datetime1">
               <a:rPr lang="de-DE" noProof="0" smtClean="0"/>
-              <a:t>29.10.19</a:t>
+              <a:t>25.11.2019</a:t>
             </a:fld>
             <a:endParaRPr lang="de-DE" noProof="0" dirty="0"/>
           </a:p>
@@ -42493,7 +44683,7 @@
             <a:fld id="{02CEFE82-39F2-4F47-8A0C-D5AB3496FA5C}" type="slidenum">
               <a:rPr lang="de-DE" noProof="0" smtClean="0"/>
               <a:pPr/>
-              <a:t>7</a:t>
+              <a:t>9</a:t>
             </a:fld>
             <a:endParaRPr lang="de-DE" noProof="0" dirty="0"/>
           </a:p>
@@ -42527,7 +44717,7 @@
           <a:graphicData uri="http://schemas.openxmlformats.org/presentationml/2006/ole">
             <mc:AlternateContent xmlns:mc="http://schemas.openxmlformats.org/markup-compatibility/2006">
               <mc:Choice xmlns:v="urn:schemas-microsoft-com:vml" Requires="v">
-                <p:oleObj spid="_x0000_s1060" name="Dokument" r:id="rId3" imgW="9144000" imgH="190500" progId="Word.Document.12">
+                <p:oleObj spid="_x0000_s1062" name="Dokument" r:id="rId3" imgW="9144000" imgH="190500" progId="Word.Document.12">
                   <p:embed/>
                 </p:oleObj>
               </mc:Choice>
@@ -43381,566 +45571,6 @@
     <p:extLst>
       <p:ext uri="{BB962C8B-B14F-4D97-AF65-F5344CB8AC3E}">
         <p14:creationId xmlns:p14="http://schemas.microsoft.com/office/powerpoint/2010/main" val="145777830"/>
-      </p:ext>
-    </p:extLst>
-  </p:cSld>
-  <p:clrMapOvr>
-    <a:masterClrMapping/>
-  </p:clrMapOvr>
-  <mc:AlternateContent xmlns:mc="http://schemas.openxmlformats.org/markup-compatibility/2006" xmlns:p14="http://schemas.microsoft.com/office/powerpoint/2010/main">
-    <mc:Choice Requires="p14">
-      <p:transition spd="med" p14:dur="700">
-        <p:fade/>
-      </p:transition>
-    </mc:Choice>
-    <mc:Fallback xmlns="">
-      <p:transition spd="med">
-        <p:fade/>
-      </p:transition>
-    </mc:Fallback>
-  </mc:AlternateContent>
-</p:sld>
-</file>
-
-<file path=ppt/slides/slide8.xml><?xml version="1.0" encoding="utf-8"?>
-<p:sld xmlns:a="http://schemas.openxmlformats.org/drawingml/2006/main" xmlns:r="http://schemas.openxmlformats.org/officeDocument/2006/relationships" xmlns:p="http://schemas.openxmlformats.org/presentationml/2006/main">
-  <p:cSld>
-    <p:spTree>
-      <p:nvGrpSpPr>
-        <p:cNvPr id="1" name=""/>
-        <p:cNvGrpSpPr/>
-        <p:nvPr/>
-      </p:nvGrpSpPr>
-      <p:grpSpPr>
-        <a:xfrm>
-          <a:off x="0" y="0"/>
-          <a:ext cx="0" cy="0"/>
-          <a:chOff x="0" y="0"/>
-          <a:chExt cx="0" cy="0"/>
-        </a:xfrm>
-      </p:grpSpPr>
-      <p:sp>
-        <p:nvSpPr>
-          <p:cNvPr id="2" name="Titel 1">
-            <a:extLst>
-              <a:ext uri="{FF2B5EF4-FFF2-40B4-BE49-F238E27FC236}">
-                <a16:creationId xmlns:a16="http://schemas.microsoft.com/office/drawing/2014/main" id="{7630BFA5-D5C1-5841-B9FB-5851961ACD75}"/>
-              </a:ext>
-            </a:extLst>
-          </p:cNvPr>
-          <p:cNvSpPr>
-            <a:spLocks noGrp="1"/>
-          </p:cNvSpPr>
-          <p:nvPr>
-            <p:ph type="title"/>
-          </p:nvPr>
-        </p:nvSpPr>
-        <p:spPr/>
-        <p:txBody>
-          <a:bodyPr/>
-          <a:lstStyle/>
-          <a:p>
-            <a:r>
-              <a:rPr lang="de-DE" dirty="0"/>
-              <a:t>Frameworks</a:t>
-            </a:r>
-          </a:p>
-        </p:txBody>
-      </p:sp>
-      <p:sp>
-        <p:nvSpPr>
-          <p:cNvPr id="3" name="Textplatzhalter 2">
-            <a:extLst>
-              <a:ext uri="{FF2B5EF4-FFF2-40B4-BE49-F238E27FC236}">
-                <a16:creationId xmlns:a16="http://schemas.microsoft.com/office/drawing/2014/main" id="{E13B0A18-2C1A-A14A-AA7E-EE9B740659E3}"/>
-              </a:ext>
-            </a:extLst>
-          </p:cNvPr>
-          <p:cNvSpPr>
-            <a:spLocks noGrp="1"/>
-          </p:cNvSpPr>
-          <p:nvPr>
-            <p:ph type="body" sz="quarter" idx="13"/>
-          </p:nvPr>
-        </p:nvSpPr>
-        <p:spPr/>
-        <p:txBody>
-          <a:bodyPr/>
-          <a:lstStyle/>
-          <a:p>
-            <a:r>
-              <a:rPr lang="de-DE" dirty="0" err="1"/>
-              <a:t>Selenium</a:t>
-            </a:r>
-            <a:endParaRPr lang="de-DE" dirty="0"/>
-          </a:p>
-        </p:txBody>
-      </p:sp>
-      <p:sp>
-        <p:nvSpPr>
-          <p:cNvPr id="4" name="Textplatzhalter 3">
-            <a:extLst>
-              <a:ext uri="{FF2B5EF4-FFF2-40B4-BE49-F238E27FC236}">
-                <a16:creationId xmlns:a16="http://schemas.microsoft.com/office/drawing/2014/main" id="{F158517A-3EDC-BC45-84B7-468D446159A8}"/>
-              </a:ext>
-            </a:extLst>
-          </p:cNvPr>
-          <p:cNvSpPr>
-            <a:spLocks noGrp="1"/>
-          </p:cNvSpPr>
-          <p:nvPr>
-            <p:ph type="body" sz="quarter" idx="22"/>
-          </p:nvPr>
-        </p:nvSpPr>
-        <p:spPr/>
-        <p:txBody>
-          <a:bodyPr/>
-          <a:lstStyle/>
-          <a:p>
-            <a:endParaRPr lang="de-DE"/>
-          </a:p>
-        </p:txBody>
-      </p:sp>
-      <p:sp>
-        <p:nvSpPr>
-          <p:cNvPr id="5" name="Inhaltsplatzhalter 4">
-            <a:extLst>
-              <a:ext uri="{FF2B5EF4-FFF2-40B4-BE49-F238E27FC236}">
-                <a16:creationId xmlns:a16="http://schemas.microsoft.com/office/drawing/2014/main" id="{A01AC294-80A2-C245-9A1C-2F9DB3418C93}"/>
-              </a:ext>
-            </a:extLst>
-          </p:cNvPr>
-          <p:cNvSpPr>
-            <a:spLocks noGrp="1"/>
-          </p:cNvSpPr>
-          <p:nvPr>
-            <p:ph sz="half" idx="14"/>
-          </p:nvPr>
-        </p:nvSpPr>
-        <p:spPr>
-          <a:xfrm>
-            <a:off x="756000" y="1512000"/>
-            <a:ext cx="11037600" cy="4298400"/>
-          </a:xfrm>
-        </p:spPr>
-        <p:txBody>
-          <a:bodyPr/>
-          <a:lstStyle/>
-          <a:p>
-            <a:r>
-              <a:rPr lang="de-DE" dirty="0"/>
-              <a:t>Automatisierung von Browsern</a:t>
-            </a:r>
-          </a:p>
-          <a:p>
-            <a:r>
-              <a:rPr lang="de-DE" dirty="0"/>
-              <a:t>Page-</a:t>
-            </a:r>
-            <a:r>
-              <a:rPr lang="de-DE" dirty="0" err="1"/>
-              <a:t>Object</a:t>
-            </a:r>
-            <a:r>
-              <a:rPr lang="de-DE" dirty="0"/>
-              <a:t>-Pattern</a:t>
-            </a:r>
-          </a:p>
-        </p:txBody>
-      </p:sp>
-      <p:sp>
-        <p:nvSpPr>
-          <p:cNvPr id="6" name="Fußzeilenplatzhalter 5">
-            <a:extLst>
-              <a:ext uri="{FF2B5EF4-FFF2-40B4-BE49-F238E27FC236}">
-                <a16:creationId xmlns:a16="http://schemas.microsoft.com/office/drawing/2014/main" id="{C6168411-E865-6D49-839B-2960823AEA56}"/>
-              </a:ext>
-            </a:extLst>
-          </p:cNvPr>
-          <p:cNvSpPr>
-            <a:spLocks noGrp="1"/>
-          </p:cNvSpPr>
-          <p:nvPr>
-            <p:ph type="ftr" sz="quarter" idx="11"/>
-          </p:nvPr>
-        </p:nvSpPr>
-        <p:spPr/>
-        <p:txBody>
-          <a:bodyPr/>
-          <a:lstStyle/>
-          <a:p>
-            <a:r>
-              <a:rPr lang="de-DE" dirty="0" err="1"/>
-              <a:t>Advanced</a:t>
-            </a:r>
-            <a:r>
-              <a:rPr lang="de-DE" dirty="0"/>
-              <a:t> BDD / Maik Wagner / © </a:t>
-            </a:r>
-            <a:r>
-              <a:rPr lang="de-DE" dirty="0" err="1"/>
-              <a:t>Tallence</a:t>
-            </a:r>
-            <a:r>
-              <a:rPr lang="de-DE" dirty="0"/>
-              <a:t> AG</a:t>
-            </a:r>
-          </a:p>
-        </p:txBody>
-      </p:sp>
-      <p:sp>
-        <p:nvSpPr>
-          <p:cNvPr id="7" name="Datumsplatzhalter 6">
-            <a:extLst>
-              <a:ext uri="{FF2B5EF4-FFF2-40B4-BE49-F238E27FC236}">
-                <a16:creationId xmlns:a16="http://schemas.microsoft.com/office/drawing/2014/main" id="{9FAA6259-8E0C-5346-84AF-BD6FDD591C1B}"/>
-              </a:ext>
-            </a:extLst>
-          </p:cNvPr>
-          <p:cNvSpPr>
-            <a:spLocks noGrp="1"/>
-          </p:cNvSpPr>
-          <p:nvPr>
-            <p:ph type="dt" sz="half" idx="10"/>
-          </p:nvPr>
-        </p:nvSpPr>
-        <p:spPr/>
-        <p:txBody>
-          <a:bodyPr/>
-          <a:lstStyle/>
-          <a:p>
-            <a:fld id="{154C7814-F218-4D9E-8E58-25588F0986B1}" type="datetime1">
-              <a:rPr lang="de-DE" noProof="0" smtClean="0"/>
-              <a:t>29.10.19</a:t>
-            </a:fld>
-            <a:endParaRPr lang="de-DE" noProof="0" dirty="0"/>
-          </a:p>
-        </p:txBody>
-      </p:sp>
-      <p:sp>
-        <p:nvSpPr>
-          <p:cNvPr id="8" name="Foliennummernplatzhalter 7">
-            <a:extLst>
-              <a:ext uri="{FF2B5EF4-FFF2-40B4-BE49-F238E27FC236}">
-                <a16:creationId xmlns:a16="http://schemas.microsoft.com/office/drawing/2014/main" id="{02FFAC50-D076-404C-8ED2-57CF0978543C}"/>
-              </a:ext>
-            </a:extLst>
-          </p:cNvPr>
-          <p:cNvSpPr>
-            <a:spLocks noGrp="1"/>
-          </p:cNvSpPr>
-          <p:nvPr>
-            <p:ph type="sldNum" sz="quarter" idx="12"/>
-          </p:nvPr>
-        </p:nvSpPr>
-        <p:spPr/>
-        <p:txBody>
-          <a:bodyPr/>
-          <a:lstStyle/>
-          <a:p>
-            <a:fld id="{02CEFE82-39F2-4F47-8A0C-D5AB3496FA5C}" type="slidenum">
-              <a:rPr lang="de-DE" noProof="0" smtClean="0"/>
-              <a:pPr/>
-              <a:t>8</a:t>
-            </a:fld>
-            <a:endParaRPr lang="de-DE" noProof="0" dirty="0"/>
-          </a:p>
-        </p:txBody>
-      </p:sp>
-      <p:graphicFrame>
-        <p:nvGraphicFramePr>
-          <p:cNvPr id="10" name="Diagramm 9">
-            <a:extLst>
-              <a:ext uri="{FF2B5EF4-FFF2-40B4-BE49-F238E27FC236}">
-                <a16:creationId xmlns:a16="http://schemas.microsoft.com/office/drawing/2014/main" id="{5B964A70-728D-E14C-BB7E-9EDA7EC110B1}"/>
-              </a:ext>
-            </a:extLst>
-          </p:cNvPr>
-          <p:cNvGraphicFramePr/>
-          <p:nvPr>
-            <p:extLst>
-              <p:ext uri="{D42A27DB-BD31-4B8C-83A1-F6EECF244321}">
-                <p14:modId xmlns:p14="http://schemas.microsoft.com/office/powerpoint/2010/main" val="4253762703"/>
-              </p:ext>
-            </p:extLst>
-          </p:nvPr>
-        </p:nvGraphicFramePr>
-        <p:xfrm>
-          <a:off x="895792" y="2456762"/>
-          <a:ext cx="10398827" cy="3272010"/>
-        </p:xfrm>
-        <a:graphic>
-          <a:graphicData uri="http://schemas.openxmlformats.org/drawingml/2006/diagram">
-            <dgm:relIds xmlns:dgm="http://schemas.openxmlformats.org/drawingml/2006/diagram" xmlns:r="http://schemas.openxmlformats.org/officeDocument/2006/relationships" r:dm="rId2" r:lo="rId3" r:qs="rId4" r:cs="rId5"/>
-          </a:graphicData>
-        </a:graphic>
-      </p:graphicFrame>
-    </p:spTree>
-    <p:extLst>
-      <p:ext uri="{BB962C8B-B14F-4D97-AF65-F5344CB8AC3E}">
-        <p14:creationId xmlns:p14="http://schemas.microsoft.com/office/powerpoint/2010/main" val="1810371097"/>
-      </p:ext>
-    </p:extLst>
-  </p:cSld>
-  <p:clrMapOvr>
-    <a:masterClrMapping/>
-  </p:clrMapOvr>
-  <mc:AlternateContent xmlns:mc="http://schemas.openxmlformats.org/markup-compatibility/2006" xmlns:p14="http://schemas.microsoft.com/office/powerpoint/2010/main">
-    <mc:Choice Requires="p14">
-      <p:transition spd="med" p14:dur="700">
-        <p:fade/>
-      </p:transition>
-    </mc:Choice>
-    <mc:Fallback xmlns="">
-      <p:transition spd="med">
-        <p:fade/>
-      </p:transition>
-    </mc:Fallback>
-  </mc:AlternateContent>
-</p:sld>
-</file>
-
-<file path=ppt/slides/slide9.xml><?xml version="1.0" encoding="utf-8"?>
-<p:sld xmlns:a="http://schemas.openxmlformats.org/drawingml/2006/main" xmlns:r="http://schemas.openxmlformats.org/officeDocument/2006/relationships" xmlns:p="http://schemas.openxmlformats.org/presentationml/2006/main">
-  <p:cSld>
-    <p:spTree>
-      <p:nvGrpSpPr>
-        <p:cNvPr id="1" name=""/>
-        <p:cNvGrpSpPr/>
-        <p:nvPr/>
-      </p:nvGrpSpPr>
-      <p:grpSpPr>
-        <a:xfrm>
-          <a:off x="0" y="0"/>
-          <a:ext cx="0" cy="0"/>
-          <a:chOff x="0" y="0"/>
-          <a:chExt cx="0" cy="0"/>
-        </a:xfrm>
-      </p:grpSpPr>
-      <p:sp>
-        <p:nvSpPr>
-          <p:cNvPr id="9" name="Titel 8">
-            <a:extLst>
-              <a:ext uri="{FF2B5EF4-FFF2-40B4-BE49-F238E27FC236}">
-                <a16:creationId xmlns:a16="http://schemas.microsoft.com/office/drawing/2014/main" id="{48B8340E-24BB-F94C-A724-801E6666D3DD}"/>
-              </a:ext>
-            </a:extLst>
-          </p:cNvPr>
-          <p:cNvSpPr>
-            <a:spLocks noGrp="1"/>
-          </p:cNvSpPr>
-          <p:nvPr>
-            <p:ph type="ctrTitle"/>
-          </p:nvPr>
-        </p:nvSpPr>
-        <p:spPr/>
-        <p:txBody>
-          <a:bodyPr/>
-          <a:lstStyle/>
-          <a:p>
-            <a:r>
-              <a:rPr lang="de-DE" dirty="0"/>
-              <a:t>Beispielanwendung</a:t>
-            </a:r>
-          </a:p>
-        </p:txBody>
-      </p:sp>
-      <p:sp>
-        <p:nvSpPr>
-          <p:cNvPr id="11" name="Textplatzhalter 10">
-            <a:extLst>
-              <a:ext uri="{FF2B5EF4-FFF2-40B4-BE49-F238E27FC236}">
-                <a16:creationId xmlns:a16="http://schemas.microsoft.com/office/drawing/2014/main" id="{9F260F2E-84AC-AA42-B61C-0AC43FA79A0C}"/>
-              </a:ext>
-            </a:extLst>
-          </p:cNvPr>
-          <p:cNvSpPr>
-            <a:spLocks noGrp="1"/>
-          </p:cNvSpPr>
-          <p:nvPr>
-            <p:ph type="body" sz="quarter" idx="14"/>
-          </p:nvPr>
-        </p:nvSpPr>
-        <p:spPr/>
-        <p:txBody>
-          <a:bodyPr/>
-          <a:lstStyle/>
-          <a:p>
-            <a:endParaRPr lang="de-DE"/>
-          </a:p>
-        </p:txBody>
-      </p:sp>
-      <p:sp>
-        <p:nvSpPr>
-          <p:cNvPr id="10" name="Textplatzhalter 9">
-            <a:extLst>
-              <a:ext uri="{FF2B5EF4-FFF2-40B4-BE49-F238E27FC236}">
-                <a16:creationId xmlns:a16="http://schemas.microsoft.com/office/drawing/2014/main" id="{F28D25E4-D47B-A244-94E1-EB61CD9566E5}"/>
-              </a:ext>
-            </a:extLst>
-          </p:cNvPr>
-          <p:cNvSpPr>
-            <a:spLocks noGrp="1"/>
-          </p:cNvSpPr>
-          <p:nvPr>
-            <p:ph type="body" sz="quarter" idx="11"/>
-          </p:nvPr>
-        </p:nvSpPr>
-        <p:spPr/>
-        <p:txBody>
-          <a:bodyPr/>
-          <a:lstStyle/>
-          <a:p>
-            <a:r>
-              <a:rPr lang="de-DE" dirty="0"/>
-              <a:t>3.</a:t>
-            </a:r>
-          </a:p>
-        </p:txBody>
-      </p:sp>
-      <p:sp>
-        <p:nvSpPr>
-          <p:cNvPr id="12" name="Textplatzhalter 11">
-            <a:extLst>
-              <a:ext uri="{FF2B5EF4-FFF2-40B4-BE49-F238E27FC236}">
-                <a16:creationId xmlns:a16="http://schemas.microsoft.com/office/drawing/2014/main" id="{47F875E8-011E-5F4F-927C-2594AB18C1B9}"/>
-              </a:ext>
-            </a:extLst>
-          </p:cNvPr>
-          <p:cNvSpPr>
-            <a:spLocks noGrp="1"/>
-          </p:cNvSpPr>
-          <p:nvPr>
-            <p:ph type="body" sz="quarter" idx="87"/>
-          </p:nvPr>
-        </p:nvSpPr>
-        <p:spPr/>
-        <p:txBody>
-          <a:bodyPr/>
-          <a:lstStyle/>
-          <a:p>
-            <a:endParaRPr lang="de-DE"/>
-          </a:p>
-        </p:txBody>
-      </p:sp>
-      <p:sp>
-        <p:nvSpPr>
-          <p:cNvPr id="6" name="Fußzeilenplatzhalter 5">
-            <a:extLst>
-              <a:ext uri="{FF2B5EF4-FFF2-40B4-BE49-F238E27FC236}">
-                <a16:creationId xmlns:a16="http://schemas.microsoft.com/office/drawing/2014/main" id="{78BA0521-E38C-C74B-94DE-1E59B74FC0AB}"/>
-              </a:ext>
-            </a:extLst>
-          </p:cNvPr>
-          <p:cNvSpPr>
-            <a:spLocks noGrp="1"/>
-          </p:cNvSpPr>
-          <p:nvPr>
-            <p:ph type="ftr" sz="quarter" idx="4294967295"/>
-          </p:nvPr>
-        </p:nvSpPr>
-        <p:spPr>
-          <a:xfrm>
-            <a:off x="0" y="6291263"/>
-            <a:ext cx="5556250" cy="360362"/>
-          </a:xfrm>
-        </p:spPr>
-        <p:txBody>
-          <a:bodyPr/>
-          <a:lstStyle/>
-          <a:p>
-            <a:r>
-              <a:rPr lang="de-DE" dirty="0" err="1"/>
-              <a:t>Advanced</a:t>
-            </a:r>
-            <a:r>
-              <a:rPr lang="de-DE" dirty="0"/>
-              <a:t> BDD / Maik Wagner / © </a:t>
-            </a:r>
-            <a:r>
-              <a:rPr lang="de-DE" dirty="0" err="1"/>
-              <a:t>Tallence</a:t>
-            </a:r>
-            <a:r>
-              <a:rPr lang="de-DE" dirty="0"/>
-              <a:t> AG</a:t>
-            </a:r>
-          </a:p>
-        </p:txBody>
-      </p:sp>
-      <p:sp>
-        <p:nvSpPr>
-          <p:cNvPr id="7" name="Datumsplatzhalter 6">
-            <a:extLst>
-              <a:ext uri="{FF2B5EF4-FFF2-40B4-BE49-F238E27FC236}">
-                <a16:creationId xmlns:a16="http://schemas.microsoft.com/office/drawing/2014/main" id="{B436E0FD-E05A-A84C-9957-E5B7C6399E96}"/>
-              </a:ext>
-            </a:extLst>
-          </p:cNvPr>
-          <p:cNvSpPr>
-            <a:spLocks noGrp="1"/>
-          </p:cNvSpPr>
-          <p:nvPr>
-            <p:ph type="dt" sz="half" idx="4294967295"/>
-          </p:nvPr>
-        </p:nvSpPr>
-        <p:spPr>
-          <a:xfrm>
-            <a:off x="11501438" y="6291263"/>
-            <a:ext cx="688975" cy="360362"/>
-          </a:xfrm>
-        </p:spPr>
-        <p:txBody>
-          <a:bodyPr/>
-          <a:lstStyle/>
-          <a:p>
-            <a:fld id="{154C7814-F218-4D9E-8E58-25588F0986B1}" type="datetime1">
-              <a:rPr lang="de-DE" noProof="0" smtClean="0"/>
-              <a:t>29.10.19</a:t>
-            </a:fld>
-            <a:endParaRPr lang="de-DE" noProof="0" dirty="0"/>
-          </a:p>
-        </p:txBody>
-      </p:sp>
-      <p:sp>
-        <p:nvSpPr>
-          <p:cNvPr id="8" name="Foliennummernplatzhalter 7">
-            <a:extLst>
-              <a:ext uri="{FF2B5EF4-FFF2-40B4-BE49-F238E27FC236}">
-                <a16:creationId xmlns:a16="http://schemas.microsoft.com/office/drawing/2014/main" id="{1B107D7B-A952-CC4A-80E8-151AB98DCA3E}"/>
-              </a:ext>
-            </a:extLst>
-          </p:cNvPr>
-          <p:cNvSpPr>
-            <a:spLocks noGrp="1"/>
-          </p:cNvSpPr>
-          <p:nvPr>
-            <p:ph type="sldNum" sz="quarter" idx="4294967295"/>
-          </p:nvPr>
-        </p:nvSpPr>
-        <p:spPr>
-          <a:xfrm>
-            <a:off x="11909425" y="6291263"/>
-            <a:ext cx="280988" cy="360362"/>
-          </a:xfrm>
-        </p:spPr>
-        <p:txBody>
-          <a:bodyPr/>
-          <a:lstStyle/>
-          <a:p>
-            <a:fld id="{02CEFE82-39F2-4F47-8A0C-D5AB3496FA5C}" type="slidenum">
-              <a:rPr lang="de-DE" noProof="0" smtClean="0"/>
-              <a:pPr/>
-              <a:t>9</a:t>
-            </a:fld>
-            <a:endParaRPr lang="de-DE" noProof="0" dirty="0"/>
-          </a:p>
-        </p:txBody>
-      </p:sp>
-    </p:spTree>
-    <p:extLst>
-      <p:ext uri="{BB962C8B-B14F-4D97-AF65-F5344CB8AC3E}">
-        <p14:creationId xmlns:p14="http://schemas.microsoft.com/office/powerpoint/2010/main" val="514579875"/>
       </p:ext>
     </p:extLst>
   </p:cSld>
